--- a/Semana 3.pptx
+++ b/Semana 3.pptx
@@ -20,6 +20,9 @@
     <p:sldId id="267" r:id="rId15"/>
     <p:sldId id="268" r:id="rId16"/>
     <p:sldId id="269" r:id="rId17"/>
+    <p:sldId id="270" r:id="rId18"/>
+    <p:sldId id="271" r:id="rId19"/>
+    <p:sldId id="272" r:id="rId20"/>
   </p:sldIdLst>
   <p:sldSz cx="9144000" cy="6858000"/>
   <p:notesSz cx="7772400" cy="10058400"/>
@@ -2723,7 +2726,7 @@
         <p:spPr>
           <a:xfrm>
             <a:off x="0" y="220680"/>
-            <a:ext cx="9143280" cy="227880"/>
+            <a:ext cx="9142920" cy="227520"/>
           </a:xfrm>
           <a:prstGeom prst="rect">
             <a:avLst/>
@@ -2759,7 +2762,7 @@
         <p:spPr>
           <a:xfrm>
             <a:off x="0" y="0"/>
-            <a:ext cx="9143280" cy="365040"/>
+            <a:ext cx="9142920" cy="364680"/>
           </a:xfrm>
           <a:prstGeom prst="rect">
             <a:avLst/>
@@ -2832,8 +2835,8 @@
         </p:nvSpPr>
         <p:spPr>
           <a:xfrm>
-            <a:off x="457200" y="533520"/>
-            <a:ext cx="8228880" cy="990000"/>
+            <a:off x="457200" y="273600"/>
+            <a:ext cx="8228880" cy="1144440"/>
           </a:xfrm>
           <a:prstGeom prst="rect">
             <a:avLst/>
@@ -2867,7 +2870,7 @@
         <p:spPr>
           <a:xfrm>
             <a:off x="457200" y="1604520"/>
-            <a:ext cx="8229240" cy="3977280"/>
+            <a:ext cx="8228880" cy="3976920"/>
           </a:xfrm>
           <a:prstGeom prst="rect">
             <a:avLst/>
@@ -2890,12 +2893,12 @@
               <a:buChar char=""/>
             </a:pPr>
             <a:r>
-              <a:rPr b="0" lang="en-US" sz="3200" spc="-1" strike="noStrike">
+              <a:rPr b="0" lang="en-US" sz="1800" spc="-1" strike="noStrike">
                 <a:latin typeface="Arial"/>
               </a:rPr>
               <a:t>Click to edit the outline text format</a:t>
             </a:r>
-            <a:endParaRPr b="0" lang="en-US" sz="3200" spc="-1" strike="noStrike">
+            <a:endParaRPr b="0" lang="en-US" sz="1800" spc="-1" strike="noStrike">
               <a:latin typeface="Arial"/>
             </a:endParaRPr>
           </a:p>
@@ -2912,12 +2915,12 @@
               <a:buChar char=""/>
             </a:pPr>
             <a:r>
-              <a:rPr b="0" lang="en-US" sz="2800" spc="-1" strike="noStrike">
+              <a:rPr b="0" lang="en-US" sz="1800" spc="-1" strike="noStrike">
                 <a:latin typeface="Arial"/>
               </a:rPr>
               <a:t>Second Outline Level</a:t>
             </a:r>
-            <a:endParaRPr b="0" lang="en-US" sz="2800" spc="-1" strike="noStrike">
+            <a:endParaRPr b="0" lang="en-US" sz="1800" spc="-1" strike="noStrike">
               <a:latin typeface="Arial"/>
             </a:endParaRPr>
           </a:p>
@@ -2934,12 +2937,12 @@
               <a:buChar char=""/>
             </a:pPr>
             <a:r>
-              <a:rPr b="0" lang="en-US" sz="2400" spc="-1" strike="noStrike">
+              <a:rPr b="0" lang="en-US" sz="1800" spc="-1" strike="noStrike">
                 <a:latin typeface="Arial"/>
               </a:rPr>
               <a:t>Third Outline Level</a:t>
             </a:r>
-            <a:endParaRPr b="0" lang="en-US" sz="2400" spc="-1" strike="noStrike">
+            <a:endParaRPr b="0" lang="en-US" sz="1800" spc="-1" strike="noStrike">
               <a:latin typeface="Arial"/>
             </a:endParaRPr>
           </a:p>
@@ -2956,12 +2959,12 @@
               <a:buChar char=""/>
             </a:pPr>
             <a:r>
-              <a:rPr b="0" lang="en-US" sz="2000" spc="-1" strike="noStrike">
+              <a:rPr b="0" lang="en-US" sz="1800" spc="-1" strike="noStrike">
                 <a:latin typeface="Arial"/>
               </a:rPr>
               <a:t>Fourth Outline Level</a:t>
             </a:r>
-            <a:endParaRPr b="0" lang="en-US" sz="2000" spc="-1" strike="noStrike">
+            <a:endParaRPr b="0" lang="en-US" sz="1800" spc="-1" strike="noStrike">
               <a:latin typeface="Arial"/>
             </a:endParaRPr>
           </a:p>
@@ -2978,12 +2981,12 @@
               <a:buChar char=""/>
             </a:pPr>
             <a:r>
-              <a:rPr b="0" lang="en-US" sz="2000" spc="-1" strike="noStrike">
+              <a:rPr b="0" lang="en-US" sz="1800" spc="-1" strike="noStrike">
                 <a:latin typeface="Arial"/>
               </a:rPr>
               <a:t>Fifth Outline Level</a:t>
             </a:r>
-            <a:endParaRPr b="0" lang="en-US" sz="2000" spc="-1" strike="noStrike">
+            <a:endParaRPr b="0" lang="en-US" sz="1800" spc="-1" strike="noStrike">
               <a:latin typeface="Arial"/>
             </a:endParaRPr>
           </a:p>
@@ -3000,12 +3003,12 @@
               <a:buChar char=""/>
             </a:pPr>
             <a:r>
-              <a:rPr b="0" lang="en-US" sz="2000" spc="-1" strike="noStrike">
+              <a:rPr b="0" lang="en-US" sz="1800" spc="-1" strike="noStrike">
                 <a:latin typeface="Arial"/>
               </a:rPr>
               <a:t>Sixth Outline Level</a:t>
             </a:r>
-            <a:endParaRPr b="0" lang="en-US" sz="2000" spc="-1" strike="noStrike">
+            <a:endParaRPr b="0" lang="en-US" sz="1800" spc="-1" strike="noStrike">
               <a:latin typeface="Arial"/>
             </a:endParaRPr>
           </a:p>
@@ -3022,12 +3025,12 @@
               <a:buChar char=""/>
             </a:pPr>
             <a:r>
-              <a:rPr b="0" lang="en-US" sz="2000" spc="-1" strike="noStrike">
+              <a:rPr b="0" lang="en-US" sz="1800" spc="-1" strike="noStrike">
                 <a:latin typeface="Arial"/>
               </a:rPr>
               <a:t>Seventh Outline Level</a:t>
             </a:r>
-            <a:endParaRPr b="0" lang="en-US" sz="2000" spc="-1" strike="noStrike">
+            <a:endParaRPr b="0" lang="en-US" sz="1800" spc="-1" strike="noStrike">
               <a:latin typeface="Arial"/>
             </a:endParaRPr>
           </a:p>
@@ -3086,7 +3089,7 @@
         <p:spPr>
           <a:xfrm>
             <a:off x="0" y="220680"/>
-            <a:ext cx="9143280" cy="227880"/>
+            <a:ext cx="9142920" cy="227520"/>
           </a:xfrm>
           <a:prstGeom prst="rect">
             <a:avLst/>
@@ -3122,7 +3125,7 @@
         <p:spPr>
           <a:xfrm>
             <a:off x="0" y="0"/>
-            <a:ext cx="9143280" cy="365040"/>
+            <a:ext cx="9142920" cy="364680"/>
           </a:xfrm>
           <a:prstGeom prst="rect">
             <a:avLst/>
@@ -3409,7 +3412,7 @@
         <p:spPr>
           <a:xfrm>
             <a:off x="685800" y="1371600"/>
-            <a:ext cx="7848000" cy="1926360"/>
+            <a:ext cx="7847640" cy="1926000"/>
           </a:xfrm>
           <a:prstGeom prst="rect">
             <a:avLst/>
@@ -3434,11 +3437,12 @@
               </a:lnSpc>
             </a:pPr>
             <a:r>
-              <a:rPr b="0" lang="en-US" sz="5400" spc="-94" strike="noStrike" cap="all">
+              <a:rPr b="0" lang="en-US" sz="5400" spc="-92" strike="noStrike" cap="all">
                 <a:solidFill>
                   <a:srgbClr val="d2533c"/>
                 </a:solidFill>
                 <a:latin typeface="Arial"/>
+                <a:ea typeface="DejaVu Sans"/>
               </a:rPr>
               <a:t>Semana 2</a:t>
             </a:r>
@@ -3457,7 +3461,7 @@
         <p:spPr>
           <a:xfrm>
             <a:off x="685800" y="3505320"/>
-            <a:ext cx="6400080" cy="1751760"/>
+            <a:ext cx="6399720" cy="1751400"/>
           </a:xfrm>
           <a:prstGeom prst="rect">
             <a:avLst/>
@@ -3490,6 +3494,7 @@
                   <a:srgbClr val="57576e"/>
                 </a:solidFill>
                 <a:latin typeface="Arial"/>
+                <a:ea typeface="DejaVu Sans"/>
               </a:rPr>
               <a:t>Introducción a la Programación</a:t>
             </a:r>
@@ -3508,7 +3513,7 @@
         <p:spPr>
           <a:xfrm>
             <a:off x="5529240" y="5715000"/>
-            <a:ext cx="2928240" cy="364320"/>
+            <a:ext cx="2927880" cy="363960"/>
           </a:xfrm>
           <a:prstGeom prst="rect">
             <a:avLst/>
@@ -3606,7 +3611,7 @@
         <p:spPr>
           <a:xfrm>
             <a:off x="457200" y="533520"/>
-            <a:ext cx="8228880" cy="990000"/>
+            <a:ext cx="8228520" cy="989640"/>
           </a:xfrm>
           <a:prstGeom prst="rect">
             <a:avLst/>
@@ -3631,13 +3636,14 @@
               </a:lnSpc>
             </a:pPr>
             <a:r>
-              <a:rPr b="0" lang="en-US" sz="4000" spc="-94" strike="noStrike">
+              <a:rPr b="0" lang="en-US" sz="4000" spc="-92" strike="noStrike">
                 <a:solidFill>
                   <a:srgbClr val="d2533c"/>
                 </a:solidFill>
                 <a:latin typeface="Arial"/>
-              </a:rPr>
-              <a:t>Diagramas de flujo – Ejemplo 4</a:t>
+                <a:ea typeface="DejaVu Sans"/>
+              </a:rPr>
+              <a:t>Diagramas de flujo</a:t>
             </a:r>
             <a:endParaRPr b="0" lang="en-US" sz="4000" spc="-1" strike="noStrike">
               <a:latin typeface="Arial"/>
@@ -3645,29 +3651,151 @@
           </a:p>
         </p:txBody>
       </p:sp>
-      <p:pic>
-        <p:nvPicPr>
-          <p:cNvPr id="105" name="Picture 4" descr=""/>
-          <p:cNvPicPr/>
+      <p:sp>
+        <p:nvSpPr>
+          <p:cNvPr id="105" name="CustomShape 2"/>
+          <p:cNvSpPr/>
           <p:nvPr/>
-        </p:nvPicPr>
-        <p:blipFill>
-          <a:blip r:embed="rId1"/>
-          <a:stretch/>
-        </p:blipFill>
-        <p:spPr>
-          <a:xfrm>
-            <a:off x="1173600" y="1523880"/>
-            <a:ext cx="6552360" cy="5517000"/>
-          </a:xfrm>
-          <a:prstGeom prst="rect">
-            <a:avLst/>
-          </a:prstGeom>
+        </p:nvSpPr>
+        <p:spPr>
+          <a:xfrm>
+            <a:off x="457200" y="1600200"/>
+            <a:ext cx="8228520" cy="4875840"/>
+          </a:xfrm>
+          <a:prstGeom prst="rect">
+            <a:avLst/>
+          </a:prstGeom>
+          <a:noFill/>
           <a:ln>
             <a:noFill/>
           </a:ln>
         </p:spPr>
-      </p:pic>
+        <p:style>
+          <a:lnRef idx="0"/>
+          <a:fillRef idx="0"/>
+          <a:effectRef idx="0"/>
+          <a:fontRef idx="minor"/>
+        </p:style>
+        <p:txBody>
+          <a:bodyPr lIns="90000" rIns="90000" tIns="45000" bIns="45000"/>
+          <a:p>
+            <a:pPr marL="182880" indent="-181800">
+              <a:lnSpc>
+                <a:spcPct val="100000"/>
+              </a:lnSpc>
+              <a:spcBef>
+                <a:spcPts val="479"/>
+              </a:spcBef>
+              <a:buClr>
+                <a:srgbClr val="93a299"/>
+              </a:buClr>
+              <a:buSzPct val="85000"/>
+              <a:buFont typeface="Arial"/>
+              <a:buChar char="•"/>
+            </a:pPr>
+            <a:r>
+              <a:rPr b="0" lang="en-US" sz="2400" spc="-1" strike="noStrike">
+                <a:solidFill>
+                  <a:srgbClr val="292934"/>
+                </a:solidFill>
+                <a:latin typeface="Arial"/>
+                <a:ea typeface="DejaVu Sans"/>
+              </a:rPr>
+              <a:t>Expandamos el ejemplo</a:t>
+            </a:r>
+            <a:endParaRPr b="0" lang="en-US" sz="2400" spc="-1" strike="noStrike">
+              <a:latin typeface="Arial"/>
+            </a:endParaRPr>
+          </a:p>
+          <a:p>
+            <a:pPr lvl="1" marL="457200" indent="-181800">
+              <a:lnSpc>
+                <a:spcPct val="100000"/>
+              </a:lnSpc>
+              <a:spcBef>
+                <a:spcPts val="400"/>
+              </a:spcBef>
+              <a:buClr>
+                <a:srgbClr val="93a299"/>
+              </a:buClr>
+              <a:buSzPct val="85000"/>
+              <a:buFont typeface="Arial"/>
+              <a:buChar char="•"/>
+            </a:pPr>
+            <a:r>
+              <a:rPr b="0" lang="en-US" sz="2000" spc="-1" strike="noStrike">
+                <a:solidFill>
+                  <a:srgbClr val="292934"/>
+                </a:solidFill>
+                <a:latin typeface="Arial"/>
+                <a:ea typeface="DejaVu Sans"/>
+              </a:rPr>
+              <a:t>¿Qué pasa si no tengo dinero?</a:t>
+            </a:r>
+            <a:endParaRPr b="0" lang="en-US" sz="2000" spc="-1" strike="noStrike">
+              <a:latin typeface="Arial"/>
+            </a:endParaRPr>
+          </a:p>
+          <a:p>
+            <a:pPr lvl="1" marL="457200" indent="-181800">
+              <a:lnSpc>
+                <a:spcPct val="100000"/>
+              </a:lnSpc>
+              <a:spcBef>
+                <a:spcPts val="400"/>
+              </a:spcBef>
+              <a:buClr>
+                <a:srgbClr val="93a299"/>
+              </a:buClr>
+              <a:buSzPct val="85000"/>
+              <a:buFont typeface="Arial"/>
+              <a:buChar char="•"/>
+            </a:pPr>
+            <a:r>
+              <a:rPr b="0" lang="en-US" sz="2000" spc="-1" strike="noStrike">
+                <a:solidFill>
+                  <a:srgbClr val="292934"/>
+                </a:solidFill>
+                <a:latin typeface="Arial"/>
+                <a:ea typeface="DejaVu Sans"/>
+              </a:rPr>
+              <a:t>¿Qué pasa si no estoy en mi casa?</a:t>
+            </a:r>
+            <a:endParaRPr b="0" lang="en-US" sz="2000" spc="-1" strike="noStrike">
+              <a:latin typeface="Arial"/>
+            </a:endParaRPr>
+          </a:p>
+          <a:p>
+            <a:pPr lvl="1" marL="457200" indent="-181800">
+              <a:lnSpc>
+                <a:spcPct val="100000"/>
+              </a:lnSpc>
+              <a:spcBef>
+                <a:spcPts val="400"/>
+              </a:spcBef>
+              <a:buClr>
+                <a:srgbClr val="93a299"/>
+              </a:buClr>
+              <a:buSzPct val="85000"/>
+              <a:buFont typeface="Arial"/>
+              <a:buChar char="•"/>
+            </a:pPr>
+            <a:r>
+              <a:rPr b="0" lang="en-US" sz="2000" spc="-1" strike="noStrike">
+                <a:solidFill>
+                  <a:srgbClr val="292934"/>
+                </a:solidFill>
+                <a:latin typeface="Arial"/>
+                <a:ea typeface="DejaVu Sans"/>
+              </a:rPr>
+              <a:t>¿Qué pasa si en mi casa no hay nada de comer?</a:t>
+            </a:r>
+            <a:endParaRPr b="0" lang="en-US" sz="2000" spc="-1" strike="noStrike">
+              <a:latin typeface="Arial"/>
+            </a:endParaRPr>
+          </a:p>
+        </p:txBody>
+      </p:sp>
     </p:spTree>
   </p:cSld>
   <p:timing>
@@ -3726,7 +3854,7 @@
         <p:spPr>
           <a:xfrm>
             <a:off x="457200" y="533520"/>
-            <a:ext cx="8228880" cy="990000"/>
+            <a:ext cx="8228520" cy="989640"/>
           </a:xfrm>
           <a:prstGeom prst="rect">
             <a:avLst/>
@@ -3743,9 +3871,7 @@
           <a:fontRef idx="minor"/>
         </p:style>
         <p:txBody>
-          <a:bodyPr lIns="90000" rIns="90000" tIns="45000" bIns="45000" anchor="ctr">
-            <a:normAutofit/>
-          </a:bodyPr>
+          <a:bodyPr lIns="90000" rIns="90000" tIns="45000" bIns="45000" anchor="ctr"/>
           <a:p>
             <a:pPr>
               <a:lnSpc>
@@ -3753,13 +3879,14 @@
               </a:lnSpc>
             </a:pPr>
             <a:r>
-              <a:rPr b="0" lang="en-US" sz="4000" spc="-94" strike="noStrike">
+              <a:rPr b="0" lang="en-US" sz="4000" spc="-92" strike="noStrike">
                 <a:solidFill>
                   <a:srgbClr val="d2533c"/>
                 </a:solidFill>
                 <a:latin typeface="Arial"/>
-              </a:rPr>
-              <a:t>Diagrama de flujo y pensamiento lógico</a:t>
+                <a:ea typeface="DejaVu Sans"/>
+              </a:rPr>
+              <a:t>Diagramas de flujo – Ejemplo 2</a:t>
             </a:r>
             <a:endParaRPr b="0" lang="en-US" sz="4000" spc="-1" strike="noStrike">
               <a:latin typeface="Arial"/>
@@ -3767,147 +3894,29 @@
           </a:p>
         </p:txBody>
       </p:sp>
-      <p:sp>
-        <p:nvSpPr>
-          <p:cNvPr id="107" name="CustomShape 2"/>
-          <p:cNvSpPr/>
+      <p:pic>
+        <p:nvPicPr>
+          <p:cNvPr id="107" name="Picture 3" descr=""/>
+          <p:cNvPicPr/>
           <p:nvPr/>
-        </p:nvSpPr>
-        <p:spPr>
-          <a:xfrm>
-            <a:off x="457200" y="1600200"/>
-            <a:ext cx="8228880" cy="4876200"/>
-          </a:xfrm>
-          <a:prstGeom prst="rect">
-            <a:avLst/>
-          </a:prstGeom>
-          <a:noFill/>
+        </p:nvPicPr>
+        <p:blipFill>
+          <a:blip r:embed="rId1"/>
+          <a:stretch/>
+        </p:blipFill>
+        <p:spPr>
+          <a:xfrm>
+            <a:off x="3276720" y="1458000"/>
+            <a:ext cx="2665800" cy="5398920"/>
+          </a:xfrm>
+          <a:prstGeom prst="rect">
+            <a:avLst/>
+          </a:prstGeom>
           <a:ln>
             <a:noFill/>
           </a:ln>
         </p:spPr>
-        <p:style>
-          <a:lnRef idx="0"/>
-          <a:fillRef idx="0"/>
-          <a:effectRef idx="0"/>
-          <a:fontRef idx="minor"/>
-        </p:style>
-        <p:txBody>
-          <a:bodyPr lIns="90000" rIns="90000" tIns="45000" bIns="45000"/>
-          <a:p>
-            <a:pPr marL="182880" indent="-182160">
-              <a:lnSpc>
-                <a:spcPct val="100000"/>
-              </a:lnSpc>
-              <a:spcBef>
-                <a:spcPts val="479"/>
-              </a:spcBef>
-              <a:buClr>
-                <a:srgbClr val="93a299"/>
-              </a:buClr>
-              <a:buSzPct val="85000"/>
-              <a:buFont typeface="Arial"/>
-              <a:buChar char="•"/>
-            </a:pPr>
-            <a:r>
-              <a:rPr b="0" lang="en-US" sz="2400" spc="-1" strike="noStrike">
-                <a:solidFill>
-                  <a:srgbClr val="292934"/>
-                </a:solidFill>
-                <a:latin typeface="Arial"/>
-              </a:rPr>
-              <a:t>Ejercicio 1</a:t>
-            </a:r>
-            <a:endParaRPr b="0" lang="en-US" sz="2400" spc="-1" strike="noStrike">
-              <a:latin typeface="Arial"/>
-            </a:endParaRPr>
-          </a:p>
-          <a:p>
-            <a:pPr lvl="1" marL="457200" indent="-182160">
-              <a:lnSpc>
-                <a:spcPct val="100000"/>
-              </a:lnSpc>
-              <a:spcBef>
-                <a:spcPts val="400"/>
-              </a:spcBef>
-              <a:buClr>
-                <a:srgbClr val="93a299"/>
-              </a:buClr>
-              <a:buSzPct val="85000"/>
-              <a:buFont typeface="Arial"/>
-              <a:buChar char="•"/>
-            </a:pPr>
-            <a:r>
-              <a:rPr b="0" lang="en-US" sz="2000" spc="-1" strike="noStrike">
-                <a:solidFill>
-                  <a:srgbClr val="292934"/>
-                </a:solidFill>
-                <a:latin typeface="Arial"/>
-              </a:rPr>
-              <a:t>Cree un algoritmo para determinar si un número de tipo entero es par o impar.</a:t>
-            </a:r>
-            <a:endParaRPr b="0" lang="en-US" sz="2000" spc="-1" strike="noStrike">
-              <a:latin typeface="Arial"/>
-            </a:endParaRPr>
-          </a:p>
-          <a:p>
-            <a:pPr lvl="1" marL="457200" indent="-182160">
-              <a:lnSpc>
-                <a:spcPct val="100000"/>
-              </a:lnSpc>
-              <a:spcBef>
-                <a:spcPts val="400"/>
-              </a:spcBef>
-              <a:buClr>
-                <a:srgbClr val="93a299"/>
-              </a:buClr>
-              <a:buSzPct val="85000"/>
-              <a:buFont typeface="Arial"/>
-              <a:buChar char="•"/>
-            </a:pPr>
-            <a:r>
-              <a:rPr b="0" lang="en-US" sz="2000" spc="-1" strike="noStrike">
-                <a:solidFill>
-                  <a:srgbClr val="292934"/>
-                </a:solidFill>
-                <a:latin typeface="Arial"/>
-              </a:rPr>
-              <a:t>Una vez que se haya determinado si el número es par o impar, debe mostrar un mensaje que lo indique.</a:t>
-            </a:r>
-            <a:endParaRPr b="0" lang="en-US" sz="2000" spc="-1" strike="noStrike">
-              <a:latin typeface="Arial"/>
-            </a:endParaRPr>
-          </a:p>
-          <a:p>
-            <a:pPr lvl="1" marL="457200" indent="-182160">
-              <a:lnSpc>
-                <a:spcPct val="100000"/>
-              </a:lnSpc>
-              <a:spcBef>
-                <a:spcPts val="400"/>
-              </a:spcBef>
-              <a:buClr>
-                <a:srgbClr val="93a299"/>
-              </a:buClr>
-              <a:buSzPct val="85000"/>
-              <a:buFont typeface="Arial"/>
-              <a:buChar char="•"/>
-            </a:pPr>
-            <a:r>
-              <a:rPr b="0" lang="en-US" sz="2000" spc="-1" strike="noStrike">
-                <a:solidFill>
-                  <a:srgbClr val="292934"/>
-                </a:solidFill>
-                <a:latin typeface="Arial"/>
-              </a:rPr>
-              <a:t>Dibuje el diagrama de flujo que represente este algoritmo</a:t>
-            </a:r>
-            <a:endParaRPr b="0" lang="en-US" sz="2000" spc="-1" strike="noStrike">
-              <a:latin typeface="Arial"/>
-            </a:endParaRPr>
-          </a:p>
-        </p:txBody>
-      </p:sp>
+      </p:pic>
     </p:spTree>
   </p:cSld>
   <p:timing>
@@ -3966,7 +3975,7 @@
         <p:spPr>
           <a:xfrm>
             <a:off x="457200" y="533520"/>
-            <a:ext cx="8228880" cy="990000"/>
+            <a:ext cx="8228520" cy="989640"/>
           </a:xfrm>
           <a:prstGeom prst="rect">
             <a:avLst/>
@@ -3983,9 +3992,7 @@
           <a:fontRef idx="minor"/>
         </p:style>
         <p:txBody>
-          <a:bodyPr lIns="90000" rIns="90000" tIns="45000" bIns="45000" anchor="ctr">
-            <a:normAutofit/>
-          </a:bodyPr>
+          <a:bodyPr lIns="90000" rIns="90000" tIns="45000" bIns="45000" anchor="ctr"/>
           <a:p>
             <a:pPr>
               <a:lnSpc>
@@ -3993,13 +4000,14 @@
               </a:lnSpc>
             </a:pPr>
             <a:r>
-              <a:rPr b="0" lang="en-US" sz="4000" spc="-94" strike="noStrike">
+              <a:rPr b="0" lang="en-US" sz="4000" spc="-92" strike="noStrike">
                 <a:solidFill>
                   <a:srgbClr val="d2533c"/>
                 </a:solidFill>
                 <a:latin typeface="Arial"/>
-              </a:rPr>
-              <a:t>Diagrama de flujo y pensamiento lógico</a:t>
+                <a:ea typeface="DejaVu Sans"/>
+              </a:rPr>
+              <a:t>Diagramas de flujo – Ejemplo 3</a:t>
             </a:r>
             <a:endParaRPr b="0" lang="en-US" sz="4000" spc="-1" strike="noStrike">
               <a:latin typeface="Arial"/>
@@ -4016,7 +4024,7 @@
         <p:spPr>
           <a:xfrm>
             <a:off x="457200" y="1600200"/>
-            <a:ext cx="8228880" cy="4876200"/>
+            <a:ext cx="8228520" cy="4875840"/>
           </a:xfrm>
           <a:prstGeom prst="rect">
             <a:avLst/>
@@ -4035,7 +4043,7 @@
         <p:txBody>
           <a:bodyPr lIns="90000" rIns="90000" tIns="45000" bIns="45000"/>
           <a:p>
-            <a:pPr marL="182880" indent="-182160">
+            <a:pPr marL="182880" indent="-181800">
               <a:lnSpc>
                 <a:spcPct val="100000"/>
               </a:lnSpc>
@@ -4055,15 +4063,16 @@
                   <a:srgbClr val="292934"/>
                 </a:solidFill>
                 <a:latin typeface="Arial"/>
-              </a:rPr>
-              <a:t>Ejercicio 2</a:t>
+                <a:ea typeface="DejaVu Sans"/>
+              </a:rPr>
+              <a:t>Algoritmo</a:t>
             </a:r>
             <a:endParaRPr b="0" lang="en-US" sz="2400" spc="-1" strike="noStrike">
               <a:latin typeface="Arial"/>
             </a:endParaRPr>
           </a:p>
           <a:p>
-            <a:pPr lvl="1" marL="457200" indent="-182160">
+            <a:pPr lvl="1" marL="457200" indent="-181800">
               <a:lnSpc>
                 <a:spcPct val="100000"/>
               </a:lnSpc>
@@ -4083,15 +4092,16 @@
                   <a:srgbClr val="292934"/>
                 </a:solidFill>
                 <a:latin typeface="Arial"/>
-              </a:rPr>
-              <a:t>Cree un algoritmo que reciba un número entero cualquiera.</a:t>
+                <a:ea typeface="DejaVu Sans"/>
+              </a:rPr>
+              <a:t>1. Inicio </a:t>
             </a:r>
             <a:endParaRPr b="0" lang="en-US" sz="2000" spc="-1" strike="noStrike">
               <a:latin typeface="Arial"/>
             </a:endParaRPr>
           </a:p>
           <a:p>
-            <a:pPr lvl="1" marL="457200" indent="-182160">
+            <a:pPr lvl="1" marL="457200" indent="-181800">
               <a:lnSpc>
                 <a:spcPct val="100000"/>
               </a:lnSpc>
@@ -4111,15 +4121,16 @@
                   <a:srgbClr val="292934"/>
                 </a:solidFill>
                 <a:latin typeface="Arial"/>
-              </a:rPr>
-              <a:t>Si el número está en el conjunto cerrado de números enteros      [1-10], muestra un mensaje de éxito.</a:t>
+                <a:ea typeface="DejaVu Sans"/>
+              </a:rPr>
+              <a:t>2. Leer el valor de A</a:t>
             </a:r>
             <a:endParaRPr b="0" lang="en-US" sz="2000" spc="-1" strike="noStrike">
               <a:latin typeface="Arial"/>
             </a:endParaRPr>
           </a:p>
           <a:p>
-            <a:pPr lvl="1" marL="457200" indent="-182160">
+            <a:pPr lvl="1" marL="457200" indent="-181800">
               <a:lnSpc>
                 <a:spcPct val="100000"/>
               </a:lnSpc>
@@ -4139,15 +4150,16 @@
                   <a:srgbClr val="292934"/>
                 </a:solidFill>
                 <a:latin typeface="Arial"/>
-              </a:rPr>
-              <a:t>Si el número no se encuentra en el conjunto cerrado de números enteros [1-10] entonces  le pide al usuario ingresar otro número.</a:t>
+                <a:ea typeface="DejaVu Sans"/>
+              </a:rPr>
+              <a:t>2. Leer el valor de B</a:t>
             </a:r>
             <a:endParaRPr b="0" lang="en-US" sz="2000" spc="-1" strike="noStrike">
               <a:latin typeface="Arial"/>
             </a:endParaRPr>
           </a:p>
           <a:p>
-            <a:pPr lvl="1" marL="457200" indent="-182160">
+            <a:pPr lvl="1" marL="457200" indent="-181800">
               <a:lnSpc>
                 <a:spcPct val="100000"/>
               </a:lnSpc>
@@ -4167,10 +4179,214 @@
                   <a:srgbClr val="292934"/>
                 </a:solidFill>
                 <a:latin typeface="Arial"/>
-              </a:rPr>
-              <a:t>Crear un diagrama de flujo que represente el algoritmo creado</a:t>
+                <a:ea typeface="DejaVu Sans"/>
+              </a:rPr>
+              <a:t>3. Si A es mayor a B </a:t>
             </a:r>
             <a:endParaRPr b="0" lang="en-US" sz="2000" spc="-1" strike="noStrike">
+              <a:latin typeface="Arial"/>
+            </a:endParaRPr>
+          </a:p>
+          <a:p>
+            <a:pPr lvl="2" marL="648000" indent="-215640">
+              <a:lnSpc>
+                <a:spcPct val="100000"/>
+              </a:lnSpc>
+              <a:spcBef>
+                <a:spcPts val="400"/>
+              </a:spcBef>
+              <a:buClr>
+                <a:srgbClr val="000000"/>
+              </a:buClr>
+              <a:buSzPct val="45000"/>
+              <a:buFont typeface="Wingdings" charset="2"/>
+              <a:buChar char=""/>
+            </a:pPr>
+            <a:r>
+              <a:rPr b="0" lang="en-US" sz="2000" spc="-1" strike="noStrike">
+                <a:solidFill>
+                  <a:srgbClr val="292934"/>
+                </a:solidFill>
+                <a:latin typeface="Arial"/>
+                <a:ea typeface="DejaVu Sans"/>
+              </a:rPr>
+              <a:t>Imprima “A es mayor a B” </a:t>
+            </a:r>
+            <a:endParaRPr b="0" lang="en-US" sz="2000" spc="-1" strike="noStrike">
+              <a:latin typeface="Arial"/>
+            </a:endParaRPr>
+          </a:p>
+          <a:p>
+            <a:pPr lvl="1" marL="457200" indent="-181800">
+              <a:lnSpc>
+                <a:spcPct val="100000"/>
+              </a:lnSpc>
+              <a:spcBef>
+                <a:spcPts val="400"/>
+              </a:spcBef>
+              <a:buClr>
+                <a:srgbClr val="93a299"/>
+              </a:buClr>
+              <a:buSzPct val="85000"/>
+              <a:buFont typeface="Arial"/>
+              <a:buChar char="•"/>
+            </a:pPr>
+            <a:r>
+              <a:rPr b="0" lang="en-US" sz="2000" spc="-1" strike="noStrike">
+                <a:solidFill>
+                  <a:srgbClr val="292934"/>
+                </a:solidFill>
+                <a:latin typeface="Arial"/>
+                <a:ea typeface="DejaVu Sans"/>
+              </a:rPr>
+              <a:t>4. Si B es mayor a a </a:t>
+            </a:r>
+            <a:endParaRPr b="0" lang="en-US" sz="2000" spc="-1" strike="noStrike">
+              <a:latin typeface="Arial"/>
+            </a:endParaRPr>
+          </a:p>
+          <a:p>
+            <a:pPr lvl="2" marL="648000" indent="-215640">
+              <a:lnSpc>
+                <a:spcPct val="100000"/>
+              </a:lnSpc>
+              <a:spcBef>
+                <a:spcPts val="400"/>
+              </a:spcBef>
+              <a:buClr>
+                <a:srgbClr val="000000"/>
+              </a:buClr>
+              <a:buSzPct val="45000"/>
+              <a:buFont typeface="Wingdings" charset="2"/>
+              <a:buChar char=""/>
+            </a:pPr>
+            <a:r>
+              <a:rPr b="0" lang="en-US" sz="2000" spc="-1" strike="noStrike">
+                <a:solidFill>
+                  <a:srgbClr val="292934"/>
+                </a:solidFill>
+                <a:latin typeface="Arial"/>
+                <a:ea typeface="DejaVu Sans"/>
+              </a:rPr>
+              <a:t>Imprima “B es mayor a A”</a:t>
+            </a:r>
+            <a:endParaRPr b="0" lang="en-US" sz="2000" spc="-1" strike="noStrike">
+              <a:latin typeface="Arial"/>
+            </a:endParaRPr>
+          </a:p>
+          <a:p>
+            <a:pPr lvl="1" marL="457200" indent="-181800">
+              <a:lnSpc>
+                <a:spcPct val="100000"/>
+              </a:lnSpc>
+              <a:spcBef>
+                <a:spcPts val="400"/>
+              </a:spcBef>
+              <a:buClr>
+                <a:srgbClr val="93a299"/>
+              </a:buClr>
+              <a:buSzPct val="85000"/>
+              <a:buFont typeface="Arial"/>
+              <a:buChar char="•"/>
+            </a:pPr>
+            <a:r>
+              <a:rPr b="0" lang="en-US" sz="2000" spc="-1" strike="noStrike">
+                <a:solidFill>
+                  <a:srgbClr val="292934"/>
+                </a:solidFill>
+                <a:latin typeface="Arial"/>
+                <a:ea typeface="DejaVu Sans"/>
+              </a:rPr>
+              <a:t>5. Si A es igual a B</a:t>
+            </a:r>
+            <a:endParaRPr b="0" lang="en-US" sz="2000" spc="-1" strike="noStrike">
+              <a:latin typeface="Arial"/>
+            </a:endParaRPr>
+          </a:p>
+          <a:p>
+            <a:pPr lvl="2" marL="648000" indent="-215640">
+              <a:lnSpc>
+                <a:spcPct val="100000"/>
+              </a:lnSpc>
+              <a:spcBef>
+                <a:spcPts val="400"/>
+              </a:spcBef>
+              <a:buClr>
+                <a:srgbClr val="000000"/>
+              </a:buClr>
+              <a:buSzPct val="45000"/>
+              <a:buFont typeface="Wingdings" charset="2"/>
+              <a:buChar char=""/>
+            </a:pPr>
+            <a:r>
+              <a:rPr b="0" lang="en-US" sz="2000" spc="-1" strike="noStrike">
+                <a:solidFill>
+                  <a:srgbClr val="292934"/>
+                </a:solidFill>
+                <a:latin typeface="Arial"/>
+                <a:ea typeface="DejaVu Sans"/>
+              </a:rPr>
+              <a:t>Imprima “A es igual a B”</a:t>
+            </a:r>
+            <a:endParaRPr b="0" lang="en-US" sz="2000" spc="-1" strike="noStrike">
+              <a:latin typeface="Arial"/>
+            </a:endParaRPr>
+          </a:p>
+          <a:p>
+            <a:pPr lvl="1" marL="457200" indent="-181800">
+              <a:lnSpc>
+                <a:spcPct val="100000"/>
+              </a:lnSpc>
+              <a:spcBef>
+                <a:spcPts val="400"/>
+              </a:spcBef>
+              <a:buClr>
+                <a:srgbClr val="93a299"/>
+              </a:buClr>
+              <a:buSzPct val="85000"/>
+              <a:buFont typeface="Arial"/>
+              <a:buChar char="•"/>
+            </a:pPr>
+            <a:r>
+              <a:rPr b="0" lang="en-US" sz="2000" spc="-1" strike="noStrike">
+                <a:solidFill>
+                  <a:srgbClr val="292934"/>
+                </a:solidFill>
+                <a:latin typeface="Arial"/>
+                <a:ea typeface="DejaVu Sans"/>
+              </a:rPr>
+              <a:t>9. Fin</a:t>
+            </a:r>
+            <a:endParaRPr b="0" lang="en-US" sz="2000" spc="-1" strike="noStrike">
+              <a:latin typeface="Arial"/>
+            </a:endParaRPr>
+          </a:p>
+          <a:p>
+            <a:pPr marL="182880" indent="-181800">
+              <a:lnSpc>
+                <a:spcPct val="100000"/>
+              </a:lnSpc>
+              <a:spcBef>
+                <a:spcPts val="479"/>
+              </a:spcBef>
+              <a:buClr>
+                <a:srgbClr val="93a299"/>
+              </a:buClr>
+              <a:buSzPct val="85000"/>
+              <a:buFont typeface="Arial"/>
+              <a:buChar char="•"/>
+            </a:pPr>
+            <a:r>
+              <a:rPr b="0" lang="en-US" sz="2400" spc="-1" strike="noStrike">
+                <a:solidFill>
+                  <a:srgbClr val="292934"/>
+                </a:solidFill>
+                <a:latin typeface="Arial"/>
+                <a:ea typeface="DejaVu Sans"/>
+              </a:rPr>
+              <a:t>Dibuje un diagrama de flujo que represte este algoritmo</a:t>
+            </a:r>
+            <a:endParaRPr b="0" lang="en-US" sz="2400" spc="-1" strike="noStrike">
               <a:latin typeface="Arial"/>
             </a:endParaRPr>
           </a:p>
@@ -4234,7 +4450,7 @@
         <p:spPr>
           <a:xfrm>
             <a:off x="457200" y="533520"/>
-            <a:ext cx="8228880" cy="990000"/>
+            <a:ext cx="8228520" cy="989640"/>
           </a:xfrm>
           <a:prstGeom prst="rect">
             <a:avLst/>
@@ -4251,9 +4467,7 @@
           <a:fontRef idx="minor"/>
         </p:style>
         <p:txBody>
-          <a:bodyPr lIns="90000" rIns="90000" tIns="45000" bIns="45000" anchor="ctr">
-            <a:normAutofit/>
-          </a:bodyPr>
+          <a:bodyPr lIns="90000" rIns="90000" tIns="45000" bIns="45000" anchor="ctr"/>
           <a:p>
             <a:pPr>
               <a:lnSpc>
@@ -4261,13 +4475,14 @@
               </a:lnSpc>
             </a:pPr>
             <a:r>
-              <a:rPr b="0" lang="en-US" sz="4000" spc="-94" strike="noStrike">
+              <a:rPr b="0" lang="en-US" sz="4000" spc="-92" strike="noStrike">
                 <a:solidFill>
                   <a:srgbClr val="d2533c"/>
                 </a:solidFill>
                 <a:latin typeface="Arial"/>
-              </a:rPr>
-              <a:t>Diagrama de flujo y pensamiento lógico</a:t>
+                <a:ea typeface="DejaVu Sans"/>
+              </a:rPr>
+              <a:t>Diagramas de flujo – Ejemplo 4</a:t>
             </a:r>
             <a:endParaRPr b="0" lang="en-US" sz="4000" spc="-1" strike="noStrike">
               <a:latin typeface="Arial"/>
@@ -4275,195 +4490,29 @@
           </a:p>
         </p:txBody>
       </p:sp>
-      <p:sp>
-        <p:nvSpPr>
-          <p:cNvPr id="111" name="CustomShape 2"/>
-          <p:cNvSpPr/>
+      <p:pic>
+        <p:nvPicPr>
+          <p:cNvPr id="111" name="Picture 4" descr=""/>
+          <p:cNvPicPr/>
           <p:nvPr/>
-        </p:nvSpPr>
-        <p:spPr>
-          <a:xfrm>
-            <a:off x="457200" y="1600200"/>
-            <a:ext cx="8228880" cy="4876200"/>
-          </a:xfrm>
-          <a:prstGeom prst="rect">
-            <a:avLst/>
-          </a:prstGeom>
-          <a:noFill/>
+        </p:nvPicPr>
+        <p:blipFill>
+          <a:blip r:embed="rId1"/>
+          <a:stretch/>
+        </p:blipFill>
+        <p:spPr>
+          <a:xfrm>
+            <a:off x="1097280" y="1463040"/>
+            <a:ext cx="6552000" cy="5516640"/>
+          </a:xfrm>
+          <a:prstGeom prst="rect">
+            <a:avLst/>
+          </a:prstGeom>
           <a:ln>
             <a:noFill/>
           </a:ln>
         </p:spPr>
-        <p:style>
-          <a:lnRef idx="0"/>
-          <a:fillRef idx="0"/>
-          <a:effectRef idx="0"/>
-          <a:fontRef idx="minor"/>
-        </p:style>
-        <p:txBody>
-          <a:bodyPr lIns="90000" rIns="90000" tIns="45000" bIns="45000"/>
-          <a:p>
-            <a:pPr marL="182880" indent="-182160">
-              <a:lnSpc>
-                <a:spcPct val="100000"/>
-              </a:lnSpc>
-              <a:spcBef>
-                <a:spcPts val="479"/>
-              </a:spcBef>
-              <a:buClr>
-                <a:srgbClr val="93a299"/>
-              </a:buClr>
-              <a:buSzPct val="85000"/>
-              <a:buFont typeface="Arial"/>
-              <a:buChar char="•"/>
-            </a:pPr>
-            <a:r>
-              <a:rPr b="0" lang="en-US" sz="2400" spc="-1" strike="noStrike">
-                <a:solidFill>
-                  <a:srgbClr val="292934"/>
-                </a:solidFill>
-                <a:latin typeface="Arial"/>
-              </a:rPr>
-              <a:t>Ejercicio 3</a:t>
-            </a:r>
-            <a:endParaRPr b="0" lang="en-US" sz="2400" spc="-1" strike="noStrike">
-              <a:latin typeface="Arial"/>
-            </a:endParaRPr>
-          </a:p>
-          <a:p>
-            <a:pPr lvl="1" marL="457200" indent="-182160">
-              <a:lnSpc>
-                <a:spcPct val="100000"/>
-              </a:lnSpc>
-              <a:spcBef>
-                <a:spcPts val="400"/>
-              </a:spcBef>
-              <a:buClr>
-                <a:srgbClr val="93a299"/>
-              </a:buClr>
-              <a:buSzPct val="85000"/>
-              <a:buFont typeface="Arial"/>
-              <a:buChar char="•"/>
-            </a:pPr>
-            <a:r>
-              <a:rPr b="0" lang="en-US" sz="2000" spc="-1" strike="noStrike">
-                <a:solidFill>
-                  <a:srgbClr val="292934"/>
-                </a:solidFill>
-                <a:latin typeface="Arial"/>
-              </a:rPr>
-              <a:t>Cree un algoritmo que, lea un monto en colones y después convierta el monto a dólares o euros según seleccione el usuario.</a:t>
-            </a:r>
-            <a:endParaRPr b="0" lang="en-US" sz="2000" spc="-1" strike="noStrike">
-              <a:latin typeface="Arial"/>
-            </a:endParaRPr>
-          </a:p>
-          <a:p>
-            <a:pPr lvl="1" marL="457200" indent="-182160">
-              <a:lnSpc>
-                <a:spcPct val="100000"/>
-              </a:lnSpc>
-              <a:spcBef>
-                <a:spcPts val="400"/>
-              </a:spcBef>
-              <a:buClr>
-                <a:srgbClr val="93a299"/>
-              </a:buClr>
-              <a:buSzPct val="85000"/>
-              <a:buFont typeface="Arial"/>
-              <a:buChar char="•"/>
-            </a:pPr>
-            <a:r>
-              <a:rPr b="0" lang="en-US" sz="2000" spc="-1" strike="noStrike">
-                <a:solidFill>
-                  <a:srgbClr val="292934"/>
-                </a:solidFill>
-                <a:latin typeface="Arial"/>
-              </a:rPr>
-              <a:t>Tipo de cambio del dólar 1 USD = 548 colones</a:t>
-            </a:r>
-            <a:endParaRPr b="0" lang="en-US" sz="2000" spc="-1" strike="noStrike">
-              <a:latin typeface="Arial"/>
-            </a:endParaRPr>
-          </a:p>
-          <a:p>
-            <a:pPr lvl="1" marL="457200" indent="-182160">
-              <a:lnSpc>
-                <a:spcPct val="100000"/>
-              </a:lnSpc>
-              <a:spcBef>
-                <a:spcPts val="400"/>
-              </a:spcBef>
-              <a:buClr>
-                <a:srgbClr val="93a299"/>
-              </a:buClr>
-              <a:buSzPct val="85000"/>
-              <a:buFont typeface="Arial"/>
-              <a:buChar char="•"/>
-            </a:pPr>
-            <a:r>
-              <a:rPr b="0" lang="en-US" sz="2000" spc="-1" strike="noStrike">
-                <a:solidFill>
-                  <a:srgbClr val="292934"/>
-                </a:solidFill>
-                <a:latin typeface="Arial"/>
-              </a:rPr>
-              <a:t>Tipo de cambio del euro 1 EUR = 585 colones</a:t>
-            </a:r>
-            <a:endParaRPr b="0" lang="en-US" sz="2000" spc="-1" strike="noStrike">
-              <a:latin typeface="Arial"/>
-            </a:endParaRPr>
-          </a:p>
-          <a:p>
-            <a:pPr lvl="1" marL="457200" indent="-182160">
-              <a:lnSpc>
-                <a:spcPct val="100000"/>
-              </a:lnSpc>
-              <a:spcBef>
-                <a:spcPts val="400"/>
-              </a:spcBef>
-              <a:buClr>
-                <a:srgbClr val="93a299"/>
-              </a:buClr>
-              <a:buSzPct val="85000"/>
-              <a:buFont typeface="Arial"/>
-              <a:buChar char="•"/>
-            </a:pPr>
-            <a:r>
-              <a:rPr b="0" lang="en-US" sz="2000" spc="-1" strike="noStrike">
-                <a:solidFill>
-                  <a:srgbClr val="292934"/>
-                </a:solidFill>
-                <a:latin typeface="Arial"/>
-              </a:rPr>
-              <a:t>Dibuje el diagrama de flujo que represente este algoritmo</a:t>
-            </a:r>
-            <a:endParaRPr b="0" lang="en-US" sz="2000" spc="-1" strike="noStrike">
-              <a:latin typeface="Arial"/>
-            </a:endParaRPr>
-          </a:p>
-          <a:p>
-            <a:pPr>
-              <a:lnSpc>
-                <a:spcPct val="100000"/>
-              </a:lnSpc>
-            </a:pPr>
-            <a:endParaRPr b="0" lang="en-US" sz="2000" spc="-1" strike="noStrike">
-              <a:latin typeface="Arial"/>
-            </a:endParaRPr>
-          </a:p>
-          <a:p>
-            <a:pPr>
-              <a:lnSpc>
-                <a:spcPct val="100000"/>
-              </a:lnSpc>
-            </a:pPr>
-            <a:endParaRPr b="0" lang="en-US" sz="2000" spc="-1" strike="noStrike">
-              <a:latin typeface="Arial"/>
-            </a:endParaRPr>
-          </a:p>
-        </p:txBody>
-      </p:sp>
+      </p:pic>
     </p:spTree>
   </p:cSld>
   <p:timing>
@@ -4522,7 +4571,7 @@
         <p:spPr>
           <a:xfrm>
             <a:off x="457200" y="533520"/>
-            <a:ext cx="8228880" cy="990000"/>
+            <a:ext cx="8228520" cy="989640"/>
           </a:xfrm>
           <a:prstGeom prst="rect">
             <a:avLst/>
@@ -4549,11 +4598,12 @@
               </a:lnSpc>
             </a:pPr>
             <a:r>
-              <a:rPr b="0" lang="en-US" sz="4000" spc="-94" strike="noStrike">
+              <a:rPr b="0" lang="en-US" sz="4000" spc="-92" strike="noStrike">
                 <a:solidFill>
                   <a:srgbClr val="d2533c"/>
                 </a:solidFill>
                 <a:latin typeface="Arial"/>
+                <a:ea typeface="DejaVu Sans"/>
               </a:rPr>
               <a:t>Diagrama de flujo y pensamiento lógico</a:t>
             </a:r>
@@ -4572,7 +4622,7 @@
         <p:spPr>
           <a:xfrm>
             <a:off x="457200" y="1600200"/>
-            <a:ext cx="8228880" cy="4876200"/>
+            <a:ext cx="8228520" cy="4875840"/>
           </a:xfrm>
           <a:prstGeom prst="rect">
             <a:avLst/>
@@ -4591,7 +4641,7 @@
         <p:txBody>
           <a:bodyPr lIns="90000" rIns="90000" tIns="45000" bIns="45000"/>
           <a:p>
-            <a:pPr marL="182880" indent="-182160">
+            <a:pPr marL="182880" indent="-181800">
               <a:lnSpc>
                 <a:spcPct val="100000"/>
               </a:lnSpc>
@@ -4611,15 +4661,16 @@
                   <a:srgbClr val="292934"/>
                 </a:solidFill>
                 <a:latin typeface="Arial"/>
-              </a:rPr>
-              <a:t>Ejercicio 4</a:t>
+                <a:ea typeface="DejaVu Sans"/>
+              </a:rPr>
+              <a:t>Ejercicio 1</a:t>
             </a:r>
             <a:endParaRPr b="0" lang="en-US" sz="2400" spc="-1" strike="noStrike">
               <a:latin typeface="Arial"/>
             </a:endParaRPr>
           </a:p>
           <a:p>
-            <a:pPr lvl="1" marL="457200" indent="-182160">
+            <a:pPr lvl="1" marL="457200" indent="-181800">
               <a:lnSpc>
                 <a:spcPct val="100000"/>
               </a:lnSpc>
@@ -4639,15 +4690,16 @@
                   <a:srgbClr val="292934"/>
                 </a:solidFill>
                 <a:latin typeface="Arial"/>
-              </a:rPr>
-              <a:t>Cree un algoritmo que calcule el área y el perímetro de un cuadrado. El valor de la longitud del lado es ingresado por el usuario. Debe mostrar un mensaje con los dos valores.</a:t>
+                <a:ea typeface="DejaVu Sans"/>
+              </a:rPr>
+              <a:t>Cree un algoritmo para determinar si un número de tipo entero es par o impar.</a:t>
             </a:r>
             <a:endParaRPr b="0" lang="en-US" sz="2000" spc="-1" strike="noStrike">
               <a:latin typeface="Arial"/>
             </a:endParaRPr>
           </a:p>
           <a:p>
-            <a:pPr lvl="1" marL="457200" indent="-182160">
+            <a:pPr lvl="1" marL="457200" indent="-181800">
               <a:lnSpc>
                 <a:spcPct val="100000"/>
               </a:lnSpc>
@@ -4667,19 +4719,39 @@
                   <a:srgbClr val="292934"/>
                 </a:solidFill>
                 <a:latin typeface="Arial"/>
+                <a:ea typeface="DejaVu Sans"/>
+              </a:rPr>
+              <a:t>Una vez que se haya determinado si el número es par o impar, debe mostrar un mensaje que lo indique.</a:t>
+            </a:r>
+            <a:endParaRPr b="0" lang="en-US" sz="2000" spc="-1" strike="noStrike">
+              <a:latin typeface="Arial"/>
+            </a:endParaRPr>
+          </a:p>
+          <a:p>
+            <a:pPr lvl="1" marL="457200" indent="-181800">
+              <a:lnSpc>
+                <a:spcPct val="100000"/>
+              </a:lnSpc>
+              <a:spcBef>
+                <a:spcPts val="400"/>
+              </a:spcBef>
+              <a:buClr>
+                <a:srgbClr val="93a299"/>
+              </a:buClr>
+              <a:buSzPct val="85000"/>
+              <a:buFont typeface="Arial"/>
+              <a:buChar char="•"/>
+            </a:pPr>
+            <a:r>
+              <a:rPr b="0" lang="en-US" sz="2000" spc="-1" strike="noStrike">
+                <a:solidFill>
+                  <a:srgbClr val="292934"/>
+                </a:solidFill>
+                <a:latin typeface="Arial"/>
+                <a:ea typeface="DejaVu Sans"/>
               </a:rPr>
               <a:t>Dibuje el diagrama de flujo que represente este algoritmo</a:t>
             </a:r>
-            <a:endParaRPr b="0" lang="en-US" sz="2000" spc="-1" strike="noStrike">
-              <a:latin typeface="Arial"/>
-            </a:endParaRPr>
-          </a:p>
-          <a:p>
-            <a:pPr>
-              <a:lnSpc>
-                <a:spcPct val="100000"/>
-              </a:lnSpc>
-            </a:pPr>
             <a:endParaRPr b="0" lang="en-US" sz="2000" spc="-1" strike="noStrike">
               <a:latin typeface="Arial"/>
             </a:endParaRPr>
@@ -4695,6 +4767,800 @@
           <p:childTnLst>
             <p:seq>
               <p:cTn id="76" dur="indefinite" nodeType="mainSeq"/>
+              <p:prevCondLst>
+                <p:cond delay="0" evt="onPrev">
+                  <p:tgtEl>
+                    <p:sldTgt/>
+                  </p:tgtEl>
+                </p:cond>
+              </p:prevCondLst>
+              <p:nextCondLst>
+                <p:cond delay="0" evt="onNext">
+                  <p:tgtEl>
+                    <p:sldTgt/>
+                  </p:tgtEl>
+                </p:cond>
+              </p:nextCondLst>
+            </p:seq>
+          </p:childTnLst>
+        </p:cTn>
+      </p:par>
+    </p:tnLst>
+  </p:timing>
+</p:sld>
+</file>
+
+<file path=ppt/slides/slide15.xml><?xml version="1.0" encoding="utf-8"?>
+<p:sld xmlns:a="http://schemas.openxmlformats.org/drawingml/2006/main" xmlns:p="http://schemas.openxmlformats.org/presentationml/2006/main" xmlns:r="http://schemas.openxmlformats.org/officeDocument/2006/relationships" xmlns:p14="http://schemas.microsoft.com/office/powerpoint/2010/main" xmlns:p15="http://schemas.microsoft.com/office/powerpoint/2012/main" xmlns:mc="http://schemas.openxmlformats.org/markup-compatibility/2006">
+  <p:cSld>
+    <p:spTree>
+      <p:nvGrpSpPr>
+        <p:cNvPr id="1" name=""/>
+        <p:cNvGrpSpPr/>
+        <p:nvPr/>
+      </p:nvGrpSpPr>
+      <p:grpSpPr>
+        <a:xfrm>
+          <a:off x="0" y="0"/>
+          <a:ext cx="0" cy="0"/>
+          <a:chOff x="0" y="0"/>
+          <a:chExt cx="0" cy="0"/>
+        </a:xfrm>
+      </p:grpSpPr>
+      <p:sp>
+        <p:nvSpPr>
+          <p:cNvPr id="114" name="CustomShape 1"/>
+          <p:cNvSpPr/>
+          <p:nvPr/>
+        </p:nvSpPr>
+        <p:spPr>
+          <a:xfrm>
+            <a:off x="457200" y="533520"/>
+            <a:ext cx="8228520" cy="989640"/>
+          </a:xfrm>
+          <a:prstGeom prst="rect">
+            <a:avLst/>
+          </a:prstGeom>
+          <a:noFill/>
+          <a:ln>
+            <a:noFill/>
+          </a:ln>
+        </p:spPr>
+        <p:style>
+          <a:lnRef idx="0"/>
+          <a:fillRef idx="0"/>
+          <a:effectRef idx="0"/>
+          <a:fontRef idx="minor"/>
+        </p:style>
+        <p:txBody>
+          <a:bodyPr lIns="90000" rIns="90000" tIns="45000" bIns="45000" anchor="ctr">
+            <a:normAutofit/>
+          </a:bodyPr>
+          <a:p>
+            <a:pPr>
+              <a:lnSpc>
+                <a:spcPct val="100000"/>
+              </a:lnSpc>
+            </a:pPr>
+            <a:r>
+              <a:rPr b="0" lang="en-US" sz="4000" spc="-92" strike="noStrike">
+                <a:solidFill>
+                  <a:srgbClr val="d2533c"/>
+                </a:solidFill>
+                <a:latin typeface="Arial"/>
+                <a:ea typeface="DejaVu Sans"/>
+              </a:rPr>
+              <a:t>Diagrama de flujo y pensamiento lógico</a:t>
+            </a:r>
+            <a:endParaRPr b="0" lang="en-US" sz="4000" spc="-1" strike="noStrike">
+              <a:latin typeface="Arial"/>
+            </a:endParaRPr>
+          </a:p>
+        </p:txBody>
+      </p:sp>
+      <p:sp>
+        <p:nvSpPr>
+          <p:cNvPr id="115" name="CustomShape 2"/>
+          <p:cNvSpPr/>
+          <p:nvPr/>
+        </p:nvSpPr>
+        <p:spPr>
+          <a:xfrm>
+            <a:off x="457200" y="1600200"/>
+            <a:ext cx="8228520" cy="4875840"/>
+          </a:xfrm>
+          <a:prstGeom prst="rect">
+            <a:avLst/>
+          </a:prstGeom>
+          <a:noFill/>
+          <a:ln>
+            <a:noFill/>
+          </a:ln>
+        </p:spPr>
+        <p:style>
+          <a:lnRef idx="0"/>
+          <a:fillRef idx="0"/>
+          <a:effectRef idx="0"/>
+          <a:fontRef idx="minor"/>
+        </p:style>
+        <p:txBody>
+          <a:bodyPr lIns="90000" rIns="90000" tIns="45000" bIns="45000"/>
+          <a:p>
+            <a:pPr marL="182880" indent="-181800">
+              <a:lnSpc>
+                <a:spcPct val="100000"/>
+              </a:lnSpc>
+              <a:spcBef>
+                <a:spcPts val="479"/>
+              </a:spcBef>
+              <a:buClr>
+                <a:srgbClr val="93a299"/>
+              </a:buClr>
+              <a:buSzPct val="85000"/>
+              <a:buFont typeface="Arial"/>
+              <a:buChar char="•"/>
+            </a:pPr>
+            <a:r>
+              <a:rPr b="0" lang="en-US" sz="2400" spc="-1" strike="noStrike">
+                <a:solidFill>
+                  <a:srgbClr val="292934"/>
+                </a:solidFill>
+                <a:latin typeface="Arial"/>
+                <a:ea typeface="DejaVu Sans"/>
+              </a:rPr>
+              <a:t>Ejercicio 2</a:t>
+            </a:r>
+            <a:endParaRPr b="0" lang="en-US" sz="2400" spc="-1" strike="noStrike">
+              <a:latin typeface="Arial"/>
+            </a:endParaRPr>
+          </a:p>
+          <a:p>
+            <a:pPr lvl="1" marL="457200" indent="-181800">
+              <a:lnSpc>
+                <a:spcPct val="100000"/>
+              </a:lnSpc>
+              <a:spcBef>
+                <a:spcPts val="400"/>
+              </a:spcBef>
+              <a:buClr>
+                <a:srgbClr val="93a299"/>
+              </a:buClr>
+              <a:buSzPct val="85000"/>
+              <a:buFont typeface="Arial"/>
+              <a:buChar char="•"/>
+            </a:pPr>
+            <a:r>
+              <a:rPr b="0" lang="en-US" sz="2000" spc="-1" strike="noStrike">
+                <a:solidFill>
+                  <a:srgbClr val="292934"/>
+                </a:solidFill>
+                <a:latin typeface="Arial"/>
+                <a:ea typeface="DejaVu Sans"/>
+              </a:rPr>
+              <a:t>Cree un algoritmo que reciba un número entero cualquiera.</a:t>
+            </a:r>
+            <a:endParaRPr b="0" lang="en-US" sz="2000" spc="-1" strike="noStrike">
+              <a:latin typeface="Arial"/>
+            </a:endParaRPr>
+          </a:p>
+          <a:p>
+            <a:pPr lvl="1" marL="457200" indent="-181800">
+              <a:lnSpc>
+                <a:spcPct val="100000"/>
+              </a:lnSpc>
+              <a:spcBef>
+                <a:spcPts val="400"/>
+              </a:spcBef>
+              <a:buClr>
+                <a:srgbClr val="93a299"/>
+              </a:buClr>
+              <a:buSzPct val="85000"/>
+              <a:buFont typeface="Arial"/>
+              <a:buChar char="•"/>
+            </a:pPr>
+            <a:r>
+              <a:rPr b="0" lang="en-US" sz="2000" spc="-1" strike="noStrike">
+                <a:solidFill>
+                  <a:srgbClr val="292934"/>
+                </a:solidFill>
+                <a:latin typeface="Arial"/>
+                <a:ea typeface="DejaVu Sans"/>
+              </a:rPr>
+              <a:t>Si el número está en el conjunto cerrado de números enteros      [1-10], muestra un mensaje de éxito.</a:t>
+            </a:r>
+            <a:endParaRPr b="0" lang="en-US" sz="2000" spc="-1" strike="noStrike">
+              <a:latin typeface="Arial"/>
+            </a:endParaRPr>
+          </a:p>
+          <a:p>
+            <a:pPr lvl="1" marL="457200" indent="-181800">
+              <a:lnSpc>
+                <a:spcPct val="100000"/>
+              </a:lnSpc>
+              <a:spcBef>
+                <a:spcPts val="400"/>
+              </a:spcBef>
+              <a:buClr>
+                <a:srgbClr val="93a299"/>
+              </a:buClr>
+              <a:buSzPct val="85000"/>
+              <a:buFont typeface="Arial"/>
+              <a:buChar char="•"/>
+            </a:pPr>
+            <a:r>
+              <a:rPr b="0" lang="en-US" sz="2000" spc="-1" strike="noStrike">
+                <a:solidFill>
+                  <a:srgbClr val="292934"/>
+                </a:solidFill>
+                <a:latin typeface="Arial"/>
+                <a:ea typeface="DejaVu Sans"/>
+              </a:rPr>
+              <a:t>Si el número no se encuentra en el conjunto cerrado de números enteros [1-10] entonces  le pide al usuario ingresar otro número.</a:t>
+            </a:r>
+            <a:endParaRPr b="0" lang="en-US" sz="2000" spc="-1" strike="noStrike">
+              <a:latin typeface="Arial"/>
+            </a:endParaRPr>
+          </a:p>
+          <a:p>
+            <a:pPr lvl="1" marL="457200" indent="-181800">
+              <a:lnSpc>
+                <a:spcPct val="100000"/>
+              </a:lnSpc>
+              <a:spcBef>
+                <a:spcPts val="400"/>
+              </a:spcBef>
+              <a:buClr>
+                <a:srgbClr val="93a299"/>
+              </a:buClr>
+              <a:buSzPct val="85000"/>
+              <a:buFont typeface="Arial"/>
+              <a:buChar char="•"/>
+            </a:pPr>
+            <a:r>
+              <a:rPr b="0" lang="en-US" sz="2000" spc="-1" strike="noStrike">
+                <a:solidFill>
+                  <a:srgbClr val="292934"/>
+                </a:solidFill>
+                <a:latin typeface="Arial"/>
+                <a:ea typeface="DejaVu Sans"/>
+              </a:rPr>
+              <a:t>Crear un diagrama de flujo que represente el algoritmo creado</a:t>
+            </a:r>
+            <a:endParaRPr b="0" lang="en-US" sz="2000" spc="-1" strike="noStrike">
+              <a:latin typeface="Arial"/>
+            </a:endParaRPr>
+          </a:p>
+        </p:txBody>
+      </p:sp>
+    </p:spTree>
+  </p:cSld>
+  <p:timing>
+    <p:tnLst>
+      <p:par>
+        <p:cTn id="77" dur="indefinite" restart="never" nodeType="tmRoot">
+          <p:childTnLst>
+            <p:seq>
+              <p:cTn id="78" dur="indefinite" nodeType="mainSeq"/>
+              <p:prevCondLst>
+                <p:cond delay="0" evt="onPrev">
+                  <p:tgtEl>
+                    <p:sldTgt/>
+                  </p:tgtEl>
+                </p:cond>
+              </p:prevCondLst>
+              <p:nextCondLst>
+                <p:cond delay="0" evt="onNext">
+                  <p:tgtEl>
+                    <p:sldTgt/>
+                  </p:tgtEl>
+                </p:cond>
+              </p:nextCondLst>
+            </p:seq>
+          </p:childTnLst>
+        </p:cTn>
+      </p:par>
+    </p:tnLst>
+  </p:timing>
+</p:sld>
+</file>
+
+<file path=ppt/slides/slide16.xml><?xml version="1.0" encoding="utf-8"?>
+<p:sld xmlns:a="http://schemas.openxmlformats.org/drawingml/2006/main" xmlns:p="http://schemas.openxmlformats.org/presentationml/2006/main" xmlns:r="http://schemas.openxmlformats.org/officeDocument/2006/relationships" xmlns:p14="http://schemas.microsoft.com/office/powerpoint/2010/main" xmlns:p15="http://schemas.microsoft.com/office/powerpoint/2012/main" xmlns:mc="http://schemas.openxmlformats.org/markup-compatibility/2006">
+  <p:cSld>
+    <p:spTree>
+      <p:nvGrpSpPr>
+        <p:cNvPr id="1" name=""/>
+        <p:cNvGrpSpPr/>
+        <p:nvPr/>
+      </p:nvGrpSpPr>
+      <p:grpSpPr>
+        <a:xfrm>
+          <a:off x="0" y="0"/>
+          <a:ext cx="0" cy="0"/>
+          <a:chOff x="0" y="0"/>
+          <a:chExt cx="0" cy="0"/>
+        </a:xfrm>
+      </p:grpSpPr>
+      <p:sp>
+        <p:nvSpPr>
+          <p:cNvPr id="116" name="CustomShape 1"/>
+          <p:cNvSpPr/>
+          <p:nvPr/>
+        </p:nvSpPr>
+        <p:spPr>
+          <a:xfrm>
+            <a:off x="457200" y="533520"/>
+            <a:ext cx="8228520" cy="989640"/>
+          </a:xfrm>
+          <a:prstGeom prst="rect">
+            <a:avLst/>
+          </a:prstGeom>
+          <a:noFill/>
+          <a:ln>
+            <a:noFill/>
+          </a:ln>
+        </p:spPr>
+        <p:style>
+          <a:lnRef idx="0"/>
+          <a:fillRef idx="0"/>
+          <a:effectRef idx="0"/>
+          <a:fontRef idx="minor"/>
+        </p:style>
+        <p:txBody>
+          <a:bodyPr lIns="90000" rIns="90000" tIns="45000" bIns="45000" anchor="ctr">
+            <a:normAutofit/>
+          </a:bodyPr>
+          <a:p>
+            <a:pPr>
+              <a:lnSpc>
+                <a:spcPct val="100000"/>
+              </a:lnSpc>
+            </a:pPr>
+            <a:r>
+              <a:rPr b="0" lang="en-US" sz="4000" spc="-92" strike="noStrike">
+                <a:solidFill>
+                  <a:srgbClr val="d2533c"/>
+                </a:solidFill>
+                <a:latin typeface="Arial"/>
+                <a:ea typeface="DejaVu Sans"/>
+              </a:rPr>
+              <a:t>Diagrama de flujo y pensamiento lógico</a:t>
+            </a:r>
+            <a:endParaRPr b="0" lang="en-US" sz="4000" spc="-1" strike="noStrike">
+              <a:latin typeface="Arial"/>
+            </a:endParaRPr>
+          </a:p>
+        </p:txBody>
+      </p:sp>
+      <p:sp>
+        <p:nvSpPr>
+          <p:cNvPr id="117" name="CustomShape 2"/>
+          <p:cNvSpPr/>
+          <p:nvPr/>
+        </p:nvSpPr>
+        <p:spPr>
+          <a:xfrm>
+            <a:off x="457200" y="1600200"/>
+            <a:ext cx="8228520" cy="4875840"/>
+          </a:xfrm>
+          <a:prstGeom prst="rect">
+            <a:avLst/>
+          </a:prstGeom>
+          <a:noFill/>
+          <a:ln>
+            <a:noFill/>
+          </a:ln>
+        </p:spPr>
+        <p:style>
+          <a:lnRef idx="0"/>
+          <a:fillRef idx="0"/>
+          <a:effectRef idx="0"/>
+          <a:fontRef idx="minor"/>
+        </p:style>
+        <p:txBody>
+          <a:bodyPr lIns="90000" rIns="90000" tIns="45000" bIns="45000"/>
+          <a:p>
+            <a:pPr marL="182880" indent="-181800">
+              <a:lnSpc>
+                <a:spcPct val="100000"/>
+              </a:lnSpc>
+              <a:spcBef>
+                <a:spcPts val="479"/>
+              </a:spcBef>
+              <a:buClr>
+                <a:srgbClr val="93a299"/>
+              </a:buClr>
+              <a:buSzPct val="85000"/>
+              <a:buFont typeface="Arial"/>
+              <a:buChar char="•"/>
+            </a:pPr>
+            <a:r>
+              <a:rPr b="0" lang="en-US" sz="2400" spc="-1" strike="noStrike">
+                <a:solidFill>
+                  <a:srgbClr val="292934"/>
+                </a:solidFill>
+                <a:latin typeface="Arial"/>
+                <a:ea typeface="DejaVu Sans"/>
+              </a:rPr>
+              <a:t>Ejercicio 3</a:t>
+            </a:r>
+            <a:endParaRPr b="0" lang="en-US" sz="2400" spc="-1" strike="noStrike">
+              <a:latin typeface="Arial"/>
+            </a:endParaRPr>
+          </a:p>
+          <a:p>
+            <a:pPr lvl="1" marL="457200" indent="-181800">
+              <a:lnSpc>
+                <a:spcPct val="100000"/>
+              </a:lnSpc>
+              <a:spcBef>
+                <a:spcPts val="400"/>
+              </a:spcBef>
+              <a:buClr>
+                <a:srgbClr val="93a299"/>
+              </a:buClr>
+              <a:buSzPct val="85000"/>
+              <a:buFont typeface="Arial"/>
+              <a:buChar char="•"/>
+            </a:pPr>
+            <a:r>
+              <a:rPr b="0" lang="en-US" sz="2000" spc="-1" strike="noStrike">
+                <a:solidFill>
+                  <a:srgbClr val="292934"/>
+                </a:solidFill>
+                <a:latin typeface="Arial"/>
+                <a:ea typeface="DejaVu Sans"/>
+              </a:rPr>
+              <a:t>Cree un algoritmo que, lea un monto en colones y después convierta el monto a dólares o euros según seleccione el usuario.</a:t>
+            </a:r>
+            <a:endParaRPr b="0" lang="en-US" sz="2000" spc="-1" strike="noStrike">
+              <a:latin typeface="Arial"/>
+            </a:endParaRPr>
+          </a:p>
+          <a:p>
+            <a:pPr lvl="1" marL="457200" indent="-181800">
+              <a:lnSpc>
+                <a:spcPct val="100000"/>
+              </a:lnSpc>
+              <a:spcBef>
+                <a:spcPts val="400"/>
+              </a:spcBef>
+              <a:buClr>
+                <a:srgbClr val="93a299"/>
+              </a:buClr>
+              <a:buSzPct val="85000"/>
+              <a:buFont typeface="Arial"/>
+              <a:buChar char="•"/>
+            </a:pPr>
+            <a:r>
+              <a:rPr b="0" lang="en-US" sz="2000" spc="-1" strike="noStrike">
+                <a:solidFill>
+                  <a:srgbClr val="292934"/>
+                </a:solidFill>
+                <a:latin typeface="Arial"/>
+                <a:ea typeface="DejaVu Sans"/>
+              </a:rPr>
+              <a:t>Tipo de cambio del dólar 1 USD = 548 colones</a:t>
+            </a:r>
+            <a:endParaRPr b="0" lang="en-US" sz="2000" spc="-1" strike="noStrike">
+              <a:latin typeface="Arial"/>
+            </a:endParaRPr>
+          </a:p>
+          <a:p>
+            <a:pPr lvl="1" marL="457200" indent="-181800">
+              <a:lnSpc>
+                <a:spcPct val="100000"/>
+              </a:lnSpc>
+              <a:spcBef>
+                <a:spcPts val="400"/>
+              </a:spcBef>
+              <a:buClr>
+                <a:srgbClr val="93a299"/>
+              </a:buClr>
+              <a:buSzPct val="85000"/>
+              <a:buFont typeface="Arial"/>
+              <a:buChar char="•"/>
+            </a:pPr>
+            <a:r>
+              <a:rPr b="0" lang="en-US" sz="2000" spc="-1" strike="noStrike">
+                <a:solidFill>
+                  <a:srgbClr val="292934"/>
+                </a:solidFill>
+                <a:latin typeface="Arial"/>
+                <a:ea typeface="DejaVu Sans"/>
+              </a:rPr>
+              <a:t>Tipo de cambio del euro 1 EUR = 585 colones</a:t>
+            </a:r>
+            <a:endParaRPr b="0" lang="en-US" sz="2000" spc="-1" strike="noStrike">
+              <a:latin typeface="Arial"/>
+            </a:endParaRPr>
+          </a:p>
+          <a:p>
+            <a:pPr lvl="1" marL="457200" indent="-181800">
+              <a:lnSpc>
+                <a:spcPct val="100000"/>
+              </a:lnSpc>
+              <a:spcBef>
+                <a:spcPts val="400"/>
+              </a:spcBef>
+              <a:buClr>
+                <a:srgbClr val="93a299"/>
+              </a:buClr>
+              <a:buSzPct val="85000"/>
+              <a:buFont typeface="Arial"/>
+              <a:buChar char="•"/>
+            </a:pPr>
+            <a:r>
+              <a:rPr b="0" lang="en-US" sz="2000" spc="-1" strike="noStrike">
+                <a:solidFill>
+                  <a:srgbClr val="292934"/>
+                </a:solidFill>
+                <a:latin typeface="Arial"/>
+                <a:ea typeface="DejaVu Sans"/>
+              </a:rPr>
+              <a:t>Dibuje el diagrama de flujo que represente este algoritmo</a:t>
+            </a:r>
+            <a:endParaRPr b="0" lang="en-US" sz="2000" spc="-1" strike="noStrike">
+              <a:latin typeface="Arial"/>
+            </a:endParaRPr>
+          </a:p>
+          <a:p>
+            <a:pPr>
+              <a:lnSpc>
+                <a:spcPct val="100000"/>
+              </a:lnSpc>
+            </a:pPr>
+            <a:endParaRPr b="0" lang="en-US" sz="2000" spc="-1" strike="noStrike">
+              <a:latin typeface="Arial"/>
+            </a:endParaRPr>
+          </a:p>
+          <a:p>
+            <a:pPr>
+              <a:lnSpc>
+                <a:spcPct val="100000"/>
+              </a:lnSpc>
+            </a:pPr>
+            <a:endParaRPr b="0" lang="en-US" sz="2000" spc="-1" strike="noStrike">
+              <a:latin typeface="Arial"/>
+            </a:endParaRPr>
+          </a:p>
+        </p:txBody>
+      </p:sp>
+    </p:spTree>
+  </p:cSld>
+  <p:timing>
+    <p:tnLst>
+      <p:par>
+        <p:cTn id="79" dur="indefinite" restart="never" nodeType="tmRoot">
+          <p:childTnLst>
+            <p:seq>
+              <p:cTn id="80" dur="indefinite" nodeType="mainSeq"/>
+              <p:prevCondLst>
+                <p:cond delay="0" evt="onPrev">
+                  <p:tgtEl>
+                    <p:sldTgt/>
+                  </p:tgtEl>
+                </p:cond>
+              </p:prevCondLst>
+              <p:nextCondLst>
+                <p:cond delay="0" evt="onNext">
+                  <p:tgtEl>
+                    <p:sldTgt/>
+                  </p:tgtEl>
+                </p:cond>
+              </p:nextCondLst>
+            </p:seq>
+          </p:childTnLst>
+        </p:cTn>
+      </p:par>
+    </p:tnLst>
+  </p:timing>
+</p:sld>
+</file>
+
+<file path=ppt/slides/slide17.xml><?xml version="1.0" encoding="utf-8"?>
+<p:sld xmlns:a="http://schemas.openxmlformats.org/drawingml/2006/main" xmlns:p="http://schemas.openxmlformats.org/presentationml/2006/main" xmlns:r="http://schemas.openxmlformats.org/officeDocument/2006/relationships" xmlns:p14="http://schemas.microsoft.com/office/powerpoint/2010/main" xmlns:p15="http://schemas.microsoft.com/office/powerpoint/2012/main" xmlns:mc="http://schemas.openxmlformats.org/markup-compatibility/2006">
+  <p:cSld>
+    <p:spTree>
+      <p:nvGrpSpPr>
+        <p:cNvPr id="1" name=""/>
+        <p:cNvGrpSpPr/>
+        <p:nvPr/>
+      </p:nvGrpSpPr>
+      <p:grpSpPr>
+        <a:xfrm>
+          <a:off x="0" y="0"/>
+          <a:ext cx="0" cy="0"/>
+          <a:chOff x="0" y="0"/>
+          <a:chExt cx="0" cy="0"/>
+        </a:xfrm>
+      </p:grpSpPr>
+      <p:sp>
+        <p:nvSpPr>
+          <p:cNvPr id="118" name="CustomShape 1"/>
+          <p:cNvSpPr/>
+          <p:nvPr/>
+        </p:nvSpPr>
+        <p:spPr>
+          <a:xfrm>
+            <a:off x="457200" y="533520"/>
+            <a:ext cx="8228520" cy="989640"/>
+          </a:xfrm>
+          <a:prstGeom prst="rect">
+            <a:avLst/>
+          </a:prstGeom>
+          <a:noFill/>
+          <a:ln>
+            <a:noFill/>
+          </a:ln>
+        </p:spPr>
+        <p:style>
+          <a:lnRef idx="0"/>
+          <a:fillRef idx="0"/>
+          <a:effectRef idx="0"/>
+          <a:fontRef idx="minor"/>
+        </p:style>
+        <p:txBody>
+          <a:bodyPr lIns="90000" rIns="90000" tIns="45000" bIns="45000" anchor="ctr">
+            <a:normAutofit/>
+          </a:bodyPr>
+          <a:p>
+            <a:pPr>
+              <a:lnSpc>
+                <a:spcPct val="100000"/>
+              </a:lnSpc>
+            </a:pPr>
+            <a:r>
+              <a:rPr b="0" lang="en-US" sz="4000" spc="-92" strike="noStrike">
+                <a:solidFill>
+                  <a:srgbClr val="d2533c"/>
+                </a:solidFill>
+                <a:latin typeface="Arial"/>
+                <a:ea typeface="DejaVu Sans"/>
+              </a:rPr>
+              <a:t>Diagrama de flujo y pensamiento lógico</a:t>
+            </a:r>
+            <a:endParaRPr b="0" lang="en-US" sz="4000" spc="-1" strike="noStrike">
+              <a:latin typeface="Arial"/>
+            </a:endParaRPr>
+          </a:p>
+        </p:txBody>
+      </p:sp>
+      <p:sp>
+        <p:nvSpPr>
+          <p:cNvPr id="119" name="CustomShape 2"/>
+          <p:cNvSpPr/>
+          <p:nvPr/>
+        </p:nvSpPr>
+        <p:spPr>
+          <a:xfrm>
+            <a:off x="457200" y="1600200"/>
+            <a:ext cx="8228520" cy="4875840"/>
+          </a:xfrm>
+          <a:prstGeom prst="rect">
+            <a:avLst/>
+          </a:prstGeom>
+          <a:noFill/>
+          <a:ln>
+            <a:noFill/>
+          </a:ln>
+        </p:spPr>
+        <p:style>
+          <a:lnRef idx="0"/>
+          <a:fillRef idx="0"/>
+          <a:effectRef idx="0"/>
+          <a:fontRef idx="minor"/>
+        </p:style>
+        <p:txBody>
+          <a:bodyPr lIns="90000" rIns="90000" tIns="45000" bIns="45000"/>
+          <a:p>
+            <a:pPr marL="182880" indent="-181800">
+              <a:lnSpc>
+                <a:spcPct val="100000"/>
+              </a:lnSpc>
+              <a:spcBef>
+                <a:spcPts val="479"/>
+              </a:spcBef>
+              <a:buClr>
+                <a:srgbClr val="93a299"/>
+              </a:buClr>
+              <a:buSzPct val="85000"/>
+              <a:buFont typeface="Arial"/>
+              <a:buChar char="•"/>
+            </a:pPr>
+            <a:r>
+              <a:rPr b="0" lang="en-US" sz="2400" spc="-1" strike="noStrike">
+                <a:solidFill>
+                  <a:srgbClr val="292934"/>
+                </a:solidFill>
+                <a:latin typeface="Arial"/>
+                <a:ea typeface="DejaVu Sans"/>
+              </a:rPr>
+              <a:t>Ejercicio 4</a:t>
+            </a:r>
+            <a:endParaRPr b="0" lang="en-US" sz="2400" spc="-1" strike="noStrike">
+              <a:latin typeface="Arial"/>
+            </a:endParaRPr>
+          </a:p>
+          <a:p>
+            <a:pPr lvl="1" marL="457200" indent="-181800">
+              <a:lnSpc>
+                <a:spcPct val="100000"/>
+              </a:lnSpc>
+              <a:spcBef>
+                <a:spcPts val="400"/>
+              </a:spcBef>
+              <a:buClr>
+                <a:srgbClr val="93a299"/>
+              </a:buClr>
+              <a:buSzPct val="85000"/>
+              <a:buFont typeface="Arial"/>
+              <a:buChar char="•"/>
+            </a:pPr>
+            <a:r>
+              <a:rPr b="0" lang="en-US" sz="2000" spc="-1" strike="noStrike">
+                <a:solidFill>
+                  <a:srgbClr val="292934"/>
+                </a:solidFill>
+                <a:latin typeface="Arial"/>
+                <a:ea typeface="DejaVu Sans"/>
+              </a:rPr>
+              <a:t>Cree un algoritmo que calcule el área y el perímetro de un cuadrado. El valor de la longitud del lado es ingresado por el usuario. Debe mostrar un mensaje con los dos valores.</a:t>
+            </a:r>
+            <a:endParaRPr b="0" lang="en-US" sz="2000" spc="-1" strike="noStrike">
+              <a:latin typeface="Arial"/>
+            </a:endParaRPr>
+          </a:p>
+          <a:p>
+            <a:pPr lvl="1" marL="457200" indent="-181800">
+              <a:lnSpc>
+                <a:spcPct val="100000"/>
+              </a:lnSpc>
+              <a:spcBef>
+                <a:spcPts val="400"/>
+              </a:spcBef>
+              <a:buClr>
+                <a:srgbClr val="93a299"/>
+              </a:buClr>
+              <a:buSzPct val="85000"/>
+              <a:buFont typeface="Arial"/>
+              <a:buChar char="•"/>
+            </a:pPr>
+            <a:r>
+              <a:rPr b="0" lang="en-US" sz="2000" spc="-1" strike="noStrike">
+                <a:solidFill>
+                  <a:srgbClr val="292934"/>
+                </a:solidFill>
+                <a:latin typeface="Arial"/>
+                <a:ea typeface="DejaVu Sans"/>
+              </a:rPr>
+              <a:t>Dibuje el diagrama de flujo que represente este algoritmo</a:t>
+            </a:r>
+            <a:endParaRPr b="0" lang="en-US" sz="2000" spc="-1" strike="noStrike">
+              <a:latin typeface="Arial"/>
+            </a:endParaRPr>
+          </a:p>
+          <a:p>
+            <a:pPr>
+              <a:lnSpc>
+                <a:spcPct val="100000"/>
+              </a:lnSpc>
+            </a:pPr>
+            <a:endParaRPr b="0" lang="en-US" sz="2000" spc="-1" strike="noStrike">
+              <a:latin typeface="Arial"/>
+            </a:endParaRPr>
+          </a:p>
+        </p:txBody>
+      </p:sp>
+    </p:spTree>
+  </p:cSld>
+  <p:timing>
+    <p:tnLst>
+      <p:par>
+        <p:cTn id="81" dur="indefinite" restart="never" nodeType="tmRoot">
+          <p:childTnLst>
+            <p:seq>
+              <p:cTn id="82" dur="indefinite" nodeType="mainSeq"/>
               <p:prevCondLst>
                 <p:cond delay="0" evt="onPrev">
                   <p:tgtEl>
@@ -4744,7 +5610,7 @@
         <p:spPr>
           <a:xfrm>
             <a:off x="457200" y="533520"/>
-            <a:ext cx="8228880" cy="990000"/>
+            <a:ext cx="8228520" cy="989640"/>
           </a:xfrm>
           <a:prstGeom prst="rect">
             <a:avLst/>
@@ -4769,11 +5635,12 @@
               </a:lnSpc>
             </a:pPr>
             <a:r>
-              <a:rPr b="0" lang="en-US" sz="4000" spc="-94" strike="noStrike">
+              <a:rPr b="0" lang="en-US" sz="4000" spc="-92" strike="noStrike">
                 <a:solidFill>
                   <a:srgbClr val="d2533c"/>
                 </a:solidFill>
                 <a:latin typeface="Arial"/>
+                <a:ea typeface="DejaVu Sans"/>
               </a:rPr>
               <a:t>Agenda</a:t>
             </a:r>
@@ -4792,7 +5659,7 @@
         <p:spPr>
           <a:xfrm>
             <a:off x="457200" y="1600200"/>
-            <a:ext cx="8228880" cy="4876200"/>
+            <a:ext cx="8228520" cy="4875840"/>
           </a:xfrm>
           <a:prstGeom prst="rect">
             <a:avLst/>
@@ -4811,7 +5678,7 @@
         <p:txBody>
           <a:bodyPr lIns="90000" rIns="90000" tIns="45000" bIns="45000"/>
           <a:p>
-            <a:pPr marL="182880" indent="-182160">
+            <a:pPr marL="182880" indent="-181800">
               <a:lnSpc>
                 <a:spcPct val="100000"/>
               </a:lnSpc>
@@ -4831,15 +5698,16 @@
                   <a:srgbClr val="292934"/>
                 </a:solidFill>
                 <a:latin typeface="Arial"/>
-              </a:rPr>
-              <a:t>Diagramas de flujo</a:t>
+                <a:ea typeface="DejaVu Sans"/>
+              </a:rPr>
+              <a:t>Estructuras If – if else – else if</a:t>
             </a:r>
             <a:endParaRPr b="0" lang="en-US" sz="2400" spc="-1" strike="noStrike">
               <a:latin typeface="Arial"/>
             </a:endParaRPr>
           </a:p>
           <a:p>
-            <a:pPr marL="182880" indent="-182160">
+            <a:pPr marL="182880" indent="-181800">
               <a:lnSpc>
                 <a:spcPct val="100000"/>
               </a:lnSpc>
@@ -4852,6 +5720,29 @@
               <a:buSzPct val="85000"/>
               <a:buFont typeface="Arial"/>
               <a:buChar char="•"/>
+            </a:pPr>
+            <a:r>
+              <a:rPr b="0" lang="en-US" sz="2400" spc="-1" strike="noStrike">
+                <a:solidFill>
+                  <a:srgbClr val="292934"/>
+                </a:solidFill>
+                <a:latin typeface="Arial"/>
+                <a:ea typeface="DejaVu Sans"/>
+              </a:rPr>
+              <a:t>Diagramas de flujo</a:t>
+            </a:r>
+            <a:endParaRPr b="0" lang="en-US" sz="2400" spc="-1" strike="noStrike">
+              <a:latin typeface="Arial"/>
+            </a:endParaRPr>
+          </a:p>
+          <a:p>
+            <a:pPr>
+              <a:lnSpc>
+                <a:spcPct val="100000"/>
+              </a:lnSpc>
+              <a:spcBef>
+                <a:spcPts val="479"/>
+              </a:spcBef>
             </a:pPr>
             <a:endParaRPr b="0" lang="en-US" sz="2400" spc="-1" strike="noStrike">
               <a:latin typeface="Arial"/>
@@ -4885,7 +5776,7 @@
         <p:spPr>
           <a:xfrm>
             <a:off x="5068800" y="2819520"/>
-            <a:ext cx="3069000" cy="3580560"/>
+            <a:ext cx="3068640" cy="3580200"/>
           </a:xfrm>
           <a:prstGeom prst="rect">
             <a:avLst/>
@@ -4953,7 +5844,7 @@
         <p:spPr>
           <a:xfrm>
             <a:off x="457200" y="533520"/>
-            <a:ext cx="8228880" cy="990000"/>
+            <a:ext cx="8228520" cy="989640"/>
           </a:xfrm>
           <a:prstGeom prst="rect">
             <a:avLst/>
@@ -4978,13 +5869,14 @@
               </a:lnSpc>
             </a:pPr>
             <a:r>
-              <a:rPr b="0" lang="en-US" sz="4000" spc="-94" strike="noStrike">
+              <a:rPr b="0" lang="en-US" sz="4000" spc="-92" strike="noStrike">
                 <a:solidFill>
                   <a:srgbClr val="d2533c"/>
                 </a:solidFill>
                 <a:latin typeface="Arial"/>
-              </a:rPr>
-              <a:t>Diagramas de flujo</a:t>
+                <a:ea typeface="DejaVu Sans"/>
+              </a:rPr>
+              <a:t>Estructuras if</a:t>
             </a:r>
             <a:endParaRPr b="0" lang="en-US" sz="4000" spc="-1" strike="noStrike">
               <a:latin typeface="Arial"/>
@@ -5001,7 +5893,7 @@
         <p:spPr>
           <a:xfrm>
             <a:off x="457200" y="1600200"/>
-            <a:ext cx="8228880" cy="4876200"/>
+            <a:ext cx="8228520" cy="4875840"/>
           </a:xfrm>
           <a:prstGeom prst="rect">
             <a:avLst/>
@@ -5020,7 +5912,7 @@
         <p:txBody>
           <a:bodyPr lIns="90000" rIns="90000" tIns="45000" bIns="45000"/>
           <a:p>
-            <a:pPr marL="182880" indent="-182160">
+            <a:pPr marL="182880" indent="-181800">
               <a:lnSpc>
                 <a:spcPct val="100000"/>
               </a:lnSpc>
@@ -5040,15 +5932,16 @@
                   <a:srgbClr val="292934"/>
                 </a:solidFill>
                 <a:latin typeface="Arial"/>
-              </a:rPr>
-              <a:t>Es la representación gráfica de un algoritmo</a:t>
+                <a:ea typeface="DejaVu Sans"/>
+              </a:rPr>
+              <a:t>Las estructuras if son muy usadas en programación. </a:t>
             </a:r>
             <a:endParaRPr b="0" lang="en-US" sz="2400" spc="-1" strike="noStrike">
               <a:latin typeface="Arial"/>
             </a:endParaRPr>
           </a:p>
           <a:p>
-            <a:pPr marL="182880" indent="-182160">
+            <a:pPr marL="182880" indent="-181800">
               <a:lnSpc>
                 <a:spcPct val="100000"/>
               </a:lnSpc>
@@ -5068,20 +5961,21 @@
                   <a:srgbClr val="292934"/>
                 </a:solidFill>
                 <a:latin typeface="Arial"/>
-              </a:rPr>
-              <a:t>El lenguaje más usado es UML</a:t>
+                <a:ea typeface="DejaVu Sans"/>
+              </a:rPr>
+              <a:t>La palabra if en inglés significa si</a:t>
             </a:r>
             <a:endParaRPr b="0" lang="en-US" sz="2400" spc="-1" strike="noStrike">
               <a:latin typeface="Arial"/>
             </a:endParaRPr>
           </a:p>
           <a:p>
-            <a:pPr lvl="1" marL="457200" indent="-182160">
-              <a:lnSpc>
-                <a:spcPct val="100000"/>
-              </a:lnSpc>
-              <a:spcBef>
-                <a:spcPts val="400"/>
+            <a:pPr marL="182880" indent="-181800">
+              <a:lnSpc>
+                <a:spcPct val="100000"/>
+              </a:lnSpc>
+              <a:spcBef>
+                <a:spcPts val="479"/>
               </a:spcBef>
               <a:buClr>
                 <a:srgbClr val="93a299"/>
@@ -5091,20 +5985,21 @@
               <a:buChar char="•"/>
             </a:pPr>
             <a:r>
-              <a:rPr b="0" lang="en-US" sz="2000" spc="-1" strike="noStrike">
+              <a:rPr b="0" lang="en-US" sz="2400" spc="-1" strike="noStrike">
                 <a:solidFill>
                   <a:srgbClr val="292934"/>
                 </a:solidFill>
                 <a:latin typeface="Arial"/>
-              </a:rPr>
-              <a:t>Universal Modeling Language</a:t>
-            </a:r>
-            <a:endParaRPr b="0" lang="en-US" sz="2000" spc="-1" strike="noStrike">
-              <a:latin typeface="Arial"/>
-            </a:endParaRPr>
-          </a:p>
-          <a:p>
-            <a:pPr marL="182880" indent="-182160">
+                <a:ea typeface="DejaVu Sans"/>
+              </a:rPr>
+              <a:t>Es una condición, eso significa que una parte del código solo se ejecuta cuando la condición se hace verdadera</a:t>
+            </a:r>
+            <a:endParaRPr b="0" lang="en-US" sz="2400" spc="-1" strike="noStrike">
+              <a:latin typeface="Arial"/>
+            </a:endParaRPr>
+          </a:p>
+          <a:p>
+            <a:pPr marL="182880" indent="-181800">
               <a:lnSpc>
                 <a:spcPct val="100000"/>
               </a:lnSpc>
@@ -5124,15 +6019,16 @@
                   <a:srgbClr val="292934"/>
                 </a:solidFill>
                 <a:latin typeface="Arial"/>
-              </a:rPr>
-              <a:t>Se usa para que los algoritmos sean más fáciles de leer e interpretar</a:t>
+                <a:ea typeface="DejaVu Sans"/>
+              </a:rPr>
+              <a:t>Ejemplo</a:t>
             </a:r>
             <a:endParaRPr b="0" lang="en-US" sz="2400" spc="-1" strike="noStrike">
               <a:latin typeface="Arial"/>
             </a:endParaRPr>
           </a:p>
           <a:p>
-            <a:pPr marL="182880" indent="-182160">
+            <a:pPr marL="182880" indent="-181800">
               <a:lnSpc>
                 <a:spcPct val="100000"/>
               </a:lnSpc>
@@ -5152,8 +6048,96 @@
                   <a:srgbClr val="292934"/>
                 </a:solidFill>
                 <a:latin typeface="Arial"/>
-              </a:rPr>
-              <a:t>Los diagramas de flujo usan figuras geométricas para diferenciar los diferentes estados del </a:t>
+                <a:ea typeface="DejaVu Sans"/>
+              </a:rPr>
+              <a:t>imprimir(“Ingrese un número”)</a:t>
+            </a:r>
+            <a:endParaRPr b="0" lang="en-US" sz="2400" spc="-1" strike="noStrike">
+              <a:latin typeface="Arial"/>
+            </a:endParaRPr>
+          </a:p>
+          <a:p>
+            <a:pPr marL="182880" indent="-181800">
+              <a:lnSpc>
+                <a:spcPct val="100000"/>
+              </a:lnSpc>
+              <a:spcBef>
+                <a:spcPts val="479"/>
+              </a:spcBef>
+              <a:buClr>
+                <a:srgbClr val="93a299"/>
+              </a:buClr>
+              <a:buSzPct val="85000"/>
+              <a:buFont typeface="Arial"/>
+              <a:buChar char="•"/>
+            </a:pPr>
+            <a:r>
+              <a:rPr b="0" lang="en-US" sz="2400" spc="-1" strike="noStrike">
+                <a:solidFill>
+                  <a:srgbClr val="292934"/>
+                </a:solidFill>
+                <a:latin typeface="Arial"/>
+                <a:ea typeface="DejaVu Sans"/>
+              </a:rPr>
+              <a:t>leer(numero)</a:t>
+            </a:r>
+            <a:endParaRPr b="0" lang="en-US" sz="2400" spc="-1" strike="noStrike">
+              <a:latin typeface="Arial"/>
+            </a:endParaRPr>
+          </a:p>
+          <a:p>
+            <a:pPr marL="182880" indent="-181800">
+              <a:lnSpc>
+                <a:spcPct val="100000"/>
+              </a:lnSpc>
+              <a:spcBef>
+                <a:spcPts val="479"/>
+              </a:spcBef>
+              <a:buClr>
+                <a:srgbClr val="93a299"/>
+              </a:buClr>
+              <a:buSzPct val="85000"/>
+              <a:buFont typeface="Arial"/>
+              <a:buChar char="•"/>
+            </a:pPr>
+            <a:r>
+              <a:rPr b="0" lang="en-US" sz="2400" spc="-1" strike="noStrike">
+                <a:solidFill>
+                  <a:srgbClr val="292934"/>
+                </a:solidFill>
+                <a:latin typeface="Arial"/>
+                <a:ea typeface="DejaVu Sans"/>
+              </a:rPr>
+              <a:t>Si numero &gt; 10 entonces</a:t>
+            </a:r>
+            <a:endParaRPr b="0" lang="en-US" sz="2400" spc="-1" strike="noStrike">
+              <a:latin typeface="Arial"/>
+            </a:endParaRPr>
+          </a:p>
+          <a:p>
+            <a:pPr lvl="1" marL="432000" indent="-216000">
+              <a:lnSpc>
+                <a:spcPct val="100000"/>
+              </a:lnSpc>
+              <a:spcBef>
+                <a:spcPts val="479"/>
+              </a:spcBef>
+              <a:buClr>
+                <a:srgbClr val="000000"/>
+              </a:buClr>
+              <a:buSzPct val="45000"/>
+              <a:buFont typeface="Wingdings" charset="2"/>
+              <a:buChar char=""/>
+            </a:pPr>
+            <a:r>
+              <a:rPr b="0" lang="en-US" sz="2400" spc="-1" strike="noStrike">
+                <a:solidFill>
+                  <a:srgbClr val="292934"/>
+                </a:solidFill>
+                <a:latin typeface="Arial"/>
+                <a:ea typeface="DejaVu Sans"/>
+              </a:rPr>
+              <a:t>imprimir(“el número es mayor a 10”)</a:t>
             </a:r>
             <a:endParaRPr b="0" lang="en-US" sz="2400" spc="-1" strike="noStrike">
               <a:latin typeface="Arial"/>
@@ -5169,106 +6153,1270 @@
         <p:cTn id="5" dur="indefinite" restart="never" nodeType="tmRoot">
           <p:childTnLst>
             <p:seq>
-              <p:cTn id="6" dur="indefinite" nodeType="mainSeq">
+              <p:cTn id="6" dur="indefinite" nodeType="mainSeq"/>
+              <p:prevCondLst>
+                <p:cond delay="0" evt="onPrev">
+                  <p:tgtEl>
+                    <p:sldTgt/>
+                  </p:tgtEl>
+                </p:cond>
+              </p:prevCondLst>
+              <p:nextCondLst>
+                <p:cond delay="0" evt="onNext">
+                  <p:tgtEl>
+                    <p:sldTgt/>
+                  </p:tgtEl>
+                </p:cond>
+              </p:nextCondLst>
+            </p:seq>
+          </p:childTnLst>
+        </p:cTn>
+      </p:par>
+    </p:tnLst>
+  </p:timing>
+</p:sld>
+</file>
+
+<file path=ppt/slides/slide4.xml><?xml version="1.0" encoding="utf-8"?>
+<p:sld xmlns:a="http://schemas.openxmlformats.org/drawingml/2006/main" xmlns:p="http://schemas.openxmlformats.org/presentationml/2006/main" xmlns:r="http://schemas.openxmlformats.org/officeDocument/2006/relationships" xmlns:p14="http://schemas.microsoft.com/office/powerpoint/2010/main" xmlns:p15="http://schemas.microsoft.com/office/powerpoint/2012/main" xmlns:mc="http://schemas.openxmlformats.org/markup-compatibility/2006">
+  <p:cSld>
+    <p:spTree>
+      <p:nvGrpSpPr>
+        <p:cNvPr id="1" name=""/>
+        <p:cNvGrpSpPr/>
+        <p:nvPr/>
+      </p:nvGrpSpPr>
+      <p:grpSpPr>
+        <a:xfrm>
+          <a:off x="0" y="0"/>
+          <a:ext cx="0" cy="0"/>
+          <a:chOff x="0" y="0"/>
+          <a:chExt cx="0" cy="0"/>
+        </a:xfrm>
+      </p:grpSpPr>
+      <p:sp>
+        <p:nvSpPr>
+          <p:cNvPr id="89" name="CustomShape 1"/>
+          <p:cNvSpPr/>
+          <p:nvPr/>
+        </p:nvSpPr>
+        <p:spPr>
+          <a:xfrm>
+            <a:off x="457200" y="533520"/>
+            <a:ext cx="8228520" cy="989640"/>
+          </a:xfrm>
+          <a:prstGeom prst="rect">
+            <a:avLst/>
+          </a:prstGeom>
+          <a:noFill/>
+          <a:ln>
+            <a:noFill/>
+          </a:ln>
+        </p:spPr>
+        <p:style>
+          <a:lnRef idx="0"/>
+          <a:fillRef idx="0"/>
+          <a:effectRef idx="0"/>
+          <a:fontRef idx="minor"/>
+        </p:style>
+        <p:txBody>
+          <a:bodyPr lIns="90000" rIns="90000" tIns="45000" bIns="45000" anchor="ctr"/>
+          <a:p>
+            <a:pPr>
+              <a:lnSpc>
+                <a:spcPct val="100000"/>
+              </a:lnSpc>
+            </a:pPr>
+            <a:r>
+              <a:rPr b="0" lang="en-US" sz="4000" spc="-92" strike="noStrike">
+                <a:solidFill>
+                  <a:srgbClr val="d2533c"/>
+                </a:solidFill>
+                <a:latin typeface="Arial"/>
+                <a:ea typeface="DejaVu Sans"/>
+              </a:rPr>
+              <a:t>Estructuras if -else</a:t>
+            </a:r>
+            <a:endParaRPr b="0" lang="en-US" sz="4000" spc="-1" strike="noStrike">
+              <a:latin typeface="Arial"/>
+            </a:endParaRPr>
+          </a:p>
+        </p:txBody>
+      </p:sp>
+      <p:sp>
+        <p:nvSpPr>
+          <p:cNvPr id="90" name="CustomShape 2"/>
+          <p:cNvSpPr/>
+          <p:nvPr/>
+        </p:nvSpPr>
+        <p:spPr>
+          <a:xfrm>
+            <a:off x="457200" y="1600200"/>
+            <a:ext cx="8228520" cy="4875840"/>
+          </a:xfrm>
+          <a:prstGeom prst="rect">
+            <a:avLst/>
+          </a:prstGeom>
+          <a:noFill/>
+          <a:ln>
+            <a:noFill/>
+          </a:ln>
+        </p:spPr>
+        <p:style>
+          <a:lnRef idx="0"/>
+          <a:fillRef idx="0"/>
+          <a:effectRef idx="0"/>
+          <a:fontRef idx="minor"/>
+        </p:style>
+        <p:txBody>
+          <a:bodyPr lIns="90000" rIns="90000" tIns="45000" bIns="45000"/>
+          <a:p>
+            <a:pPr marL="182880" indent="-181800">
+              <a:lnSpc>
+                <a:spcPct val="100000"/>
+              </a:lnSpc>
+              <a:spcBef>
+                <a:spcPts val="479"/>
+              </a:spcBef>
+              <a:buClr>
+                <a:srgbClr val="93a299"/>
+              </a:buClr>
+              <a:buSzPct val="85000"/>
+              <a:buFont typeface="Arial"/>
+              <a:buChar char="•"/>
+            </a:pPr>
+            <a:r>
+              <a:rPr b="0" lang="en-US" sz="2400" spc="-1" strike="noStrike">
+                <a:solidFill>
+                  <a:srgbClr val="292934"/>
+                </a:solidFill>
+                <a:latin typeface="Arial"/>
+                <a:ea typeface="DejaVu Sans"/>
+              </a:rPr>
+              <a:t>Es una condición de dos partes, eso significa que una parte del código se ejecuta cuando la condición se hace verdadera y de lo contrario, se ejecuta otra parte</a:t>
+            </a:r>
+            <a:endParaRPr b="0" lang="en-US" sz="2400" spc="-1" strike="noStrike">
+              <a:latin typeface="Arial"/>
+            </a:endParaRPr>
+          </a:p>
+          <a:p>
+            <a:pPr marL="182880" indent="-181800">
+              <a:lnSpc>
+                <a:spcPct val="100000"/>
+              </a:lnSpc>
+              <a:spcBef>
+                <a:spcPts val="479"/>
+              </a:spcBef>
+              <a:buClr>
+                <a:srgbClr val="93a299"/>
+              </a:buClr>
+              <a:buSzPct val="85000"/>
+              <a:buFont typeface="Arial"/>
+              <a:buChar char="•"/>
+            </a:pPr>
+            <a:r>
+              <a:rPr b="0" lang="en-US" sz="2400" spc="-1" strike="noStrike">
+                <a:solidFill>
+                  <a:srgbClr val="292934"/>
+                </a:solidFill>
+                <a:latin typeface="Arial"/>
+                <a:ea typeface="DejaVu Sans"/>
+              </a:rPr>
+              <a:t>Ejemplo</a:t>
+            </a:r>
+            <a:endParaRPr b="0" lang="en-US" sz="2400" spc="-1" strike="noStrike">
+              <a:latin typeface="Arial"/>
+            </a:endParaRPr>
+          </a:p>
+          <a:p>
+            <a:pPr marL="182880" indent="-181800">
+              <a:lnSpc>
+                <a:spcPct val="100000"/>
+              </a:lnSpc>
+              <a:spcBef>
+                <a:spcPts val="479"/>
+              </a:spcBef>
+              <a:buClr>
+                <a:srgbClr val="93a299"/>
+              </a:buClr>
+              <a:buSzPct val="85000"/>
+              <a:buFont typeface="Arial"/>
+              <a:buChar char="•"/>
+            </a:pPr>
+            <a:r>
+              <a:rPr b="0" lang="en-US" sz="2400" spc="-1" strike="noStrike">
+                <a:solidFill>
+                  <a:srgbClr val="292934"/>
+                </a:solidFill>
+                <a:latin typeface="Arial"/>
+                <a:ea typeface="DejaVu Sans"/>
+              </a:rPr>
+              <a:t>imprimir(“Ingrese un número”)</a:t>
+            </a:r>
+            <a:endParaRPr b="0" lang="en-US" sz="2400" spc="-1" strike="noStrike">
+              <a:latin typeface="Arial"/>
+            </a:endParaRPr>
+          </a:p>
+          <a:p>
+            <a:pPr marL="182880" indent="-181800">
+              <a:lnSpc>
+                <a:spcPct val="100000"/>
+              </a:lnSpc>
+              <a:spcBef>
+                <a:spcPts val="479"/>
+              </a:spcBef>
+              <a:buClr>
+                <a:srgbClr val="93a299"/>
+              </a:buClr>
+              <a:buSzPct val="85000"/>
+              <a:buFont typeface="Arial"/>
+              <a:buChar char="•"/>
+            </a:pPr>
+            <a:r>
+              <a:rPr b="0" lang="en-US" sz="2400" spc="-1" strike="noStrike">
+                <a:solidFill>
+                  <a:srgbClr val="292934"/>
+                </a:solidFill>
+                <a:latin typeface="Arial"/>
+                <a:ea typeface="DejaVu Sans"/>
+              </a:rPr>
+              <a:t>leer(numero)</a:t>
+            </a:r>
+            <a:endParaRPr b="0" lang="en-US" sz="2400" spc="-1" strike="noStrike">
+              <a:latin typeface="Arial"/>
+            </a:endParaRPr>
+          </a:p>
+          <a:p>
+            <a:pPr marL="182880" indent="-181800">
+              <a:lnSpc>
+                <a:spcPct val="100000"/>
+              </a:lnSpc>
+              <a:spcBef>
+                <a:spcPts val="479"/>
+              </a:spcBef>
+              <a:buClr>
+                <a:srgbClr val="93a299"/>
+              </a:buClr>
+              <a:buSzPct val="85000"/>
+              <a:buFont typeface="Arial"/>
+              <a:buChar char="•"/>
+            </a:pPr>
+            <a:r>
+              <a:rPr b="0" lang="en-US" sz="2400" spc="-1" strike="noStrike">
+                <a:solidFill>
+                  <a:srgbClr val="292934"/>
+                </a:solidFill>
+                <a:latin typeface="Arial"/>
+                <a:ea typeface="DejaVu Sans"/>
+              </a:rPr>
+              <a:t>Si numero &gt; 10 entonces</a:t>
+            </a:r>
+            <a:endParaRPr b="0" lang="en-US" sz="2400" spc="-1" strike="noStrike">
+              <a:latin typeface="Arial"/>
+            </a:endParaRPr>
+          </a:p>
+          <a:p>
+            <a:pPr lvl="1" marL="432000" indent="-216000">
+              <a:lnSpc>
+                <a:spcPct val="100000"/>
+              </a:lnSpc>
+              <a:spcBef>
+                <a:spcPts val="479"/>
+              </a:spcBef>
+              <a:buClr>
+                <a:srgbClr val="000000"/>
+              </a:buClr>
+              <a:buSzPct val="45000"/>
+              <a:buFont typeface="Wingdings" charset="2"/>
+              <a:buChar char=""/>
+            </a:pPr>
+            <a:r>
+              <a:rPr b="0" lang="en-US" sz="2400" spc="-1" strike="noStrike">
+                <a:solidFill>
+                  <a:srgbClr val="292934"/>
+                </a:solidFill>
+                <a:latin typeface="Arial"/>
+                <a:ea typeface="DejaVu Sans"/>
+              </a:rPr>
+              <a:t>imprimir(“el número es mayor a 10”)</a:t>
+            </a:r>
+            <a:endParaRPr b="0" lang="en-US" sz="2400" spc="-1" strike="noStrike">
+              <a:latin typeface="Arial"/>
+            </a:endParaRPr>
+          </a:p>
+          <a:p>
+            <a:pPr marL="182880" indent="-181800">
+              <a:lnSpc>
+                <a:spcPct val="100000"/>
+              </a:lnSpc>
+              <a:spcBef>
+                <a:spcPts val="479"/>
+              </a:spcBef>
+              <a:buClr>
+                <a:srgbClr val="93a299"/>
+              </a:buClr>
+              <a:buSzPct val="85000"/>
+              <a:buFont typeface="Arial"/>
+              <a:buChar char="•"/>
+            </a:pPr>
+            <a:r>
+              <a:rPr b="0" lang="en-US" sz="2400" spc="-1" strike="noStrike">
+                <a:solidFill>
+                  <a:srgbClr val="292934"/>
+                </a:solidFill>
+                <a:latin typeface="Arial"/>
+                <a:ea typeface="DejaVu Sans"/>
+              </a:rPr>
+              <a:t>De lo contrartio</a:t>
+            </a:r>
+            <a:endParaRPr b="0" lang="en-US" sz="2400" spc="-1" strike="noStrike">
+              <a:latin typeface="Arial"/>
+            </a:endParaRPr>
+          </a:p>
+          <a:p>
+            <a:pPr lvl="1" marL="432000" indent="-216000">
+              <a:lnSpc>
+                <a:spcPct val="100000"/>
+              </a:lnSpc>
+              <a:spcBef>
+                <a:spcPts val="479"/>
+              </a:spcBef>
+              <a:buClr>
+                <a:srgbClr val="000000"/>
+              </a:buClr>
+              <a:buSzPct val="45000"/>
+              <a:buFont typeface="Wingdings" charset="2"/>
+              <a:buChar char=""/>
+            </a:pPr>
+            <a:r>
+              <a:rPr b="0" lang="en-US" sz="2400" spc="-1" strike="noStrike">
+                <a:solidFill>
+                  <a:srgbClr val="292934"/>
+                </a:solidFill>
+                <a:latin typeface="Arial"/>
+                <a:ea typeface="DejaVu Sans"/>
+              </a:rPr>
+              <a:t>imprimir(“el numero es menor o igual a 10”)</a:t>
+            </a:r>
+            <a:endParaRPr b="0" lang="en-US" sz="2400" spc="-1" strike="noStrike">
+              <a:latin typeface="Arial"/>
+            </a:endParaRPr>
+          </a:p>
+        </p:txBody>
+      </p:sp>
+    </p:spTree>
+  </p:cSld>
+  <p:timing>
+    <p:tnLst>
+      <p:par>
+        <p:cTn id="7" dur="indefinite" restart="never" nodeType="tmRoot">
+          <p:childTnLst>
+            <p:seq>
+              <p:cTn id="8" dur="indefinite" nodeType="mainSeq"/>
+              <p:prevCondLst>
+                <p:cond delay="0" evt="onPrev">
+                  <p:tgtEl>
+                    <p:sldTgt/>
+                  </p:tgtEl>
+                </p:cond>
+              </p:prevCondLst>
+              <p:nextCondLst>
+                <p:cond delay="0" evt="onNext">
+                  <p:tgtEl>
+                    <p:sldTgt/>
+                  </p:tgtEl>
+                </p:cond>
+              </p:nextCondLst>
+            </p:seq>
+          </p:childTnLst>
+        </p:cTn>
+      </p:par>
+    </p:tnLst>
+  </p:timing>
+</p:sld>
+</file>
+
+<file path=ppt/slides/slide5.xml><?xml version="1.0" encoding="utf-8"?>
+<p:sld xmlns:a="http://schemas.openxmlformats.org/drawingml/2006/main" xmlns:p="http://schemas.openxmlformats.org/presentationml/2006/main" xmlns:r="http://schemas.openxmlformats.org/officeDocument/2006/relationships" xmlns:p14="http://schemas.microsoft.com/office/powerpoint/2010/main" xmlns:p15="http://schemas.microsoft.com/office/powerpoint/2012/main" xmlns:mc="http://schemas.openxmlformats.org/markup-compatibility/2006">
+  <p:cSld>
+    <p:spTree>
+      <p:nvGrpSpPr>
+        <p:cNvPr id="1" name=""/>
+        <p:cNvGrpSpPr/>
+        <p:nvPr/>
+      </p:nvGrpSpPr>
+      <p:grpSpPr>
+        <a:xfrm>
+          <a:off x="0" y="0"/>
+          <a:ext cx="0" cy="0"/>
+          <a:chOff x="0" y="0"/>
+          <a:chExt cx="0" cy="0"/>
+        </a:xfrm>
+      </p:grpSpPr>
+      <p:sp>
+        <p:nvSpPr>
+          <p:cNvPr id="91" name="CustomShape 1"/>
+          <p:cNvSpPr/>
+          <p:nvPr/>
+        </p:nvSpPr>
+        <p:spPr>
+          <a:xfrm>
+            <a:off x="457200" y="533520"/>
+            <a:ext cx="8228520" cy="989640"/>
+          </a:xfrm>
+          <a:prstGeom prst="rect">
+            <a:avLst/>
+          </a:prstGeom>
+          <a:noFill/>
+          <a:ln>
+            <a:noFill/>
+          </a:ln>
+        </p:spPr>
+        <p:style>
+          <a:lnRef idx="0"/>
+          <a:fillRef idx="0"/>
+          <a:effectRef idx="0"/>
+          <a:fontRef idx="minor"/>
+        </p:style>
+        <p:txBody>
+          <a:bodyPr lIns="90000" rIns="90000" tIns="45000" bIns="45000" anchor="ctr"/>
+          <a:p>
+            <a:pPr>
+              <a:lnSpc>
+                <a:spcPct val="100000"/>
+              </a:lnSpc>
+            </a:pPr>
+            <a:r>
+              <a:rPr b="0" lang="en-US" sz="4000" spc="-92" strike="noStrike">
+                <a:solidFill>
+                  <a:srgbClr val="d2533c"/>
+                </a:solidFill>
+                <a:latin typeface="Arial"/>
+                <a:ea typeface="DejaVu Sans"/>
+              </a:rPr>
+              <a:t>Estructuras else if</a:t>
+            </a:r>
+            <a:endParaRPr b="0" lang="en-US" sz="4000" spc="-1" strike="noStrike">
+              <a:latin typeface="Arial"/>
+            </a:endParaRPr>
+          </a:p>
+        </p:txBody>
+      </p:sp>
+      <p:sp>
+        <p:nvSpPr>
+          <p:cNvPr id="92" name="CustomShape 2"/>
+          <p:cNvSpPr/>
+          <p:nvPr/>
+        </p:nvSpPr>
+        <p:spPr>
+          <a:xfrm>
+            <a:off x="457200" y="1600200"/>
+            <a:ext cx="8228520" cy="4875840"/>
+          </a:xfrm>
+          <a:prstGeom prst="rect">
+            <a:avLst/>
+          </a:prstGeom>
+          <a:noFill/>
+          <a:ln>
+            <a:noFill/>
+          </a:ln>
+        </p:spPr>
+        <p:style>
+          <a:lnRef idx="0"/>
+          <a:fillRef idx="0"/>
+          <a:effectRef idx="0"/>
+          <a:fontRef idx="minor"/>
+        </p:style>
+        <p:txBody>
+          <a:bodyPr lIns="90000" rIns="90000" tIns="45000" bIns="45000"/>
+          <a:p>
+            <a:pPr marL="182880" indent="-181800">
+              <a:lnSpc>
+                <a:spcPct val="100000"/>
+              </a:lnSpc>
+              <a:spcBef>
+                <a:spcPts val="479"/>
+              </a:spcBef>
+              <a:buClr>
+                <a:srgbClr val="93a299"/>
+              </a:buClr>
+              <a:buSzPct val="85000"/>
+              <a:buFont typeface="Arial"/>
+              <a:buChar char="•"/>
+            </a:pPr>
+            <a:r>
+              <a:rPr b="0" lang="en-US" sz="2400" spc="-1" strike="noStrike">
+                <a:solidFill>
+                  <a:srgbClr val="292934"/>
+                </a:solidFill>
+                <a:latin typeface="Arial"/>
+                <a:ea typeface="DejaVu Sans"/>
+              </a:rPr>
+              <a:t>Es una condición de tres o más partes</a:t>
+            </a:r>
+            <a:endParaRPr b="0" lang="en-US" sz="2400" spc="-1" strike="noStrike">
+              <a:latin typeface="Arial"/>
+            </a:endParaRPr>
+          </a:p>
+          <a:p>
+            <a:pPr marL="182880" indent="-181800">
+              <a:lnSpc>
+                <a:spcPct val="100000"/>
+              </a:lnSpc>
+              <a:spcBef>
+                <a:spcPts val="479"/>
+              </a:spcBef>
+              <a:buClr>
+                <a:srgbClr val="93a299"/>
+              </a:buClr>
+              <a:buSzPct val="85000"/>
+              <a:buFont typeface="Arial"/>
+              <a:buChar char="•"/>
+            </a:pPr>
+            <a:r>
+              <a:rPr b="0" lang="en-US" sz="2400" spc="-1" strike="noStrike">
+                <a:solidFill>
+                  <a:srgbClr val="292934"/>
+                </a:solidFill>
+                <a:latin typeface="Arial"/>
+                <a:ea typeface="DejaVu Sans"/>
+              </a:rPr>
+              <a:t>Ejemplo</a:t>
+            </a:r>
+            <a:endParaRPr b="0" lang="en-US" sz="2400" spc="-1" strike="noStrike">
+              <a:latin typeface="Arial"/>
+            </a:endParaRPr>
+          </a:p>
+          <a:p>
+            <a:pPr marL="182880" indent="-181800">
+              <a:lnSpc>
+                <a:spcPct val="100000"/>
+              </a:lnSpc>
+              <a:spcBef>
+                <a:spcPts val="479"/>
+              </a:spcBef>
+              <a:buClr>
+                <a:srgbClr val="93a299"/>
+              </a:buClr>
+              <a:buSzPct val="85000"/>
+              <a:buFont typeface="Arial"/>
+              <a:buChar char="•"/>
+            </a:pPr>
+            <a:r>
+              <a:rPr b="0" lang="en-US" sz="2400" spc="-1" strike="noStrike">
+                <a:solidFill>
+                  <a:srgbClr val="292934"/>
+                </a:solidFill>
+                <a:latin typeface="Arial"/>
+                <a:ea typeface="DejaVu Sans"/>
+              </a:rPr>
+              <a:t>imprimir(“Ingrese su edad”)</a:t>
+            </a:r>
+            <a:endParaRPr b="0" lang="en-US" sz="2400" spc="-1" strike="noStrike">
+              <a:latin typeface="Arial"/>
+            </a:endParaRPr>
+          </a:p>
+          <a:p>
+            <a:pPr marL="182880" indent="-181800">
+              <a:lnSpc>
+                <a:spcPct val="100000"/>
+              </a:lnSpc>
+              <a:spcBef>
+                <a:spcPts val="479"/>
+              </a:spcBef>
+              <a:buClr>
+                <a:srgbClr val="93a299"/>
+              </a:buClr>
+              <a:buSzPct val="85000"/>
+              <a:buFont typeface="Arial"/>
+              <a:buChar char="•"/>
+            </a:pPr>
+            <a:r>
+              <a:rPr b="0" lang="en-US" sz="2400" spc="-1" strike="noStrike">
+                <a:solidFill>
+                  <a:srgbClr val="292934"/>
+                </a:solidFill>
+                <a:latin typeface="Arial"/>
+                <a:ea typeface="DejaVu Sans"/>
+              </a:rPr>
+              <a:t>leer(edad)</a:t>
+            </a:r>
+            <a:endParaRPr b="0" lang="en-US" sz="2400" spc="-1" strike="noStrike">
+              <a:latin typeface="Arial"/>
+            </a:endParaRPr>
+          </a:p>
+          <a:p>
+            <a:pPr marL="182880" indent="-181800">
+              <a:lnSpc>
+                <a:spcPct val="100000"/>
+              </a:lnSpc>
+              <a:spcBef>
+                <a:spcPts val="479"/>
+              </a:spcBef>
+              <a:buClr>
+                <a:srgbClr val="93a299"/>
+              </a:buClr>
+              <a:buSzPct val="85000"/>
+              <a:buFont typeface="Arial"/>
+              <a:buChar char="•"/>
+            </a:pPr>
+            <a:r>
+              <a:rPr b="0" lang="en-US" sz="2400" spc="-1" strike="noStrike">
+                <a:solidFill>
+                  <a:srgbClr val="292934"/>
+                </a:solidFill>
+                <a:latin typeface="Arial"/>
+                <a:ea typeface="DejaVu Sans"/>
+              </a:rPr>
+              <a:t>Si edad &lt; 13 entonces</a:t>
+            </a:r>
+            <a:endParaRPr b="0" lang="en-US" sz="2400" spc="-1" strike="noStrike">
+              <a:latin typeface="Arial"/>
+            </a:endParaRPr>
+          </a:p>
+          <a:p>
+            <a:pPr lvl="1" marL="432000" indent="-216000">
+              <a:lnSpc>
+                <a:spcPct val="100000"/>
+              </a:lnSpc>
+              <a:spcBef>
+                <a:spcPts val="479"/>
+              </a:spcBef>
+              <a:buClr>
+                <a:srgbClr val="000000"/>
+              </a:buClr>
+              <a:buSzPct val="45000"/>
+              <a:buFont typeface="Wingdings" charset="2"/>
+              <a:buChar char=""/>
+            </a:pPr>
+            <a:r>
+              <a:rPr b="0" lang="en-US" sz="2400" spc="-1" strike="noStrike">
+                <a:solidFill>
+                  <a:srgbClr val="292934"/>
+                </a:solidFill>
+                <a:latin typeface="Arial"/>
+                <a:ea typeface="DejaVu Sans"/>
+              </a:rPr>
+              <a:t>imprimir(“usted esta en la infancia”)</a:t>
+            </a:r>
+            <a:endParaRPr b="0" lang="en-US" sz="2400" spc="-1" strike="noStrike">
+              <a:latin typeface="Arial"/>
+            </a:endParaRPr>
+          </a:p>
+          <a:p>
+            <a:pPr marL="182880" indent="-181800">
+              <a:lnSpc>
+                <a:spcPct val="100000"/>
+              </a:lnSpc>
+              <a:spcBef>
+                <a:spcPts val="479"/>
+              </a:spcBef>
+              <a:buClr>
+                <a:srgbClr val="93a299"/>
+              </a:buClr>
+              <a:buSzPct val="85000"/>
+              <a:buFont typeface="Arial"/>
+              <a:buChar char="•"/>
+            </a:pPr>
+            <a:r>
+              <a:rPr b="0" lang="en-US" sz="2400" spc="-1" strike="noStrike">
+                <a:solidFill>
+                  <a:srgbClr val="292934"/>
+                </a:solidFill>
+                <a:latin typeface="Arial"/>
+                <a:ea typeface="DejaVu Sans"/>
+              </a:rPr>
+              <a:t>De lo contrartio si edad &gt; 13 y edad &lt; 21</a:t>
+            </a:r>
+            <a:endParaRPr b="0" lang="en-US" sz="2400" spc="-1" strike="noStrike">
+              <a:latin typeface="Arial"/>
+            </a:endParaRPr>
+          </a:p>
+          <a:p>
+            <a:pPr lvl="1" marL="432000" indent="-216000">
+              <a:lnSpc>
+                <a:spcPct val="100000"/>
+              </a:lnSpc>
+              <a:spcBef>
+                <a:spcPts val="479"/>
+              </a:spcBef>
+              <a:buClr>
+                <a:srgbClr val="000000"/>
+              </a:buClr>
+              <a:buSzPct val="45000"/>
+              <a:buFont typeface="Wingdings" charset="2"/>
+              <a:buChar char=""/>
+            </a:pPr>
+            <a:r>
+              <a:rPr b="0" lang="en-US" sz="2400" spc="-1" strike="noStrike">
+                <a:solidFill>
+                  <a:srgbClr val="292934"/>
+                </a:solidFill>
+                <a:latin typeface="Arial"/>
+                <a:ea typeface="DejaVu Sans"/>
+              </a:rPr>
+              <a:t>imprimir(“usted esta en la adolescencia”)</a:t>
+            </a:r>
+            <a:endParaRPr b="0" lang="en-US" sz="2400" spc="-1" strike="noStrike">
+              <a:latin typeface="Arial"/>
+            </a:endParaRPr>
+          </a:p>
+          <a:p>
+            <a:pPr marL="182880" indent="-181800">
+              <a:lnSpc>
+                <a:spcPct val="100000"/>
+              </a:lnSpc>
+              <a:spcBef>
+                <a:spcPts val="479"/>
+              </a:spcBef>
+              <a:buClr>
+                <a:srgbClr val="93a299"/>
+              </a:buClr>
+              <a:buSzPct val="85000"/>
+              <a:buFont typeface="Arial"/>
+              <a:buChar char="•"/>
+            </a:pPr>
+            <a:r>
+              <a:rPr b="0" lang="en-US" sz="2400" spc="-1" strike="noStrike">
+                <a:solidFill>
+                  <a:srgbClr val="292934"/>
+                </a:solidFill>
+                <a:latin typeface="Arial"/>
+                <a:ea typeface="DejaVu Sans"/>
+              </a:rPr>
+              <a:t>De lo contrartio si edad &gt; 21</a:t>
+            </a:r>
+            <a:endParaRPr b="0" lang="en-US" sz="2400" spc="-1" strike="noStrike">
+              <a:latin typeface="Arial"/>
+            </a:endParaRPr>
+          </a:p>
+          <a:p>
+            <a:pPr lvl="1" marL="432000" indent="-216000">
+              <a:lnSpc>
+                <a:spcPct val="100000"/>
+              </a:lnSpc>
+              <a:spcBef>
+                <a:spcPts val="479"/>
+              </a:spcBef>
+              <a:buClr>
+                <a:srgbClr val="000000"/>
+              </a:buClr>
+              <a:buSzPct val="45000"/>
+              <a:buFont typeface="Wingdings" charset="2"/>
+              <a:buChar char=""/>
+            </a:pPr>
+            <a:r>
+              <a:rPr b="0" lang="en-US" sz="2400" spc="-1" strike="noStrike">
+                <a:solidFill>
+                  <a:srgbClr val="292934"/>
+                </a:solidFill>
+                <a:latin typeface="Arial"/>
+                <a:ea typeface="DejaVu Sans"/>
+              </a:rPr>
+              <a:t>imprimir(“usted esta en la adultez”)</a:t>
+            </a:r>
+            <a:endParaRPr b="0" lang="en-US" sz="2400" spc="-1" strike="noStrike">
+              <a:latin typeface="Arial"/>
+            </a:endParaRPr>
+          </a:p>
+        </p:txBody>
+      </p:sp>
+    </p:spTree>
+  </p:cSld>
+  <p:timing>
+    <p:tnLst>
+      <p:par>
+        <p:cTn id="9" dur="indefinite" restart="never" nodeType="tmRoot">
+          <p:childTnLst>
+            <p:seq>
+              <p:cTn id="10" dur="indefinite" nodeType="mainSeq"/>
+              <p:prevCondLst>
+                <p:cond delay="0" evt="onPrev">
+                  <p:tgtEl>
+                    <p:sldTgt/>
+                  </p:tgtEl>
+                </p:cond>
+              </p:prevCondLst>
+              <p:nextCondLst>
+                <p:cond delay="0" evt="onNext">
+                  <p:tgtEl>
+                    <p:sldTgt/>
+                  </p:tgtEl>
+                </p:cond>
+              </p:nextCondLst>
+            </p:seq>
+          </p:childTnLst>
+        </p:cTn>
+      </p:par>
+    </p:tnLst>
+  </p:timing>
+</p:sld>
+</file>
+
+<file path=ppt/slides/slide6.xml><?xml version="1.0" encoding="utf-8"?>
+<p:sld xmlns:a="http://schemas.openxmlformats.org/drawingml/2006/main" xmlns:p="http://schemas.openxmlformats.org/presentationml/2006/main" xmlns:r="http://schemas.openxmlformats.org/officeDocument/2006/relationships" xmlns:p14="http://schemas.microsoft.com/office/powerpoint/2010/main" xmlns:p15="http://schemas.microsoft.com/office/powerpoint/2012/main" xmlns:mc="http://schemas.openxmlformats.org/markup-compatibility/2006">
+  <p:cSld>
+    <p:spTree>
+      <p:nvGrpSpPr>
+        <p:cNvPr id="1" name=""/>
+        <p:cNvGrpSpPr/>
+        <p:nvPr/>
+      </p:nvGrpSpPr>
+      <p:grpSpPr>
+        <a:xfrm>
+          <a:off x="0" y="0"/>
+          <a:ext cx="0" cy="0"/>
+          <a:chOff x="0" y="0"/>
+          <a:chExt cx="0" cy="0"/>
+        </a:xfrm>
+      </p:grpSpPr>
+      <p:sp>
+        <p:nvSpPr>
+          <p:cNvPr id="93" name="CustomShape 1"/>
+          <p:cNvSpPr/>
+          <p:nvPr/>
+        </p:nvSpPr>
+        <p:spPr>
+          <a:xfrm>
+            <a:off x="457200" y="533520"/>
+            <a:ext cx="8228520" cy="989640"/>
+          </a:xfrm>
+          <a:prstGeom prst="rect">
+            <a:avLst/>
+          </a:prstGeom>
+          <a:noFill/>
+          <a:ln>
+            <a:noFill/>
+          </a:ln>
+        </p:spPr>
+        <p:style>
+          <a:lnRef idx="0"/>
+          <a:fillRef idx="0"/>
+          <a:effectRef idx="0"/>
+          <a:fontRef idx="minor"/>
+        </p:style>
+        <p:txBody>
+          <a:bodyPr lIns="90000" rIns="90000" tIns="45000" bIns="45000" anchor="ctr"/>
+          <a:p>
+            <a:pPr>
+              <a:lnSpc>
+                <a:spcPct val="100000"/>
+              </a:lnSpc>
+            </a:pPr>
+            <a:r>
+              <a:rPr b="0" lang="en-US" sz="4000" spc="-92" strike="noStrike">
+                <a:solidFill>
+                  <a:srgbClr val="d2533c"/>
+                </a:solidFill>
+                <a:latin typeface="Arial"/>
+                <a:ea typeface="DejaVu Sans"/>
+              </a:rPr>
+              <a:t>Ejercicios</a:t>
+            </a:r>
+            <a:endParaRPr b="0" lang="en-US" sz="4000" spc="-1" strike="noStrike">
+              <a:latin typeface="Arial"/>
+            </a:endParaRPr>
+          </a:p>
+        </p:txBody>
+      </p:sp>
+      <p:sp>
+        <p:nvSpPr>
+          <p:cNvPr id="94" name="CustomShape 2"/>
+          <p:cNvSpPr/>
+          <p:nvPr/>
+        </p:nvSpPr>
+        <p:spPr>
+          <a:xfrm>
+            <a:off x="457200" y="1600200"/>
+            <a:ext cx="8228520" cy="4875840"/>
+          </a:xfrm>
+          <a:prstGeom prst="rect">
+            <a:avLst/>
+          </a:prstGeom>
+          <a:noFill/>
+          <a:ln>
+            <a:noFill/>
+          </a:ln>
+        </p:spPr>
+        <p:style>
+          <a:lnRef idx="0"/>
+          <a:fillRef idx="0"/>
+          <a:effectRef idx="0"/>
+          <a:fontRef idx="minor"/>
+        </p:style>
+        <p:txBody>
+          <a:bodyPr lIns="90000" rIns="90000" tIns="45000" bIns="45000"/>
+          <a:p>
+            <a:pPr marL="182880" indent="-181800">
+              <a:lnSpc>
+                <a:spcPct val="100000"/>
+              </a:lnSpc>
+              <a:spcBef>
+                <a:spcPts val="479"/>
+              </a:spcBef>
+              <a:buClr>
+                <a:srgbClr val="93a299"/>
+              </a:buClr>
+              <a:buSzPct val="85000"/>
+              <a:buFont typeface="Arial"/>
+              <a:buChar char="•"/>
+            </a:pPr>
+            <a:r>
+              <a:rPr b="0" lang="en-US" sz="2400" spc="-1" strike="noStrike">
+                <a:solidFill>
+                  <a:srgbClr val="292934"/>
+                </a:solidFill>
+                <a:latin typeface="Arial"/>
+                <a:ea typeface="DejaVu Sans"/>
+              </a:rPr>
+              <a:t>Escriba un algortimo que le permita comparar dos números e imprimir cual de los dos es mayor o si son iguales</a:t>
+            </a:r>
+            <a:endParaRPr b="0" lang="en-US" sz="2400" spc="-1" strike="noStrike">
+              <a:latin typeface="Arial"/>
+            </a:endParaRPr>
+          </a:p>
+          <a:p>
+            <a:pPr marL="182880" indent="-181800">
+              <a:lnSpc>
+                <a:spcPct val="100000"/>
+              </a:lnSpc>
+              <a:spcBef>
+                <a:spcPts val="479"/>
+              </a:spcBef>
+              <a:buClr>
+                <a:srgbClr val="93a299"/>
+              </a:buClr>
+              <a:buSzPct val="85000"/>
+              <a:buFont typeface="Arial"/>
+              <a:buChar char="•"/>
+            </a:pPr>
+            <a:r>
+              <a:rPr b="0" lang="en-US" sz="2400" spc="-1" strike="noStrike">
+                <a:solidFill>
+                  <a:srgbClr val="292934"/>
+                </a:solidFill>
+                <a:latin typeface="Arial"/>
+                <a:ea typeface="DejaVu Sans"/>
+              </a:rPr>
+              <a:t>Escriba un algoritmo que le permita saber si un número es par o impar</a:t>
+            </a:r>
+            <a:endParaRPr b="0" lang="en-US" sz="2400" spc="-1" strike="noStrike">
+              <a:latin typeface="Arial"/>
+            </a:endParaRPr>
+          </a:p>
+          <a:p>
+            <a:pPr marL="182880" indent="-181800">
+              <a:lnSpc>
+                <a:spcPct val="100000"/>
+              </a:lnSpc>
+              <a:spcBef>
+                <a:spcPts val="479"/>
+              </a:spcBef>
+              <a:buClr>
+                <a:srgbClr val="93a299"/>
+              </a:buClr>
+              <a:buSzPct val="85000"/>
+              <a:buFont typeface="Arial"/>
+              <a:buChar char="•"/>
+            </a:pPr>
+            <a:r>
+              <a:rPr b="0" lang="en-US" sz="2400" spc="-1" strike="noStrike">
+                <a:solidFill>
+                  <a:srgbClr val="292934"/>
+                </a:solidFill>
+                <a:latin typeface="Arial"/>
+                <a:ea typeface="DejaVu Sans"/>
+              </a:rPr>
+              <a:t>Escriba un algoritmo que compare un nombre de usuario y un password dados por el usuario son iguales a los guardados en variables. Si son iguales, imprime un mensaje de exito, de lo contrario imprime un mensaje de error</a:t>
+            </a:r>
+            <a:endParaRPr b="0" lang="en-US" sz="2400" spc="-1" strike="noStrike">
+              <a:latin typeface="Arial"/>
+            </a:endParaRPr>
+          </a:p>
+        </p:txBody>
+      </p:sp>
+    </p:spTree>
+  </p:cSld>
+  <p:timing>
+    <p:tnLst>
+      <p:par>
+        <p:cTn id="11" dur="indefinite" restart="never" nodeType="tmRoot">
+          <p:childTnLst>
+            <p:seq>
+              <p:cTn id="12" dur="indefinite" nodeType="mainSeq"/>
+              <p:prevCondLst>
+                <p:cond delay="0" evt="onPrev">
+                  <p:tgtEl>
+                    <p:sldTgt/>
+                  </p:tgtEl>
+                </p:cond>
+              </p:prevCondLst>
+              <p:nextCondLst>
+                <p:cond delay="0" evt="onNext">
+                  <p:tgtEl>
+                    <p:sldTgt/>
+                  </p:tgtEl>
+                </p:cond>
+              </p:nextCondLst>
+            </p:seq>
+          </p:childTnLst>
+        </p:cTn>
+      </p:par>
+    </p:tnLst>
+  </p:timing>
+</p:sld>
+</file>
+
+<file path=ppt/slides/slide7.xml><?xml version="1.0" encoding="utf-8"?>
+<p:sld xmlns:a="http://schemas.openxmlformats.org/drawingml/2006/main" xmlns:p="http://schemas.openxmlformats.org/presentationml/2006/main" xmlns:r="http://schemas.openxmlformats.org/officeDocument/2006/relationships" xmlns:p14="http://schemas.microsoft.com/office/powerpoint/2010/main" xmlns:p15="http://schemas.microsoft.com/office/powerpoint/2012/main" xmlns:mc="http://schemas.openxmlformats.org/markup-compatibility/2006">
+  <p:cSld>
+    <p:spTree>
+      <p:nvGrpSpPr>
+        <p:cNvPr id="1" name=""/>
+        <p:cNvGrpSpPr/>
+        <p:nvPr/>
+      </p:nvGrpSpPr>
+      <p:grpSpPr>
+        <a:xfrm>
+          <a:off x="0" y="0"/>
+          <a:ext cx="0" cy="0"/>
+          <a:chOff x="0" y="0"/>
+          <a:chExt cx="0" cy="0"/>
+        </a:xfrm>
+      </p:grpSpPr>
+      <p:sp>
+        <p:nvSpPr>
+          <p:cNvPr id="95" name="CustomShape 1"/>
+          <p:cNvSpPr/>
+          <p:nvPr/>
+        </p:nvSpPr>
+        <p:spPr>
+          <a:xfrm>
+            <a:off x="457200" y="533520"/>
+            <a:ext cx="8228520" cy="989640"/>
+          </a:xfrm>
+          <a:prstGeom prst="rect">
+            <a:avLst/>
+          </a:prstGeom>
+          <a:noFill/>
+          <a:ln>
+            <a:noFill/>
+          </a:ln>
+        </p:spPr>
+        <p:style>
+          <a:lnRef idx="0"/>
+          <a:fillRef idx="0"/>
+          <a:effectRef idx="0"/>
+          <a:fontRef idx="minor"/>
+        </p:style>
+        <p:txBody>
+          <a:bodyPr lIns="90000" rIns="90000" tIns="45000" bIns="45000" anchor="ctr"/>
+          <a:p>
+            <a:pPr>
+              <a:lnSpc>
+                <a:spcPct val="100000"/>
+              </a:lnSpc>
+            </a:pPr>
+            <a:r>
+              <a:rPr b="0" lang="en-US" sz="4000" spc="-92" strike="noStrike">
+                <a:solidFill>
+                  <a:srgbClr val="d2533c"/>
+                </a:solidFill>
+                <a:latin typeface="Arial"/>
+                <a:ea typeface="DejaVu Sans"/>
+              </a:rPr>
+              <a:t>Diagramas de flujo</a:t>
+            </a:r>
+            <a:endParaRPr b="0" lang="en-US" sz="4000" spc="-1" strike="noStrike">
+              <a:latin typeface="Arial"/>
+            </a:endParaRPr>
+          </a:p>
+        </p:txBody>
+      </p:sp>
+      <p:sp>
+        <p:nvSpPr>
+          <p:cNvPr id="96" name="CustomShape 2"/>
+          <p:cNvSpPr/>
+          <p:nvPr/>
+        </p:nvSpPr>
+        <p:spPr>
+          <a:xfrm>
+            <a:off x="457200" y="1600200"/>
+            <a:ext cx="8228520" cy="4875840"/>
+          </a:xfrm>
+          <a:prstGeom prst="rect">
+            <a:avLst/>
+          </a:prstGeom>
+          <a:noFill/>
+          <a:ln>
+            <a:noFill/>
+          </a:ln>
+        </p:spPr>
+        <p:style>
+          <a:lnRef idx="0"/>
+          <a:fillRef idx="0"/>
+          <a:effectRef idx="0"/>
+          <a:fontRef idx="minor"/>
+        </p:style>
+        <p:txBody>
+          <a:bodyPr lIns="90000" rIns="90000" tIns="45000" bIns="45000"/>
+          <a:p>
+            <a:pPr marL="182880" indent="-181800">
+              <a:lnSpc>
+                <a:spcPct val="100000"/>
+              </a:lnSpc>
+              <a:spcBef>
+                <a:spcPts val="479"/>
+              </a:spcBef>
+              <a:buClr>
+                <a:srgbClr val="93a299"/>
+              </a:buClr>
+              <a:buSzPct val="85000"/>
+              <a:buFont typeface="Arial"/>
+              <a:buChar char="•"/>
+            </a:pPr>
+            <a:r>
+              <a:rPr b="0" lang="en-US" sz="2400" spc="-1" strike="noStrike">
+                <a:solidFill>
+                  <a:srgbClr val="292934"/>
+                </a:solidFill>
+                <a:latin typeface="Arial"/>
+                <a:ea typeface="DejaVu Sans"/>
+              </a:rPr>
+              <a:t>Es la representación gráfica de un algoritmo</a:t>
+            </a:r>
+            <a:endParaRPr b="0" lang="en-US" sz="2400" spc="-1" strike="noStrike">
+              <a:latin typeface="Arial"/>
+            </a:endParaRPr>
+          </a:p>
+          <a:p>
+            <a:pPr marL="182880" indent="-181800">
+              <a:lnSpc>
+                <a:spcPct val="100000"/>
+              </a:lnSpc>
+              <a:spcBef>
+                <a:spcPts val="479"/>
+              </a:spcBef>
+              <a:buClr>
+                <a:srgbClr val="93a299"/>
+              </a:buClr>
+              <a:buSzPct val="85000"/>
+              <a:buFont typeface="Arial"/>
+              <a:buChar char="•"/>
+            </a:pPr>
+            <a:r>
+              <a:rPr b="0" lang="en-US" sz="2400" spc="-1" strike="noStrike">
+                <a:solidFill>
+                  <a:srgbClr val="292934"/>
+                </a:solidFill>
+                <a:latin typeface="Arial"/>
+                <a:ea typeface="DejaVu Sans"/>
+              </a:rPr>
+              <a:t>El lenguaje más usado es UML</a:t>
+            </a:r>
+            <a:endParaRPr b="0" lang="en-US" sz="2400" spc="-1" strike="noStrike">
+              <a:latin typeface="Arial"/>
+            </a:endParaRPr>
+          </a:p>
+          <a:p>
+            <a:pPr lvl="1" marL="457200" indent="-181800">
+              <a:lnSpc>
+                <a:spcPct val="100000"/>
+              </a:lnSpc>
+              <a:spcBef>
+                <a:spcPts val="400"/>
+              </a:spcBef>
+              <a:buClr>
+                <a:srgbClr val="93a299"/>
+              </a:buClr>
+              <a:buSzPct val="85000"/>
+              <a:buFont typeface="Arial"/>
+              <a:buChar char="•"/>
+            </a:pPr>
+            <a:r>
+              <a:rPr b="0" lang="en-US" sz="2000" spc="-1" strike="noStrike">
+                <a:solidFill>
+                  <a:srgbClr val="292934"/>
+                </a:solidFill>
+                <a:latin typeface="Arial"/>
+                <a:ea typeface="DejaVu Sans"/>
+              </a:rPr>
+              <a:t>Universal Modeling Language</a:t>
+            </a:r>
+            <a:endParaRPr b="0" lang="en-US" sz="2000" spc="-1" strike="noStrike">
+              <a:latin typeface="Arial"/>
+            </a:endParaRPr>
+          </a:p>
+          <a:p>
+            <a:pPr marL="182880" indent="-181800">
+              <a:lnSpc>
+                <a:spcPct val="100000"/>
+              </a:lnSpc>
+              <a:spcBef>
+                <a:spcPts val="479"/>
+              </a:spcBef>
+              <a:buClr>
+                <a:srgbClr val="93a299"/>
+              </a:buClr>
+              <a:buSzPct val="85000"/>
+              <a:buFont typeface="Arial"/>
+              <a:buChar char="•"/>
+            </a:pPr>
+            <a:r>
+              <a:rPr b="0" lang="en-US" sz="2400" spc="-1" strike="noStrike">
+                <a:solidFill>
+                  <a:srgbClr val="292934"/>
+                </a:solidFill>
+                <a:latin typeface="Arial"/>
+                <a:ea typeface="DejaVu Sans"/>
+              </a:rPr>
+              <a:t>Se usa para que los algoritmos sean más fáciles de leer e interpretar</a:t>
+            </a:r>
+            <a:endParaRPr b="0" lang="en-US" sz="2400" spc="-1" strike="noStrike">
+              <a:latin typeface="Arial"/>
+            </a:endParaRPr>
+          </a:p>
+          <a:p>
+            <a:pPr marL="182880" indent="-181800">
+              <a:lnSpc>
+                <a:spcPct val="100000"/>
+              </a:lnSpc>
+              <a:spcBef>
+                <a:spcPts val="479"/>
+              </a:spcBef>
+              <a:buClr>
+                <a:srgbClr val="93a299"/>
+              </a:buClr>
+              <a:buSzPct val="85000"/>
+              <a:buFont typeface="Arial"/>
+              <a:buChar char="•"/>
+            </a:pPr>
+            <a:r>
+              <a:rPr b="0" lang="en-US" sz="2400" spc="-1" strike="noStrike">
+                <a:solidFill>
+                  <a:srgbClr val="292934"/>
+                </a:solidFill>
+                <a:latin typeface="Arial"/>
+                <a:ea typeface="DejaVu Sans"/>
+              </a:rPr>
+              <a:t>Los diagramas de flujo usan figuras geométricas para diferenciar los diferentes estados del </a:t>
+            </a:r>
+            <a:endParaRPr b="0" lang="en-US" sz="2400" spc="-1" strike="noStrike">
+              <a:latin typeface="Arial"/>
+            </a:endParaRPr>
+          </a:p>
+        </p:txBody>
+      </p:sp>
+    </p:spTree>
+  </p:cSld>
+  <p:timing>
+    <p:tnLst>
+      <p:par>
+        <p:cTn id="13" dur="indefinite" restart="never" nodeType="tmRoot">
+          <p:childTnLst>
+            <p:seq>
+              <p:cTn id="14" dur="indefinite" nodeType="mainSeq">
                 <p:childTnLst>
-                  <p:par>
-                    <p:cTn id="7" fill="hold">
-                      <p:stCondLst>
-                        <p:cond delay="indefinite"/>
-                      </p:stCondLst>
-                      <p:childTnLst>
-                        <p:par>
-                          <p:cTn id="8" fill="hold">
-                            <p:stCondLst>
-                              <p:cond delay="0"/>
-                            </p:stCondLst>
-                            <p:childTnLst>
-                              <p:par>
-                                <p:cTn id="9" nodeType="clickEffect" fill="hold" presetClass="entr" presetID="1">
-                                  <p:stCondLst>
-                                    <p:cond delay="0"/>
-                                  </p:stCondLst>
-                                  <p:childTnLst>
-                                    <p:set>
-                                      <p:cBhvr>
-                                        <p:cTn id="10" dur="1" fill="hold">
-                                          <p:stCondLst>
-                                            <p:cond delay="0"/>
-                                          </p:stCondLst>
-                                        </p:cTn>
-                                        <p:tgtEl>
-                                          <p:spTgt spid="88">
-                                            <p:txEl>
-                                              <p:pRg st="0" end="0"/>
-                                            </p:txEl>
-                                          </p:spTgt>
-                                        </p:tgtEl>
-                                        <p:attrNameLst>
-                                          <p:attrName>style.visibility</p:attrName>
-                                        </p:attrNameLst>
-                                      </p:cBhvr>
-                                      <p:to>
-                                        <p:strVal val="visible"/>
-                                      </p:to>
-                                    </p:set>
-                                  </p:childTnLst>
-                                </p:cTn>
-                              </p:par>
-                            </p:childTnLst>
-                          </p:cTn>
-                        </p:par>
-                      </p:childTnLst>
-                    </p:cTn>
-                  </p:par>
-                  <p:par>
-                    <p:cTn id="11" fill="hold">
-                      <p:stCondLst>
-                        <p:cond delay="indefinite"/>
-                      </p:stCondLst>
-                      <p:childTnLst>
-                        <p:par>
-                          <p:cTn id="12" fill="hold">
-                            <p:stCondLst>
-                              <p:cond delay="0"/>
-                            </p:stCondLst>
-                            <p:childTnLst>
-                              <p:par>
-                                <p:cTn id="13" nodeType="clickEffect" fill="hold" presetClass="entr" presetID="1">
-                                  <p:stCondLst>
-                                    <p:cond delay="0"/>
-                                  </p:stCondLst>
-                                  <p:childTnLst>
-                                    <p:set>
-                                      <p:cBhvr>
-                                        <p:cTn id="14" dur="1" fill="hold">
-                                          <p:stCondLst>
-                                            <p:cond delay="0"/>
-                                          </p:stCondLst>
-                                        </p:cTn>
-                                        <p:tgtEl>
-                                          <p:spTgt spid="88">
-                                            <p:txEl>
-                                              <p:pRg st="1" end="1"/>
-                                            </p:txEl>
-                                          </p:spTgt>
-                                        </p:tgtEl>
-                                        <p:attrNameLst>
-                                          <p:attrName>style.visibility</p:attrName>
-                                        </p:attrNameLst>
-                                      </p:cBhvr>
-                                      <p:to>
-                                        <p:strVal val="visible"/>
-                                      </p:to>
-                                    </p:set>
-                                  </p:childTnLst>
-                                </p:cTn>
-                              </p:par>
-                            </p:childTnLst>
-                          </p:cTn>
-                        </p:par>
-                      </p:childTnLst>
-                    </p:cTn>
-                  </p:par>
                   <p:par>
                     <p:cTn id="15" fill="hold">
                       <p:stCondLst>
@@ -5295,9 +7443,9 @@
                                           </p:stCondLst>
                                         </p:cTn>
                                         <p:tgtEl>
-                                          <p:spTgt spid="88">
+                                          <p:spTgt spid="96">
                                             <p:txEl>
-                                              <p:pRg st="2" end="2"/>
+                                              <p:pRg st="0" end="0"/>
                                             </p:txEl>
                                           </p:spTgt>
                                         </p:tgtEl>
@@ -5344,9 +7492,9 @@
                                           </p:stCondLst>
                                         </p:cTn>
                                         <p:tgtEl>
-                                          <p:spTgt spid="88">
+                                          <p:spTgt spid="96">
                                             <p:txEl>
-                                              <p:pRg st="3" end="3"/>
+                                              <p:pRg st="1" end="1"/>
                                             </p:txEl>
                                           </p:spTgt>
                                         </p:tgtEl>
@@ -5393,7 +7541,105 @@
                                           </p:stCondLst>
                                         </p:cTn>
                                         <p:tgtEl>
-                                          <p:spTgt spid="88">
+                                          <p:spTgt spid="96">
+                                            <p:txEl>
+                                              <p:pRg st="2" end="2"/>
+                                            </p:txEl>
+                                          </p:spTgt>
+                                        </p:tgtEl>
+                                        <p:attrNameLst>
+                                          <p:attrName>style.visibility</p:attrName>
+                                        </p:attrNameLst>
+                                      </p:cBhvr>
+                                      <p:to>
+                                        <p:strVal val="visible"/>
+                                      </p:to>
+                                    </p:set>
+                                  </p:childTnLst>
+                                </p:cTn>
+                              </p:par>
+                            </p:childTnLst>
+                          </p:cTn>
+                        </p:par>
+                      </p:childTnLst>
+                    </p:cTn>
+                  </p:par>
+                  <p:par>
+                    <p:cTn id="27" fill="hold">
+                      <p:stCondLst>
+                        <p:cond delay="indefinite"/>
+                      </p:stCondLst>
+                      <p:childTnLst>
+                        <p:par>
+                          <p:cTn id="28" fill="hold">
+                            <p:stCondLst>
+                              <p:cond delay="0"/>
+                            </p:stCondLst>
+                            <p:childTnLst>
+                              <p:par>
+                                <p:cTn id="29" nodeType="clickEffect" fill="hold" presetClass="entr" presetID="1">
+                                  <p:stCondLst>
+                                    <p:cond delay="0"/>
+                                  </p:stCondLst>
+                                  <p:childTnLst>
+                                    <p:set>
+                                      <p:cBhvr>
+                                        <p:cTn id="30" dur="1" fill="hold">
+                                          <p:stCondLst>
+                                            <p:cond delay="0"/>
+                                          </p:stCondLst>
+                                        </p:cTn>
+                                        <p:tgtEl>
+                                          <p:spTgt spid="96">
+                                            <p:txEl>
+                                              <p:pRg st="3" end="3"/>
+                                            </p:txEl>
+                                          </p:spTgt>
+                                        </p:tgtEl>
+                                        <p:attrNameLst>
+                                          <p:attrName>style.visibility</p:attrName>
+                                        </p:attrNameLst>
+                                      </p:cBhvr>
+                                      <p:to>
+                                        <p:strVal val="visible"/>
+                                      </p:to>
+                                    </p:set>
+                                  </p:childTnLst>
+                                </p:cTn>
+                              </p:par>
+                            </p:childTnLst>
+                          </p:cTn>
+                        </p:par>
+                      </p:childTnLst>
+                    </p:cTn>
+                  </p:par>
+                  <p:par>
+                    <p:cTn id="31" fill="hold">
+                      <p:stCondLst>
+                        <p:cond delay="indefinite"/>
+                      </p:stCondLst>
+                      <p:childTnLst>
+                        <p:par>
+                          <p:cTn id="32" fill="hold">
+                            <p:stCondLst>
+                              <p:cond delay="0"/>
+                            </p:stCondLst>
+                            <p:childTnLst>
+                              <p:par>
+                                <p:cTn id="33" nodeType="clickEffect" fill="hold" presetClass="entr" presetID="1">
+                                  <p:stCondLst>
+                                    <p:cond delay="0"/>
+                                  </p:stCondLst>
+                                  <p:childTnLst>
+                                    <p:set>
+                                      <p:cBhvr>
+                                        <p:cTn id="34" dur="1" fill="hold">
+                                          <p:stCondLst>
+                                            <p:cond delay="0"/>
+                                          </p:stCondLst>
+                                        </p:cTn>
+                                        <p:tgtEl>
+                                          <p:spTgt spid="96">
                                             <p:txEl>
                                               <p:pRg st="4" end="4"/>
                                             </p:txEl>
@@ -5441,7 +7687,7 @@
 </p:sld>
 </file>
 
-<file path=ppt/slides/slide4.xml><?xml version="1.0" encoding="utf-8"?>
+<file path=ppt/slides/slide8.xml><?xml version="1.0" encoding="utf-8"?>
 <p:sld xmlns:a="http://schemas.openxmlformats.org/drawingml/2006/main" xmlns:p="http://schemas.openxmlformats.org/presentationml/2006/main" xmlns:r="http://schemas.openxmlformats.org/officeDocument/2006/relationships" xmlns:p14="http://schemas.microsoft.com/office/powerpoint/2010/main" xmlns:p15="http://schemas.microsoft.com/office/powerpoint/2012/main" xmlns:mc="http://schemas.openxmlformats.org/markup-compatibility/2006">
   <p:cSld>
     <p:spTree>
@@ -5460,14 +7706,14 @@
       </p:grpSpPr>
       <p:sp>
         <p:nvSpPr>
-          <p:cNvPr id="89" name="CustomShape 1"/>
+          <p:cNvPr id="97" name="CustomShape 1"/>
           <p:cNvSpPr/>
           <p:nvPr/>
         </p:nvSpPr>
         <p:spPr>
           <a:xfrm>
             <a:off x="457200" y="533520"/>
-            <a:ext cx="8228880" cy="990000"/>
+            <a:ext cx="8228520" cy="989640"/>
           </a:xfrm>
           <a:prstGeom prst="rect">
             <a:avLst/>
@@ -5492,11 +7738,12 @@
               </a:lnSpc>
             </a:pPr>
             <a:r>
-              <a:rPr b="0" lang="en-US" sz="4000" spc="-94" strike="noStrike">
+              <a:rPr b="0" lang="en-US" sz="4000" spc="-92" strike="noStrike">
                 <a:solidFill>
                   <a:srgbClr val="d2533c"/>
                 </a:solidFill>
                 <a:latin typeface="Arial"/>
+                <a:ea typeface="DejaVu Sans"/>
               </a:rPr>
               <a:t>Diagramas de flujo - Formas</a:t>
             </a:r>
@@ -5508,14 +7755,14 @@
       </p:sp>
       <p:sp>
         <p:nvSpPr>
-          <p:cNvPr id="90" name="CustomShape 2"/>
+          <p:cNvPr id="98" name="CustomShape 2"/>
           <p:cNvSpPr/>
           <p:nvPr/>
         </p:nvSpPr>
         <p:spPr>
           <a:xfrm>
             <a:off x="457200" y="1600200"/>
-            <a:ext cx="8228880" cy="4876200"/>
+            <a:ext cx="8228520" cy="4875840"/>
           </a:xfrm>
           <a:prstGeom prst="rect">
             <a:avLst/>
@@ -5534,7 +7781,7 @@
         <p:txBody>
           <a:bodyPr lIns="90000" rIns="90000" tIns="45000" bIns="45000"/>
           <a:p>
-            <a:pPr marL="182880" indent="-182160">
+            <a:pPr marL="182880" indent="-181800">
               <a:lnSpc>
                 <a:spcPct val="100000"/>
               </a:lnSpc>
@@ -5554,6 +7801,7 @@
                   <a:srgbClr val="292934"/>
                 </a:solidFill>
                 <a:latin typeface="Arial"/>
+                <a:ea typeface="DejaVu Sans"/>
               </a:rPr>
               <a:t>Elipse - Inicio y Final</a:t>
             </a:r>
@@ -5562,7 +7810,7 @@
             </a:endParaRPr>
           </a:p>
           <a:p>
-            <a:pPr marL="182880" indent="-182160">
+            <a:pPr marL="182880" indent="-181800">
               <a:lnSpc>
                 <a:spcPct val="100000"/>
               </a:lnSpc>
@@ -5582,6 +7830,7 @@
                   <a:srgbClr val="292934"/>
                 </a:solidFill>
                 <a:latin typeface="Arial"/>
+                <a:ea typeface="DejaVu Sans"/>
               </a:rPr>
               <a:t>Rectángulo – Actividad o procedimiento</a:t>
             </a:r>
@@ -5590,7 +7839,7 @@
             </a:endParaRPr>
           </a:p>
           <a:p>
-            <a:pPr marL="182880" indent="-182160">
+            <a:pPr marL="182880" indent="-181800">
               <a:lnSpc>
                 <a:spcPct val="100000"/>
               </a:lnSpc>
@@ -5610,6 +7859,7 @@
                   <a:srgbClr val="292934"/>
                 </a:solidFill>
                 <a:latin typeface="Arial"/>
+                <a:ea typeface="DejaVu Sans"/>
               </a:rPr>
               <a:t>Rombo – Decisión</a:t>
             </a:r>
@@ -5618,7 +7868,7 @@
             </a:endParaRPr>
           </a:p>
           <a:p>
-            <a:pPr marL="182880" indent="-182160">
+            <a:pPr marL="182880" indent="-181800">
               <a:lnSpc>
                 <a:spcPct val="100000"/>
               </a:lnSpc>
@@ -5638,6 +7888,7 @@
                   <a:srgbClr val="292934"/>
                 </a:solidFill>
                 <a:latin typeface="Arial"/>
+                <a:ea typeface="DejaVu Sans"/>
               </a:rPr>
               <a:t>Círculo – Conector</a:t>
             </a:r>
@@ -5646,7 +7897,7 @@
             </a:endParaRPr>
           </a:p>
           <a:p>
-            <a:pPr marL="182880" indent="-182160">
+            <a:pPr marL="182880" indent="-181800">
               <a:lnSpc>
                 <a:spcPct val="100000"/>
               </a:lnSpc>
@@ -5666,6 +7917,7 @@
                   <a:srgbClr val="292934"/>
                 </a:solidFill>
                 <a:latin typeface="Arial"/>
+                <a:ea typeface="DejaVu Sans"/>
               </a:rPr>
               <a:t>Romboide – Lectura</a:t>
             </a:r>
@@ -5674,7 +7926,7 @@
             </a:endParaRPr>
           </a:p>
           <a:p>
-            <a:pPr marL="182880" indent="-182160">
+            <a:pPr marL="182880" indent="-181800">
               <a:lnSpc>
                 <a:spcPct val="100000"/>
               </a:lnSpc>
@@ -5694,6 +7946,7 @@
                   <a:srgbClr val="292934"/>
                 </a:solidFill>
                 <a:latin typeface="Arial"/>
+                <a:ea typeface="DejaVu Sans"/>
               </a:rPr>
               <a:t>Rectángulo con curva - mensaje </a:t>
             </a:r>
@@ -5702,7 +7955,7 @@
             </a:endParaRPr>
           </a:p>
           <a:p>
-            <a:pPr marL="182880" indent="-182160">
+            <a:pPr marL="182880" indent="-181800">
               <a:lnSpc>
                 <a:spcPct val="100000"/>
               </a:lnSpc>
@@ -5722,6 +7975,7 @@
                   <a:srgbClr val="292934"/>
                 </a:solidFill>
                 <a:latin typeface="Arial"/>
+                <a:ea typeface="DejaVu Sans"/>
               </a:rPr>
               <a:t>Siempre sigue el mismo flujo, de arriba hacia abajo, siempre por las líneas rectas</a:t>
             </a:r>
@@ -5736,109 +7990,11 @@
   <p:timing>
     <p:tnLst>
       <p:par>
-        <p:cTn id="27" dur="indefinite" restart="never" nodeType="tmRoot">
+        <p:cTn id="35" dur="indefinite" restart="never" nodeType="tmRoot">
           <p:childTnLst>
             <p:seq>
-              <p:cTn id="28" dur="indefinite" nodeType="mainSeq">
+              <p:cTn id="36" dur="indefinite" nodeType="mainSeq">
                 <p:childTnLst>
-                  <p:par>
-                    <p:cTn id="29" fill="hold">
-                      <p:stCondLst>
-                        <p:cond delay="indefinite"/>
-                      </p:stCondLst>
-                      <p:childTnLst>
-                        <p:par>
-                          <p:cTn id="30" fill="hold">
-                            <p:stCondLst>
-                              <p:cond delay="0"/>
-                            </p:stCondLst>
-                            <p:childTnLst>
-                              <p:par>
-                                <p:cTn id="31" nodeType="clickEffect" fill="hold" presetClass="entr" presetID="1">
-                                  <p:stCondLst>
-                                    <p:cond delay="0"/>
-                                  </p:stCondLst>
-                                  <p:childTnLst>
-                                    <p:set>
-                                      <p:cBhvr>
-                                        <p:cTn id="32" dur="1" fill="hold">
-                                          <p:stCondLst>
-                                            <p:cond delay="0"/>
-                                          </p:stCondLst>
-                                        </p:cTn>
-                                        <p:tgtEl>
-                                          <p:spTgt spid="90">
-                                            <p:txEl>
-                                              <p:pRg st="0" end="0"/>
-                                            </p:txEl>
-                                          </p:spTgt>
-                                        </p:tgtEl>
-                                        <p:attrNameLst>
-                                          <p:attrName>style.visibility</p:attrName>
-                                        </p:attrNameLst>
-                                      </p:cBhvr>
-                                      <p:to>
-                                        <p:strVal val="visible"/>
-                                      </p:to>
-                                    </p:set>
-                                  </p:childTnLst>
-                                </p:cTn>
-                              </p:par>
-                            </p:childTnLst>
-                          </p:cTn>
-                        </p:par>
-                      </p:childTnLst>
-                    </p:cTn>
-                  </p:par>
-                  <p:par>
-                    <p:cTn id="33" fill="hold">
-                      <p:stCondLst>
-                        <p:cond delay="indefinite"/>
-                      </p:stCondLst>
-                      <p:childTnLst>
-                        <p:par>
-                          <p:cTn id="34" fill="hold">
-                            <p:stCondLst>
-                              <p:cond delay="0"/>
-                            </p:stCondLst>
-                            <p:childTnLst>
-                              <p:par>
-                                <p:cTn id="35" nodeType="clickEffect" fill="hold" presetClass="entr" presetID="1">
-                                  <p:stCondLst>
-                                    <p:cond delay="0"/>
-                                  </p:stCondLst>
-                                  <p:childTnLst>
-                                    <p:set>
-                                      <p:cBhvr>
-                                        <p:cTn id="36" dur="1" fill="hold">
-                                          <p:stCondLst>
-                                            <p:cond delay="0"/>
-                                          </p:stCondLst>
-                                        </p:cTn>
-                                        <p:tgtEl>
-                                          <p:spTgt spid="90">
-                                            <p:txEl>
-                                              <p:pRg st="1" end="1"/>
-                                            </p:txEl>
-                                          </p:spTgt>
-                                        </p:tgtEl>
-                                        <p:attrNameLst>
-                                          <p:attrName>style.visibility</p:attrName>
-                                        </p:attrNameLst>
-                                      </p:cBhvr>
-                                      <p:to>
-                                        <p:strVal val="visible"/>
-                                      </p:to>
-                                    </p:set>
-                                  </p:childTnLst>
-                                </p:cTn>
-                              </p:par>
-                            </p:childTnLst>
-                          </p:cTn>
-                        </p:par>
-                      </p:childTnLst>
-                    </p:cTn>
-                  </p:par>
                   <p:par>
                     <p:cTn id="37" fill="hold">
                       <p:stCondLst>
@@ -5865,9 +8021,9 @@
                                           </p:stCondLst>
                                         </p:cTn>
                                         <p:tgtEl>
-                                          <p:spTgt spid="90">
+                                          <p:spTgt spid="98">
                                             <p:txEl>
-                                              <p:pRg st="2" end="2"/>
+                                              <p:pRg st="0" end="0"/>
                                             </p:txEl>
                                           </p:spTgt>
                                         </p:tgtEl>
@@ -5914,9 +8070,9 @@
                                           </p:stCondLst>
                                         </p:cTn>
                                         <p:tgtEl>
-                                          <p:spTgt spid="90">
+                                          <p:spTgt spid="98">
                                             <p:txEl>
-                                              <p:pRg st="3" end="3"/>
+                                              <p:pRg st="1" end="1"/>
                                             </p:txEl>
                                           </p:spTgt>
                                         </p:tgtEl>
@@ -5963,9 +8119,9 @@
                                           </p:stCondLst>
                                         </p:cTn>
                                         <p:tgtEl>
-                                          <p:spTgt spid="90">
+                                          <p:spTgt spid="98">
                                             <p:txEl>
-                                              <p:pRg st="4" end="4"/>
+                                              <p:pRg st="2" end="2"/>
                                             </p:txEl>
                                           </p:spTgt>
                                         </p:tgtEl>
@@ -6012,9 +8168,9 @@
                                           </p:stCondLst>
                                         </p:cTn>
                                         <p:tgtEl>
-                                          <p:spTgt spid="90">
+                                          <p:spTgt spid="98">
                                             <p:txEl>
-                                              <p:pRg st="5" end="5"/>
+                                              <p:pRg st="3" end="3"/>
                                             </p:txEl>
                                           </p:spTgt>
                                         </p:tgtEl>
@@ -6061,7 +8217,105 @@
                                           </p:stCondLst>
                                         </p:cTn>
                                         <p:tgtEl>
-                                          <p:spTgt spid="90">
+                                          <p:spTgt spid="98">
+                                            <p:txEl>
+                                              <p:pRg st="4" end="4"/>
+                                            </p:txEl>
+                                          </p:spTgt>
+                                        </p:tgtEl>
+                                        <p:attrNameLst>
+                                          <p:attrName>style.visibility</p:attrName>
+                                        </p:attrNameLst>
+                                      </p:cBhvr>
+                                      <p:to>
+                                        <p:strVal val="visible"/>
+                                      </p:to>
+                                    </p:set>
+                                  </p:childTnLst>
+                                </p:cTn>
+                              </p:par>
+                            </p:childTnLst>
+                          </p:cTn>
+                        </p:par>
+                      </p:childTnLst>
+                    </p:cTn>
+                  </p:par>
+                  <p:par>
+                    <p:cTn id="57" fill="hold">
+                      <p:stCondLst>
+                        <p:cond delay="indefinite"/>
+                      </p:stCondLst>
+                      <p:childTnLst>
+                        <p:par>
+                          <p:cTn id="58" fill="hold">
+                            <p:stCondLst>
+                              <p:cond delay="0"/>
+                            </p:stCondLst>
+                            <p:childTnLst>
+                              <p:par>
+                                <p:cTn id="59" nodeType="clickEffect" fill="hold" presetClass="entr" presetID="1">
+                                  <p:stCondLst>
+                                    <p:cond delay="0"/>
+                                  </p:stCondLst>
+                                  <p:childTnLst>
+                                    <p:set>
+                                      <p:cBhvr>
+                                        <p:cTn id="60" dur="1" fill="hold">
+                                          <p:stCondLst>
+                                            <p:cond delay="0"/>
+                                          </p:stCondLst>
+                                        </p:cTn>
+                                        <p:tgtEl>
+                                          <p:spTgt spid="98">
+                                            <p:txEl>
+                                              <p:pRg st="5" end="5"/>
+                                            </p:txEl>
+                                          </p:spTgt>
+                                        </p:tgtEl>
+                                        <p:attrNameLst>
+                                          <p:attrName>style.visibility</p:attrName>
+                                        </p:attrNameLst>
+                                      </p:cBhvr>
+                                      <p:to>
+                                        <p:strVal val="visible"/>
+                                      </p:to>
+                                    </p:set>
+                                  </p:childTnLst>
+                                </p:cTn>
+                              </p:par>
+                            </p:childTnLst>
+                          </p:cTn>
+                        </p:par>
+                      </p:childTnLst>
+                    </p:cTn>
+                  </p:par>
+                  <p:par>
+                    <p:cTn id="61" fill="hold">
+                      <p:stCondLst>
+                        <p:cond delay="indefinite"/>
+                      </p:stCondLst>
+                      <p:childTnLst>
+                        <p:par>
+                          <p:cTn id="62" fill="hold">
+                            <p:stCondLst>
+                              <p:cond delay="0"/>
+                            </p:stCondLst>
+                            <p:childTnLst>
+                              <p:par>
+                                <p:cTn id="63" nodeType="clickEffect" fill="hold" presetClass="entr" presetID="1">
+                                  <p:stCondLst>
+                                    <p:cond delay="0"/>
+                                  </p:stCondLst>
+                                  <p:childTnLst>
+                                    <p:set>
+                                      <p:cBhvr>
+                                        <p:cTn id="64" dur="1" fill="hold">
+                                          <p:stCondLst>
+                                            <p:cond delay="0"/>
+                                          </p:stCondLst>
+                                        </p:cTn>
+                                        <p:tgtEl>
+                                          <p:spTgt spid="98">
                                             <p:txEl>
                                               <p:pRg st="6" end="6"/>
                                             </p:txEl>
@@ -6109,856 +8363,6 @@
 </p:sld>
 </file>
 
-<file path=ppt/slides/slide5.xml><?xml version="1.0" encoding="utf-8"?>
-<p:sld xmlns:a="http://schemas.openxmlformats.org/drawingml/2006/main" xmlns:p="http://schemas.openxmlformats.org/presentationml/2006/main" xmlns:r="http://schemas.openxmlformats.org/officeDocument/2006/relationships" xmlns:p14="http://schemas.microsoft.com/office/powerpoint/2010/main" xmlns:p15="http://schemas.microsoft.com/office/powerpoint/2012/main" xmlns:mc="http://schemas.openxmlformats.org/markup-compatibility/2006">
-  <p:cSld>
-    <p:spTree>
-      <p:nvGrpSpPr>
-        <p:cNvPr id="1" name=""/>
-        <p:cNvGrpSpPr/>
-        <p:nvPr/>
-      </p:nvGrpSpPr>
-      <p:grpSpPr>
-        <a:xfrm>
-          <a:off x="0" y="0"/>
-          <a:ext cx="0" cy="0"/>
-          <a:chOff x="0" y="0"/>
-          <a:chExt cx="0" cy="0"/>
-        </a:xfrm>
-      </p:grpSpPr>
-      <p:sp>
-        <p:nvSpPr>
-          <p:cNvPr id="91" name="CustomShape 1"/>
-          <p:cNvSpPr/>
-          <p:nvPr/>
-        </p:nvSpPr>
-        <p:spPr>
-          <a:xfrm>
-            <a:off x="457200" y="533520"/>
-            <a:ext cx="8228880" cy="990000"/>
-          </a:xfrm>
-          <a:prstGeom prst="rect">
-            <a:avLst/>
-          </a:prstGeom>
-          <a:noFill/>
-          <a:ln>
-            <a:noFill/>
-          </a:ln>
-        </p:spPr>
-        <p:style>
-          <a:lnRef idx="0"/>
-          <a:fillRef idx="0"/>
-          <a:effectRef idx="0"/>
-          <a:fontRef idx="minor"/>
-        </p:style>
-        <p:txBody>
-          <a:bodyPr lIns="90000" rIns="90000" tIns="45000" bIns="45000" anchor="ctr"/>
-          <a:p>
-            <a:pPr>
-              <a:lnSpc>
-                <a:spcPct val="100000"/>
-              </a:lnSpc>
-            </a:pPr>
-            <a:r>
-              <a:rPr b="0" lang="en-US" sz="4000" spc="-94" strike="noStrike">
-                <a:solidFill>
-                  <a:srgbClr val="d2533c"/>
-                </a:solidFill>
-                <a:latin typeface="Arial"/>
-              </a:rPr>
-              <a:t>Diagramas de flujo - Ejemplo</a:t>
-            </a:r>
-            <a:endParaRPr b="0" lang="en-US" sz="4000" spc="-1" strike="noStrike">
-              <a:latin typeface="Arial"/>
-            </a:endParaRPr>
-          </a:p>
-        </p:txBody>
-      </p:sp>
-      <p:sp>
-        <p:nvSpPr>
-          <p:cNvPr id="92" name="CustomShape 2"/>
-          <p:cNvSpPr/>
-          <p:nvPr/>
-        </p:nvSpPr>
-        <p:spPr>
-          <a:xfrm>
-            <a:off x="155520" y="-144360"/>
-            <a:ext cx="304200" cy="304200"/>
-          </a:xfrm>
-          <a:prstGeom prst="rect">
-            <a:avLst/>
-          </a:prstGeom>
-          <a:noFill/>
-          <a:ln>
-            <a:noFill/>
-          </a:ln>
-        </p:spPr>
-        <p:style>
-          <a:lnRef idx="0"/>
-          <a:fillRef idx="0"/>
-          <a:effectRef idx="0"/>
-          <a:fontRef idx="minor"/>
-        </p:style>
-      </p:sp>
-      <p:sp>
-        <p:nvSpPr>
-          <p:cNvPr id="93" name="CustomShape 3"/>
-          <p:cNvSpPr/>
-          <p:nvPr/>
-        </p:nvSpPr>
-        <p:spPr>
-          <a:xfrm>
-            <a:off x="307800" y="7920"/>
-            <a:ext cx="304200" cy="304200"/>
-          </a:xfrm>
-          <a:prstGeom prst="rect">
-            <a:avLst/>
-          </a:prstGeom>
-          <a:noFill/>
-          <a:ln>
-            <a:noFill/>
-          </a:ln>
-        </p:spPr>
-        <p:style>
-          <a:lnRef idx="0"/>
-          <a:fillRef idx="0"/>
-          <a:effectRef idx="0"/>
-          <a:fontRef idx="minor"/>
-        </p:style>
-      </p:sp>
-      <p:sp>
-        <p:nvSpPr>
-          <p:cNvPr id="94" name="CustomShape 4"/>
-          <p:cNvSpPr/>
-          <p:nvPr/>
-        </p:nvSpPr>
-        <p:spPr>
-          <a:xfrm>
-            <a:off x="460440" y="160200"/>
-            <a:ext cx="304200" cy="304200"/>
-          </a:xfrm>
-          <a:prstGeom prst="rect">
-            <a:avLst/>
-          </a:prstGeom>
-          <a:noFill/>
-          <a:ln>
-            <a:noFill/>
-          </a:ln>
-        </p:spPr>
-        <p:style>
-          <a:lnRef idx="0"/>
-          <a:fillRef idx="0"/>
-          <a:effectRef idx="0"/>
-          <a:fontRef idx="minor"/>
-        </p:style>
-      </p:sp>
-      <p:pic>
-        <p:nvPicPr>
-          <p:cNvPr id="95" name="Picture 9" descr=""/>
-          <p:cNvPicPr/>
-          <p:nvPr/>
-        </p:nvPicPr>
-        <p:blipFill>
-          <a:blip r:embed="rId1"/>
-          <a:stretch/>
-        </p:blipFill>
-        <p:spPr>
-          <a:xfrm>
-            <a:off x="618840" y="1447920"/>
-            <a:ext cx="7762680" cy="5821560"/>
-          </a:xfrm>
-          <a:prstGeom prst="rect">
-            <a:avLst/>
-          </a:prstGeom>
-          <a:ln>
-            <a:noFill/>
-          </a:ln>
-        </p:spPr>
-      </p:pic>
-    </p:spTree>
-  </p:cSld>
-  <p:timing>
-    <p:tnLst>
-      <p:par>
-        <p:cTn id="57" dur="indefinite" restart="never" nodeType="tmRoot">
-          <p:childTnLst>
-            <p:seq>
-              <p:cTn id="58" dur="indefinite" nodeType="mainSeq"/>
-              <p:prevCondLst>
-                <p:cond delay="0" evt="onPrev">
-                  <p:tgtEl>
-                    <p:sldTgt/>
-                  </p:tgtEl>
-                </p:cond>
-              </p:prevCondLst>
-              <p:nextCondLst>
-                <p:cond delay="0" evt="onNext">
-                  <p:tgtEl>
-                    <p:sldTgt/>
-                  </p:tgtEl>
-                </p:cond>
-              </p:nextCondLst>
-            </p:seq>
-          </p:childTnLst>
-        </p:cTn>
-      </p:par>
-    </p:tnLst>
-  </p:timing>
-</p:sld>
-</file>
-
-<file path=ppt/slides/slide6.xml><?xml version="1.0" encoding="utf-8"?>
-<p:sld xmlns:a="http://schemas.openxmlformats.org/drawingml/2006/main" xmlns:p="http://schemas.openxmlformats.org/presentationml/2006/main" xmlns:r="http://schemas.openxmlformats.org/officeDocument/2006/relationships" xmlns:p14="http://schemas.microsoft.com/office/powerpoint/2010/main" xmlns:p15="http://schemas.microsoft.com/office/powerpoint/2012/main" xmlns:mc="http://schemas.openxmlformats.org/markup-compatibility/2006">
-  <p:cSld>
-    <p:spTree>
-      <p:nvGrpSpPr>
-        <p:cNvPr id="1" name=""/>
-        <p:cNvGrpSpPr/>
-        <p:nvPr/>
-      </p:nvGrpSpPr>
-      <p:grpSpPr>
-        <a:xfrm>
-          <a:off x="0" y="0"/>
-          <a:ext cx="0" cy="0"/>
-          <a:chOff x="0" y="0"/>
-          <a:chExt cx="0" cy="0"/>
-        </a:xfrm>
-      </p:grpSpPr>
-      <p:sp>
-        <p:nvSpPr>
-          <p:cNvPr id="96" name="CustomShape 1"/>
-          <p:cNvSpPr/>
-          <p:nvPr/>
-        </p:nvSpPr>
-        <p:spPr>
-          <a:xfrm>
-            <a:off x="457200" y="533520"/>
-            <a:ext cx="8228880" cy="990000"/>
-          </a:xfrm>
-          <a:prstGeom prst="rect">
-            <a:avLst/>
-          </a:prstGeom>
-          <a:noFill/>
-          <a:ln>
-            <a:noFill/>
-          </a:ln>
-        </p:spPr>
-        <p:style>
-          <a:lnRef idx="0"/>
-          <a:fillRef idx="0"/>
-          <a:effectRef idx="0"/>
-          <a:fontRef idx="minor"/>
-        </p:style>
-        <p:txBody>
-          <a:bodyPr lIns="90000" rIns="90000" tIns="45000" bIns="45000" anchor="ctr"/>
-          <a:p>
-            <a:pPr>
-              <a:lnSpc>
-                <a:spcPct val="100000"/>
-              </a:lnSpc>
-            </a:pPr>
-            <a:r>
-              <a:rPr b="0" lang="en-US" sz="4000" spc="-94" strike="noStrike">
-                <a:solidFill>
-                  <a:srgbClr val="d2533c"/>
-                </a:solidFill>
-                <a:latin typeface="Arial"/>
-              </a:rPr>
-              <a:t>Diagramas de flujo</a:t>
-            </a:r>
-            <a:endParaRPr b="0" lang="en-US" sz="4000" spc="-1" strike="noStrike">
-              <a:latin typeface="Arial"/>
-            </a:endParaRPr>
-          </a:p>
-        </p:txBody>
-      </p:sp>
-      <p:sp>
-        <p:nvSpPr>
-          <p:cNvPr id="97" name="CustomShape 2"/>
-          <p:cNvSpPr/>
-          <p:nvPr/>
-        </p:nvSpPr>
-        <p:spPr>
-          <a:xfrm>
-            <a:off x="457200" y="1600200"/>
-            <a:ext cx="8228880" cy="4876200"/>
-          </a:xfrm>
-          <a:prstGeom prst="rect">
-            <a:avLst/>
-          </a:prstGeom>
-          <a:noFill/>
-          <a:ln>
-            <a:noFill/>
-          </a:ln>
-        </p:spPr>
-        <p:style>
-          <a:lnRef idx="0"/>
-          <a:fillRef idx="0"/>
-          <a:effectRef idx="0"/>
-          <a:fontRef idx="minor"/>
-        </p:style>
-        <p:txBody>
-          <a:bodyPr lIns="90000" rIns="90000" tIns="45000" bIns="45000"/>
-          <a:p>
-            <a:pPr marL="182880" indent="-182160">
-              <a:lnSpc>
-                <a:spcPct val="100000"/>
-              </a:lnSpc>
-              <a:spcBef>
-                <a:spcPts val="479"/>
-              </a:spcBef>
-              <a:buClr>
-                <a:srgbClr val="93a299"/>
-              </a:buClr>
-              <a:buSzPct val="85000"/>
-              <a:buFont typeface="Arial"/>
-              <a:buChar char="•"/>
-            </a:pPr>
-            <a:r>
-              <a:rPr b="0" lang="en-US" sz="2400" spc="-1" strike="noStrike">
-                <a:solidFill>
-                  <a:srgbClr val="292934"/>
-                </a:solidFill>
-                <a:latin typeface="Arial"/>
-              </a:rPr>
-              <a:t>Expandamos el ejemplo</a:t>
-            </a:r>
-            <a:endParaRPr b="0" lang="en-US" sz="2400" spc="-1" strike="noStrike">
-              <a:latin typeface="Arial"/>
-            </a:endParaRPr>
-          </a:p>
-          <a:p>
-            <a:pPr lvl="1" marL="457200" indent="-182160">
-              <a:lnSpc>
-                <a:spcPct val="100000"/>
-              </a:lnSpc>
-              <a:spcBef>
-                <a:spcPts val="400"/>
-              </a:spcBef>
-              <a:buClr>
-                <a:srgbClr val="93a299"/>
-              </a:buClr>
-              <a:buSzPct val="85000"/>
-              <a:buFont typeface="Arial"/>
-              <a:buChar char="•"/>
-            </a:pPr>
-            <a:r>
-              <a:rPr b="0" lang="en-US" sz="2000" spc="-1" strike="noStrike">
-                <a:solidFill>
-                  <a:srgbClr val="292934"/>
-                </a:solidFill>
-                <a:latin typeface="Arial"/>
-              </a:rPr>
-              <a:t>¿Qué pasa si no tengo dinero?</a:t>
-            </a:r>
-            <a:endParaRPr b="0" lang="en-US" sz="2000" spc="-1" strike="noStrike">
-              <a:latin typeface="Arial"/>
-            </a:endParaRPr>
-          </a:p>
-          <a:p>
-            <a:pPr lvl="1" marL="457200" indent="-182160">
-              <a:lnSpc>
-                <a:spcPct val="100000"/>
-              </a:lnSpc>
-              <a:spcBef>
-                <a:spcPts val="400"/>
-              </a:spcBef>
-              <a:buClr>
-                <a:srgbClr val="93a299"/>
-              </a:buClr>
-              <a:buSzPct val="85000"/>
-              <a:buFont typeface="Arial"/>
-              <a:buChar char="•"/>
-            </a:pPr>
-            <a:r>
-              <a:rPr b="0" lang="en-US" sz="2000" spc="-1" strike="noStrike">
-                <a:solidFill>
-                  <a:srgbClr val="292934"/>
-                </a:solidFill>
-                <a:latin typeface="Arial"/>
-              </a:rPr>
-              <a:t>¿Qué pasa si no estoy en mi casa?</a:t>
-            </a:r>
-            <a:endParaRPr b="0" lang="en-US" sz="2000" spc="-1" strike="noStrike">
-              <a:latin typeface="Arial"/>
-            </a:endParaRPr>
-          </a:p>
-          <a:p>
-            <a:pPr lvl="1" marL="457200" indent="-182160">
-              <a:lnSpc>
-                <a:spcPct val="100000"/>
-              </a:lnSpc>
-              <a:spcBef>
-                <a:spcPts val="400"/>
-              </a:spcBef>
-              <a:buClr>
-                <a:srgbClr val="93a299"/>
-              </a:buClr>
-              <a:buSzPct val="85000"/>
-              <a:buFont typeface="Arial"/>
-              <a:buChar char="•"/>
-            </a:pPr>
-            <a:r>
-              <a:rPr b="0" lang="en-US" sz="2000" spc="-1" strike="noStrike">
-                <a:solidFill>
-                  <a:srgbClr val="292934"/>
-                </a:solidFill>
-                <a:latin typeface="Arial"/>
-              </a:rPr>
-              <a:t>¿Qué pasa si en mi casa no hay nada de comer?</a:t>
-            </a:r>
-            <a:endParaRPr b="0" lang="en-US" sz="2000" spc="-1" strike="noStrike">
-              <a:latin typeface="Arial"/>
-            </a:endParaRPr>
-          </a:p>
-        </p:txBody>
-      </p:sp>
-    </p:spTree>
-  </p:cSld>
-  <p:timing>
-    <p:tnLst>
-      <p:par>
-        <p:cTn id="59" dur="indefinite" restart="never" nodeType="tmRoot">
-          <p:childTnLst>
-            <p:seq>
-              <p:cTn id="60" dur="indefinite" nodeType="mainSeq"/>
-              <p:prevCondLst>
-                <p:cond delay="0" evt="onPrev">
-                  <p:tgtEl>
-                    <p:sldTgt/>
-                  </p:tgtEl>
-                </p:cond>
-              </p:prevCondLst>
-              <p:nextCondLst>
-                <p:cond delay="0" evt="onNext">
-                  <p:tgtEl>
-                    <p:sldTgt/>
-                  </p:tgtEl>
-                </p:cond>
-              </p:nextCondLst>
-            </p:seq>
-          </p:childTnLst>
-        </p:cTn>
-      </p:par>
-    </p:tnLst>
-  </p:timing>
-</p:sld>
-</file>
-
-<file path=ppt/slides/slide7.xml><?xml version="1.0" encoding="utf-8"?>
-<p:sld xmlns:a="http://schemas.openxmlformats.org/drawingml/2006/main" xmlns:p="http://schemas.openxmlformats.org/presentationml/2006/main" xmlns:r="http://schemas.openxmlformats.org/officeDocument/2006/relationships" xmlns:p14="http://schemas.microsoft.com/office/powerpoint/2010/main" xmlns:p15="http://schemas.microsoft.com/office/powerpoint/2012/main" xmlns:mc="http://schemas.openxmlformats.org/markup-compatibility/2006">
-  <p:cSld>
-    <p:spTree>
-      <p:nvGrpSpPr>
-        <p:cNvPr id="1" name=""/>
-        <p:cNvGrpSpPr/>
-        <p:nvPr/>
-      </p:nvGrpSpPr>
-      <p:grpSpPr>
-        <a:xfrm>
-          <a:off x="0" y="0"/>
-          <a:ext cx="0" cy="0"/>
-          <a:chOff x="0" y="0"/>
-          <a:chExt cx="0" cy="0"/>
-        </a:xfrm>
-      </p:grpSpPr>
-      <p:sp>
-        <p:nvSpPr>
-          <p:cNvPr id="98" name="CustomShape 1"/>
-          <p:cNvSpPr/>
-          <p:nvPr/>
-        </p:nvSpPr>
-        <p:spPr>
-          <a:xfrm>
-            <a:off x="457200" y="533520"/>
-            <a:ext cx="8228880" cy="990000"/>
-          </a:xfrm>
-          <a:prstGeom prst="rect">
-            <a:avLst/>
-          </a:prstGeom>
-          <a:noFill/>
-          <a:ln>
-            <a:noFill/>
-          </a:ln>
-        </p:spPr>
-        <p:style>
-          <a:lnRef idx="0"/>
-          <a:fillRef idx="0"/>
-          <a:effectRef idx="0"/>
-          <a:fontRef idx="minor"/>
-        </p:style>
-        <p:txBody>
-          <a:bodyPr lIns="90000" rIns="90000" tIns="45000" bIns="45000" anchor="ctr"/>
-          <a:p>
-            <a:pPr>
-              <a:lnSpc>
-                <a:spcPct val="100000"/>
-              </a:lnSpc>
-            </a:pPr>
-            <a:r>
-              <a:rPr b="0" lang="en-US" sz="4000" spc="-94" strike="noStrike">
-                <a:solidFill>
-                  <a:srgbClr val="d2533c"/>
-                </a:solidFill>
-                <a:latin typeface="Arial"/>
-              </a:rPr>
-              <a:t>Diagramas de flujo - variables</a:t>
-            </a:r>
-            <a:endParaRPr b="0" lang="en-US" sz="4000" spc="-1" strike="noStrike">
-              <a:latin typeface="Arial"/>
-            </a:endParaRPr>
-          </a:p>
-        </p:txBody>
-      </p:sp>
-      <p:sp>
-        <p:nvSpPr>
-          <p:cNvPr id="99" name="CustomShape 2"/>
-          <p:cNvSpPr/>
-          <p:nvPr/>
-        </p:nvSpPr>
-        <p:spPr>
-          <a:xfrm>
-            <a:off x="457200" y="1600200"/>
-            <a:ext cx="8228880" cy="4876200"/>
-          </a:xfrm>
-          <a:prstGeom prst="rect">
-            <a:avLst/>
-          </a:prstGeom>
-          <a:noFill/>
-          <a:ln>
-            <a:noFill/>
-          </a:ln>
-        </p:spPr>
-        <p:style>
-          <a:lnRef idx="0"/>
-          <a:fillRef idx="0"/>
-          <a:effectRef idx="0"/>
-          <a:fontRef idx="minor"/>
-        </p:style>
-        <p:txBody>
-          <a:bodyPr lIns="90000" rIns="90000" tIns="45000" bIns="45000"/>
-          <a:p>
-            <a:pPr marL="182880" indent="-182160">
-              <a:lnSpc>
-                <a:spcPct val="100000"/>
-              </a:lnSpc>
-              <a:spcBef>
-                <a:spcPts val="479"/>
-              </a:spcBef>
-              <a:buClr>
-                <a:srgbClr val="93a299"/>
-              </a:buClr>
-              <a:buSzPct val="85000"/>
-              <a:buFont typeface="Arial"/>
-              <a:buChar char="•"/>
-            </a:pPr>
-            <a:r>
-              <a:rPr b="0" lang="en-US" sz="2400" spc="-1" strike="noStrike">
-                <a:solidFill>
-                  <a:srgbClr val="292934"/>
-                </a:solidFill>
-                <a:latin typeface="Arial"/>
-              </a:rPr>
-              <a:t>Muchos diagramas de flujo y algoritmos usan variables.</a:t>
-            </a:r>
-            <a:endParaRPr b="0" lang="en-US" sz="2400" spc="-1" strike="noStrike">
-              <a:latin typeface="Arial"/>
-            </a:endParaRPr>
-          </a:p>
-          <a:p>
-            <a:pPr marL="182880" indent="-182160">
-              <a:lnSpc>
-                <a:spcPct val="100000"/>
-              </a:lnSpc>
-              <a:spcBef>
-                <a:spcPts val="479"/>
-              </a:spcBef>
-              <a:buClr>
-                <a:srgbClr val="93a299"/>
-              </a:buClr>
-              <a:buSzPct val="85000"/>
-              <a:buFont typeface="Arial"/>
-              <a:buChar char="•"/>
-            </a:pPr>
-            <a:r>
-              <a:rPr b="0" lang="en-US" sz="2400" spc="-1" strike="noStrike">
-                <a:solidFill>
-                  <a:srgbClr val="292934"/>
-                </a:solidFill>
-                <a:latin typeface="Arial"/>
-              </a:rPr>
-              <a:t>Una variable cuenta con 2 componentes, el primero es un espacio en el sistema de almacenaje y el segundo es un nombre simbólico.</a:t>
-            </a:r>
-            <a:endParaRPr b="0" lang="en-US" sz="2400" spc="-1" strike="noStrike">
-              <a:latin typeface="Arial"/>
-            </a:endParaRPr>
-          </a:p>
-          <a:p>
-            <a:pPr lvl="1" marL="457200" indent="-182160">
-              <a:lnSpc>
-                <a:spcPct val="100000"/>
-              </a:lnSpc>
-              <a:spcBef>
-                <a:spcPts val="400"/>
-              </a:spcBef>
-              <a:buClr>
-                <a:srgbClr val="93a299"/>
-              </a:buClr>
-              <a:buSzPct val="85000"/>
-              <a:buFont typeface="Arial"/>
-              <a:buChar char="•"/>
-            </a:pPr>
-            <a:r>
-              <a:rPr b="0" lang="en-US" sz="2000" spc="-1" strike="noStrike">
-                <a:solidFill>
-                  <a:srgbClr val="292934"/>
-                </a:solidFill>
-                <a:latin typeface="Arial"/>
-              </a:rPr>
-              <a:t>Ejemplos: </a:t>
-            </a:r>
-            <a:endParaRPr b="0" lang="en-US" sz="2000" spc="-1" strike="noStrike">
-              <a:latin typeface="Arial"/>
-            </a:endParaRPr>
-          </a:p>
-          <a:p>
-            <a:pPr lvl="1" marL="457200" indent="-182160">
-              <a:lnSpc>
-                <a:spcPct val="100000"/>
-              </a:lnSpc>
-              <a:spcBef>
-                <a:spcPts val="400"/>
-              </a:spcBef>
-              <a:buClr>
-                <a:srgbClr val="93a299"/>
-              </a:buClr>
-              <a:buSzPct val="85000"/>
-              <a:buFont typeface="Arial"/>
-              <a:buChar char="•"/>
-            </a:pPr>
-            <a:r>
-              <a:rPr b="0" lang="en-US" sz="2000" spc="-1" strike="noStrike">
-                <a:solidFill>
-                  <a:srgbClr val="292934"/>
-                </a:solidFill>
-                <a:latin typeface="Arial"/>
-              </a:rPr>
-              <a:t>nombre = “Bruce Wayne”</a:t>
-            </a:r>
-            <a:endParaRPr b="0" lang="en-US" sz="2000" spc="-1" strike="noStrike">
-              <a:latin typeface="Arial"/>
-            </a:endParaRPr>
-          </a:p>
-          <a:p>
-            <a:pPr lvl="1" marL="457200" indent="-182160">
-              <a:lnSpc>
-                <a:spcPct val="100000"/>
-              </a:lnSpc>
-              <a:spcBef>
-                <a:spcPts val="400"/>
-              </a:spcBef>
-              <a:buClr>
-                <a:srgbClr val="93a299"/>
-              </a:buClr>
-              <a:buSzPct val="85000"/>
-              <a:buFont typeface="Arial"/>
-              <a:buChar char="•"/>
-            </a:pPr>
-            <a:r>
-              <a:rPr b="0" lang="en-US" sz="2000" spc="-1" strike="noStrike">
-                <a:solidFill>
-                  <a:srgbClr val="292934"/>
-                </a:solidFill>
-                <a:latin typeface="Arial"/>
-              </a:rPr>
-              <a:t>salario = 100000</a:t>
-            </a:r>
-            <a:endParaRPr b="0" lang="en-US" sz="2000" spc="-1" strike="noStrike">
-              <a:latin typeface="Arial"/>
-            </a:endParaRPr>
-          </a:p>
-          <a:p>
-            <a:pPr lvl="1" marL="457200" indent="-182160">
-              <a:lnSpc>
-                <a:spcPct val="100000"/>
-              </a:lnSpc>
-              <a:spcBef>
-                <a:spcPts val="400"/>
-              </a:spcBef>
-              <a:buClr>
-                <a:srgbClr val="93a299"/>
-              </a:buClr>
-              <a:buSzPct val="85000"/>
-              <a:buFont typeface="Arial"/>
-              <a:buChar char="•"/>
-            </a:pPr>
-            <a:r>
-              <a:rPr b="0" lang="en-US" sz="2000" spc="-1" strike="noStrike">
-                <a:solidFill>
-                  <a:srgbClr val="292934"/>
-                </a:solidFill>
-                <a:latin typeface="Arial"/>
-              </a:rPr>
-              <a:t>existo = true</a:t>
-            </a:r>
-            <a:endParaRPr b="0" lang="en-US" sz="2000" spc="-1" strike="noStrike">
-              <a:latin typeface="Arial"/>
-            </a:endParaRPr>
-          </a:p>
-        </p:txBody>
-      </p:sp>
-    </p:spTree>
-  </p:cSld>
-  <p:timing>
-    <p:tnLst>
-      <p:par>
-        <p:cTn id="61" dur="indefinite" restart="never" nodeType="tmRoot">
-          <p:childTnLst>
-            <p:seq>
-              <p:cTn id="62" dur="indefinite" nodeType="mainSeq"/>
-              <p:prevCondLst>
-                <p:cond delay="0" evt="onPrev">
-                  <p:tgtEl>
-                    <p:sldTgt/>
-                  </p:tgtEl>
-                </p:cond>
-              </p:prevCondLst>
-              <p:nextCondLst>
-                <p:cond delay="0" evt="onNext">
-                  <p:tgtEl>
-                    <p:sldTgt/>
-                  </p:tgtEl>
-                </p:cond>
-              </p:nextCondLst>
-            </p:seq>
-          </p:childTnLst>
-        </p:cTn>
-      </p:par>
-    </p:tnLst>
-  </p:timing>
-</p:sld>
-</file>
-
-<file path=ppt/slides/slide8.xml><?xml version="1.0" encoding="utf-8"?>
-<p:sld xmlns:a="http://schemas.openxmlformats.org/drawingml/2006/main" xmlns:p="http://schemas.openxmlformats.org/presentationml/2006/main" xmlns:r="http://schemas.openxmlformats.org/officeDocument/2006/relationships" xmlns:p14="http://schemas.microsoft.com/office/powerpoint/2010/main" xmlns:p15="http://schemas.microsoft.com/office/powerpoint/2012/main" xmlns:mc="http://schemas.openxmlformats.org/markup-compatibility/2006">
-  <p:cSld>
-    <p:spTree>
-      <p:nvGrpSpPr>
-        <p:cNvPr id="1" name=""/>
-        <p:cNvGrpSpPr/>
-        <p:nvPr/>
-      </p:nvGrpSpPr>
-      <p:grpSpPr>
-        <a:xfrm>
-          <a:off x="0" y="0"/>
-          <a:ext cx="0" cy="0"/>
-          <a:chOff x="0" y="0"/>
-          <a:chExt cx="0" cy="0"/>
-        </a:xfrm>
-      </p:grpSpPr>
-      <p:sp>
-        <p:nvSpPr>
-          <p:cNvPr id="100" name="CustomShape 1"/>
-          <p:cNvSpPr/>
-          <p:nvPr/>
-        </p:nvSpPr>
-        <p:spPr>
-          <a:xfrm>
-            <a:off x="457200" y="533520"/>
-            <a:ext cx="8228880" cy="990000"/>
-          </a:xfrm>
-          <a:prstGeom prst="rect">
-            <a:avLst/>
-          </a:prstGeom>
-          <a:noFill/>
-          <a:ln>
-            <a:noFill/>
-          </a:ln>
-        </p:spPr>
-        <p:style>
-          <a:lnRef idx="0"/>
-          <a:fillRef idx="0"/>
-          <a:effectRef idx="0"/>
-          <a:fontRef idx="minor"/>
-        </p:style>
-        <p:txBody>
-          <a:bodyPr lIns="90000" rIns="90000" tIns="45000" bIns="45000" anchor="ctr"/>
-          <a:p>
-            <a:pPr>
-              <a:lnSpc>
-                <a:spcPct val="100000"/>
-              </a:lnSpc>
-            </a:pPr>
-            <a:r>
-              <a:rPr b="0" lang="en-US" sz="4000" spc="-94" strike="noStrike">
-                <a:solidFill>
-                  <a:srgbClr val="d2533c"/>
-                </a:solidFill>
-                <a:latin typeface="Arial"/>
-              </a:rPr>
-              <a:t>Diagramas de flujo – Ejemplo 2</a:t>
-            </a:r>
-            <a:endParaRPr b="0" lang="en-US" sz="4000" spc="-1" strike="noStrike">
-              <a:latin typeface="Arial"/>
-            </a:endParaRPr>
-          </a:p>
-        </p:txBody>
-      </p:sp>
-      <p:pic>
-        <p:nvPicPr>
-          <p:cNvPr id="101" name="Picture 3" descr=""/>
-          <p:cNvPicPr/>
-          <p:nvPr/>
-        </p:nvPicPr>
-        <p:blipFill>
-          <a:blip r:embed="rId1"/>
-          <a:stretch/>
-        </p:blipFill>
-        <p:spPr>
-          <a:xfrm>
-            <a:off x="3276720" y="1458000"/>
-            <a:ext cx="2666160" cy="5399280"/>
-          </a:xfrm>
-          <a:prstGeom prst="rect">
-            <a:avLst/>
-          </a:prstGeom>
-          <a:ln>
-            <a:noFill/>
-          </a:ln>
-        </p:spPr>
-      </p:pic>
-    </p:spTree>
-  </p:cSld>
-  <p:timing>
-    <p:tnLst>
-      <p:par>
-        <p:cTn id="63" dur="indefinite" restart="never" nodeType="tmRoot">
-          <p:childTnLst>
-            <p:seq>
-              <p:cTn id="64" dur="indefinite" nodeType="mainSeq"/>
-              <p:prevCondLst>
-                <p:cond delay="0" evt="onPrev">
-                  <p:tgtEl>
-                    <p:sldTgt/>
-                  </p:tgtEl>
-                </p:cond>
-              </p:prevCondLst>
-              <p:nextCondLst>
-                <p:cond delay="0" evt="onNext">
-                  <p:tgtEl>
-                    <p:sldTgt/>
-                  </p:tgtEl>
-                </p:cond>
-              </p:nextCondLst>
-            </p:seq>
-          </p:childTnLst>
-        </p:cTn>
-      </p:par>
-    </p:tnLst>
-  </p:timing>
-</p:sld>
-</file>
-
 <file path=ppt/slides/slide9.xml><?xml version="1.0" encoding="utf-8"?>
 <p:sld xmlns:a="http://schemas.openxmlformats.org/drawingml/2006/main" xmlns:p="http://schemas.openxmlformats.org/presentationml/2006/main" xmlns:r="http://schemas.openxmlformats.org/officeDocument/2006/relationships" xmlns:p14="http://schemas.microsoft.com/office/powerpoint/2010/main" xmlns:p15="http://schemas.microsoft.com/office/powerpoint/2012/main" xmlns:mc="http://schemas.openxmlformats.org/markup-compatibility/2006">
   <p:cSld>
@@ -6978,14 +8382,14 @@
       </p:grpSpPr>
       <p:sp>
         <p:nvSpPr>
-          <p:cNvPr id="102" name="CustomShape 1"/>
+          <p:cNvPr id="99" name="CustomShape 1"/>
           <p:cNvSpPr/>
           <p:nvPr/>
         </p:nvSpPr>
         <p:spPr>
           <a:xfrm>
             <a:off x="457200" y="533520"/>
-            <a:ext cx="8228880" cy="990000"/>
+            <a:ext cx="8228520" cy="989640"/>
           </a:xfrm>
           <a:prstGeom prst="rect">
             <a:avLst/>
@@ -7010,13 +8414,14 @@
               </a:lnSpc>
             </a:pPr>
             <a:r>
-              <a:rPr b="0" lang="en-US" sz="4000" spc="-94" strike="noStrike">
+              <a:rPr b="0" lang="en-US" sz="4000" spc="-92" strike="noStrike">
                 <a:solidFill>
                   <a:srgbClr val="d2533c"/>
                 </a:solidFill>
                 <a:latin typeface="Arial"/>
-              </a:rPr>
-              <a:t>Diagramas de flujo – Ejemplo 3</a:t>
+                <a:ea typeface="DejaVu Sans"/>
+              </a:rPr>
+              <a:t>Diagramas de flujo - Ejemplo</a:t>
             </a:r>
             <a:endParaRPr b="0" lang="en-US" sz="4000" spc="-1" strike="noStrike">
               <a:latin typeface="Arial"/>
@@ -7026,14 +8431,14 @@
       </p:sp>
       <p:sp>
         <p:nvSpPr>
-          <p:cNvPr id="103" name="CustomShape 2"/>
+          <p:cNvPr id="100" name="CustomShape 2"/>
           <p:cNvSpPr/>
           <p:nvPr/>
         </p:nvSpPr>
         <p:spPr>
           <a:xfrm>
-            <a:off x="457200" y="1600200"/>
-            <a:ext cx="8228880" cy="4876200"/>
+            <a:off x="155520" y="-144360"/>
+            <a:ext cx="303840" cy="303840"/>
           </a:xfrm>
           <a:prstGeom prst="rect">
             <a:avLst/>
@@ -7049,346 +8454,82 @@
           <a:effectRef idx="0"/>
           <a:fontRef idx="minor"/>
         </p:style>
-        <p:txBody>
-          <a:bodyPr lIns="90000" rIns="90000" tIns="45000" bIns="45000"/>
-          <a:p>
-            <a:pPr marL="182880" indent="-182160">
-              <a:lnSpc>
-                <a:spcPct val="100000"/>
-              </a:lnSpc>
-              <a:spcBef>
-                <a:spcPts val="479"/>
-              </a:spcBef>
-              <a:buClr>
-                <a:srgbClr val="93a299"/>
-              </a:buClr>
-              <a:buSzPct val="85000"/>
-              <a:buFont typeface="Arial"/>
-              <a:buChar char="•"/>
-            </a:pPr>
-            <a:r>
-              <a:rPr b="0" lang="en-US" sz="2400" spc="-1" strike="noStrike">
-                <a:solidFill>
-                  <a:srgbClr val="292934"/>
-                </a:solidFill>
-                <a:latin typeface="Arial"/>
-              </a:rPr>
-              <a:t>Algoritmo</a:t>
-            </a:r>
-            <a:endParaRPr b="0" lang="en-US" sz="2400" spc="-1" strike="noStrike">
-              <a:latin typeface="Arial"/>
-            </a:endParaRPr>
-          </a:p>
-          <a:p>
-            <a:pPr lvl="1" marL="457200" indent="-182160">
-              <a:lnSpc>
-                <a:spcPct val="100000"/>
-              </a:lnSpc>
-              <a:spcBef>
-                <a:spcPts val="400"/>
-              </a:spcBef>
-              <a:buClr>
-                <a:srgbClr val="93a299"/>
-              </a:buClr>
-              <a:buSzPct val="85000"/>
-              <a:buFont typeface="Arial"/>
-              <a:buChar char="•"/>
-            </a:pPr>
-            <a:r>
-              <a:rPr b="0" lang="en-US" sz="2000" spc="-1" strike="noStrike">
-                <a:solidFill>
-                  <a:srgbClr val="292934"/>
-                </a:solidFill>
-                <a:latin typeface="Arial"/>
-              </a:rPr>
-              <a:t>1. Inicio </a:t>
-            </a:r>
-            <a:endParaRPr b="0" lang="en-US" sz="2000" spc="-1" strike="noStrike">
-              <a:latin typeface="Arial"/>
-            </a:endParaRPr>
-          </a:p>
-          <a:p>
-            <a:pPr lvl="1" marL="457200" indent="-182160">
-              <a:lnSpc>
-                <a:spcPct val="100000"/>
-              </a:lnSpc>
-              <a:spcBef>
-                <a:spcPts val="400"/>
-              </a:spcBef>
-              <a:buClr>
-                <a:srgbClr val="93a299"/>
-              </a:buClr>
-              <a:buSzPct val="85000"/>
-              <a:buFont typeface="Arial"/>
-              <a:buChar char="•"/>
-            </a:pPr>
-            <a:r>
-              <a:rPr b="0" lang="en-US" sz="2000" spc="-1" strike="noStrike">
-                <a:solidFill>
-                  <a:srgbClr val="292934"/>
-                </a:solidFill>
-                <a:latin typeface="Arial"/>
-              </a:rPr>
-              <a:t>2. Leer el valor de A</a:t>
-            </a:r>
-            <a:endParaRPr b="0" lang="en-US" sz="2000" spc="-1" strike="noStrike">
-              <a:latin typeface="Arial"/>
-            </a:endParaRPr>
-          </a:p>
-          <a:p>
-            <a:pPr lvl="1" marL="457200" indent="-182160">
-              <a:lnSpc>
-                <a:spcPct val="100000"/>
-              </a:lnSpc>
-              <a:spcBef>
-                <a:spcPts val="400"/>
-              </a:spcBef>
-              <a:buClr>
-                <a:srgbClr val="93a299"/>
-              </a:buClr>
-              <a:buSzPct val="85000"/>
-              <a:buFont typeface="Arial"/>
-              <a:buChar char="•"/>
-            </a:pPr>
-            <a:r>
-              <a:rPr b="0" lang="en-US" sz="2000" spc="-1" strike="noStrike">
-                <a:solidFill>
-                  <a:srgbClr val="292934"/>
-                </a:solidFill>
-                <a:latin typeface="Arial"/>
-              </a:rPr>
-              <a:t>2. Leer el valor de B</a:t>
-            </a:r>
-            <a:endParaRPr b="0" lang="en-US" sz="2000" spc="-1" strike="noStrike">
-              <a:latin typeface="Arial"/>
-            </a:endParaRPr>
-          </a:p>
-          <a:p>
-            <a:pPr lvl="1" marL="457200" indent="-182160">
-              <a:lnSpc>
-                <a:spcPct val="100000"/>
-              </a:lnSpc>
-              <a:spcBef>
-                <a:spcPts val="400"/>
-              </a:spcBef>
-              <a:buClr>
-                <a:srgbClr val="93a299"/>
-              </a:buClr>
-              <a:buSzPct val="85000"/>
-              <a:buFont typeface="Arial"/>
-              <a:buChar char="•"/>
-            </a:pPr>
-            <a:r>
-              <a:rPr b="0" lang="en-US" sz="2000" spc="-1" strike="noStrike">
-                <a:solidFill>
-                  <a:srgbClr val="292934"/>
-                </a:solidFill>
-                <a:latin typeface="Arial"/>
-              </a:rPr>
-              <a:t>3. Si A es mayor a B </a:t>
-            </a:r>
-            <a:endParaRPr b="0" lang="en-US" sz="2000" spc="-1" strike="noStrike">
-              <a:latin typeface="Arial"/>
-            </a:endParaRPr>
-          </a:p>
-          <a:p>
-            <a:pPr lvl="2" marL="648000" indent="-216000">
-              <a:lnSpc>
-                <a:spcPct val="100000"/>
-              </a:lnSpc>
-              <a:spcBef>
-                <a:spcPts val="400"/>
-              </a:spcBef>
-              <a:buClr>
-                <a:srgbClr val="000000"/>
-              </a:buClr>
-              <a:buSzPct val="45000"/>
-              <a:buFont typeface="Wingdings" charset="2"/>
-              <a:buChar char=""/>
-            </a:pPr>
-            <a:r>
-              <a:rPr b="0" lang="en-US" sz="2000" spc="-1" strike="noStrike">
-                <a:solidFill>
-                  <a:srgbClr val="292934"/>
-                </a:solidFill>
-                <a:latin typeface="Arial"/>
-              </a:rPr>
-              <a:t>Imprima “A es mayor a B” </a:t>
-            </a:r>
-            <a:endParaRPr b="0" lang="en-US" sz="2000" spc="-1" strike="noStrike">
-              <a:latin typeface="Arial"/>
-            </a:endParaRPr>
-          </a:p>
-          <a:p>
-            <a:pPr lvl="1" marL="457200" indent="-182160">
-              <a:lnSpc>
-                <a:spcPct val="100000"/>
-              </a:lnSpc>
-              <a:spcBef>
-                <a:spcPts val="400"/>
-              </a:spcBef>
-              <a:buClr>
-                <a:srgbClr val="93a299"/>
-              </a:buClr>
-              <a:buSzPct val="85000"/>
-              <a:buFont typeface="Arial"/>
-              <a:buChar char="•"/>
-            </a:pPr>
-            <a:r>
-              <a:rPr b="0" lang="en-US" sz="2000" spc="-1" strike="noStrike">
-                <a:solidFill>
-                  <a:srgbClr val="292934"/>
-                </a:solidFill>
-                <a:latin typeface="Arial"/>
-              </a:rPr>
-              <a:t>4. Si B es mayor a a </a:t>
-            </a:r>
-            <a:endParaRPr b="0" lang="en-US" sz="2000" spc="-1" strike="noStrike">
-              <a:latin typeface="Arial"/>
-            </a:endParaRPr>
-          </a:p>
-          <a:p>
-            <a:pPr lvl="2" marL="648000" indent="-216000">
-              <a:lnSpc>
-                <a:spcPct val="100000"/>
-              </a:lnSpc>
-              <a:spcBef>
-                <a:spcPts val="400"/>
-              </a:spcBef>
-              <a:buClr>
-                <a:srgbClr val="000000"/>
-              </a:buClr>
-              <a:buSzPct val="45000"/>
-              <a:buFont typeface="Wingdings" charset="2"/>
-              <a:buChar char=""/>
-            </a:pPr>
-            <a:r>
-              <a:rPr b="0" lang="en-US" sz="2000" spc="-1" strike="noStrike">
-                <a:solidFill>
-                  <a:srgbClr val="292934"/>
-                </a:solidFill>
-                <a:latin typeface="Arial"/>
-              </a:rPr>
-              <a:t>Imprima “B es mayor a A”</a:t>
-            </a:r>
-            <a:endParaRPr b="0" lang="en-US" sz="2000" spc="-1" strike="noStrike">
-              <a:latin typeface="Arial"/>
-            </a:endParaRPr>
-          </a:p>
-          <a:p>
-            <a:pPr lvl="1" marL="457200" indent="-182160">
-              <a:lnSpc>
-                <a:spcPct val="100000"/>
-              </a:lnSpc>
-              <a:spcBef>
-                <a:spcPts val="400"/>
-              </a:spcBef>
-              <a:buClr>
-                <a:srgbClr val="93a299"/>
-              </a:buClr>
-              <a:buSzPct val="85000"/>
-              <a:buFont typeface="Arial"/>
-              <a:buChar char="•"/>
-            </a:pPr>
-            <a:r>
-              <a:rPr b="0" lang="en-US" sz="2000" spc="-1" strike="noStrike">
-                <a:solidFill>
-                  <a:srgbClr val="292934"/>
-                </a:solidFill>
-                <a:latin typeface="Arial"/>
-              </a:rPr>
-              <a:t>5. Si A es igual a B</a:t>
-            </a:r>
-            <a:endParaRPr b="0" lang="en-US" sz="2000" spc="-1" strike="noStrike">
-              <a:latin typeface="Arial"/>
-            </a:endParaRPr>
-          </a:p>
-          <a:p>
-            <a:pPr lvl="2" marL="648000" indent="-216000">
-              <a:lnSpc>
-                <a:spcPct val="100000"/>
-              </a:lnSpc>
-              <a:spcBef>
-                <a:spcPts val="400"/>
-              </a:spcBef>
-              <a:buClr>
-                <a:srgbClr val="000000"/>
-              </a:buClr>
-              <a:buSzPct val="45000"/>
-              <a:buFont typeface="Wingdings" charset="2"/>
-              <a:buChar char=""/>
-            </a:pPr>
-            <a:r>
-              <a:rPr b="0" lang="en-US" sz="2000" spc="-1" strike="noStrike">
-                <a:solidFill>
-                  <a:srgbClr val="292934"/>
-                </a:solidFill>
-                <a:latin typeface="Arial"/>
-              </a:rPr>
-              <a:t>Imprima “A es igual a B”</a:t>
-            </a:r>
-            <a:endParaRPr b="0" lang="en-US" sz="2000" spc="-1" strike="noStrike">
-              <a:latin typeface="Arial"/>
-            </a:endParaRPr>
-          </a:p>
-          <a:p>
-            <a:pPr lvl="1" marL="457200" indent="-182160">
-              <a:lnSpc>
-                <a:spcPct val="100000"/>
-              </a:lnSpc>
-              <a:spcBef>
-                <a:spcPts val="400"/>
-              </a:spcBef>
-              <a:buClr>
-                <a:srgbClr val="93a299"/>
-              </a:buClr>
-              <a:buSzPct val="85000"/>
-              <a:buFont typeface="Arial"/>
-              <a:buChar char="•"/>
-            </a:pPr>
-            <a:r>
-              <a:rPr b="0" lang="en-US" sz="2000" spc="-1" strike="noStrike">
-                <a:solidFill>
-                  <a:srgbClr val="292934"/>
-                </a:solidFill>
-                <a:latin typeface="Arial"/>
-              </a:rPr>
-              <a:t>9. Fin</a:t>
-            </a:r>
-            <a:endParaRPr b="0" lang="en-US" sz="2000" spc="-1" strike="noStrike">
-              <a:latin typeface="Arial"/>
-            </a:endParaRPr>
-          </a:p>
-          <a:p>
-            <a:pPr marL="182880" indent="-182160">
-              <a:lnSpc>
-                <a:spcPct val="100000"/>
-              </a:lnSpc>
-              <a:spcBef>
-                <a:spcPts val="479"/>
-              </a:spcBef>
-              <a:buClr>
-                <a:srgbClr val="93a299"/>
-              </a:buClr>
-              <a:buSzPct val="85000"/>
-              <a:buFont typeface="Arial"/>
-              <a:buChar char="•"/>
-            </a:pPr>
-            <a:r>
-              <a:rPr b="0" lang="en-US" sz="2400" spc="-1" strike="noStrike">
-                <a:solidFill>
-                  <a:srgbClr val="292934"/>
-                </a:solidFill>
-                <a:latin typeface="Arial"/>
-              </a:rPr>
-              <a:t>Dibuje un diagrama de flujo que represte este algoritmo</a:t>
-            </a:r>
-            <a:endParaRPr b="0" lang="en-US" sz="2400" spc="-1" strike="noStrike">
-              <a:latin typeface="Arial"/>
-            </a:endParaRPr>
-          </a:p>
-        </p:txBody>
-      </p:sp>
+      </p:sp>
+      <p:sp>
+        <p:nvSpPr>
+          <p:cNvPr id="101" name="CustomShape 3"/>
+          <p:cNvSpPr/>
+          <p:nvPr/>
+        </p:nvSpPr>
+        <p:spPr>
+          <a:xfrm>
+            <a:off x="307800" y="7920"/>
+            <a:ext cx="303840" cy="303840"/>
+          </a:xfrm>
+          <a:prstGeom prst="rect">
+            <a:avLst/>
+          </a:prstGeom>
+          <a:noFill/>
+          <a:ln>
+            <a:noFill/>
+          </a:ln>
+        </p:spPr>
+        <p:style>
+          <a:lnRef idx="0"/>
+          <a:fillRef idx="0"/>
+          <a:effectRef idx="0"/>
+          <a:fontRef idx="minor"/>
+        </p:style>
+      </p:sp>
+      <p:sp>
+        <p:nvSpPr>
+          <p:cNvPr id="102" name="CustomShape 4"/>
+          <p:cNvSpPr/>
+          <p:nvPr/>
+        </p:nvSpPr>
+        <p:spPr>
+          <a:xfrm>
+            <a:off x="460440" y="160200"/>
+            <a:ext cx="303840" cy="303840"/>
+          </a:xfrm>
+          <a:prstGeom prst="rect">
+            <a:avLst/>
+          </a:prstGeom>
+          <a:noFill/>
+          <a:ln>
+            <a:noFill/>
+          </a:ln>
+        </p:spPr>
+        <p:style>
+          <a:lnRef idx="0"/>
+          <a:fillRef idx="0"/>
+          <a:effectRef idx="0"/>
+          <a:fontRef idx="minor"/>
+        </p:style>
+      </p:sp>
+      <p:pic>
+        <p:nvPicPr>
+          <p:cNvPr id="103" name="Picture 9" descr=""/>
+          <p:cNvPicPr/>
+          <p:nvPr/>
+        </p:nvPicPr>
+        <p:blipFill>
+          <a:blip r:embed="rId1"/>
+          <a:stretch/>
+        </p:blipFill>
+        <p:spPr>
+          <a:xfrm>
+            <a:off x="618840" y="1447920"/>
+            <a:ext cx="7762320" cy="5821200"/>
+          </a:xfrm>
+          <a:prstGeom prst="rect">
+            <a:avLst/>
+          </a:prstGeom>
+          <a:ln>
+            <a:noFill/>
+          </a:ln>
+        </p:spPr>
+      </p:pic>
     </p:spTree>
   </p:cSld>
   <p:timing>

--- a/Semana 3.pptx
+++ b/Semana 3.pptx
@@ -1,36 +1,131 @@
 
 <file path=ppt/presentation.xml><?xml version="1.0" encoding="utf-8"?>
-<p:presentation xmlns:a="http://schemas.openxmlformats.org/drawingml/2006/main" xmlns:p="http://schemas.openxmlformats.org/presentationml/2006/main" xmlns:r="http://schemas.openxmlformats.org/officeDocument/2006/relationships" xmlns:p14="http://schemas.microsoft.com/office/powerpoint/2010/main" xmlns:p15="http://schemas.microsoft.com/office/powerpoint/2012/main" xmlns:mc="http://schemas.openxmlformats.org/markup-compatibility/2006">
+<p:presentation xmlns:a="http://schemas.openxmlformats.org/drawingml/2006/main" xmlns:r="http://schemas.openxmlformats.org/officeDocument/2006/relationships" xmlns:p="http://schemas.openxmlformats.org/presentationml/2006/main">
   <p:sldMasterIdLst>
-    <p:sldMasterId id="2147483648" r:id="rId2"/>
-    <p:sldMasterId id="2147483661" r:id="rId3"/>
+    <p:sldMasterId id="2147483648" r:id="rId1"/>
+    <p:sldMasterId id="2147483661" r:id="rId2"/>
   </p:sldMasterIdLst>
   <p:sldIdLst>
-    <p:sldId id="256" r:id="rId4"/>
-    <p:sldId id="257" r:id="rId5"/>
-    <p:sldId id="258" r:id="rId6"/>
-    <p:sldId id="259" r:id="rId7"/>
-    <p:sldId id="260" r:id="rId8"/>
-    <p:sldId id="261" r:id="rId9"/>
-    <p:sldId id="262" r:id="rId10"/>
-    <p:sldId id="263" r:id="rId11"/>
-    <p:sldId id="264" r:id="rId12"/>
-    <p:sldId id="265" r:id="rId13"/>
-    <p:sldId id="266" r:id="rId14"/>
-    <p:sldId id="267" r:id="rId15"/>
-    <p:sldId id="268" r:id="rId16"/>
-    <p:sldId id="269" r:id="rId17"/>
-    <p:sldId id="270" r:id="rId18"/>
-    <p:sldId id="271" r:id="rId19"/>
-    <p:sldId id="272" r:id="rId20"/>
+    <p:sldId id="256" r:id="rId3"/>
+    <p:sldId id="257" r:id="rId4"/>
+    <p:sldId id="258" r:id="rId5"/>
+    <p:sldId id="259" r:id="rId6"/>
+    <p:sldId id="260" r:id="rId7"/>
+    <p:sldId id="261" r:id="rId8"/>
+    <p:sldId id="262" r:id="rId9"/>
+    <p:sldId id="263" r:id="rId10"/>
+    <p:sldId id="264" r:id="rId11"/>
+    <p:sldId id="265" r:id="rId12"/>
+    <p:sldId id="266" r:id="rId13"/>
+    <p:sldId id="267" r:id="rId14"/>
+    <p:sldId id="268" r:id="rId15"/>
+    <p:sldId id="269" r:id="rId16"/>
+    <p:sldId id="270" r:id="rId17"/>
+    <p:sldId id="271" r:id="rId18"/>
+    <p:sldId id="272" r:id="rId19"/>
   </p:sldIdLst>
-  <p:sldSz cx="9144000" cy="6858000"/>
+  <p:sldSz cx="9144000" cy="6858000" type="screen4x3"/>
   <p:notesSz cx="7772400" cy="10058400"/>
+  <p:defaultTextStyle>
+    <a:defPPr>
+      <a:defRPr lang="es-CR"/>
+    </a:defPPr>
+    <a:lvl1pPr marL="0" algn="l" defTabSz="914400" rtl="0" eaLnBrk="1" latinLnBrk="0" hangingPunct="1">
+      <a:defRPr sz="1800" kern="1200">
+        <a:solidFill>
+          <a:schemeClr val="tx1"/>
+        </a:solidFill>
+        <a:latin typeface="+mn-lt"/>
+        <a:ea typeface="+mn-ea"/>
+        <a:cs typeface="+mn-cs"/>
+      </a:defRPr>
+    </a:lvl1pPr>
+    <a:lvl2pPr marL="457200" algn="l" defTabSz="914400" rtl="0" eaLnBrk="1" latinLnBrk="0" hangingPunct="1">
+      <a:defRPr sz="1800" kern="1200">
+        <a:solidFill>
+          <a:schemeClr val="tx1"/>
+        </a:solidFill>
+        <a:latin typeface="+mn-lt"/>
+        <a:ea typeface="+mn-ea"/>
+        <a:cs typeface="+mn-cs"/>
+      </a:defRPr>
+    </a:lvl2pPr>
+    <a:lvl3pPr marL="914400" algn="l" defTabSz="914400" rtl="0" eaLnBrk="1" latinLnBrk="0" hangingPunct="1">
+      <a:defRPr sz="1800" kern="1200">
+        <a:solidFill>
+          <a:schemeClr val="tx1"/>
+        </a:solidFill>
+        <a:latin typeface="+mn-lt"/>
+        <a:ea typeface="+mn-ea"/>
+        <a:cs typeface="+mn-cs"/>
+      </a:defRPr>
+    </a:lvl3pPr>
+    <a:lvl4pPr marL="1371600" algn="l" defTabSz="914400" rtl="0" eaLnBrk="1" latinLnBrk="0" hangingPunct="1">
+      <a:defRPr sz="1800" kern="1200">
+        <a:solidFill>
+          <a:schemeClr val="tx1"/>
+        </a:solidFill>
+        <a:latin typeface="+mn-lt"/>
+        <a:ea typeface="+mn-ea"/>
+        <a:cs typeface="+mn-cs"/>
+      </a:defRPr>
+    </a:lvl4pPr>
+    <a:lvl5pPr marL="1828800" algn="l" defTabSz="914400" rtl="0" eaLnBrk="1" latinLnBrk="0" hangingPunct="1">
+      <a:defRPr sz="1800" kern="1200">
+        <a:solidFill>
+          <a:schemeClr val="tx1"/>
+        </a:solidFill>
+        <a:latin typeface="+mn-lt"/>
+        <a:ea typeface="+mn-ea"/>
+        <a:cs typeface="+mn-cs"/>
+      </a:defRPr>
+    </a:lvl5pPr>
+    <a:lvl6pPr marL="2286000" algn="l" defTabSz="914400" rtl="0" eaLnBrk="1" latinLnBrk="0" hangingPunct="1">
+      <a:defRPr sz="1800" kern="1200">
+        <a:solidFill>
+          <a:schemeClr val="tx1"/>
+        </a:solidFill>
+        <a:latin typeface="+mn-lt"/>
+        <a:ea typeface="+mn-ea"/>
+        <a:cs typeface="+mn-cs"/>
+      </a:defRPr>
+    </a:lvl6pPr>
+    <a:lvl7pPr marL="2743200" algn="l" defTabSz="914400" rtl="0" eaLnBrk="1" latinLnBrk="0" hangingPunct="1">
+      <a:defRPr sz="1800" kern="1200">
+        <a:solidFill>
+          <a:schemeClr val="tx1"/>
+        </a:solidFill>
+        <a:latin typeface="+mn-lt"/>
+        <a:ea typeface="+mn-ea"/>
+        <a:cs typeface="+mn-cs"/>
+      </a:defRPr>
+    </a:lvl7pPr>
+    <a:lvl8pPr marL="3200400" algn="l" defTabSz="914400" rtl="0" eaLnBrk="1" latinLnBrk="0" hangingPunct="1">
+      <a:defRPr sz="1800" kern="1200">
+        <a:solidFill>
+          <a:schemeClr val="tx1"/>
+        </a:solidFill>
+        <a:latin typeface="+mn-lt"/>
+        <a:ea typeface="+mn-ea"/>
+        <a:cs typeface="+mn-cs"/>
+      </a:defRPr>
+    </a:lvl8pPr>
+    <a:lvl9pPr marL="3657600" algn="l" defTabSz="914400" rtl="0" eaLnBrk="1" latinLnBrk="0" hangingPunct="1">
+      <a:defRPr sz="1800" kern="1200">
+        <a:solidFill>
+          <a:schemeClr val="tx1"/>
+        </a:solidFill>
+        <a:latin typeface="+mn-lt"/>
+        <a:ea typeface="+mn-ea"/>
+        <a:cs typeface="+mn-cs"/>
+      </a:defRPr>
+    </a:lvl9pPr>
+  </p:defaultTextStyle>
 </p:presentation>
 </file>
 
 <file path=ppt/slideLayouts/slideLayout1.xml><?xml version="1.0" encoding="utf-8"?>
-<p:sldLayout xmlns:a="http://schemas.openxmlformats.org/drawingml/2006/main" xmlns:p="http://schemas.openxmlformats.org/presentationml/2006/main" xmlns:r="http://schemas.openxmlformats.org/officeDocument/2006/relationships" xmlns:p14="http://schemas.microsoft.com/office/powerpoint/2010/main" xmlns:p15="http://schemas.microsoft.com/office/powerpoint/2012/main" xmlns:mc="http://schemas.openxmlformats.org/markup-compatibility/2006" type="blank" preserve="1">
+<p:sldLayout xmlns:a="http://schemas.openxmlformats.org/drawingml/2006/main" xmlns:r="http://schemas.openxmlformats.org/officeDocument/2006/relationships" xmlns:p="http://schemas.openxmlformats.org/presentationml/2006/main" type="blank" preserve="1">
   <p:cSld name="Blank Slide">
     <p:spTree>
       <p:nvGrpSpPr>
@@ -48,11 +143,14 @@
       </p:grpSpPr>
     </p:spTree>
   </p:cSld>
+  <p:clrMapOvr>
+    <a:masterClrMapping/>
+  </p:clrMapOvr>
 </p:sldLayout>
 </file>
 
 <file path=ppt/slideLayouts/slideLayout10.xml><?xml version="1.0" encoding="utf-8"?>
-<p:sldLayout xmlns:a="http://schemas.openxmlformats.org/drawingml/2006/main" xmlns:p="http://schemas.openxmlformats.org/presentationml/2006/main" xmlns:r="http://schemas.openxmlformats.org/officeDocument/2006/relationships" xmlns:p14="http://schemas.microsoft.com/office/powerpoint/2010/main" xmlns:p15="http://schemas.microsoft.com/office/powerpoint/2012/main" xmlns:mc="http://schemas.openxmlformats.org/markup-compatibility/2006" type="objOverTx" preserve="1">
+<p:sldLayout xmlns:a="http://schemas.openxmlformats.org/drawingml/2006/main" xmlns:r="http://schemas.openxmlformats.org/officeDocument/2006/relationships" xmlns:p="http://schemas.openxmlformats.org/presentationml/2006/main" type="objOverTx" preserve="1">
   <p:cSld name="Title, Content over Content">
     <p:spTree>
       <p:nvGrpSpPr>
@@ -88,10 +186,11 @@
           </a:prstGeom>
         </p:spPr>
         <p:txBody>
-          <a:bodyPr lIns="0" rIns="0" tIns="0" bIns="0" anchor="ctr"/>
+          <a:bodyPr lIns="0" tIns="0" rIns="0" bIns="0" anchor="ctr"/>
+          <a:lstStyle/>
           <a:p>
             <a:pPr algn="ctr"/>
-            <a:endParaRPr b="0" lang="en-US" sz="4400" spc="-1" strike="noStrike">
+            <a:endParaRPr lang="en-US" sz="4400" b="0" strike="noStrike" spc="-1">
               <a:latin typeface="Arial"/>
             </a:endParaRPr>
           </a:p>
@@ -117,11 +216,12 @@
           </a:prstGeom>
         </p:spPr>
         <p:txBody>
-          <a:bodyPr lIns="0" rIns="0" tIns="0" bIns="0">
+          <a:bodyPr lIns="0" tIns="0" rIns="0" bIns="0">
             <a:normAutofit/>
           </a:bodyPr>
-          <a:p>
-            <a:endParaRPr b="0" lang="en-US" sz="3200" spc="-1" strike="noStrike">
+          <a:lstStyle/>
+          <a:p>
+            <a:endParaRPr lang="en-US" sz="3200" b="0" strike="noStrike" spc="-1">
               <a:latin typeface="Arial"/>
             </a:endParaRPr>
           </a:p>
@@ -147,11 +247,12 @@
           </a:prstGeom>
         </p:spPr>
         <p:txBody>
-          <a:bodyPr lIns="0" rIns="0" tIns="0" bIns="0">
+          <a:bodyPr lIns="0" tIns="0" rIns="0" bIns="0">
             <a:normAutofit/>
           </a:bodyPr>
-          <a:p>
-            <a:endParaRPr b="0" lang="en-US" sz="3200" spc="-1" strike="noStrike">
+          <a:lstStyle/>
+          <a:p>
+            <a:endParaRPr lang="en-US" sz="3200" b="0" strike="noStrike" spc="-1">
               <a:latin typeface="Arial"/>
             </a:endParaRPr>
           </a:p>
@@ -159,11 +260,14 @@
       </p:sp>
     </p:spTree>
   </p:cSld>
+  <p:clrMapOvr>
+    <a:masterClrMapping/>
+  </p:clrMapOvr>
 </p:sldLayout>
 </file>
 
 <file path=ppt/slideLayouts/slideLayout11.xml><?xml version="1.0" encoding="utf-8"?>
-<p:sldLayout xmlns:a="http://schemas.openxmlformats.org/drawingml/2006/main" xmlns:p="http://schemas.openxmlformats.org/presentationml/2006/main" xmlns:r="http://schemas.openxmlformats.org/officeDocument/2006/relationships" xmlns:p14="http://schemas.microsoft.com/office/powerpoint/2010/main" xmlns:p15="http://schemas.microsoft.com/office/powerpoint/2012/main" xmlns:mc="http://schemas.openxmlformats.org/markup-compatibility/2006" type="fourObj" preserve="1">
+<p:sldLayout xmlns:a="http://schemas.openxmlformats.org/drawingml/2006/main" xmlns:r="http://schemas.openxmlformats.org/officeDocument/2006/relationships" xmlns:p="http://schemas.openxmlformats.org/presentationml/2006/main" type="fourObj" preserve="1">
   <p:cSld name="Title, 4 Content">
     <p:spTree>
       <p:nvGrpSpPr>
@@ -199,10 +303,11 @@
           </a:prstGeom>
         </p:spPr>
         <p:txBody>
-          <a:bodyPr lIns="0" rIns="0" tIns="0" bIns="0" anchor="ctr"/>
+          <a:bodyPr lIns="0" tIns="0" rIns="0" bIns="0" anchor="ctr"/>
+          <a:lstStyle/>
           <a:p>
             <a:pPr algn="ctr"/>
-            <a:endParaRPr b="0" lang="en-US" sz="4400" spc="-1" strike="noStrike">
+            <a:endParaRPr lang="en-US" sz="4400" b="0" strike="noStrike" spc="-1">
               <a:latin typeface="Arial"/>
             </a:endParaRPr>
           </a:p>
@@ -228,11 +333,12 @@
           </a:prstGeom>
         </p:spPr>
         <p:txBody>
-          <a:bodyPr lIns="0" rIns="0" tIns="0" bIns="0">
+          <a:bodyPr lIns="0" tIns="0" rIns="0" bIns="0">
             <a:normAutofit/>
           </a:bodyPr>
-          <a:p>
-            <a:endParaRPr b="0" lang="en-US" sz="3200" spc="-1" strike="noStrike">
+          <a:lstStyle/>
+          <a:p>
+            <a:endParaRPr lang="en-US" sz="3200" b="0" strike="noStrike" spc="-1">
               <a:latin typeface="Arial"/>
             </a:endParaRPr>
           </a:p>
@@ -258,11 +364,12 @@
           </a:prstGeom>
         </p:spPr>
         <p:txBody>
-          <a:bodyPr lIns="0" rIns="0" tIns="0" bIns="0">
+          <a:bodyPr lIns="0" tIns="0" rIns="0" bIns="0">
             <a:normAutofit/>
           </a:bodyPr>
-          <a:p>
-            <a:endParaRPr b="0" lang="en-US" sz="3200" spc="-1" strike="noStrike">
+          <a:lstStyle/>
+          <a:p>
+            <a:endParaRPr lang="en-US" sz="3200" b="0" strike="noStrike" spc="-1">
               <a:latin typeface="Arial"/>
             </a:endParaRPr>
           </a:p>
@@ -288,11 +395,12 @@
           </a:prstGeom>
         </p:spPr>
         <p:txBody>
-          <a:bodyPr lIns="0" rIns="0" tIns="0" bIns="0">
+          <a:bodyPr lIns="0" tIns="0" rIns="0" bIns="0">
             <a:normAutofit/>
           </a:bodyPr>
-          <a:p>
-            <a:endParaRPr b="0" lang="en-US" sz="3200" spc="-1" strike="noStrike">
+          <a:lstStyle/>
+          <a:p>
+            <a:endParaRPr lang="en-US" sz="3200" b="0" strike="noStrike" spc="-1">
               <a:latin typeface="Arial"/>
             </a:endParaRPr>
           </a:p>
@@ -318,11 +426,12 @@
           </a:prstGeom>
         </p:spPr>
         <p:txBody>
-          <a:bodyPr lIns="0" rIns="0" tIns="0" bIns="0">
+          <a:bodyPr lIns="0" tIns="0" rIns="0" bIns="0">
             <a:normAutofit/>
           </a:bodyPr>
-          <a:p>
-            <a:endParaRPr b="0" lang="en-US" sz="3200" spc="-1" strike="noStrike">
+          <a:lstStyle/>
+          <a:p>
+            <a:endParaRPr lang="en-US" sz="3200" b="0" strike="noStrike" spc="-1">
               <a:latin typeface="Arial"/>
             </a:endParaRPr>
           </a:p>
@@ -330,11 +439,14 @@
       </p:sp>
     </p:spTree>
   </p:cSld>
+  <p:clrMapOvr>
+    <a:masterClrMapping/>
+  </p:clrMapOvr>
 </p:sldLayout>
 </file>
 
 <file path=ppt/slideLayouts/slideLayout12.xml><?xml version="1.0" encoding="utf-8"?>
-<p:sldLayout xmlns:a="http://schemas.openxmlformats.org/drawingml/2006/main" xmlns:p="http://schemas.openxmlformats.org/presentationml/2006/main" xmlns:r="http://schemas.openxmlformats.org/officeDocument/2006/relationships" xmlns:p14="http://schemas.microsoft.com/office/powerpoint/2010/main" xmlns:p15="http://schemas.microsoft.com/office/powerpoint/2012/main" xmlns:mc="http://schemas.openxmlformats.org/markup-compatibility/2006" type="blank" preserve="1">
+<p:sldLayout xmlns:a="http://schemas.openxmlformats.org/drawingml/2006/main" xmlns:r="http://schemas.openxmlformats.org/officeDocument/2006/relationships" xmlns:p="http://schemas.openxmlformats.org/presentationml/2006/main" type="blank" preserve="1">
   <p:cSld name="Title, 6 Content">
     <p:spTree>
       <p:nvGrpSpPr>
@@ -370,10 +482,11 @@
           </a:prstGeom>
         </p:spPr>
         <p:txBody>
-          <a:bodyPr lIns="0" rIns="0" tIns="0" bIns="0" anchor="ctr"/>
+          <a:bodyPr lIns="0" tIns="0" rIns="0" bIns="0" anchor="ctr"/>
+          <a:lstStyle/>
           <a:p>
             <a:pPr algn="ctr"/>
-            <a:endParaRPr b="0" lang="en-US" sz="4400" spc="-1" strike="noStrike">
+            <a:endParaRPr lang="en-US" sz="4400" b="0" strike="noStrike" spc="-1">
               <a:latin typeface="Arial"/>
             </a:endParaRPr>
           </a:p>
@@ -399,11 +512,12 @@
           </a:prstGeom>
         </p:spPr>
         <p:txBody>
-          <a:bodyPr lIns="0" rIns="0" tIns="0" bIns="0">
+          <a:bodyPr lIns="0" tIns="0" rIns="0" bIns="0">
             <a:normAutofit/>
           </a:bodyPr>
-          <a:p>
-            <a:endParaRPr b="0" lang="en-US" sz="3200" spc="-1" strike="noStrike">
+          <a:lstStyle/>
+          <a:p>
+            <a:endParaRPr lang="en-US" sz="3200" b="0" strike="noStrike" spc="-1">
               <a:latin typeface="Arial"/>
             </a:endParaRPr>
           </a:p>
@@ -429,11 +543,12 @@
           </a:prstGeom>
         </p:spPr>
         <p:txBody>
-          <a:bodyPr lIns="0" rIns="0" tIns="0" bIns="0">
+          <a:bodyPr lIns="0" tIns="0" rIns="0" bIns="0">
             <a:normAutofit/>
           </a:bodyPr>
-          <a:p>
-            <a:endParaRPr b="0" lang="en-US" sz="3200" spc="-1" strike="noStrike">
+          <a:lstStyle/>
+          <a:p>
+            <a:endParaRPr lang="en-US" sz="3200" b="0" strike="noStrike" spc="-1">
               <a:latin typeface="Arial"/>
             </a:endParaRPr>
           </a:p>
@@ -459,11 +574,12 @@
           </a:prstGeom>
         </p:spPr>
         <p:txBody>
-          <a:bodyPr lIns="0" rIns="0" tIns="0" bIns="0">
+          <a:bodyPr lIns="0" tIns="0" rIns="0" bIns="0">
             <a:normAutofit/>
           </a:bodyPr>
-          <a:p>
-            <a:endParaRPr b="0" lang="en-US" sz="3200" spc="-1" strike="noStrike">
+          <a:lstStyle/>
+          <a:p>
+            <a:endParaRPr lang="en-US" sz="3200" b="0" strike="noStrike" spc="-1">
               <a:latin typeface="Arial"/>
             </a:endParaRPr>
           </a:p>
@@ -489,11 +605,12 @@
           </a:prstGeom>
         </p:spPr>
         <p:txBody>
-          <a:bodyPr lIns="0" rIns="0" tIns="0" bIns="0">
+          <a:bodyPr lIns="0" tIns="0" rIns="0" bIns="0">
             <a:normAutofit/>
           </a:bodyPr>
-          <a:p>
-            <a:endParaRPr b="0" lang="en-US" sz="3200" spc="-1" strike="noStrike">
+          <a:lstStyle/>
+          <a:p>
+            <a:endParaRPr lang="en-US" sz="3200" b="0" strike="noStrike" spc="-1">
               <a:latin typeface="Arial"/>
             </a:endParaRPr>
           </a:p>
@@ -519,11 +636,12 @@
           </a:prstGeom>
         </p:spPr>
         <p:txBody>
-          <a:bodyPr lIns="0" rIns="0" tIns="0" bIns="0">
+          <a:bodyPr lIns="0" tIns="0" rIns="0" bIns="0">
             <a:normAutofit/>
           </a:bodyPr>
-          <a:p>
-            <a:endParaRPr b="0" lang="en-US" sz="3200" spc="-1" strike="noStrike">
+          <a:lstStyle/>
+          <a:p>
+            <a:endParaRPr lang="en-US" sz="3200" b="0" strike="noStrike" spc="-1">
               <a:latin typeface="Arial"/>
             </a:endParaRPr>
           </a:p>
@@ -549,11 +667,12 @@
           </a:prstGeom>
         </p:spPr>
         <p:txBody>
-          <a:bodyPr lIns="0" rIns="0" tIns="0" bIns="0">
+          <a:bodyPr lIns="0" tIns="0" rIns="0" bIns="0">
             <a:normAutofit/>
           </a:bodyPr>
-          <a:p>
-            <a:endParaRPr b="0" lang="en-US" sz="3200" spc="-1" strike="noStrike">
+          <a:lstStyle/>
+          <a:p>
+            <a:endParaRPr lang="en-US" sz="3200" b="0" strike="noStrike" spc="-1">
               <a:latin typeface="Arial"/>
             </a:endParaRPr>
           </a:p>
@@ -561,11 +680,14 @@
       </p:sp>
     </p:spTree>
   </p:cSld>
+  <p:clrMapOvr>
+    <a:masterClrMapping/>
+  </p:clrMapOvr>
 </p:sldLayout>
 </file>
 
 <file path=ppt/slideLayouts/slideLayout13.xml><?xml version="1.0" encoding="utf-8"?>
-<p:sldLayout xmlns:a="http://schemas.openxmlformats.org/drawingml/2006/main" xmlns:p="http://schemas.openxmlformats.org/presentationml/2006/main" xmlns:r="http://schemas.openxmlformats.org/officeDocument/2006/relationships" xmlns:p14="http://schemas.microsoft.com/office/powerpoint/2010/main" xmlns:p15="http://schemas.microsoft.com/office/powerpoint/2012/main" xmlns:mc="http://schemas.openxmlformats.org/markup-compatibility/2006" type="blank" preserve="1">
+<p:sldLayout xmlns:a="http://schemas.openxmlformats.org/drawingml/2006/main" xmlns:r="http://schemas.openxmlformats.org/officeDocument/2006/relationships" xmlns:p="http://schemas.openxmlformats.org/presentationml/2006/main" type="blank" preserve="1">
   <p:cSld name="Blank Slide">
     <p:spTree>
       <p:nvGrpSpPr>
@@ -583,11 +705,14 @@
       </p:grpSpPr>
     </p:spTree>
   </p:cSld>
+  <p:clrMapOvr>
+    <a:masterClrMapping/>
+  </p:clrMapOvr>
 </p:sldLayout>
 </file>
 
 <file path=ppt/slideLayouts/slideLayout14.xml><?xml version="1.0" encoding="utf-8"?>
-<p:sldLayout xmlns:a="http://schemas.openxmlformats.org/drawingml/2006/main" xmlns:p="http://schemas.openxmlformats.org/presentationml/2006/main" xmlns:r="http://schemas.openxmlformats.org/officeDocument/2006/relationships" xmlns:p14="http://schemas.microsoft.com/office/powerpoint/2010/main" xmlns:p15="http://schemas.microsoft.com/office/powerpoint/2012/main" xmlns:mc="http://schemas.openxmlformats.org/markup-compatibility/2006" type="tx" preserve="1">
+<p:sldLayout xmlns:a="http://schemas.openxmlformats.org/drawingml/2006/main" xmlns:r="http://schemas.openxmlformats.org/officeDocument/2006/relationships" xmlns:p="http://schemas.openxmlformats.org/presentationml/2006/main" type="tx" preserve="1">
   <p:cSld name="Title Slide">
     <p:spTree>
       <p:nvGrpSpPr>
@@ -623,10 +748,11 @@
           </a:prstGeom>
         </p:spPr>
         <p:txBody>
-          <a:bodyPr lIns="0" rIns="0" tIns="0" bIns="0" anchor="ctr"/>
+          <a:bodyPr lIns="0" tIns="0" rIns="0" bIns="0" anchor="ctr"/>
+          <a:lstStyle/>
           <a:p>
             <a:pPr algn="ctr"/>
-            <a:endParaRPr b="0" lang="en-US" sz="4400" spc="-1" strike="noStrike">
+            <a:endParaRPr lang="en-US" sz="4400" b="0" strike="noStrike" spc="-1">
               <a:latin typeface="Arial"/>
             </a:endParaRPr>
           </a:p>
@@ -652,10 +778,11 @@
           </a:prstGeom>
         </p:spPr>
         <p:txBody>
-          <a:bodyPr lIns="0" rIns="0" tIns="0" bIns="0" anchor="ctr"/>
+          <a:bodyPr lIns="0" tIns="0" rIns="0" bIns="0" anchor="ctr"/>
+          <a:lstStyle/>
           <a:p>
             <a:pPr algn="ctr"/>
-            <a:endParaRPr b="0" lang="en-US" sz="3200" spc="-1" strike="noStrike">
+            <a:endParaRPr lang="en-US" sz="3200" b="0" strike="noStrike" spc="-1">
               <a:latin typeface="Arial"/>
             </a:endParaRPr>
           </a:p>
@@ -663,11 +790,14 @@
       </p:sp>
     </p:spTree>
   </p:cSld>
+  <p:clrMapOvr>
+    <a:masterClrMapping/>
+  </p:clrMapOvr>
 </p:sldLayout>
 </file>
 
 <file path=ppt/slideLayouts/slideLayout15.xml><?xml version="1.0" encoding="utf-8"?>
-<p:sldLayout xmlns:a="http://schemas.openxmlformats.org/drawingml/2006/main" xmlns:p="http://schemas.openxmlformats.org/presentationml/2006/main" xmlns:r="http://schemas.openxmlformats.org/officeDocument/2006/relationships" xmlns:p14="http://schemas.microsoft.com/office/powerpoint/2010/main" xmlns:p15="http://schemas.microsoft.com/office/powerpoint/2012/main" xmlns:mc="http://schemas.openxmlformats.org/markup-compatibility/2006" type="obj" preserve="1">
+<p:sldLayout xmlns:a="http://schemas.openxmlformats.org/drawingml/2006/main" xmlns:r="http://schemas.openxmlformats.org/officeDocument/2006/relationships" xmlns:p="http://schemas.openxmlformats.org/presentationml/2006/main" type="obj" preserve="1">
   <p:cSld name="Title, Content">
     <p:spTree>
       <p:nvGrpSpPr>
@@ -703,10 +833,11 @@
           </a:prstGeom>
         </p:spPr>
         <p:txBody>
-          <a:bodyPr lIns="0" rIns="0" tIns="0" bIns="0" anchor="ctr"/>
+          <a:bodyPr lIns="0" tIns="0" rIns="0" bIns="0" anchor="ctr"/>
+          <a:lstStyle/>
           <a:p>
             <a:pPr algn="ctr"/>
-            <a:endParaRPr b="0" lang="en-US" sz="4400" spc="-1" strike="noStrike">
+            <a:endParaRPr lang="en-US" sz="4400" b="0" strike="noStrike" spc="-1">
               <a:latin typeface="Arial"/>
             </a:endParaRPr>
           </a:p>
@@ -732,11 +863,12 @@
           </a:prstGeom>
         </p:spPr>
         <p:txBody>
-          <a:bodyPr lIns="0" rIns="0" tIns="0" bIns="0">
+          <a:bodyPr lIns="0" tIns="0" rIns="0" bIns="0">
             <a:normAutofit/>
           </a:bodyPr>
-          <a:p>
-            <a:endParaRPr b="0" lang="en-US" sz="3200" spc="-1" strike="noStrike">
+          <a:lstStyle/>
+          <a:p>
+            <a:endParaRPr lang="en-US" sz="3200" b="0" strike="noStrike" spc="-1">
               <a:latin typeface="Arial"/>
             </a:endParaRPr>
           </a:p>
@@ -744,11 +876,14 @@
       </p:sp>
     </p:spTree>
   </p:cSld>
+  <p:clrMapOvr>
+    <a:masterClrMapping/>
+  </p:clrMapOvr>
 </p:sldLayout>
 </file>
 
 <file path=ppt/slideLayouts/slideLayout16.xml><?xml version="1.0" encoding="utf-8"?>
-<p:sldLayout xmlns:a="http://schemas.openxmlformats.org/drawingml/2006/main" xmlns:p="http://schemas.openxmlformats.org/presentationml/2006/main" xmlns:r="http://schemas.openxmlformats.org/officeDocument/2006/relationships" xmlns:p14="http://schemas.microsoft.com/office/powerpoint/2010/main" xmlns:p15="http://schemas.microsoft.com/office/powerpoint/2012/main" xmlns:mc="http://schemas.openxmlformats.org/markup-compatibility/2006" type="twoObj" preserve="1">
+<p:sldLayout xmlns:a="http://schemas.openxmlformats.org/drawingml/2006/main" xmlns:r="http://schemas.openxmlformats.org/officeDocument/2006/relationships" xmlns:p="http://schemas.openxmlformats.org/presentationml/2006/main" type="twoObj" preserve="1">
   <p:cSld name="Title, 2 Content">
     <p:spTree>
       <p:nvGrpSpPr>
@@ -784,10 +919,11 @@
           </a:prstGeom>
         </p:spPr>
         <p:txBody>
-          <a:bodyPr lIns="0" rIns="0" tIns="0" bIns="0" anchor="ctr"/>
+          <a:bodyPr lIns="0" tIns="0" rIns="0" bIns="0" anchor="ctr"/>
+          <a:lstStyle/>
           <a:p>
             <a:pPr algn="ctr"/>
-            <a:endParaRPr b="0" lang="en-US" sz="4400" spc="-1" strike="noStrike">
+            <a:endParaRPr lang="en-US" sz="4400" b="0" strike="noStrike" spc="-1">
               <a:latin typeface="Arial"/>
             </a:endParaRPr>
           </a:p>
@@ -813,11 +949,12 @@
           </a:prstGeom>
         </p:spPr>
         <p:txBody>
-          <a:bodyPr lIns="0" rIns="0" tIns="0" bIns="0">
+          <a:bodyPr lIns="0" tIns="0" rIns="0" bIns="0">
             <a:normAutofit/>
           </a:bodyPr>
-          <a:p>
-            <a:endParaRPr b="0" lang="en-US" sz="3200" spc="-1" strike="noStrike">
+          <a:lstStyle/>
+          <a:p>
+            <a:endParaRPr lang="en-US" sz="3200" b="0" strike="noStrike" spc="-1">
               <a:latin typeface="Arial"/>
             </a:endParaRPr>
           </a:p>
@@ -843,11 +980,12 @@
           </a:prstGeom>
         </p:spPr>
         <p:txBody>
-          <a:bodyPr lIns="0" rIns="0" tIns="0" bIns="0">
+          <a:bodyPr lIns="0" tIns="0" rIns="0" bIns="0">
             <a:normAutofit/>
           </a:bodyPr>
-          <a:p>
-            <a:endParaRPr b="0" lang="en-US" sz="3200" spc="-1" strike="noStrike">
+          <a:lstStyle/>
+          <a:p>
+            <a:endParaRPr lang="en-US" sz="3200" b="0" strike="noStrike" spc="-1">
               <a:latin typeface="Arial"/>
             </a:endParaRPr>
           </a:p>
@@ -855,11 +993,14 @@
       </p:sp>
     </p:spTree>
   </p:cSld>
+  <p:clrMapOvr>
+    <a:masterClrMapping/>
+  </p:clrMapOvr>
 </p:sldLayout>
 </file>
 
 <file path=ppt/slideLayouts/slideLayout17.xml><?xml version="1.0" encoding="utf-8"?>
-<p:sldLayout xmlns:a="http://schemas.openxmlformats.org/drawingml/2006/main" xmlns:p="http://schemas.openxmlformats.org/presentationml/2006/main" xmlns:r="http://schemas.openxmlformats.org/officeDocument/2006/relationships" xmlns:p14="http://schemas.microsoft.com/office/powerpoint/2010/main" xmlns:p15="http://schemas.microsoft.com/office/powerpoint/2012/main" xmlns:mc="http://schemas.openxmlformats.org/markup-compatibility/2006" type="titleOnly" preserve="1">
+<p:sldLayout xmlns:a="http://schemas.openxmlformats.org/drawingml/2006/main" xmlns:r="http://schemas.openxmlformats.org/officeDocument/2006/relationships" xmlns:p="http://schemas.openxmlformats.org/presentationml/2006/main" type="titleOnly" preserve="1">
   <p:cSld name="Title Only">
     <p:spTree>
       <p:nvGrpSpPr>
@@ -895,10 +1036,11 @@
           </a:prstGeom>
         </p:spPr>
         <p:txBody>
-          <a:bodyPr lIns="0" rIns="0" tIns="0" bIns="0" anchor="ctr"/>
+          <a:bodyPr lIns="0" tIns="0" rIns="0" bIns="0" anchor="ctr"/>
+          <a:lstStyle/>
           <a:p>
             <a:pPr algn="ctr"/>
-            <a:endParaRPr b="0" lang="en-US" sz="4400" spc="-1" strike="noStrike">
+            <a:endParaRPr lang="en-US" sz="4400" b="0" strike="noStrike" spc="-1">
               <a:latin typeface="Arial"/>
             </a:endParaRPr>
           </a:p>
@@ -906,11 +1048,14 @@
       </p:sp>
     </p:spTree>
   </p:cSld>
+  <p:clrMapOvr>
+    <a:masterClrMapping/>
+  </p:clrMapOvr>
 </p:sldLayout>
 </file>
 
 <file path=ppt/slideLayouts/slideLayout18.xml><?xml version="1.0" encoding="utf-8"?>
-<p:sldLayout xmlns:a="http://schemas.openxmlformats.org/drawingml/2006/main" xmlns:p="http://schemas.openxmlformats.org/presentationml/2006/main" xmlns:r="http://schemas.openxmlformats.org/officeDocument/2006/relationships" xmlns:p14="http://schemas.microsoft.com/office/powerpoint/2010/main" xmlns:p15="http://schemas.microsoft.com/office/powerpoint/2012/main" xmlns:mc="http://schemas.openxmlformats.org/markup-compatibility/2006" type="objOnly" preserve="1">
+<p:sldLayout xmlns:a="http://schemas.openxmlformats.org/drawingml/2006/main" xmlns:r="http://schemas.openxmlformats.org/officeDocument/2006/relationships" xmlns:p="http://schemas.openxmlformats.org/presentationml/2006/main" type="objOnly" preserve="1">
   <p:cSld name="Centered Text">
     <p:spTree>
       <p:nvGrpSpPr>
@@ -946,10 +1091,11 @@
           </a:prstGeom>
         </p:spPr>
         <p:txBody>
-          <a:bodyPr lIns="0" rIns="0" tIns="0" bIns="0" anchor="ctr"/>
+          <a:bodyPr lIns="0" tIns="0" rIns="0" bIns="0" anchor="ctr"/>
+          <a:lstStyle/>
           <a:p>
             <a:pPr algn="ctr"/>
-            <a:endParaRPr b="0" lang="en-US" sz="3200" spc="-1" strike="noStrike">
+            <a:endParaRPr lang="en-US" sz="3200" b="0" strike="noStrike" spc="-1">
               <a:latin typeface="Arial"/>
             </a:endParaRPr>
           </a:p>
@@ -957,11 +1103,14 @@
       </p:sp>
     </p:spTree>
   </p:cSld>
+  <p:clrMapOvr>
+    <a:masterClrMapping/>
+  </p:clrMapOvr>
 </p:sldLayout>
 </file>
 
 <file path=ppt/slideLayouts/slideLayout19.xml><?xml version="1.0" encoding="utf-8"?>
-<p:sldLayout xmlns:a="http://schemas.openxmlformats.org/drawingml/2006/main" xmlns:p="http://schemas.openxmlformats.org/presentationml/2006/main" xmlns:r="http://schemas.openxmlformats.org/officeDocument/2006/relationships" xmlns:p14="http://schemas.microsoft.com/office/powerpoint/2010/main" xmlns:p15="http://schemas.microsoft.com/office/powerpoint/2012/main" xmlns:mc="http://schemas.openxmlformats.org/markup-compatibility/2006" type="twoObjAndObj" preserve="1">
+<p:sldLayout xmlns:a="http://schemas.openxmlformats.org/drawingml/2006/main" xmlns:r="http://schemas.openxmlformats.org/officeDocument/2006/relationships" xmlns:p="http://schemas.openxmlformats.org/presentationml/2006/main" type="twoObjAndObj" preserve="1">
   <p:cSld name="Title, 2 Content and Content">
     <p:spTree>
       <p:nvGrpSpPr>
@@ -997,10 +1146,11 @@
           </a:prstGeom>
         </p:spPr>
         <p:txBody>
-          <a:bodyPr lIns="0" rIns="0" tIns="0" bIns="0" anchor="ctr"/>
+          <a:bodyPr lIns="0" tIns="0" rIns="0" bIns="0" anchor="ctr"/>
+          <a:lstStyle/>
           <a:p>
             <a:pPr algn="ctr"/>
-            <a:endParaRPr b="0" lang="en-US" sz="4400" spc="-1" strike="noStrike">
+            <a:endParaRPr lang="en-US" sz="4400" b="0" strike="noStrike" spc="-1">
               <a:latin typeface="Arial"/>
             </a:endParaRPr>
           </a:p>
@@ -1026,11 +1176,12 @@
           </a:prstGeom>
         </p:spPr>
         <p:txBody>
-          <a:bodyPr lIns="0" rIns="0" tIns="0" bIns="0">
+          <a:bodyPr lIns="0" tIns="0" rIns="0" bIns="0">
             <a:normAutofit/>
           </a:bodyPr>
-          <a:p>
-            <a:endParaRPr b="0" lang="en-US" sz="3200" spc="-1" strike="noStrike">
+          <a:lstStyle/>
+          <a:p>
+            <a:endParaRPr lang="en-US" sz="3200" b="0" strike="noStrike" spc="-1">
               <a:latin typeface="Arial"/>
             </a:endParaRPr>
           </a:p>
@@ -1056,11 +1207,12 @@
           </a:prstGeom>
         </p:spPr>
         <p:txBody>
-          <a:bodyPr lIns="0" rIns="0" tIns="0" bIns="0">
+          <a:bodyPr lIns="0" tIns="0" rIns="0" bIns="0">
             <a:normAutofit/>
           </a:bodyPr>
-          <a:p>
-            <a:endParaRPr b="0" lang="en-US" sz="3200" spc="-1" strike="noStrike">
+          <a:lstStyle/>
+          <a:p>
+            <a:endParaRPr lang="en-US" sz="3200" b="0" strike="noStrike" spc="-1">
               <a:latin typeface="Arial"/>
             </a:endParaRPr>
           </a:p>
@@ -1086,11 +1238,12 @@
           </a:prstGeom>
         </p:spPr>
         <p:txBody>
-          <a:bodyPr lIns="0" rIns="0" tIns="0" bIns="0">
+          <a:bodyPr lIns="0" tIns="0" rIns="0" bIns="0">
             <a:normAutofit/>
           </a:bodyPr>
-          <a:p>
-            <a:endParaRPr b="0" lang="en-US" sz="3200" spc="-1" strike="noStrike">
+          <a:lstStyle/>
+          <a:p>
+            <a:endParaRPr lang="en-US" sz="3200" b="0" strike="noStrike" spc="-1">
               <a:latin typeface="Arial"/>
             </a:endParaRPr>
           </a:p>
@@ -1098,11 +1251,14 @@
       </p:sp>
     </p:spTree>
   </p:cSld>
+  <p:clrMapOvr>
+    <a:masterClrMapping/>
+  </p:clrMapOvr>
 </p:sldLayout>
 </file>
 
 <file path=ppt/slideLayouts/slideLayout2.xml><?xml version="1.0" encoding="utf-8"?>
-<p:sldLayout xmlns:a="http://schemas.openxmlformats.org/drawingml/2006/main" xmlns:p="http://schemas.openxmlformats.org/presentationml/2006/main" xmlns:r="http://schemas.openxmlformats.org/officeDocument/2006/relationships" xmlns:p14="http://schemas.microsoft.com/office/powerpoint/2010/main" xmlns:p15="http://schemas.microsoft.com/office/powerpoint/2012/main" xmlns:mc="http://schemas.openxmlformats.org/markup-compatibility/2006" type="tx" preserve="1">
+<p:sldLayout xmlns:a="http://schemas.openxmlformats.org/drawingml/2006/main" xmlns:r="http://schemas.openxmlformats.org/officeDocument/2006/relationships" xmlns:p="http://schemas.openxmlformats.org/presentationml/2006/main" type="tx" preserve="1">
   <p:cSld name="Title Slide">
     <p:spTree>
       <p:nvGrpSpPr>
@@ -1138,10 +1294,11 @@
           </a:prstGeom>
         </p:spPr>
         <p:txBody>
-          <a:bodyPr lIns="0" rIns="0" tIns="0" bIns="0" anchor="ctr"/>
+          <a:bodyPr lIns="0" tIns="0" rIns="0" bIns="0" anchor="ctr"/>
+          <a:lstStyle/>
           <a:p>
             <a:pPr algn="ctr"/>
-            <a:endParaRPr b="0" lang="en-US" sz="4400" spc="-1" strike="noStrike">
+            <a:endParaRPr lang="en-US" sz="4400" b="0" strike="noStrike" spc="-1">
               <a:latin typeface="Arial"/>
             </a:endParaRPr>
           </a:p>
@@ -1167,10 +1324,11 @@
           </a:prstGeom>
         </p:spPr>
         <p:txBody>
-          <a:bodyPr lIns="0" rIns="0" tIns="0" bIns="0" anchor="ctr"/>
+          <a:bodyPr lIns="0" tIns="0" rIns="0" bIns="0" anchor="ctr"/>
+          <a:lstStyle/>
           <a:p>
             <a:pPr algn="ctr"/>
-            <a:endParaRPr b="0" lang="en-US" sz="3200" spc="-1" strike="noStrike">
+            <a:endParaRPr lang="en-US" sz="3200" b="0" strike="noStrike" spc="-1">
               <a:latin typeface="Arial"/>
             </a:endParaRPr>
           </a:p>
@@ -1178,11 +1336,14 @@
       </p:sp>
     </p:spTree>
   </p:cSld>
+  <p:clrMapOvr>
+    <a:masterClrMapping/>
+  </p:clrMapOvr>
 </p:sldLayout>
 </file>
 
 <file path=ppt/slideLayouts/slideLayout20.xml><?xml version="1.0" encoding="utf-8"?>
-<p:sldLayout xmlns:a="http://schemas.openxmlformats.org/drawingml/2006/main" xmlns:p="http://schemas.openxmlformats.org/presentationml/2006/main" xmlns:r="http://schemas.openxmlformats.org/officeDocument/2006/relationships" xmlns:p14="http://schemas.microsoft.com/office/powerpoint/2010/main" xmlns:p15="http://schemas.microsoft.com/office/powerpoint/2012/main" xmlns:mc="http://schemas.openxmlformats.org/markup-compatibility/2006" type="objAndTwoObj" preserve="1">
+<p:sldLayout xmlns:a="http://schemas.openxmlformats.org/drawingml/2006/main" xmlns:r="http://schemas.openxmlformats.org/officeDocument/2006/relationships" xmlns:p="http://schemas.openxmlformats.org/presentationml/2006/main" type="objAndTwoObj" preserve="1">
   <p:cSld name="Title Content and 2 Content">
     <p:spTree>
       <p:nvGrpSpPr>
@@ -1218,10 +1379,11 @@
           </a:prstGeom>
         </p:spPr>
         <p:txBody>
-          <a:bodyPr lIns="0" rIns="0" tIns="0" bIns="0" anchor="ctr"/>
+          <a:bodyPr lIns="0" tIns="0" rIns="0" bIns="0" anchor="ctr"/>
+          <a:lstStyle/>
           <a:p>
             <a:pPr algn="ctr"/>
-            <a:endParaRPr b="0" lang="en-US" sz="4400" spc="-1" strike="noStrike">
+            <a:endParaRPr lang="en-US" sz="4400" b="0" strike="noStrike" spc="-1">
               <a:latin typeface="Arial"/>
             </a:endParaRPr>
           </a:p>
@@ -1247,11 +1409,12 @@
           </a:prstGeom>
         </p:spPr>
         <p:txBody>
-          <a:bodyPr lIns="0" rIns="0" tIns="0" bIns="0">
+          <a:bodyPr lIns="0" tIns="0" rIns="0" bIns="0">
             <a:normAutofit/>
           </a:bodyPr>
-          <a:p>
-            <a:endParaRPr b="0" lang="en-US" sz="3200" spc="-1" strike="noStrike">
+          <a:lstStyle/>
+          <a:p>
+            <a:endParaRPr lang="en-US" sz="3200" b="0" strike="noStrike" spc="-1">
               <a:latin typeface="Arial"/>
             </a:endParaRPr>
           </a:p>
@@ -1277,11 +1440,12 @@
           </a:prstGeom>
         </p:spPr>
         <p:txBody>
-          <a:bodyPr lIns="0" rIns="0" tIns="0" bIns="0">
+          <a:bodyPr lIns="0" tIns="0" rIns="0" bIns="0">
             <a:normAutofit/>
           </a:bodyPr>
-          <a:p>
-            <a:endParaRPr b="0" lang="en-US" sz="3200" spc="-1" strike="noStrike">
+          <a:lstStyle/>
+          <a:p>
+            <a:endParaRPr lang="en-US" sz="3200" b="0" strike="noStrike" spc="-1">
               <a:latin typeface="Arial"/>
             </a:endParaRPr>
           </a:p>
@@ -1307,11 +1471,12 @@
           </a:prstGeom>
         </p:spPr>
         <p:txBody>
-          <a:bodyPr lIns="0" rIns="0" tIns="0" bIns="0">
+          <a:bodyPr lIns="0" tIns="0" rIns="0" bIns="0">
             <a:normAutofit/>
           </a:bodyPr>
-          <a:p>
-            <a:endParaRPr b="0" lang="en-US" sz="3200" spc="-1" strike="noStrike">
+          <a:lstStyle/>
+          <a:p>
+            <a:endParaRPr lang="en-US" sz="3200" b="0" strike="noStrike" spc="-1">
               <a:latin typeface="Arial"/>
             </a:endParaRPr>
           </a:p>
@@ -1319,11 +1484,14 @@
       </p:sp>
     </p:spTree>
   </p:cSld>
+  <p:clrMapOvr>
+    <a:masterClrMapping/>
+  </p:clrMapOvr>
 </p:sldLayout>
 </file>
 
 <file path=ppt/slideLayouts/slideLayout21.xml><?xml version="1.0" encoding="utf-8"?>
-<p:sldLayout xmlns:a="http://schemas.openxmlformats.org/drawingml/2006/main" xmlns:p="http://schemas.openxmlformats.org/presentationml/2006/main" xmlns:r="http://schemas.openxmlformats.org/officeDocument/2006/relationships" xmlns:p14="http://schemas.microsoft.com/office/powerpoint/2010/main" xmlns:p15="http://schemas.microsoft.com/office/powerpoint/2012/main" xmlns:mc="http://schemas.openxmlformats.org/markup-compatibility/2006" type="twoObjOverTx" preserve="1">
+<p:sldLayout xmlns:a="http://schemas.openxmlformats.org/drawingml/2006/main" xmlns:r="http://schemas.openxmlformats.org/officeDocument/2006/relationships" xmlns:p="http://schemas.openxmlformats.org/presentationml/2006/main" type="twoObjOverTx" preserve="1">
   <p:cSld name="Title, 2 Content over Content">
     <p:spTree>
       <p:nvGrpSpPr>
@@ -1359,10 +1527,11 @@
           </a:prstGeom>
         </p:spPr>
         <p:txBody>
-          <a:bodyPr lIns="0" rIns="0" tIns="0" bIns="0" anchor="ctr"/>
+          <a:bodyPr lIns="0" tIns="0" rIns="0" bIns="0" anchor="ctr"/>
+          <a:lstStyle/>
           <a:p>
             <a:pPr algn="ctr"/>
-            <a:endParaRPr b="0" lang="en-US" sz="4400" spc="-1" strike="noStrike">
+            <a:endParaRPr lang="en-US" sz="4400" b="0" strike="noStrike" spc="-1">
               <a:latin typeface="Arial"/>
             </a:endParaRPr>
           </a:p>
@@ -1388,11 +1557,12 @@
           </a:prstGeom>
         </p:spPr>
         <p:txBody>
-          <a:bodyPr lIns="0" rIns="0" tIns="0" bIns="0">
+          <a:bodyPr lIns="0" tIns="0" rIns="0" bIns="0">
             <a:normAutofit/>
           </a:bodyPr>
-          <a:p>
-            <a:endParaRPr b="0" lang="en-US" sz="3200" spc="-1" strike="noStrike">
+          <a:lstStyle/>
+          <a:p>
+            <a:endParaRPr lang="en-US" sz="3200" b="0" strike="noStrike" spc="-1">
               <a:latin typeface="Arial"/>
             </a:endParaRPr>
           </a:p>
@@ -1418,11 +1588,12 @@
           </a:prstGeom>
         </p:spPr>
         <p:txBody>
-          <a:bodyPr lIns="0" rIns="0" tIns="0" bIns="0">
+          <a:bodyPr lIns="0" tIns="0" rIns="0" bIns="0">
             <a:normAutofit/>
           </a:bodyPr>
-          <a:p>
-            <a:endParaRPr b="0" lang="en-US" sz="3200" spc="-1" strike="noStrike">
+          <a:lstStyle/>
+          <a:p>
+            <a:endParaRPr lang="en-US" sz="3200" b="0" strike="noStrike" spc="-1">
               <a:latin typeface="Arial"/>
             </a:endParaRPr>
           </a:p>
@@ -1448,11 +1619,12 @@
           </a:prstGeom>
         </p:spPr>
         <p:txBody>
-          <a:bodyPr lIns="0" rIns="0" tIns="0" bIns="0">
+          <a:bodyPr lIns="0" tIns="0" rIns="0" bIns="0">
             <a:normAutofit/>
           </a:bodyPr>
-          <a:p>
-            <a:endParaRPr b="0" lang="en-US" sz="3200" spc="-1" strike="noStrike">
+          <a:lstStyle/>
+          <a:p>
+            <a:endParaRPr lang="en-US" sz="3200" b="0" strike="noStrike" spc="-1">
               <a:latin typeface="Arial"/>
             </a:endParaRPr>
           </a:p>
@@ -1460,11 +1632,14 @@
       </p:sp>
     </p:spTree>
   </p:cSld>
+  <p:clrMapOvr>
+    <a:masterClrMapping/>
+  </p:clrMapOvr>
 </p:sldLayout>
 </file>
 
 <file path=ppt/slideLayouts/slideLayout22.xml><?xml version="1.0" encoding="utf-8"?>
-<p:sldLayout xmlns:a="http://schemas.openxmlformats.org/drawingml/2006/main" xmlns:p="http://schemas.openxmlformats.org/presentationml/2006/main" xmlns:r="http://schemas.openxmlformats.org/officeDocument/2006/relationships" xmlns:p14="http://schemas.microsoft.com/office/powerpoint/2010/main" xmlns:p15="http://schemas.microsoft.com/office/powerpoint/2012/main" xmlns:mc="http://schemas.openxmlformats.org/markup-compatibility/2006" type="objOverTx" preserve="1">
+<p:sldLayout xmlns:a="http://schemas.openxmlformats.org/drawingml/2006/main" xmlns:r="http://schemas.openxmlformats.org/officeDocument/2006/relationships" xmlns:p="http://schemas.openxmlformats.org/presentationml/2006/main" type="objOverTx" preserve="1">
   <p:cSld name="Title, Content over Content">
     <p:spTree>
       <p:nvGrpSpPr>
@@ -1500,10 +1675,11 @@
           </a:prstGeom>
         </p:spPr>
         <p:txBody>
-          <a:bodyPr lIns="0" rIns="0" tIns="0" bIns="0" anchor="ctr"/>
+          <a:bodyPr lIns="0" tIns="0" rIns="0" bIns="0" anchor="ctr"/>
+          <a:lstStyle/>
           <a:p>
             <a:pPr algn="ctr"/>
-            <a:endParaRPr b="0" lang="en-US" sz="4400" spc="-1" strike="noStrike">
+            <a:endParaRPr lang="en-US" sz="4400" b="0" strike="noStrike" spc="-1">
               <a:latin typeface="Arial"/>
             </a:endParaRPr>
           </a:p>
@@ -1529,11 +1705,12 @@
           </a:prstGeom>
         </p:spPr>
         <p:txBody>
-          <a:bodyPr lIns="0" rIns="0" tIns="0" bIns="0">
+          <a:bodyPr lIns="0" tIns="0" rIns="0" bIns="0">
             <a:normAutofit/>
           </a:bodyPr>
-          <a:p>
-            <a:endParaRPr b="0" lang="en-US" sz="3200" spc="-1" strike="noStrike">
+          <a:lstStyle/>
+          <a:p>
+            <a:endParaRPr lang="en-US" sz="3200" b="0" strike="noStrike" spc="-1">
               <a:latin typeface="Arial"/>
             </a:endParaRPr>
           </a:p>
@@ -1559,11 +1736,12 @@
           </a:prstGeom>
         </p:spPr>
         <p:txBody>
-          <a:bodyPr lIns="0" rIns="0" tIns="0" bIns="0">
+          <a:bodyPr lIns="0" tIns="0" rIns="0" bIns="0">
             <a:normAutofit/>
           </a:bodyPr>
-          <a:p>
-            <a:endParaRPr b="0" lang="en-US" sz="3200" spc="-1" strike="noStrike">
+          <a:lstStyle/>
+          <a:p>
+            <a:endParaRPr lang="en-US" sz="3200" b="0" strike="noStrike" spc="-1">
               <a:latin typeface="Arial"/>
             </a:endParaRPr>
           </a:p>
@@ -1571,11 +1749,14 @@
       </p:sp>
     </p:spTree>
   </p:cSld>
+  <p:clrMapOvr>
+    <a:masterClrMapping/>
+  </p:clrMapOvr>
 </p:sldLayout>
 </file>
 
 <file path=ppt/slideLayouts/slideLayout23.xml><?xml version="1.0" encoding="utf-8"?>
-<p:sldLayout xmlns:a="http://schemas.openxmlformats.org/drawingml/2006/main" xmlns:p="http://schemas.openxmlformats.org/presentationml/2006/main" xmlns:r="http://schemas.openxmlformats.org/officeDocument/2006/relationships" xmlns:p14="http://schemas.microsoft.com/office/powerpoint/2010/main" xmlns:p15="http://schemas.microsoft.com/office/powerpoint/2012/main" xmlns:mc="http://schemas.openxmlformats.org/markup-compatibility/2006" type="fourObj" preserve="1">
+<p:sldLayout xmlns:a="http://schemas.openxmlformats.org/drawingml/2006/main" xmlns:r="http://schemas.openxmlformats.org/officeDocument/2006/relationships" xmlns:p="http://schemas.openxmlformats.org/presentationml/2006/main" type="fourObj" preserve="1">
   <p:cSld name="Title, 4 Content">
     <p:spTree>
       <p:nvGrpSpPr>
@@ -1611,10 +1792,11 @@
           </a:prstGeom>
         </p:spPr>
         <p:txBody>
-          <a:bodyPr lIns="0" rIns="0" tIns="0" bIns="0" anchor="ctr"/>
+          <a:bodyPr lIns="0" tIns="0" rIns="0" bIns="0" anchor="ctr"/>
+          <a:lstStyle/>
           <a:p>
             <a:pPr algn="ctr"/>
-            <a:endParaRPr b="0" lang="en-US" sz="4400" spc="-1" strike="noStrike">
+            <a:endParaRPr lang="en-US" sz="4400" b="0" strike="noStrike" spc="-1">
               <a:latin typeface="Arial"/>
             </a:endParaRPr>
           </a:p>
@@ -1640,11 +1822,12 @@
           </a:prstGeom>
         </p:spPr>
         <p:txBody>
-          <a:bodyPr lIns="0" rIns="0" tIns="0" bIns="0">
+          <a:bodyPr lIns="0" tIns="0" rIns="0" bIns="0">
             <a:normAutofit/>
           </a:bodyPr>
-          <a:p>
-            <a:endParaRPr b="0" lang="en-US" sz="3200" spc="-1" strike="noStrike">
+          <a:lstStyle/>
+          <a:p>
+            <a:endParaRPr lang="en-US" sz="3200" b="0" strike="noStrike" spc="-1">
               <a:latin typeface="Arial"/>
             </a:endParaRPr>
           </a:p>
@@ -1670,11 +1853,12 @@
           </a:prstGeom>
         </p:spPr>
         <p:txBody>
-          <a:bodyPr lIns="0" rIns="0" tIns="0" bIns="0">
+          <a:bodyPr lIns="0" tIns="0" rIns="0" bIns="0">
             <a:normAutofit/>
           </a:bodyPr>
-          <a:p>
-            <a:endParaRPr b="0" lang="en-US" sz="3200" spc="-1" strike="noStrike">
+          <a:lstStyle/>
+          <a:p>
+            <a:endParaRPr lang="en-US" sz="3200" b="0" strike="noStrike" spc="-1">
               <a:latin typeface="Arial"/>
             </a:endParaRPr>
           </a:p>
@@ -1700,11 +1884,12 @@
           </a:prstGeom>
         </p:spPr>
         <p:txBody>
-          <a:bodyPr lIns="0" rIns="0" tIns="0" bIns="0">
+          <a:bodyPr lIns="0" tIns="0" rIns="0" bIns="0">
             <a:normAutofit/>
           </a:bodyPr>
-          <a:p>
-            <a:endParaRPr b="0" lang="en-US" sz="3200" spc="-1" strike="noStrike">
+          <a:lstStyle/>
+          <a:p>
+            <a:endParaRPr lang="en-US" sz="3200" b="0" strike="noStrike" spc="-1">
               <a:latin typeface="Arial"/>
             </a:endParaRPr>
           </a:p>
@@ -1730,11 +1915,12 @@
           </a:prstGeom>
         </p:spPr>
         <p:txBody>
-          <a:bodyPr lIns="0" rIns="0" tIns="0" bIns="0">
+          <a:bodyPr lIns="0" tIns="0" rIns="0" bIns="0">
             <a:normAutofit/>
           </a:bodyPr>
-          <a:p>
-            <a:endParaRPr b="0" lang="en-US" sz="3200" spc="-1" strike="noStrike">
+          <a:lstStyle/>
+          <a:p>
+            <a:endParaRPr lang="en-US" sz="3200" b="0" strike="noStrike" spc="-1">
               <a:latin typeface="Arial"/>
             </a:endParaRPr>
           </a:p>
@@ -1742,11 +1928,14 @@
       </p:sp>
     </p:spTree>
   </p:cSld>
+  <p:clrMapOvr>
+    <a:masterClrMapping/>
+  </p:clrMapOvr>
 </p:sldLayout>
 </file>
 
 <file path=ppt/slideLayouts/slideLayout24.xml><?xml version="1.0" encoding="utf-8"?>
-<p:sldLayout xmlns:a="http://schemas.openxmlformats.org/drawingml/2006/main" xmlns:p="http://schemas.openxmlformats.org/presentationml/2006/main" xmlns:r="http://schemas.openxmlformats.org/officeDocument/2006/relationships" xmlns:p14="http://schemas.microsoft.com/office/powerpoint/2010/main" xmlns:p15="http://schemas.microsoft.com/office/powerpoint/2012/main" xmlns:mc="http://schemas.openxmlformats.org/markup-compatibility/2006" type="blank" preserve="1">
+<p:sldLayout xmlns:a="http://schemas.openxmlformats.org/drawingml/2006/main" xmlns:r="http://schemas.openxmlformats.org/officeDocument/2006/relationships" xmlns:p="http://schemas.openxmlformats.org/presentationml/2006/main" type="blank" preserve="1">
   <p:cSld name="Title, 6 Content">
     <p:spTree>
       <p:nvGrpSpPr>
@@ -1782,10 +1971,11 @@
           </a:prstGeom>
         </p:spPr>
         <p:txBody>
-          <a:bodyPr lIns="0" rIns="0" tIns="0" bIns="0" anchor="ctr"/>
+          <a:bodyPr lIns="0" tIns="0" rIns="0" bIns="0" anchor="ctr"/>
+          <a:lstStyle/>
           <a:p>
             <a:pPr algn="ctr"/>
-            <a:endParaRPr b="0" lang="en-US" sz="4400" spc="-1" strike="noStrike">
+            <a:endParaRPr lang="en-US" sz="4400" b="0" strike="noStrike" spc="-1">
               <a:latin typeface="Arial"/>
             </a:endParaRPr>
           </a:p>
@@ -1811,11 +2001,12 @@
           </a:prstGeom>
         </p:spPr>
         <p:txBody>
-          <a:bodyPr lIns="0" rIns="0" tIns="0" bIns="0">
+          <a:bodyPr lIns="0" tIns="0" rIns="0" bIns="0">
             <a:normAutofit/>
           </a:bodyPr>
-          <a:p>
-            <a:endParaRPr b="0" lang="en-US" sz="3200" spc="-1" strike="noStrike">
+          <a:lstStyle/>
+          <a:p>
+            <a:endParaRPr lang="en-US" sz="3200" b="0" strike="noStrike" spc="-1">
               <a:latin typeface="Arial"/>
             </a:endParaRPr>
           </a:p>
@@ -1841,11 +2032,12 @@
           </a:prstGeom>
         </p:spPr>
         <p:txBody>
-          <a:bodyPr lIns="0" rIns="0" tIns="0" bIns="0">
+          <a:bodyPr lIns="0" tIns="0" rIns="0" bIns="0">
             <a:normAutofit/>
           </a:bodyPr>
-          <a:p>
-            <a:endParaRPr b="0" lang="en-US" sz="3200" spc="-1" strike="noStrike">
+          <a:lstStyle/>
+          <a:p>
+            <a:endParaRPr lang="en-US" sz="3200" b="0" strike="noStrike" spc="-1">
               <a:latin typeface="Arial"/>
             </a:endParaRPr>
           </a:p>
@@ -1871,11 +2063,12 @@
           </a:prstGeom>
         </p:spPr>
         <p:txBody>
-          <a:bodyPr lIns="0" rIns="0" tIns="0" bIns="0">
+          <a:bodyPr lIns="0" tIns="0" rIns="0" bIns="0">
             <a:normAutofit/>
           </a:bodyPr>
-          <a:p>
-            <a:endParaRPr b="0" lang="en-US" sz="3200" spc="-1" strike="noStrike">
+          <a:lstStyle/>
+          <a:p>
+            <a:endParaRPr lang="en-US" sz="3200" b="0" strike="noStrike" spc="-1">
               <a:latin typeface="Arial"/>
             </a:endParaRPr>
           </a:p>
@@ -1901,11 +2094,12 @@
           </a:prstGeom>
         </p:spPr>
         <p:txBody>
-          <a:bodyPr lIns="0" rIns="0" tIns="0" bIns="0">
+          <a:bodyPr lIns="0" tIns="0" rIns="0" bIns="0">
             <a:normAutofit/>
           </a:bodyPr>
-          <a:p>
-            <a:endParaRPr b="0" lang="en-US" sz="3200" spc="-1" strike="noStrike">
+          <a:lstStyle/>
+          <a:p>
+            <a:endParaRPr lang="en-US" sz="3200" b="0" strike="noStrike" spc="-1">
               <a:latin typeface="Arial"/>
             </a:endParaRPr>
           </a:p>
@@ -1931,11 +2125,12 @@
           </a:prstGeom>
         </p:spPr>
         <p:txBody>
-          <a:bodyPr lIns="0" rIns="0" tIns="0" bIns="0">
+          <a:bodyPr lIns="0" tIns="0" rIns="0" bIns="0">
             <a:normAutofit/>
           </a:bodyPr>
-          <a:p>
-            <a:endParaRPr b="0" lang="en-US" sz="3200" spc="-1" strike="noStrike">
+          <a:lstStyle/>
+          <a:p>
+            <a:endParaRPr lang="en-US" sz="3200" b="0" strike="noStrike" spc="-1">
               <a:latin typeface="Arial"/>
             </a:endParaRPr>
           </a:p>
@@ -1961,11 +2156,12 @@
           </a:prstGeom>
         </p:spPr>
         <p:txBody>
-          <a:bodyPr lIns="0" rIns="0" tIns="0" bIns="0">
+          <a:bodyPr lIns="0" tIns="0" rIns="0" bIns="0">
             <a:normAutofit/>
           </a:bodyPr>
-          <a:p>
-            <a:endParaRPr b="0" lang="en-US" sz="3200" spc="-1" strike="noStrike">
+          <a:lstStyle/>
+          <a:p>
+            <a:endParaRPr lang="en-US" sz="3200" b="0" strike="noStrike" spc="-1">
               <a:latin typeface="Arial"/>
             </a:endParaRPr>
           </a:p>
@@ -1973,11 +2169,14 @@
       </p:sp>
     </p:spTree>
   </p:cSld>
+  <p:clrMapOvr>
+    <a:masterClrMapping/>
+  </p:clrMapOvr>
 </p:sldLayout>
 </file>
 
 <file path=ppt/slideLayouts/slideLayout3.xml><?xml version="1.0" encoding="utf-8"?>
-<p:sldLayout xmlns:a="http://schemas.openxmlformats.org/drawingml/2006/main" xmlns:p="http://schemas.openxmlformats.org/presentationml/2006/main" xmlns:r="http://schemas.openxmlformats.org/officeDocument/2006/relationships" xmlns:p14="http://schemas.microsoft.com/office/powerpoint/2010/main" xmlns:p15="http://schemas.microsoft.com/office/powerpoint/2012/main" xmlns:mc="http://schemas.openxmlformats.org/markup-compatibility/2006" type="obj" preserve="1">
+<p:sldLayout xmlns:a="http://schemas.openxmlformats.org/drawingml/2006/main" xmlns:r="http://schemas.openxmlformats.org/officeDocument/2006/relationships" xmlns:p="http://schemas.openxmlformats.org/presentationml/2006/main" type="obj" preserve="1">
   <p:cSld name="Title, Content">
     <p:spTree>
       <p:nvGrpSpPr>
@@ -2013,10 +2212,11 @@
           </a:prstGeom>
         </p:spPr>
         <p:txBody>
-          <a:bodyPr lIns="0" rIns="0" tIns="0" bIns="0" anchor="ctr"/>
+          <a:bodyPr lIns="0" tIns="0" rIns="0" bIns="0" anchor="ctr"/>
+          <a:lstStyle/>
           <a:p>
             <a:pPr algn="ctr"/>
-            <a:endParaRPr b="0" lang="en-US" sz="4400" spc="-1" strike="noStrike">
+            <a:endParaRPr lang="en-US" sz="4400" b="0" strike="noStrike" spc="-1">
               <a:latin typeface="Arial"/>
             </a:endParaRPr>
           </a:p>
@@ -2042,11 +2242,12 @@
           </a:prstGeom>
         </p:spPr>
         <p:txBody>
-          <a:bodyPr lIns="0" rIns="0" tIns="0" bIns="0">
+          <a:bodyPr lIns="0" tIns="0" rIns="0" bIns="0">
             <a:normAutofit/>
           </a:bodyPr>
-          <a:p>
-            <a:endParaRPr b="0" lang="en-US" sz="3200" spc="-1" strike="noStrike">
+          <a:lstStyle/>
+          <a:p>
+            <a:endParaRPr lang="en-US" sz="3200" b="0" strike="noStrike" spc="-1">
               <a:latin typeface="Arial"/>
             </a:endParaRPr>
           </a:p>
@@ -2054,11 +2255,14 @@
       </p:sp>
     </p:spTree>
   </p:cSld>
+  <p:clrMapOvr>
+    <a:masterClrMapping/>
+  </p:clrMapOvr>
 </p:sldLayout>
 </file>
 
 <file path=ppt/slideLayouts/slideLayout4.xml><?xml version="1.0" encoding="utf-8"?>
-<p:sldLayout xmlns:a="http://schemas.openxmlformats.org/drawingml/2006/main" xmlns:p="http://schemas.openxmlformats.org/presentationml/2006/main" xmlns:r="http://schemas.openxmlformats.org/officeDocument/2006/relationships" xmlns:p14="http://schemas.microsoft.com/office/powerpoint/2010/main" xmlns:p15="http://schemas.microsoft.com/office/powerpoint/2012/main" xmlns:mc="http://schemas.openxmlformats.org/markup-compatibility/2006" type="twoObj" preserve="1">
+<p:sldLayout xmlns:a="http://schemas.openxmlformats.org/drawingml/2006/main" xmlns:r="http://schemas.openxmlformats.org/officeDocument/2006/relationships" xmlns:p="http://schemas.openxmlformats.org/presentationml/2006/main" type="twoObj" preserve="1">
   <p:cSld name="Title, 2 Content">
     <p:spTree>
       <p:nvGrpSpPr>
@@ -2094,10 +2298,11 @@
           </a:prstGeom>
         </p:spPr>
         <p:txBody>
-          <a:bodyPr lIns="0" rIns="0" tIns="0" bIns="0" anchor="ctr"/>
+          <a:bodyPr lIns="0" tIns="0" rIns="0" bIns="0" anchor="ctr"/>
+          <a:lstStyle/>
           <a:p>
             <a:pPr algn="ctr"/>
-            <a:endParaRPr b="0" lang="en-US" sz="4400" spc="-1" strike="noStrike">
+            <a:endParaRPr lang="en-US" sz="4400" b="0" strike="noStrike" spc="-1">
               <a:latin typeface="Arial"/>
             </a:endParaRPr>
           </a:p>
@@ -2123,11 +2328,12 @@
           </a:prstGeom>
         </p:spPr>
         <p:txBody>
-          <a:bodyPr lIns="0" rIns="0" tIns="0" bIns="0">
+          <a:bodyPr lIns="0" tIns="0" rIns="0" bIns="0">
             <a:normAutofit/>
           </a:bodyPr>
-          <a:p>
-            <a:endParaRPr b="0" lang="en-US" sz="3200" spc="-1" strike="noStrike">
+          <a:lstStyle/>
+          <a:p>
+            <a:endParaRPr lang="en-US" sz="3200" b="0" strike="noStrike" spc="-1">
               <a:latin typeface="Arial"/>
             </a:endParaRPr>
           </a:p>
@@ -2153,11 +2359,12 @@
           </a:prstGeom>
         </p:spPr>
         <p:txBody>
-          <a:bodyPr lIns="0" rIns="0" tIns="0" bIns="0">
+          <a:bodyPr lIns="0" tIns="0" rIns="0" bIns="0">
             <a:normAutofit/>
           </a:bodyPr>
-          <a:p>
-            <a:endParaRPr b="0" lang="en-US" sz="3200" spc="-1" strike="noStrike">
+          <a:lstStyle/>
+          <a:p>
+            <a:endParaRPr lang="en-US" sz="3200" b="0" strike="noStrike" spc="-1">
               <a:latin typeface="Arial"/>
             </a:endParaRPr>
           </a:p>
@@ -2165,11 +2372,14 @@
       </p:sp>
     </p:spTree>
   </p:cSld>
+  <p:clrMapOvr>
+    <a:masterClrMapping/>
+  </p:clrMapOvr>
 </p:sldLayout>
 </file>
 
 <file path=ppt/slideLayouts/slideLayout5.xml><?xml version="1.0" encoding="utf-8"?>
-<p:sldLayout xmlns:a="http://schemas.openxmlformats.org/drawingml/2006/main" xmlns:p="http://schemas.openxmlformats.org/presentationml/2006/main" xmlns:r="http://schemas.openxmlformats.org/officeDocument/2006/relationships" xmlns:p14="http://schemas.microsoft.com/office/powerpoint/2010/main" xmlns:p15="http://schemas.microsoft.com/office/powerpoint/2012/main" xmlns:mc="http://schemas.openxmlformats.org/markup-compatibility/2006" type="titleOnly" preserve="1">
+<p:sldLayout xmlns:a="http://schemas.openxmlformats.org/drawingml/2006/main" xmlns:r="http://schemas.openxmlformats.org/officeDocument/2006/relationships" xmlns:p="http://schemas.openxmlformats.org/presentationml/2006/main" type="titleOnly" preserve="1">
   <p:cSld name="Title Only">
     <p:spTree>
       <p:nvGrpSpPr>
@@ -2205,10 +2415,11 @@
           </a:prstGeom>
         </p:spPr>
         <p:txBody>
-          <a:bodyPr lIns="0" rIns="0" tIns="0" bIns="0" anchor="ctr"/>
+          <a:bodyPr lIns="0" tIns="0" rIns="0" bIns="0" anchor="ctr"/>
+          <a:lstStyle/>
           <a:p>
             <a:pPr algn="ctr"/>
-            <a:endParaRPr b="0" lang="en-US" sz="4400" spc="-1" strike="noStrike">
+            <a:endParaRPr lang="en-US" sz="4400" b="0" strike="noStrike" spc="-1">
               <a:latin typeface="Arial"/>
             </a:endParaRPr>
           </a:p>
@@ -2216,11 +2427,14 @@
       </p:sp>
     </p:spTree>
   </p:cSld>
+  <p:clrMapOvr>
+    <a:masterClrMapping/>
+  </p:clrMapOvr>
 </p:sldLayout>
 </file>
 
 <file path=ppt/slideLayouts/slideLayout6.xml><?xml version="1.0" encoding="utf-8"?>
-<p:sldLayout xmlns:a="http://schemas.openxmlformats.org/drawingml/2006/main" xmlns:p="http://schemas.openxmlformats.org/presentationml/2006/main" xmlns:r="http://schemas.openxmlformats.org/officeDocument/2006/relationships" xmlns:p14="http://schemas.microsoft.com/office/powerpoint/2010/main" xmlns:p15="http://schemas.microsoft.com/office/powerpoint/2012/main" xmlns:mc="http://schemas.openxmlformats.org/markup-compatibility/2006" type="objOnly" preserve="1">
+<p:sldLayout xmlns:a="http://schemas.openxmlformats.org/drawingml/2006/main" xmlns:r="http://schemas.openxmlformats.org/officeDocument/2006/relationships" xmlns:p="http://schemas.openxmlformats.org/presentationml/2006/main" type="objOnly" preserve="1">
   <p:cSld name="Centered Text">
     <p:spTree>
       <p:nvGrpSpPr>
@@ -2256,10 +2470,11 @@
           </a:prstGeom>
         </p:spPr>
         <p:txBody>
-          <a:bodyPr lIns="0" rIns="0" tIns="0" bIns="0" anchor="ctr"/>
+          <a:bodyPr lIns="0" tIns="0" rIns="0" bIns="0" anchor="ctr"/>
+          <a:lstStyle/>
           <a:p>
             <a:pPr algn="ctr"/>
-            <a:endParaRPr b="0" lang="en-US" sz="3200" spc="-1" strike="noStrike">
+            <a:endParaRPr lang="en-US" sz="3200" b="0" strike="noStrike" spc="-1">
               <a:latin typeface="Arial"/>
             </a:endParaRPr>
           </a:p>
@@ -2267,11 +2482,14 @@
       </p:sp>
     </p:spTree>
   </p:cSld>
+  <p:clrMapOvr>
+    <a:masterClrMapping/>
+  </p:clrMapOvr>
 </p:sldLayout>
 </file>
 
 <file path=ppt/slideLayouts/slideLayout7.xml><?xml version="1.0" encoding="utf-8"?>
-<p:sldLayout xmlns:a="http://schemas.openxmlformats.org/drawingml/2006/main" xmlns:p="http://schemas.openxmlformats.org/presentationml/2006/main" xmlns:r="http://schemas.openxmlformats.org/officeDocument/2006/relationships" xmlns:p14="http://schemas.microsoft.com/office/powerpoint/2010/main" xmlns:p15="http://schemas.microsoft.com/office/powerpoint/2012/main" xmlns:mc="http://schemas.openxmlformats.org/markup-compatibility/2006" type="twoObjAndObj" preserve="1">
+<p:sldLayout xmlns:a="http://schemas.openxmlformats.org/drawingml/2006/main" xmlns:r="http://schemas.openxmlformats.org/officeDocument/2006/relationships" xmlns:p="http://schemas.openxmlformats.org/presentationml/2006/main" type="twoObjAndObj" preserve="1">
   <p:cSld name="Title, 2 Content and Content">
     <p:spTree>
       <p:nvGrpSpPr>
@@ -2307,10 +2525,11 @@
           </a:prstGeom>
         </p:spPr>
         <p:txBody>
-          <a:bodyPr lIns="0" rIns="0" tIns="0" bIns="0" anchor="ctr"/>
+          <a:bodyPr lIns="0" tIns="0" rIns="0" bIns="0" anchor="ctr"/>
+          <a:lstStyle/>
           <a:p>
             <a:pPr algn="ctr"/>
-            <a:endParaRPr b="0" lang="en-US" sz="4400" spc="-1" strike="noStrike">
+            <a:endParaRPr lang="en-US" sz="4400" b="0" strike="noStrike" spc="-1">
               <a:latin typeface="Arial"/>
             </a:endParaRPr>
           </a:p>
@@ -2336,11 +2555,12 @@
           </a:prstGeom>
         </p:spPr>
         <p:txBody>
-          <a:bodyPr lIns="0" rIns="0" tIns="0" bIns="0">
+          <a:bodyPr lIns="0" tIns="0" rIns="0" bIns="0">
             <a:normAutofit/>
           </a:bodyPr>
-          <a:p>
-            <a:endParaRPr b="0" lang="en-US" sz="3200" spc="-1" strike="noStrike">
+          <a:lstStyle/>
+          <a:p>
+            <a:endParaRPr lang="en-US" sz="3200" b="0" strike="noStrike" spc="-1">
               <a:latin typeface="Arial"/>
             </a:endParaRPr>
           </a:p>
@@ -2366,11 +2586,12 @@
           </a:prstGeom>
         </p:spPr>
         <p:txBody>
-          <a:bodyPr lIns="0" rIns="0" tIns="0" bIns="0">
+          <a:bodyPr lIns="0" tIns="0" rIns="0" bIns="0">
             <a:normAutofit/>
           </a:bodyPr>
-          <a:p>
-            <a:endParaRPr b="0" lang="en-US" sz="3200" spc="-1" strike="noStrike">
+          <a:lstStyle/>
+          <a:p>
+            <a:endParaRPr lang="en-US" sz="3200" b="0" strike="noStrike" spc="-1">
               <a:latin typeface="Arial"/>
             </a:endParaRPr>
           </a:p>
@@ -2396,11 +2617,12 @@
           </a:prstGeom>
         </p:spPr>
         <p:txBody>
-          <a:bodyPr lIns="0" rIns="0" tIns="0" bIns="0">
+          <a:bodyPr lIns="0" tIns="0" rIns="0" bIns="0">
             <a:normAutofit/>
           </a:bodyPr>
-          <a:p>
-            <a:endParaRPr b="0" lang="en-US" sz="3200" spc="-1" strike="noStrike">
+          <a:lstStyle/>
+          <a:p>
+            <a:endParaRPr lang="en-US" sz="3200" b="0" strike="noStrike" spc="-1">
               <a:latin typeface="Arial"/>
             </a:endParaRPr>
           </a:p>
@@ -2408,11 +2630,14 @@
       </p:sp>
     </p:spTree>
   </p:cSld>
+  <p:clrMapOvr>
+    <a:masterClrMapping/>
+  </p:clrMapOvr>
 </p:sldLayout>
 </file>
 
 <file path=ppt/slideLayouts/slideLayout8.xml><?xml version="1.0" encoding="utf-8"?>
-<p:sldLayout xmlns:a="http://schemas.openxmlformats.org/drawingml/2006/main" xmlns:p="http://schemas.openxmlformats.org/presentationml/2006/main" xmlns:r="http://schemas.openxmlformats.org/officeDocument/2006/relationships" xmlns:p14="http://schemas.microsoft.com/office/powerpoint/2010/main" xmlns:p15="http://schemas.microsoft.com/office/powerpoint/2012/main" xmlns:mc="http://schemas.openxmlformats.org/markup-compatibility/2006" type="objAndTwoObj" preserve="1">
+<p:sldLayout xmlns:a="http://schemas.openxmlformats.org/drawingml/2006/main" xmlns:r="http://schemas.openxmlformats.org/officeDocument/2006/relationships" xmlns:p="http://schemas.openxmlformats.org/presentationml/2006/main" type="objAndTwoObj" preserve="1">
   <p:cSld name="Title Content and 2 Content">
     <p:spTree>
       <p:nvGrpSpPr>
@@ -2448,10 +2673,11 @@
           </a:prstGeom>
         </p:spPr>
         <p:txBody>
-          <a:bodyPr lIns="0" rIns="0" tIns="0" bIns="0" anchor="ctr"/>
+          <a:bodyPr lIns="0" tIns="0" rIns="0" bIns="0" anchor="ctr"/>
+          <a:lstStyle/>
           <a:p>
             <a:pPr algn="ctr"/>
-            <a:endParaRPr b="0" lang="en-US" sz="4400" spc="-1" strike="noStrike">
+            <a:endParaRPr lang="en-US" sz="4400" b="0" strike="noStrike" spc="-1">
               <a:latin typeface="Arial"/>
             </a:endParaRPr>
           </a:p>
@@ -2477,11 +2703,12 @@
           </a:prstGeom>
         </p:spPr>
         <p:txBody>
-          <a:bodyPr lIns="0" rIns="0" tIns="0" bIns="0">
+          <a:bodyPr lIns="0" tIns="0" rIns="0" bIns="0">
             <a:normAutofit/>
           </a:bodyPr>
-          <a:p>
-            <a:endParaRPr b="0" lang="en-US" sz="3200" spc="-1" strike="noStrike">
+          <a:lstStyle/>
+          <a:p>
+            <a:endParaRPr lang="en-US" sz="3200" b="0" strike="noStrike" spc="-1">
               <a:latin typeface="Arial"/>
             </a:endParaRPr>
           </a:p>
@@ -2507,11 +2734,12 @@
           </a:prstGeom>
         </p:spPr>
         <p:txBody>
-          <a:bodyPr lIns="0" rIns="0" tIns="0" bIns="0">
+          <a:bodyPr lIns="0" tIns="0" rIns="0" bIns="0">
             <a:normAutofit/>
           </a:bodyPr>
-          <a:p>
-            <a:endParaRPr b="0" lang="en-US" sz="3200" spc="-1" strike="noStrike">
+          <a:lstStyle/>
+          <a:p>
+            <a:endParaRPr lang="en-US" sz="3200" b="0" strike="noStrike" spc="-1">
               <a:latin typeface="Arial"/>
             </a:endParaRPr>
           </a:p>
@@ -2537,11 +2765,12 @@
           </a:prstGeom>
         </p:spPr>
         <p:txBody>
-          <a:bodyPr lIns="0" rIns="0" tIns="0" bIns="0">
+          <a:bodyPr lIns="0" tIns="0" rIns="0" bIns="0">
             <a:normAutofit/>
           </a:bodyPr>
-          <a:p>
-            <a:endParaRPr b="0" lang="en-US" sz="3200" spc="-1" strike="noStrike">
+          <a:lstStyle/>
+          <a:p>
+            <a:endParaRPr lang="en-US" sz="3200" b="0" strike="noStrike" spc="-1">
               <a:latin typeface="Arial"/>
             </a:endParaRPr>
           </a:p>
@@ -2549,11 +2778,14 @@
       </p:sp>
     </p:spTree>
   </p:cSld>
+  <p:clrMapOvr>
+    <a:masterClrMapping/>
+  </p:clrMapOvr>
 </p:sldLayout>
 </file>
 
 <file path=ppt/slideLayouts/slideLayout9.xml><?xml version="1.0" encoding="utf-8"?>
-<p:sldLayout xmlns:a="http://schemas.openxmlformats.org/drawingml/2006/main" xmlns:p="http://schemas.openxmlformats.org/presentationml/2006/main" xmlns:r="http://schemas.openxmlformats.org/officeDocument/2006/relationships" xmlns:p14="http://schemas.microsoft.com/office/powerpoint/2010/main" xmlns:p15="http://schemas.microsoft.com/office/powerpoint/2012/main" xmlns:mc="http://schemas.openxmlformats.org/markup-compatibility/2006" type="twoObjOverTx" preserve="1">
+<p:sldLayout xmlns:a="http://schemas.openxmlformats.org/drawingml/2006/main" xmlns:r="http://schemas.openxmlformats.org/officeDocument/2006/relationships" xmlns:p="http://schemas.openxmlformats.org/presentationml/2006/main" type="twoObjOverTx" preserve="1">
   <p:cSld name="Title, 2 Content over Content">
     <p:spTree>
       <p:nvGrpSpPr>
@@ -2589,10 +2821,11 @@
           </a:prstGeom>
         </p:spPr>
         <p:txBody>
-          <a:bodyPr lIns="0" rIns="0" tIns="0" bIns="0" anchor="ctr"/>
+          <a:bodyPr lIns="0" tIns="0" rIns="0" bIns="0" anchor="ctr"/>
+          <a:lstStyle/>
           <a:p>
             <a:pPr algn="ctr"/>
-            <a:endParaRPr b="0" lang="en-US" sz="4400" spc="-1" strike="noStrike">
+            <a:endParaRPr lang="en-US" sz="4400" b="0" strike="noStrike" spc="-1">
               <a:latin typeface="Arial"/>
             </a:endParaRPr>
           </a:p>
@@ -2618,11 +2851,12 @@
           </a:prstGeom>
         </p:spPr>
         <p:txBody>
-          <a:bodyPr lIns="0" rIns="0" tIns="0" bIns="0">
+          <a:bodyPr lIns="0" tIns="0" rIns="0" bIns="0">
             <a:normAutofit/>
           </a:bodyPr>
-          <a:p>
-            <a:endParaRPr b="0" lang="en-US" sz="3200" spc="-1" strike="noStrike">
+          <a:lstStyle/>
+          <a:p>
+            <a:endParaRPr lang="en-US" sz="3200" b="0" strike="noStrike" spc="-1">
               <a:latin typeface="Arial"/>
             </a:endParaRPr>
           </a:p>
@@ -2648,11 +2882,12 @@
           </a:prstGeom>
         </p:spPr>
         <p:txBody>
-          <a:bodyPr lIns="0" rIns="0" tIns="0" bIns="0">
+          <a:bodyPr lIns="0" tIns="0" rIns="0" bIns="0">
             <a:normAutofit/>
           </a:bodyPr>
-          <a:p>
-            <a:endParaRPr b="0" lang="en-US" sz="3200" spc="-1" strike="noStrike">
+          <a:lstStyle/>
+          <a:p>
+            <a:endParaRPr lang="en-US" sz="3200" b="0" strike="noStrike" spc="-1">
               <a:latin typeface="Arial"/>
             </a:endParaRPr>
           </a:p>
@@ -2678,11 +2913,12 @@
           </a:prstGeom>
         </p:spPr>
         <p:txBody>
-          <a:bodyPr lIns="0" rIns="0" tIns="0" bIns="0">
+          <a:bodyPr lIns="0" tIns="0" rIns="0" bIns="0">
             <a:normAutofit/>
           </a:bodyPr>
-          <a:p>
-            <a:endParaRPr b="0" lang="en-US" sz="3200" spc="-1" strike="noStrike">
+          <a:lstStyle/>
+          <a:p>
+            <a:endParaRPr lang="en-US" sz="3200" b="0" strike="noStrike" spc="-1">
               <a:latin typeface="Arial"/>
             </a:endParaRPr>
           </a:p>
@@ -2690,17 +2926,21 @@
       </p:sp>
     </p:spTree>
   </p:cSld>
+  <p:clrMapOvr>
+    <a:masterClrMapping/>
+  </p:clrMapOvr>
 </p:sldLayout>
 </file>
 
 <file path=ppt/slideMasters/slideMaster1.xml><?xml version="1.0" encoding="utf-8"?>
-<p:sldMaster xmlns:a="http://schemas.openxmlformats.org/drawingml/2006/main" xmlns:p="http://schemas.openxmlformats.org/presentationml/2006/main" xmlns:r="http://schemas.openxmlformats.org/officeDocument/2006/relationships" xmlns:p14="http://schemas.microsoft.com/office/powerpoint/2010/main" xmlns:p15="http://schemas.microsoft.com/office/powerpoint/2012/main" xmlns:mc="http://schemas.openxmlformats.org/markup-compatibility/2006">
+<p:sldMaster xmlns:a="http://schemas.openxmlformats.org/drawingml/2006/main" xmlns:r="http://schemas.openxmlformats.org/officeDocument/2006/relationships" xmlns:p="http://schemas.openxmlformats.org/presentationml/2006/main">
   <p:cSld>
     <p:bg>
       <p:bgPr>
         <a:solidFill>
-          <a:srgbClr val="ffffff"/>
+          <a:srgbClr val="FFFFFF"/>
         </a:solidFill>
+        <a:effectLst/>
       </p:bgPr>
     </p:bg>
     <p:spTree>
@@ -2719,7 +2959,7 @@
       </p:grpSpPr>
       <p:sp>
         <p:nvSpPr>
-          <p:cNvPr id="0" name="CustomShape 1"/>
+          <p:cNvPr id="5" name="CustomShape 1"/>
           <p:cNvSpPr/>
           <p:nvPr/>
         </p:nvSpPr>
@@ -2732,7 +2972,7 @@
             <a:avLst/>
           </a:prstGeom>
           <a:solidFill>
-            <a:srgbClr val="ffffff"/>
+            <a:srgbClr val="FFFFFF"/>
           </a:solidFill>
           <a:ln>
             <a:noFill/>
@@ -2755,7 +2995,7 @@
       </p:sp>
       <p:sp>
         <p:nvSpPr>
-          <p:cNvPr id="1" name="CustomShape 2"/>
+          <p:cNvPr id="6" name="CustomShape 2"/>
           <p:cNvSpPr/>
           <p:nvPr/>
         </p:nvSpPr>
@@ -2843,17 +3083,15 @@
           </a:prstGeom>
         </p:spPr>
         <p:txBody>
-          <a:bodyPr lIns="0" rIns="0" tIns="0" bIns="0" anchor="ctr"/>
-          <a:p>
-            <a:r>
-              <a:rPr b="0" lang="en-US" sz="1800" spc="-1" strike="noStrike">
+          <a:bodyPr lIns="0" tIns="0" rIns="0" bIns="0" anchor="ctr"/>
+          <a:lstStyle/>
+          <a:p>
+            <a:r>
+              <a:rPr lang="en-US" sz="1800" b="0" strike="noStrike" spc="-1">
                 <a:latin typeface="Arial"/>
               </a:rPr>
               <a:t>Click to edit the title text format</a:t>
             </a:r>
-            <a:endParaRPr b="0" lang="en-US" sz="1800" spc="-1" strike="noStrike">
-              <a:latin typeface="Arial"/>
-            </a:endParaRPr>
           </a:p>
         </p:txBody>
       </p:sp>
@@ -2877,9 +3115,10 @@
           </a:prstGeom>
         </p:spPr>
         <p:txBody>
-          <a:bodyPr lIns="0" rIns="0" tIns="0" bIns="0">
+          <a:bodyPr lIns="0" tIns="0" rIns="0" bIns="0">
             <a:normAutofit/>
           </a:bodyPr>
+          <a:lstStyle/>
           <a:p>
             <a:pPr marL="432000" indent="-324000">
               <a:spcBef>
@@ -2893,17 +3132,14 @@
               <a:buChar char=""/>
             </a:pPr>
             <a:r>
-              <a:rPr b="0" lang="en-US" sz="1800" spc="-1" strike="noStrike">
+              <a:rPr lang="en-US" sz="1800" b="0" strike="noStrike" spc="-1">
                 <a:latin typeface="Arial"/>
               </a:rPr>
               <a:t>Click to edit the outline text format</a:t>
             </a:r>
-            <a:endParaRPr b="0" lang="en-US" sz="1800" spc="-1" strike="noStrike">
-              <a:latin typeface="Arial"/>
-            </a:endParaRPr>
-          </a:p>
-          <a:p>
-            <a:pPr lvl="1" marL="864000" indent="-324000">
+          </a:p>
+          <a:p>
+            <a:pPr marL="864000" lvl="1" indent="-324000">
               <a:spcBef>
                 <a:spcPts val="1134"/>
               </a:spcBef>
@@ -2915,17 +3151,14 @@
               <a:buChar char=""/>
             </a:pPr>
             <a:r>
-              <a:rPr b="0" lang="en-US" sz="1800" spc="-1" strike="noStrike">
+              <a:rPr lang="en-US" sz="1800" b="0" strike="noStrike" spc="-1">
                 <a:latin typeface="Arial"/>
               </a:rPr>
               <a:t>Second Outline Level</a:t>
             </a:r>
-            <a:endParaRPr b="0" lang="en-US" sz="1800" spc="-1" strike="noStrike">
-              <a:latin typeface="Arial"/>
-            </a:endParaRPr>
-          </a:p>
-          <a:p>
-            <a:pPr lvl="2" marL="1296000" indent="-288000">
+          </a:p>
+          <a:p>
+            <a:pPr marL="1296000" lvl="2" indent="-288000">
               <a:spcBef>
                 <a:spcPts val="850"/>
               </a:spcBef>
@@ -2937,17 +3170,14 @@
               <a:buChar char=""/>
             </a:pPr>
             <a:r>
-              <a:rPr b="0" lang="en-US" sz="1800" spc="-1" strike="noStrike">
+              <a:rPr lang="en-US" sz="1800" b="0" strike="noStrike" spc="-1">
                 <a:latin typeface="Arial"/>
               </a:rPr>
               <a:t>Third Outline Level</a:t>
             </a:r>
-            <a:endParaRPr b="0" lang="en-US" sz="1800" spc="-1" strike="noStrike">
-              <a:latin typeface="Arial"/>
-            </a:endParaRPr>
-          </a:p>
-          <a:p>
-            <a:pPr lvl="3" marL="1728000" indent="-216000">
+          </a:p>
+          <a:p>
+            <a:pPr marL="1728000" lvl="3" indent="-216000">
               <a:spcBef>
                 <a:spcPts val="567"/>
               </a:spcBef>
@@ -2959,17 +3189,14 @@
               <a:buChar char=""/>
             </a:pPr>
             <a:r>
-              <a:rPr b="0" lang="en-US" sz="1800" spc="-1" strike="noStrike">
+              <a:rPr lang="en-US" sz="1800" b="0" strike="noStrike" spc="-1">
                 <a:latin typeface="Arial"/>
               </a:rPr>
               <a:t>Fourth Outline Level</a:t>
             </a:r>
-            <a:endParaRPr b="0" lang="en-US" sz="1800" spc="-1" strike="noStrike">
-              <a:latin typeface="Arial"/>
-            </a:endParaRPr>
-          </a:p>
-          <a:p>
-            <a:pPr lvl="4" marL="2160000" indent="-216000">
+          </a:p>
+          <a:p>
+            <a:pPr marL="2160000" lvl="4" indent="-216000">
               <a:spcBef>
                 <a:spcPts val="283"/>
               </a:spcBef>
@@ -2981,17 +3208,14 @@
               <a:buChar char=""/>
             </a:pPr>
             <a:r>
-              <a:rPr b="0" lang="en-US" sz="1800" spc="-1" strike="noStrike">
+              <a:rPr lang="en-US" sz="1800" b="0" strike="noStrike" spc="-1">
                 <a:latin typeface="Arial"/>
               </a:rPr>
               <a:t>Fifth Outline Level</a:t>
             </a:r>
-            <a:endParaRPr b="0" lang="en-US" sz="1800" spc="-1" strike="noStrike">
-              <a:latin typeface="Arial"/>
-            </a:endParaRPr>
-          </a:p>
-          <a:p>
-            <a:pPr lvl="5" marL="2592000" indent="-216000">
+          </a:p>
+          <a:p>
+            <a:pPr marL="2592000" lvl="5" indent="-216000">
               <a:spcBef>
                 <a:spcPts val="283"/>
               </a:spcBef>
@@ -3003,17 +3227,14 @@
               <a:buChar char=""/>
             </a:pPr>
             <a:r>
-              <a:rPr b="0" lang="en-US" sz="1800" spc="-1" strike="noStrike">
+              <a:rPr lang="en-US" sz="1800" b="0" strike="noStrike" spc="-1">
                 <a:latin typeface="Arial"/>
               </a:rPr>
               <a:t>Sixth Outline Level</a:t>
             </a:r>
-            <a:endParaRPr b="0" lang="en-US" sz="1800" spc="-1" strike="noStrike">
-              <a:latin typeface="Arial"/>
-            </a:endParaRPr>
-          </a:p>
-          <a:p>
-            <a:pPr lvl="6" marL="3024000" indent="-216000">
+          </a:p>
+          <a:p>
+            <a:pPr marL="3024000" lvl="6" indent="-216000">
               <a:spcBef>
                 <a:spcPts val="283"/>
               </a:spcBef>
@@ -3025,45 +3246,323 @@
               <a:buChar char=""/>
             </a:pPr>
             <a:r>
-              <a:rPr b="0" lang="en-US" sz="1800" spc="-1" strike="noStrike">
+              <a:rPr lang="en-US" sz="1800" b="0" strike="noStrike" spc="-1">
                 <a:latin typeface="Arial"/>
               </a:rPr>
               <a:t>Seventh Outline Level</a:t>
             </a:r>
-            <a:endParaRPr b="0" lang="en-US" sz="1800" spc="-1" strike="noStrike">
-              <a:latin typeface="Arial"/>
-            </a:endParaRPr>
           </a:p>
         </p:txBody>
       </p:sp>
     </p:spTree>
   </p:cSld>
-  <p:clrMap bg1="lt1" bg2="lt2" tx1="dk1" tx2="dk2" accent1="accent1" accent2="accent2" accent3="accent3" accent4="accent4" accent5="accent5" accent6="accent6" hlink="hlink" folHlink="folHlink"/>
+  <p:clrMap bg1="lt1" tx1="dk1" bg2="lt2" tx2="dk2" accent1="accent1" accent2="accent2" accent3="accent3" accent4="accent4" accent5="accent5" accent6="accent6" hlink="hlink" folHlink="folHlink"/>
   <p:sldLayoutIdLst>
-    <p:sldLayoutId id="2147483649" r:id="rId2"/>
-    <p:sldLayoutId id="2147483650" r:id="rId3"/>
-    <p:sldLayoutId id="2147483651" r:id="rId4"/>
-    <p:sldLayoutId id="2147483652" r:id="rId5"/>
-    <p:sldLayoutId id="2147483653" r:id="rId6"/>
-    <p:sldLayoutId id="2147483654" r:id="rId7"/>
-    <p:sldLayoutId id="2147483655" r:id="rId8"/>
-    <p:sldLayoutId id="2147483656" r:id="rId9"/>
-    <p:sldLayoutId id="2147483657" r:id="rId10"/>
-    <p:sldLayoutId id="2147483658" r:id="rId11"/>
-    <p:sldLayoutId id="2147483659" r:id="rId12"/>
-    <p:sldLayoutId id="2147483660" r:id="rId13"/>
+    <p:sldLayoutId id="2147483649" r:id="rId1"/>
+    <p:sldLayoutId id="2147483650" r:id="rId2"/>
+    <p:sldLayoutId id="2147483651" r:id="rId3"/>
+    <p:sldLayoutId id="2147483652" r:id="rId4"/>
+    <p:sldLayoutId id="2147483653" r:id="rId5"/>
+    <p:sldLayoutId id="2147483654" r:id="rId6"/>
+    <p:sldLayoutId id="2147483655" r:id="rId7"/>
+    <p:sldLayoutId id="2147483656" r:id="rId8"/>
+    <p:sldLayoutId id="2147483657" r:id="rId9"/>
+    <p:sldLayoutId id="2147483658" r:id="rId10"/>
+    <p:sldLayoutId id="2147483659" r:id="rId11"/>
+    <p:sldLayoutId id="2147483660" r:id="rId12"/>
   </p:sldLayoutIdLst>
+  <p:txStyles>
+    <p:titleStyle>
+      <a:lvl1pPr algn="l" defTabSz="914400" rtl="0" eaLnBrk="1" latinLnBrk="0" hangingPunct="1">
+        <a:lnSpc>
+          <a:spcPct val="90000"/>
+        </a:lnSpc>
+        <a:spcBef>
+          <a:spcPct val="0"/>
+        </a:spcBef>
+        <a:buNone/>
+        <a:defRPr sz="4400" kern="1200">
+          <a:solidFill>
+            <a:schemeClr val="tx1"/>
+          </a:solidFill>
+          <a:latin typeface="+mj-lt"/>
+          <a:ea typeface="+mj-ea"/>
+          <a:cs typeface="+mj-cs"/>
+        </a:defRPr>
+      </a:lvl1pPr>
+    </p:titleStyle>
+    <p:bodyStyle>
+      <a:lvl1pPr marL="228600" indent="-228600" algn="l" defTabSz="914400" rtl="0" eaLnBrk="1" latinLnBrk="0" hangingPunct="1">
+        <a:lnSpc>
+          <a:spcPct val="90000"/>
+        </a:lnSpc>
+        <a:spcBef>
+          <a:spcPts val="1000"/>
+        </a:spcBef>
+        <a:buFont typeface="Arial" panose="020B0604020202020204" pitchFamily="34" charset="0"/>
+        <a:buChar char="•"/>
+        <a:defRPr sz="2800" kern="1200">
+          <a:solidFill>
+            <a:schemeClr val="tx1"/>
+          </a:solidFill>
+          <a:latin typeface="+mn-lt"/>
+          <a:ea typeface="+mn-ea"/>
+          <a:cs typeface="+mn-cs"/>
+        </a:defRPr>
+      </a:lvl1pPr>
+      <a:lvl2pPr marL="685800" indent="-228600" algn="l" defTabSz="914400" rtl="0" eaLnBrk="1" latinLnBrk="0" hangingPunct="1">
+        <a:lnSpc>
+          <a:spcPct val="90000"/>
+        </a:lnSpc>
+        <a:spcBef>
+          <a:spcPts val="500"/>
+        </a:spcBef>
+        <a:buFont typeface="Arial" panose="020B0604020202020204" pitchFamily="34" charset="0"/>
+        <a:buChar char="•"/>
+        <a:defRPr sz="2400" kern="1200">
+          <a:solidFill>
+            <a:schemeClr val="tx1"/>
+          </a:solidFill>
+          <a:latin typeface="+mn-lt"/>
+          <a:ea typeface="+mn-ea"/>
+          <a:cs typeface="+mn-cs"/>
+        </a:defRPr>
+      </a:lvl2pPr>
+      <a:lvl3pPr marL="1143000" indent="-228600" algn="l" defTabSz="914400" rtl="0" eaLnBrk="1" latinLnBrk="0" hangingPunct="1">
+        <a:lnSpc>
+          <a:spcPct val="90000"/>
+        </a:lnSpc>
+        <a:spcBef>
+          <a:spcPts val="500"/>
+        </a:spcBef>
+        <a:buFont typeface="Arial" panose="020B0604020202020204" pitchFamily="34" charset="0"/>
+        <a:buChar char="•"/>
+        <a:defRPr sz="2000" kern="1200">
+          <a:solidFill>
+            <a:schemeClr val="tx1"/>
+          </a:solidFill>
+          <a:latin typeface="+mn-lt"/>
+          <a:ea typeface="+mn-ea"/>
+          <a:cs typeface="+mn-cs"/>
+        </a:defRPr>
+      </a:lvl3pPr>
+      <a:lvl4pPr marL="1600200" indent="-228600" algn="l" defTabSz="914400" rtl="0" eaLnBrk="1" latinLnBrk="0" hangingPunct="1">
+        <a:lnSpc>
+          <a:spcPct val="90000"/>
+        </a:lnSpc>
+        <a:spcBef>
+          <a:spcPts val="500"/>
+        </a:spcBef>
+        <a:buFont typeface="Arial" panose="020B0604020202020204" pitchFamily="34" charset="0"/>
+        <a:buChar char="•"/>
+        <a:defRPr sz="1800" kern="1200">
+          <a:solidFill>
+            <a:schemeClr val="tx1"/>
+          </a:solidFill>
+          <a:latin typeface="+mn-lt"/>
+          <a:ea typeface="+mn-ea"/>
+          <a:cs typeface="+mn-cs"/>
+        </a:defRPr>
+      </a:lvl4pPr>
+      <a:lvl5pPr marL="2057400" indent="-228600" algn="l" defTabSz="914400" rtl="0" eaLnBrk="1" latinLnBrk="0" hangingPunct="1">
+        <a:lnSpc>
+          <a:spcPct val="90000"/>
+        </a:lnSpc>
+        <a:spcBef>
+          <a:spcPts val="500"/>
+        </a:spcBef>
+        <a:buFont typeface="Arial" panose="020B0604020202020204" pitchFamily="34" charset="0"/>
+        <a:buChar char="•"/>
+        <a:defRPr sz="1800" kern="1200">
+          <a:solidFill>
+            <a:schemeClr val="tx1"/>
+          </a:solidFill>
+          <a:latin typeface="+mn-lt"/>
+          <a:ea typeface="+mn-ea"/>
+          <a:cs typeface="+mn-cs"/>
+        </a:defRPr>
+      </a:lvl5pPr>
+      <a:lvl6pPr marL="2514600" indent="-228600" algn="l" defTabSz="914400" rtl="0" eaLnBrk="1" latinLnBrk="0" hangingPunct="1">
+        <a:lnSpc>
+          <a:spcPct val="90000"/>
+        </a:lnSpc>
+        <a:spcBef>
+          <a:spcPts val="500"/>
+        </a:spcBef>
+        <a:buFont typeface="Arial" panose="020B0604020202020204" pitchFamily="34" charset="0"/>
+        <a:buChar char="•"/>
+        <a:defRPr sz="1800" kern="1200">
+          <a:solidFill>
+            <a:schemeClr val="tx1"/>
+          </a:solidFill>
+          <a:latin typeface="+mn-lt"/>
+          <a:ea typeface="+mn-ea"/>
+          <a:cs typeface="+mn-cs"/>
+        </a:defRPr>
+      </a:lvl6pPr>
+      <a:lvl7pPr marL="2971800" indent="-228600" algn="l" defTabSz="914400" rtl="0" eaLnBrk="1" latinLnBrk="0" hangingPunct="1">
+        <a:lnSpc>
+          <a:spcPct val="90000"/>
+        </a:lnSpc>
+        <a:spcBef>
+          <a:spcPts val="500"/>
+        </a:spcBef>
+        <a:buFont typeface="Arial" panose="020B0604020202020204" pitchFamily="34" charset="0"/>
+        <a:buChar char="•"/>
+        <a:defRPr sz="1800" kern="1200">
+          <a:solidFill>
+            <a:schemeClr val="tx1"/>
+          </a:solidFill>
+          <a:latin typeface="+mn-lt"/>
+          <a:ea typeface="+mn-ea"/>
+          <a:cs typeface="+mn-cs"/>
+        </a:defRPr>
+      </a:lvl7pPr>
+      <a:lvl8pPr marL="3429000" indent="-228600" algn="l" defTabSz="914400" rtl="0" eaLnBrk="1" latinLnBrk="0" hangingPunct="1">
+        <a:lnSpc>
+          <a:spcPct val="90000"/>
+        </a:lnSpc>
+        <a:spcBef>
+          <a:spcPts val="500"/>
+        </a:spcBef>
+        <a:buFont typeface="Arial" panose="020B0604020202020204" pitchFamily="34" charset="0"/>
+        <a:buChar char="•"/>
+        <a:defRPr sz="1800" kern="1200">
+          <a:solidFill>
+            <a:schemeClr val="tx1"/>
+          </a:solidFill>
+          <a:latin typeface="+mn-lt"/>
+          <a:ea typeface="+mn-ea"/>
+          <a:cs typeface="+mn-cs"/>
+        </a:defRPr>
+      </a:lvl8pPr>
+      <a:lvl9pPr marL="3886200" indent="-228600" algn="l" defTabSz="914400" rtl="0" eaLnBrk="1" latinLnBrk="0" hangingPunct="1">
+        <a:lnSpc>
+          <a:spcPct val="90000"/>
+        </a:lnSpc>
+        <a:spcBef>
+          <a:spcPts val="500"/>
+        </a:spcBef>
+        <a:buFont typeface="Arial" panose="020B0604020202020204" pitchFamily="34" charset="0"/>
+        <a:buChar char="•"/>
+        <a:defRPr sz="1800" kern="1200">
+          <a:solidFill>
+            <a:schemeClr val="tx1"/>
+          </a:solidFill>
+          <a:latin typeface="+mn-lt"/>
+          <a:ea typeface="+mn-ea"/>
+          <a:cs typeface="+mn-cs"/>
+        </a:defRPr>
+      </a:lvl9pPr>
+    </p:bodyStyle>
+    <p:otherStyle>
+      <a:defPPr>
+        <a:defRPr lang="es-CR"/>
+      </a:defPPr>
+      <a:lvl1pPr marL="0" algn="l" defTabSz="914400" rtl="0" eaLnBrk="1" latinLnBrk="0" hangingPunct="1">
+        <a:defRPr sz="1800" kern="1200">
+          <a:solidFill>
+            <a:schemeClr val="tx1"/>
+          </a:solidFill>
+          <a:latin typeface="+mn-lt"/>
+          <a:ea typeface="+mn-ea"/>
+          <a:cs typeface="+mn-cs"/>
+        </a:defRPr>
+      </a:lvl1pPr>
+      <a:lvl2pPr marL="457200" algn="l" defTabSz="914400" rtl="0" eaLnBrk="1" latinLnBrk="0" hangingPunct="1">
+        <a:defRPr sz="1800" kern="1200">
+          <a:solidFill>
+            <a:schemeClr val="tx1"/>
+          </a:solidFill>
+          <a:latin typeface="+mn-lt"/>
+          <a:ea typeface="+mn-ea"/>
+          <a:cs typeface="+mn-cs"/>
+        </a:defRPr>
+      </a:lvl2pPr>
+      <a:lvl3pPr marL="914400" algn="l" defTabSz="914400" rtl="0" eaLnBrk="1" latinLnBrk="0" hangingPunct="1">
+        <a:defRPr sz="1800" kern="1200">
+          <a:solidFill>
+            <a:schemeClr val="tx1"/>
+          </a:solidFill>
+          <a:latin typeface="+mn-lt"/>
+          <a:ea typeface="+mn-ea"/>
+          <a:cs typeface="+mn-cs"/>
+        </a:defRPr>
+      </a:lvl3pPr>
+      <a:lvl4pPr marL="1371600" algn="l" defTabSz="914400" rtl="0" eaLnBrk="1" latinLnBrk="0" hangingPunct="1">
+        <a:defRPr sz="1800" kern="1200">
+          <a:solidFill>
+            <a:schemeClr val="tx1"/>
+          </a:solidFill>
+          <a:latin typeface="+mn-lt"/>
+          <a:ea typeface="+mn-ea"/>
+          <a:cs typeface="+mn-cs"/>
+        </a:defRPr>
+      </a:lvl4pPr>
+      <a:lvl5pPr marL="1828800" algn="l" defTabSz="914400" rtl="0" eaLnBrk="1" latinLnBrk="0" hangingPunct="1">
+        <a:defRPr sz="1800" kern="1200">
+          <a:solidFill>
+            <a:schemeClr val="tx1"/>
+          </a:solidFill>
+          <a:latin typeface="+mn-lt"/>
+          <a:ea typeface="+mn-ea"/>
+          <a:cs typeface="+mn-cs"/>
+        </a:defRPr>
+      </a:lvl5pPr>
+      <a:lvl6pPr marL="2286000" algn="l" defTabSz="914400" rtl="0" eaLnBrk="1" latinLnBrk="0" hangingPunct="1">
+        <a:defRPr sz="1800" kern="1200">
+          <a:solidFill>
+            <a:schemeClr val="tx1"/>
+          </a:solidFill>
+          <a:latin typeface="+mn-lt"/>
+          <a:ea typeface="+mn-ea"/>
+          <a:cs typeface="+mn-cs"/>
+        </a:defRPr>
+      </a:lvl6pPr>
+      <a:lvl7pPr marL="2743200" algn="l" defTabSz="914400" rtl="0" eaLnBrk="1" latinLnBrk="0" hangingPunct="1">
+        <a:defRPr sz="1800" kern="1200">
+          <a:solidFill>
+            <a:schemeClr val="tx1"/>
+          </a:solidFill>
+          <a:latin typeface="+mn-lt"/>
+          <a:ea typeface="+mn-ea"/>
+          <a:cs typeface="+mn-cs"/>
+        </a:defRPr>
+      </a:lvl7pPr>
+      <a:lvl8pPr marL="3200400" algn="l" defTabSz="914400" rtl="0" eaLnBrk="1" latinLnBrk="0" hangingPunct="1">
+        <a:defRPr sz="1800" kern="1200">
+          <a:solidFill>
+            <a:schemeClr val="tx1"/>
+          </a:solidFill>
+          <a:latin typeface="+mn-lt"/>
+          <a:ea typeface="+mn-ea"/>
+          <a:cs typeface="+mn-cs"/>
+        </a:defRPr>
+      </a:lvl8pPr>
+      <a:lvl9pPr marL="3657600" algn="l" defTabSz="914400" rtl="0" eaLnBrk="1" latinLnBrk="0" hangingPunct="1">
+        <a:defRPr sz="1800" kern="1200">
+          <a:solidFill>
+            <a:schemeClr val="tx1"/>
+          </a:solidFill>
+          <a:latin typeface="+mn-lt"/>
+          <a:ea typeface="+mn-ea"/>
+          <a:cs typeface="+mn-cs"/>
+        </a:defRPr>
+      </a:lvl9pPr>
+    </p:otherStyle>
+  </p:txStyles>
 </p:sldMaster>
 </file>
 
 <file path=ppt/slideMasters/slideMaster2.xml><?xml version="1.0" encoding="utf-8"?>
-<p:sldMaster xmlns:a="http://schemas.openxmlformats.org/drawingml/2006/main" xmlns:p="http://schemas.openxmlformats.org/presentationml/2006/main" xmlns:r="http://schemas.openxmlformats.org/officeDocument/2006/relationships" xmlns:p14="http://schemas.microsoft.com/office/powerpoint/2010/main" xmlns:p15="http://schemas.microsoft.com/office/powerpoint/2012/main" xmlns:mc="http://schemas.openxmlformats.org/markup-compatibility/2006">
+<p:sldMaster xmlns:a="http://schemas.openxmlformats.org/drawingml/2006/main" xmlns:r="http://schemas.openxmlformats.org/officeDocument/2006/relationships" xmlns:p="http://schemas.openxmlformats.org/presentationml/2006/main">
   <p:cSld>
     <p:bg>
       <p:bgPr>
         <a:solidFill>
-          <a:srgbClr val="ffffff"/>
+          <a:srgbClr val="FFFFFF"/>
         </a:solidFill>
+        <a:effectLst/>
       </p:bgPr>
     </p:bg>
     <p:spTree>
@@ -3095,7 +3594,7 @@
             <a:avLst/>
           </a:prstGeom>
           <a:solidFill>
-            <a:srgbClr val="ffffff"/>
+            <a:srgbClr val="FFFFFF"/>
           </a:solidFill>
           <a:ln>
             <a:noFill/>
@@ -3172,18 +3671,16 @@
           </a:prstGeom>
         </p:spPr>
         <p:txBody>
-          <a:bodyPr lIns="0" rIns="0" tIns="0" bIns="0" anchor="ctr"/>
+          <a:bodyPr lIns="0" tIns="0" rIns="0" bIns="0" anchor="ctr"/>
+          <a:lstStyle/>
           <a:p>
             <a:pPr algn="ctr"/>
             <a:r>
-              <a:rPr b="0" lang="en-US" sz="4400" spc="-1" strike="noStrike">
+              <a:rPr lang="en-US" sz="4400" b="0" strike="noStrike" spc="-1">
                 <a:latin typeface="Arial"/>
               </a:rPr>
               <a:t>Click to edit the title text format</a:t>
             </a:r>
-            <a:endParaRPr b="0" lang="en-US" sz="4400" spc="-1" strike="noStrike">
-              <a:latin typeface="Arial"/>
-            </a:endParaRPr>
           </a:p>
         </p:txBody>
       </p:sp>
@@ -3207,9 +3704,10 @@
           </a:prstGeom>
         </p:spPr>
         <p:txBody>
-          <a:bodyPr lIns="0" rIns="0" tIns="0" bIns="0">
+          <a:bodyPr lIns="0" tIns="0" rIns="0" bIns="0">
             <a:normAutofit/>
           </a:bodyPr>
+          <a:lstStyle/>
           <a:p>
             <a:pPr marL="432000" indent="-324000">
               <a:spcBef>
@@ -3223,17 +3721,14 @@
               <a:buChar char=""/>
             </a:pPr>
             <a:r>
-              <a:rPr b="0" lang="en-US" sz="3200" spc="-1" strike="noStrike">
+              <a:rPr lang="en-US" sz="3200" b="0" strike="noStrike" spc="-1">
                 <a:latin typeface="Arial"/>
               </a:rPr>
               <a:t>Click to edit the outline text format</a:t>
             </a:r>
-            <a:endParaRPr b="0" lang="en-US" sz="3200" spc="-1" strike="noStrike">
-              <a:latin typeface="Arial"/>
-            </a:endParaRPr>
-          </a:p>
-          <a:p>
-            <a:pPr lvl="1" marL="864000" indent="-324000">
+          </a:p>
+          <a:p>
+            <a:pPr marL="864000" lvl="1" indent="-324000">
               <a:spcBef>
                 <a:spcPts val="1134"/>
               </a:spcBef>
@@ -3245,17 +3740,14 @@
               <a:buChar char=""/>
             </a:pPr>
             <a:r>
-              <a:rPr b="0" lang="en-US" sz="2800" spc="-1" strike="noStrike">
+              <a:rPr lang="en-US" sz="2800" b="0" strike="noStrike" spc="-1">
                 <a:latin typeface="Arial"/>
               </a:rPr>
               <a:t>Second Outline Level</a:t>
             </a:r>
-            <a:endParaRPr b="0" lang="en-US" sz="2800" spc="-1" strike="noStrike">
-              <a:latin typeface="Arial"/>
-            </a:endParaRPr>
-          </a:p>
-          <a:p>
-            <a:pPr lvl="2" marL="1296000" indent="-288000">
+          </a:p>
+          <a:p>
+            <a:pPr marL="1296000" lvl="2" indent="-288000">
               <a:spcBef>
                 <a:spcPts val="850"/>
               </a:spcBef>
@@ -3267,17 +3759,14 @@
               <a:buChar char=""/>
             </a:pPr>
             <a:r>
-              <a:rPr b="0" lang="en-US" sz="2400" spc="-1" strike="noStrike">
+              <a:rPr lang="en-US" sz="2400" b="0" strike="noStrike" spc="-1">
                 <a:latin typeface="Arial"/>
               </a:rPr>
               <a:t>Third Outline Level</a:t>
             </a:r>
-            <a:endParaRPr b="0" lang="en-US" sz="2400" spc="-1" strike="noStrike">
-              <a:latin typeface="Arial"/>
-            </a:endParaRPr>
-          </a:p>
-          <a:p>
-            <a:pPr lvl="3" marL="1728000" indent="-216000">
+          </a:p>
+          <a:p>
+            <a:pPr marL="1728000" lvl="3" indent="-216000">
               <a:spcBef>
                 <a:spcPts val="567"/>
               </a:spcBef>
@@ -3289,17 +3778,14 @@
               <a:buChar char=""/>
             </a:pPr>
             <a:r>
-              <a:rPr b="0" lang="en-US" sz="2000" spc="-1" strike="noStrike">
+              <a:rPr lang="en-US" sz="2000" b="0" strike="noStrike" spc="-1">
                 <a:latin typeface="Arial"/>
               </a:rPr>
               <a:t>Fourth Outline Level</a:t>
             </a:r>
-            <a:endParaRPr b="0" lang="en-US" sz="2000" spc="-1" strike="noStrike">
-              <a:latin typeface="Arial"/>
-            </a:endParaRPr>
-          </a:p>
-          <a:p>
-            <a:pPr lvl="4" marL="2160000" indent="-216000">
+          </a:p>
+          <a:p>
+            <a:pPr marL="2160000" lvl="4" indent="-216000">
               <a:spcBef>
                 <a:spcPts val="283"/>
               </a:spcBef>
@@ -3311,17 +3797,14 @@
               <a:buChar char=""/>
             </a:pPr>
             <a:r>
-              <a:rPr b="0" lang="en-US" sz="2000" spc="-1" strike="noStrike">
+              <a:rPr lang="en-US" sz="2000" b="0" strike="noStrike" spc="-1">
                 <a:latin typeface="Arial"/>
               </a:rPr>
               <a:t>Fifth Outline Level</a:t>
             </a:r>
-            <a:endParaRPr b="0" lang="en-US" sz="2000" spc="-1" strike="noStrike">
-              <a:latin typeface="Arial"/>
-            </a:endParaRPr>
-          </a:p>
-          <a:p>
-            <a:pPr lvl="5" marL="2592000" indent="-216000">
+          </a:p>
+          <a:p>
+            <a:pPr marL="2592000" lvl="5" indent="-216000">
               <a:spcBef>
                 <a:spcPts val="283"/>
               </a:spcBef>
@@ -3333,17 +3816,14 @@
               <a:buChar char=""/>
             </a:pPr>
             <a:r>
-              <a:rPr b="0" lang="en-US" sz="2000" spc="-1" strike="noStrike">
+              <a:rPr lang="en-US" sz="2000" b="0" strike="noStrike" spc="-1">
                 <a:latin typeface="Arial"/>
               </a:rPr>
               <a:t>Sixth Outline Level</a:t>
             </a:r>
-            <a:endParaRPr b="0" lang="en-US" sz="2000" spc="-1" strike="noStrike">
-              <a:latin typeface="Arial"/>
-            </a:endParaRPr>
-          </a:p>
-          <a:p>
-            <a:pPr lvl="6" marL="3024000" indent="-216000">
+          </a:p>
+          <a:p>
+            <a:pPr marL="3024000" lvl="6" indent="-216000">
               <a:spcBef>
                 <a:spcPts val="283"/>
               </a:spcBef>
@@ -3355,39 +3835,316 @@
               <a:buChar char=""/>
             </a:pPr>
             <a:r>
-              <a:rPr b="0" lang="en-US" sz="2000" spc="-1" strike="noStrike">
+              <a:rPr lang="en-US" sz="2000" b="0" strike="noStrike" spc="-1">
                 <a:latin typeface="Arial"/>
               </a:rPr>
               <a:t>Seventh Outline Level</a:t>
             </a:r>
-            <a:endParaRPr b="0" lang="en-US" sz="2000" spc="-1" strike="noStrike">
-              <a:latin typeface="Arial"/>
-            </a:endParaRPr>
           </a:p>
         </p:txBody>
       </p:sp>
     </p:spTree>
   </p:cSld>
-  <p:clrMap bg1="lt1" bg2="lt2" tx1="dk1" tx2="dk2" accent1="accent1" accent2="accent2" accent3="accent3" accent4="accent4" accent5="accent5" accent6="accent6" hlink="hlink" folHlink="folHlink"/>
+  <p:clrMap bg1="lt1" tx1="dk1" bg2="lt2" tx2="dk2" accent1="accent1" accent2="accent2" accent3="accent3" accent4="accent4" accent5="accent5" accent6="accent6" hlink="hlink" folHlink="folHlink"/>
   <p:sldLayoutIdLst>
-    <p:sldLayoutId id="2147483662" r:id="rId2"/>
-    <p:sldLayoutId id="2147483663" r:id="rId3"/>
-    <p:sldLayoutId id="2147483664" r:id="rId4"/>
-    <p:sldLayoutId id="2147483665" r:id="rId5"/>
-    <p:sldLayoutId id="2147483666" r:id="rId6"/>
-    <p:sldLayoutId id="2147483667" r:id="rId7"/>
-    <p:sldLayoutId id="2147483668" r:id="rId8"/>
-    <p:sldLayoutId id="2147483669" r:id="rId9"/>
-    <p:sldLayoutId id="2147483670" r:id="rId10"/>
-    <p:sldLayoutId id="2147483671" r:id="rId11"/>
-    <p:sldLayoutId id="2147483672" r:id="rId12"/>
-    <p:sldLayoutId id="2147483673" r:id="rId13"/>
+    <p:sldLayoutId id="2147483662" r:id="rId1"/>
+    <p:sldLayoutId id="2147483663" r:id="rId2"/>
+    <p:sldLayoutId id="2147483664" r:id="rId3"/>
+    <p:sldLayoutId id="2147483665" r:id="rId4"/>
+    <p:sldLayoutId id="2147483666" r:id="rId5"/>
+    <p:sldLayoutId id="2147483667" r:id="rId6"/>
+    <p:sldLayoutId id="2147483668" r:id="rId7"/>
+    <p:sldLayoutId id="2147483669" r:id="rId8"/>
+    <p:sldLayoutId id="2147483670" r:id="rId9"/>
+    <p:sldLayoutId id="2147483671" r:id="rId10"/>
+    <p:sldLayoutId id="2147483672" r:id="rId11"/>
+    <p:sldLayoutId id="2147483673" r:id="rId12"/>
   </p:sldLayoutIdLst>
+  <p:txStyles>
+    <p:titleStyle>
+      <a:lvl1pPr algn="l" defTabSz="914400" rtl="0" eaLnBrk="1" latinLnBrk="0" hangingPunct="1">
+        <a:lnSpc>
+          <a:spcPct val="90000"/>
+        </a:lnSpc>
+        <a:spcBef>
+          <a:spcPct val="0"/>
+        </a:spcBef>
+        <a:buNone/>
+        <a:defRPr sz="4400" kern="1200">
+          <a:solidFill>
+            <a:schemeClr val="tx1"/>
+          </a:solidFill>
+          <a:latin typeface="+mj-lt"/>
+          <a:ea typeface="+mj-ea"/>
+          <a:cs typeface="+mj-cs"/>
+        </a:defRPr>
+      </a:lvl1pPr>
+    </p:titleStyle>
+    <p:bodyStyle>
+      <a:lvl1pPr marL="228600" indent="-228600" algn="l" defTabSz="914400" rtl="0" eaLnBrk="1" latinLnBrk="0" hangingPunct="1">
+        <a:lnSpc>
+          <a:spcPct val="90000"/>
+        </a:lnSpc>
+        <a:spcBef>
+          <a:spcPts val="1000"/>
+        </a:spcBef>
+        <a:buFont typeface="Arial" panose="020B0604020202020204" pitchFamily="34" charset="0"/>
+        <a:buChar char="•"/>
+        <a:defRPr sz="2800" kern="1200">
+          <a:solidFill>
+            <a:schemeClr val="tx1"/>
+          </a:solidFill>
+          <a:latin typeface="+mn-lt"/>
+          <a:ea typeface="+mn-ea"/>
+          <a:cs typeface="+mn-cs"/>
+        </a:defRPr>
+      </a:lvl1pPr>
+      <a:lvl2pPr marL="685800" indent="-228600" algn="l" defTabSz="914400" rtl="0" eaLnBrk="1" latinLnBrk="0" hangingPunct="1">
+        <a:lnSpc>
+          <a:spcPct val="90000"/>
+        </a:lnSpc>
+        <a:spcBef>
+          <a:spcPts val="500"/>
+        </a:spcBef>
+        <a:buFont typeface="Arial" panose="020B0604020202020204" pitchFamily="34" charset="0"/>
+        <a:buChar char="•"/>
+        <a:defRPr sz="2400" kern="1200">
+          <a:solidFill>
+            <a:schemeClr val="tx1"/>
+          </a:solidFill>
+          <a:latin typeface="+mn-lt"/>
+          <a:ea typeface="+mn-ea"/>
+          <a:cs typeface="+mn-cs"/>
+        </a:defRPr>
+      </a:lvl2pPr>
+      <a:lvl3pPr marL="1143000" indent="-228600" algn="l" defTabSz="914400" rtl="0" eaLnBrk="1" latinLnBrk="0" hangingPunct="1">
+        <a:lnSpc>
+          <a:spcPct val="90000"/>
+        </a:lnSpc>
+        <a:spcBef>
+          <a:spcPts val="500"/>
+        </a:spcBef>
+        <a:buFont typeface="Arial" panose="020B0604020202020204" pitchFamily="34" charset="0"/>
+        <a:buChar char="•"/>
+        <a:defRPr sz="2000" kern="1200">
+          <a:solidFill>
+            <a:schemeClr val="tx1"/>
+          </a:solidFill>
+          <a:latin typeface="+mn-lt"/>
+          <a:ea typeface="+mn-ea"/>
+          <a:cs typeface="+mn-cs"/>
+        </a:defRPr>
+      </a:lvl3pPr>
+      <a:lvl4pPr marL="1600200" indent="-228600" algn="l" defTabSz="914400" rtl="0" eaLnBrk="1" latinLnBrk="0" hangingPunct="1">
+        <a:lnSpc>
+          <a:spcPct val="90000"/>
+        </a:lnSpc>
+        <a:spcBef>
+          <a:spcPts val="500"/>
+        </a:spcBef>
+        <a:buFont typeface="Arial" panose="020B0604020202020204" pitchFamily="34" charset="0"/>
+        <a:buChar char="•"/>
+        <a:defRPr sz="1800" kern="1200">
+          <a:solidFill>
+            <a:schemeClr val="tx1"/>
+          </a:solidFill>
+          <a:latin typeface="+mn-lt"/>
+          <a:ea typeface="+mn-ea"/>
+          <a:cs typeface="+mn-cs"/>
+        </a:defRPr>
+      </a:lvl4pPr>
+      <a:lvl5pPr marL="2057400" indent="-228600" algn="l" defTabSz="914400" rtl="0" eaLnBrk="1" latinLnBrk="0" hangingPunct="1">
+        <a:lnSpc>
+          <a:spcPct val="90000"/>
+        </a:lnSpc>
+        <a:spcBef>
+          <a:spcPts val="500"/>
+        </a:spcBef>
+        <a:buFont typeface="Arial" panose="020B0604020202020204" pitchFamily="34" charset="0"/>
+        <a:buChar char="•"/>
+        <a:defRPr sz="1800" kern="1200">
+          <a:solidFill>
+            <a:schemeClr val="tx1"/>
+          </a:solidFill>
+          <a:latin typeface="+mn-lt"/>
+          <a:ea typeface="+mn-ea"/>
+          <a:cs typeface="+mn-cs"/>
+        </a:defRPr>
+      </a:lvl5pPr>
+      <a:lvl6pPr marL="2514600" indent="-228600" algn="l" defTabSz="914400" rtl="0" eaLnBrk="1" latinLnBrk="0" hangingPunct="1">
+        <a:lnSpc>
+          <a:spcPct val="90000"/>
+        </a:lnSpc>
+        <a:spcBef>
+          <a:spcPts val="500"/>
+        </a:spcBef>
+        <a:buFont typeface="Arial" panose="020B0604020202020204" pitchFamily="34" charset="0"/>
+        <a:buChar char="•"/>
+        <a:defRPr sz="1800" kern="1200">
+          <a:solidFill>
+            <a:schemeClr val="tx1"/>
+          </a:solidFill>
+          <a:latin typeface="+mn-lt"/>
+          <a:ea typeface="+mn-ea"/>
+          <a:cs typeface="+mn-cs"/>
+        </a:defRPr>
+      </a:lvl6pPr>
+      <a:lvl7pPr marL="2971800" indent="-228600" algn="l" defTabSz="914400" rtl="0" eaLnBrk="1" latinLnBrk="0" hangingPunct="1">
+        <a:lnSpc>
+          <a:spcPct val="90000"/>
+        </a:lnSpc>
+        <a:spcBef>
+          <a:spcPts val="500"/>
+        </a:spcBef>
+        <a:buFont typeface="Arial" panose="020B0604020202020204" pitchFamily="34" charset="0"/>
+        <a:buChar char="•"/>
+        <a:defRPr sz="1800" kern="1200">
+          <a:solidFill>
+            <a:schemeClr val="tx1"/>
+          </a:solidFill>
+          <a:latin typeface="+mn-lt"/>
+          <a:ea typeface="+mn-ea"/>
+          <a:cs typeface="+mn-cs"/>
+        </a:defRPr>
+      </a:lvl7pPr>
+      <a:lvl8pPr marL="3429000" indent="-228600" algn="l" defTabSz="914400" rtl="0" eaLnBrk="1" latinLnBrk="0" hangingPunct="1">
+        <a:lnSpc>
+          <a:spcPct val="90000"/>
+        </a:lnSpc>
+        <a:spcBef>
+          <a:spcPts val="500"/>
+        </a:spcBef>
+        <a:buFont typeface="Arial" panose="020B0604020202020204" pitchFamily="34" charset="0"/>
+        <a:buChar char="•"/>
+        <a:defRPr sz="1800" kern="1200">
+          <a:solidFill>
+            <a:schemeClr val="tx1"/>
+          </a:solidFill>
+          <a:latin typeface="+mn-lt"/>
+          <a:ea typeface="+mn-ea"/>
+          <a:cs typeface="+mn-cs"/>
+        </a:defRPr>
+      </a:lvl8pPr>
+      <a:lvl9pPr marL="3886200" indent="-228600" algn="l" defTabSz="914400" rtl="0" eaLnBrk="1" latinLnBrk="0" hangingPunct="1">
+        <a:lnSpc>
+          <a:spcPct val="90000"/>
+        </a:lnSpc>
+        <a:spcBef>
+          <a:spcPts val="500"/>
+        </a:spcBef>
+        <a:buFont typeface="Arial" panose="020B0604020202020204" pitchFamily="34" charset="0"/>
+        <a:buChar char="•"/>
+        <a:defRPr sz="1800" kern="1200">
+          <a:solidFill>
+            <a:schemeClr val="tx1"/>
+          </a:solidFill>
+          <a:latin typeface="+mn-lt"/>
+          <a:ea typeface="+mn-ea"/>
+          <a:cs typeface="+mn-cs"/>
+        </a:defRPr>
+      </a:lvl9pPr>
+    </p:bodyStyle>
+    <p:otherStyle>
+      <a:defPPr>
+        <a:defRPr lang="es-CR"/>
+      </a:defPPr>
+      <a:lvl1pPr marL="0" algn="l" defTabSz="914400" rtl="0" eaLnBrk="1" latinLnBrk="0" hangingPunct="1">
+        <a:defRPr sz="1800" kern="1200">
+          <a:solidFill>
+            <a:schemeClr val="tx1"/>
+          </a:solidFill>
+          <a:latin typeface="+mn-lt"/>
+          <a:ea typeface="+mn-ea"/>
+          <a:cs typeface="+mn-cs"/>
+        </a:defRPr>
+      </a:lvl1pPr>
+      <a:lvl2pPr marL="457200" algn="l" defTabSz="914400" rtl="0" eaLnBrk="1" latinLnBrk="0" hangingPunct="1">
+        <a:defRPr sz="1800" kern="1200">
+          <a:solidFill>
+            <a:schemeClr val="tx1"/>
+          </a:solidFill>
+          <a:latin typeface="+mn-lt"/>
+          <a:ea typeface="+mn-ea"/>
+          <a:cs typeface="+mn-cs"/>
+        </a:defRPr>
+      </a:lvl2pPr>
+      <a:lvl3pPr marL="914400" algn="l" defTabSz="914400" rtl="0" eaLnBrk="1" latinLnBrk="0" hangingPunct="1">
+        <a:defRPr sz="1800" kern="1200">
+          <a:solidFill>
+            <a:schemeClr val="tx1"/>
+          </a:solidFill>
+          <a:latin typeface="+mn-lt"/>
+          <a:ea typeface="+mn-ea"/>
+          <a:cs typeface="+mn-cs"/>
+        </a:defRPr>
+      </a:lvl3pPr>
+      <a:lvl4pPr marL="1371600" algn="l" defTabSz="914400" rtl="0" eaLnBrk="1" latinLnBrk="0" hangingPunct="1">
+        <a:defRPr sz="1800" kern="1200">
+          <a:solidFill>
+            <a:schemeClr val="tx1"/>
+          </a:solidFill>
+          <a:latin typeface="+mn-lt"/>
+          <a:ea typeface="+mn-ea"/>
+          <a:cs typeface="+mn-cs"/>
+        </a:defRPr>
+      </a:lvl4pPr>
+      <a:lvl5pPr marL="1828800" algn="l" defTabSz="914400" rtl="0" eaLnBrk="1" latinLnBrk="0" hangingPunct="1">
+        <a:defRPr sz="1800" kern="1200">
+          <a:solidFill>
+            <a:schemeClr val="tx1"/>
+          </a:solidFill>
+          <a:latin typeface="+mn-lt"/>
+          <a:ea typeface="+mn-ea"/>
+          <a:cs typeface="+mn-cs"/>
+        </a:defRPr>
+      </a:lvl5pPr>
+      <a:lvl6pPr marL="2286000" algn="l" defTabSz="914400" rtl="0" eaLnBrk="1" latinLnBrk="0" hangingPunct="1">
+        <a:defRPr sz="1800" kern="1200">
+          <a:solidFill>
+            <a:schemeClr val="tx1"/>
+          </a:solidFill>
+          <a:latin typeface="+mn-lt"/>
+          <a:ea typeface="+mn-ea"/>
+          <a:cs typeface="+mn-cs"/>
+        </a:defRPr>
+      </a:lvl6pPr>
+      <a:lvl7pPr marL="2743200" algn="l" defTabSz="914400" rtl="0" eaLnBrk="1" latinLnBrk="0" hangingPunct="1">
+        <a:defRPr sz="1800" kern="1200">
+          <a:solidFill>
+            <a:schemeClr val="tx1"/>
+          </a:solidFill>
+          <a:latin typeface="+mn-lt"/>
+          <a:ea typeface="+mn-ea"/>
+          <a:cs typeface="+mn-cs"/>
+        </a:defRPr>
+      </a:lvl7pPr>
+      <a:lvl8pPr marL="3200400" algn="l" defTabSz="914400" rtl="0" eaLnBrk="1" latinLnBrk="0" hangingPunct="1">
+        <a:defRPr sz="1800" kern="1200">
+          <a:solidFill>
+            <a:schemeClr val="tx1"/>
+          </a:solidFill>
+          <a:latin typeface="+mn-lt"/>
+          <a:ea typeface="+mn-ea"/>
+          <a:cs typeface="+mn-cs"/>
+        </a:defRPr>
+      </a:lvl8pPr>
+      <a:lvl9pPr marL="3657600" algn="l" defTabSz="914400" rtl="0" eaLnBrk="1" latinLnBrk="0" hangingPunct="1">
+        <a:defRPr sz="1800" kern="1200">
+          <a:solidFill>
+            <a:schemeClr val="tx1"/>
+          </a:solidFill>
+          <a:latin typeface="+mn-lt"/>
+          <a:ea typeface="+mn-ea"/>
+          <a:cs typeface="+mn-cs"/>
+        </a:defRPr>
+      </a:lvl9pPr>
+    </p:otherStyle>
+  </p:txStyles>
 </p:sldMaster>
 </file>
 
 <file path=ppt/slides/slide1.xml><?xml version="1.0" encoding="utf-8"?>
-<p:sld xmlns:a="http://schemas.openxmlformats.org/drawingml/2006/main" xmlns:p="http://schemas.openxmlformats.org/presentationml/2006/main" xmlns:r="http://schemas.openxmlformats.org/officeDocument/2006/relationships" xmlns:p14="http://schemas.microsoft.com/office/powerpoint/2010/main" xmlns:p15="http://schemas.microsoft.com/office/powerpoint/2012/main" xmlns:mc="http://schemas.openxmlformats.org/markup-compatibility/2006">
+<p:sld xmlns:a="http://schemas.openxmlformats.org/drawingml/2006/main" xmlns:r="http://schemas.openxmlformats.org/officeDocument/2006/relationships" xmlns:p="http://schemas.openxmlformats.org/presentationml/2006/main">
   <p:cSld>
     <p:spTree>
       <p:nvGrpSpPr>
@@ -3423,13 +4180,20 @@
           </a:ln>
         </p:spPr>
         <p:style>
-          <a:lnRef idx="0"/>
-          <a:fillRef idx="0"/>
-          <a:effectRef idx="0"/>
+          <a:lnRef idx="0">
+            <a:scrgbClr r="0" g="0" b="0"/>
+          </a:lnRef>
+          <a:fillRef idx="0">
+            <a:scrgbClr r="0" g="0" b="0"/>
+          </a:fillRef>
+          <a:effectRef idx="0">
+            <a:scrgbClr r="0" g="0" b="0"/>
+          </a:effectRef>
           <a:fontRef idx="minor"/>
         </p:style>
         <p:txBody>
-          <a:bodyPr lIns="90000" rIns="90000" tIns="45000" bIns="45000" anchor="b"/>
+          <a:bodyPr lIns="90000" tIns="45000" rIns="90000" bIns="45000" anchor="b"/>
+          <a:lstStyle/>
           <a:p>
             <a:pPr>
               <a:lnSpc>
@@ -3437,16 +4201,36 @@
               </a:lnSpc>
             </a:pPr>
             <a:r>
-              <a:rPr b="0" lang="en-US" sz="5400" spc="-92" strike="noStrike" cap="all">
+              <a:rPr lang="en-US" sz="5400" b="0" strike="noStrike" cap="all" spc="-92" dirty="0" err="1">
                 <a:solidFill>
-                  <a:srgbClr val="d2533c"/>
+                  <a:srgbClr val="D2533C"/>
                 </a:solidFill>
                 <a:latin typeface="Arial"/>
                 <a:ea typeface="DejaVu Sans"/>
               </a:rPr>
-              <a:t>Semana 2</a:t>
-            </a:r>
-            <a:endParaRPr b="0" lang="en-US" sz="5400" spc="-1" strike="noStrike">
+              <a:t>Semana</a:t>
+            </a:r>
+            <a:r>
+              <a:rPr lang="en-US" sz="5400" b="0" strike="noStrike" cap="all" spc="-92">
+                <a:solidFill>
+                  <a:srgbClr val="D2533C"/>
+                </a:solidFill>
+                <a:latin typeface="Arial"/>
+                <a:ea typeface="DejaVu Sans"/>
+              </a:rPr>
+              <a:t> </a:t>
+            </a:r>
+            <a:r>
+              <a:rPr lang="en-US" sz="5400" b="0" strike="noStrike" cap="all" spc="-92" smtClean="0">
+                <a:solidFill>
+                  <a:srgbClr val="D2533C"/>
+                </a:solidFill>
+                <a:latin typeface="Arial"/>
+                <a:ea typeface="DejaVu Sans"/>
+              </a:rPr>
+              <a:t>3</a:t>
+            </a:r>
+            <a:endParaRPr lang="en-US" sz="5400" b="0" strike="noStrike" spc="-1" dirty="0">
               <a:latin typeface="Arial"/>
             </a:endParaRPr>
           </a:p>
@@ -3472,13 +4256,20 @@
           </a:ln>
         </p:spPr>
         <p:style>
-          <a:lnRef idx="0"/>
-          <a:fillRef idx="0"/>
-          <a:effectRef idx="0"/>
+          <a:lnRef idx="0">
+            <a:scrgbClr r="0" g="0" b="0"/>
+          </a:lnRef>
+          <a:fillRef idx="0">
+            <a:scrgbClr r="0" g="0" b="0"/>
+          </a:fillRef>
+          <a:effectRef idx="0">
+            <a:scrgbClr r="0" g="0" b="0"/>
+          </a:effectRef>
           <a:fontRef idx="minor"/>
         </p:style>
         <p:txBody>
-          <a:bodyPr lIns="90000" rIns="90000" tIns="45000" bIns="45000"/>
+          <a:bodyPr lIns="90000" tIns="45000" rIns="90000" bIns="45000"/>
+          <a:lstStyle/>
           <a:p>
             <a:pPr>
               <a:lnSpc>
@@ -3489,16 +4280,16 @@
               </a:spcBef>
             </a:pPr>
             <a:r>
-              <a:rPr b="0" lang="en-US" sz="2400" spc="-1" strike="noStrike">
+              <a:rPr lang="en-US" sz="2400" b="0" strike="noStrike" spc="-1">
                 <a:solidFill>
-                  <a:srgbClr val="57576e"/>
+                  <a:srgbClr val="57576E"/>
                 </a:solidFill>
                 <a:latin typeface="Arial"/>
                 <a:ea typeface="DejaVu Sans"/>
               </a:rPr>
               <a:t>Introducción a la Programación</a:t>
             </a:r>
-            <a:endParaRPr b="0" lang="en-US" sz="2400" spc="-1" strike="noStrike">
+            <a:endParaRPr lang="en-US" sz="2400" b="0" strike="noStrike" spc="-1">
               <a:latin typeface="Arial"/>
             </a:endParaRPr>
           </a:p>
@@ -3524,13 +4315,20 @@
           </a:ln>
         </p:spPr>
         <p:style>
-          <a:lnRef idx="0"/>
-          <a:fillRef idx="0"/>
-          <a:effectRef idx="0"/>
+          <a:lnRef idx="0">
+            <a:scrgbClr r="0" g="0" b="0"/>
+          </a:lnRef>
+          <a:fillRef idx="0">
+            <a:scrgbClr r="0" g="0" b="0"/>
+          </a:fillRef>
+          <a:effectRef idx="0">
+            <a:scrgbClr r="0" g="0" b="0"/>
+          </a:effectRef>
           <a:fontRef idx="minor"/>
         </p:style>
         <p:txBody>
-          <a:bodyPr lIns="90000" rIns="90000" tIns="45000" bIns="45000"/>
+          <a:bodyPr lIns="90000" tIns="45000" rIns="90000" bIns="45000"/>
+          <a:lstStyle/>
           <a:p>
             <a:pPr>
               <a:lnSpc>
@@ -3538,7 +4336,7 @@
               </a:lnSpc>
             </a:pPr>
             <a:r>
-              <a:rPr b="0" lang="en-US" sz="1800" spc="-1" strike="noStrike">
+              <a:rPr lang="en-US" sz="1800" b="0" strike="noStrike" spc="-1">
                 <a:solidFill>
                   <a:srgbClr val="292934"/>
                 </a:solidFill>
@@ -3547,7 +4345,7 @@
               </a:rPr>
               <a:t>Por: Esteban Solórzano</a:t>
             </a:r>
-            <a:endParaRPr b="0" lang="en-US" sz="1800" spc="-1" strike="noStrike">
+            <a:endParaRPr lang="en-US" sz="1800" b="0" strike="noStrike" spc="-1">
               <a:latin typeface="Arial"/>
             </a:endParaRPr>
           </a:p>
@@ -3555,6 +4353,9 @@
       </p:sp>
     </p:spTree>
   </p:cSld>
+  <p:clrMapOvr>
+    <a:masterClrMapping/>
+  </p:clrMapOvr>
   <p:timing>
     <p:tnLst>
       <p:par>
@@ -3563,14 +4364,14 @@
             <p:seq>
               <p:cTn id="2" dur="indefinite" nodeType="mainSeq"/>
               <p:prevCondLst>
-                <p:cond delay="0" evt="onPrev">
+                <p:cond evt="onPrev" delay="0">
                   <p:tgtEl>
                     <p:sldTgt/>
                   </p:tgtEl>
                 </p:cond>
               </p:prevCondLst>
               <p:nextCondLst>
-                <p:cond delay="0" evt="onNext">
+                <p:cond evt="onNext" delay="0">
                   <p:tgtEl>
                     <p:sldTgt/>
                   </p:tgtEl>
@@ -3586,7 +4387,7 @@
 </file>
 
 <file path=ppt/slides/slide10.xml><?xml version="1.0" encoding="utf-8"?>
-<p:sld xmlns:a="http://schemas.openxmlformats.org/drawingml/2006/main" xmlns:p="http://schemas.openxmlformats.org/presentationml/2006/main" xmlns:r="http://schemas.openxmlformats.org/officeDocument/2006/relationships" xmlns:p14="http://schemas.microsoft.com/office/powerpoint/2010/main" xmlns:p15="http://schemas.microsoft.com/office/powerpoint/2012/main" xmlns:mc="http://schemas.openxmlformats.org/markup-compatibility/2006">
+<p:sld xmlns:a="http://schemas.openxmlformats.org/drawingml/2006/main" xmlns:r="http://schemas.openxmlformats.org/officeDocument/2006/relationships" xmlns:p="http://schemas.openxmlformats.org/presentationml/2006/main">
   <p:cSld>
     <p:spTree>
       <p:nvGrpSpPr>
@@ -3622,13 +4423,20 @@
           </a:ln>
         </p:spPr>
         <p:style>
-          <a:lnRef idx="0"/>
-          <a:fillRef idx="0"/>
-          <a:effectRef idx="0"/>
+          <a:lnRef idx="0">
+            <a:scrgbClr r="0" g="0" b="0"/>
+          </a:lnRef>
+          <a:fillRef idx="0">
+            <a:scrgbClr r="0" g="0" b="0"/>
+          </a:fillRef>
+          <a:effectRef idx="0">
+            <a:scrgbClr r="0" g="0" b="0"/>
+          </a:effectRef>
           <a:fontRef idx="minor"/>
         </p:style>
         <p:txBody>
-          <a:bodyPr lIns="90000" rIns="90000" tIns="45000" bIns="45000" anchor="ctr"/>
+          <a:bodyPr lIns="90000" tIns="45000" rIns="90000" bIns="45000" anchor="ctr"/>
+          <a:lstStyle/>
           <a:p>
             <a:pPr>
               <a:lnSpc>
@@ -3636,16 +4444,16 @@
               </a:lnSpc>
             </a:pPr>
             <a:r>
-              <a:rPr b="0" lang="en-US" sz="4000" spc="-92" strike="noStrike">
+              <a:rPr lang="en-US" sz="4000" b="0" strike="noStrike" spc="-92">
                 <a:solidFill>
-                  <a:srgbClr val="d2533c"/>
+                  <a:srgbClr val="D2533C"/>
                 </a:solidFill>
                 <a:latin typeface="Arial"/>
                 <a:ea typeface="DejaVu Sans"/>
               </a:rPr>
               <a:t>Diagramas de flujo</a:t>
             </a:r>
-            <a:endParaRPr b="0" lang="en-US" sz="4000" spc="-1" strike="noStrike">
+            <a:endParaRPr lang="en-US" sz="4000" b="0" strike="noStrike" spc="-1">
               <a:latin typeface="Arial"/>
             </a:endParaRPr>
           </a:p>
@@ -3671,13 +4479,20 @@
           </a:ln>
         </p:spPr>
         <p:style>
-          <a:lnRef idx="0"/>
-          <a:fillRef idx="0"/>
-          <a:effectRef idx="0"/>
+          <a:lnRef idx="0">
+            <a:scrgbClr r="0" g="0" b="0"/>
+          </a:lnRef>
+          <a:fillRef idx="0">
+            <a:scrgbClr r="0" g="0" b="0"/>
+          </a:fillRef>
+          <a:effectRef idx="0">
+            <a:scrgbClr r="0" g="0" b="0"/>
+          </a:effectRef>
           <a:fontRef idx="minor"/>
         </p:style>
         <p:txBody>
-          <a:bodyPr lIns="90000" rIns="90000" tIns="45000" bIns="45000"/>
+          <a:bodyPr lIns="90000" tIns="45000" rIns="90000" bIns="45000"/>
+          <a:lstStyle/>
           <a:p>
             <a:pPr marL="182880" indent="-181800">
               <a:lnSpc>
@@ -3687,14 +4502,14 @@
                 <a:spcPts val="479"/>
               </a:spcBef>
               <a:buClr>
-                <a:srgbClr val="93a299"/>
+                <a:srgbClr val="93A299"/>
               </a:buClr>
               <a:buSzPct val="85000"/>
               <a:buFont typeface="Arial"/>
               <a:buChar char="•"/>
             </a:pPr>
             <a:r>
-              <a:rPr b="0" lang="en-US" sz="2400" spc="-1" strike="noStrike">
+              <a:rPr lang="en-US" sz="2400" b="0" strike="noStrike" spc="-1">
                 <a:solidFill>
                   <a:srgbClr val="292934"/>
                 </a:solidFill>
@@ -3703,12 +4518,12 @@
               </a:rPr>
               <a:t>Expandamos el ejemplo</a:t>
             </a:r>
-            <a:endParaRPr b="0" lang="en-US" sz="2400" spc="-1" strike="noStrike">
-              <a:latin typeface="Arial"/>
-            </a:endParaRPr>
-          </a:p>
-          <a:p>
-            <a:pPr lvl="1" marL="457200" indent="-181800">
+            <a:endParaRPr lang="en-US" sz="2400" b="0" strike="noStrike" spc="-1">
+              <a:latin typeface="Arial"/>
+            </a:endParaRPr>
+          </a:p>
+          <a:p>
+            <a:pPr marL="457200" lvl="1" indent="-181800">
               <a:lnSpc>
                 <a:spcPct val="100000"/>
               </a:lnSpc>
@@ -3716,14 +4531,14 @@
                 <a:spcPts val="400"/>
               </a:spcBef>
               <a:buClr>
-                <a:srgbClr val="93a299"/>
+                <a:srgbClr val="93A299"/>
               </a:buClr>
               <a:buSzPct val="85000"/>
               <a:buFont typeface="Arial"/>
               <a:buChar char="•"/>
             </a:pPr>
             <a:r>
-              <a:rPr b="0" lang="en-US" sz="2000" spc="-1" strike="noStrike">
+              <a:rPr lang="en-US" sz="2000" b="0" strike="noStrike" spc="-1">
                 <a:solidFill>
                   <a:srgbClr val="292934"/>
                 </a:solidFill>
@@ -3732,12 +4547,12 @@
               </a:rPr>
               <a:t>¿Qué pasa si no tengo dinero?</a:t>
             </a:r>
-            <a:endParaRPr b="0" lang="en-US" sz="2000" spc="-1" strike="noStrike">
-              <a:latin typeface="Arial"/>
-            </a:endParaRPr>
-          </a:p>
-          <a:p>
-            <a:pPr lvl="1" marL="457200" indent="-181800">
+            <a:endParaRPr lang="en-US" sz="2000" b="0" strike="noStrike" spc="-1">
+              <a:latin typeface="Arial"/>
+            </a:endParaRPr>
+          </a:p>
+          <a:p>
+            <a:pPr marL="457200" lvl="1" indent="-181800">
               <a:lnSpc>
                 <a:spcPct val="100000"/>
               </a:lnSpc>
@@ -3745,14 +4560,14 @@
                 <a:spcPts val="400"/>
               </a:spcBef>
               <a:buClr>
-                <a:srgbClr val="93a299"/>
+                <a:srgbClr val="93A299"/>
               </a:buClr>
               <a:buSzPct val="85000"/>
               <a:buFont typeface="Arial"/>
               <a:buChar char="•"/>
             </a:pPr>
             <a:r>
-              <a:rPr b="0" lang="en-US" sz="2000" spc="-1" strike="noStrike">
+              <a:rPr lang="en-US" sz="2000" b="0" strike="noStrike" spc="-1">
                 <a:solidFill>
                   <a:srgbClr val="292934"/>
                 </a:solidFill>
@@ -3761,12 +4576,12 @@
               </a:rPr>
               <a:t>¿Qué pasa si no estoy en mi casa?</a:t>
             </a:r>
-            <a:endParaRPr b="0" lang="en-US" sz="2000" spc="-1" strike="noStrike">
-              <a:latin typeface="Arial"/>
-            </a:endParaRPr>
-          </a:p>
-          <a:p>
-            <a:pPr lvl="1" marL="457200" indent="-181800">
+            <a:endParaRPr lang="en-US" sz="2000" b="0" strike="noStrike" spc="-1">
+              <a:latin typeface="Arial"/>
+            </a:endParaRPr>
+          </a:p>
+          <a:p>
+            <a:pPr marL="457200" lvl="1" indent="-181800">
               <a:lnSpc>
                 <a:spcPct val="100000"/>
               </a:lnSpc>
@@ -3774,14 +4589,14 @@
                 <a:spcPts val="400"/>
               </a:spcBef>
               <a:buClr>
-                <a:srgbClr val="93a299"/>
+                <a:srgbClr val="93A299"/>
               </a:buClr>
               <a:buSzPct val="85000"/>
               <a:buFont typeface="Arial"/>
               <a:buChar char="•"/>
             </a:pPr>
             <a:r>
-              <a:rPr b="0" lang="en-US" sz="2000" spc="-1" strike="noStrike">
+              <a:rPr lang="en-US" sz="2000" b="0" strike="noStrike" spc="-1">
                 <a:solidFill>
                   <a:srgbClr val="292934"/>
                 </a:solidFill>
@@ -3790,7 +4605,7 @@
               </a:rPr>
               <a:t>¿Qué pasa si en mi casa no hay nada de comer?</a:t>
             </a:r>
-            <a:endParaRPr b="0" lang="en-US" sz="2000" spc="-1" strike="noStrike">
+            <a:endParaRPr lang="en-US" sz="2000" b="0" strike="noStrike" spc="-1">
               <a:latin typeface="Arial"/>
             </a:endParaRPr>
           </a:p>
@@ -3798,22 +4613,25 @@
       </p:sp>
     </p:spTree>
   </p:cSld>
+  <p:clrMapOvr>
+    <a:masterClrMapping/>
+  </p:clrMapOvr>
   <p:timing>
     <p:tnLst>
       <p:par>
-        <p:cTn id="67" dur="indefinite" restart="never" nodeType="tmRoot">
+        <p:cTn id="1" dur="indefinite" restart="never" nodeType="tmRoot">
           <p:childTnLst>
             <p:seq>
-              <p:cTn id="68" dur="indefinite" nodeType="mainSeq"/>
+              <p:cTn id="2" dur="indefinite" nodeType="mainSeq"/>
               <p:prevCondLst>
-                <p:cond delay="0" evt="onPrev">
+                <p:cond evt="onPrev" delay="0">
                   <p:tgtEl>
                     <p:sldTgt/>
                   </p:tgtEl>
                 </p:cond>
               </p:prevCondLst>
               <p:nextCondLst>
-                <p:cond delay="0" evt="onNext">
+                <p:cond evt="onNext" delay="0">
                   <p:tgtEl>
                     <p:sldTgt/>
                   </p:tgtEl>
@@ -3829,7 +4647,7 @@
 </file>
 
 <file path=ppt/slides/slide11.xml><?xml version="1.0" encoding="utf-8"?>
-<p:sld xmlns:a="http://schemas.openxmlformats.org/drawingml/2006/main" xmlns:p="http://schemas.openxmlformats.org/presentationml/2006/main" xmlns:r="http://schemas.openxmlformats.org/officeDocument/2006/relationships" xmlns:p14="http://schemas.microsoft.com/office/powerpoint/2010/main" xmlns:p15="http://schemas.microsoft.com/office/powerpoint/2012/main" xmlns:mc="http://schemas.openxmlformats.org/markup-compatibility/2006">
+<p:sld xmlns:a="http://schemas.openxmlformats.org/drawingml/2006/main" xmlns:r="http://schemas.openxmlformats.org/officeDocument/2006/relationships" xmlns:p="http://schemas.openxmlformats.org/presentationml/2006/main">
   <p:cSld>
     <p:spTree>
       <p:nvGrpSpPr>
@@ -3865,13 +4683,20 @@
           </a:ln>
         </p:spPr>
         <p:style>
-          <a:lnRef idx="0"/>
-          <a:fillRef idx="0"/>
-          <a:effectRef idx="0"/>
+          <a:lnRef idx="0">
+            <a:scrgbClr r="0" g="0" b="0"/>
+          </a:lnRef>
+          <a:fillRef idx="0">
+            <a:scrgbClr r="0" g="0" b="0"/>
+          </a:fillRef>
+          <a:effectRef idx="0">
+            <a:scrgbClr r="0" g="0" b="0"/>
+          </a:effectRef>
           <a:fontRef idx="minor"/>
         </p:style>
         <p:txBody>
-          <a:bodyPr lIns="90000" rIns="90000" tIns="45000" bIns="45000" anchor="ctr"/>
+          <a:bodyPr lIns="90000" tIns="45000" rIns="90000" bIns="45000" anchor="ctr"/>
+          <a:lstStyle/>
           <a:p>
             <a:pPr>
               <a:lnSpc>
@@ -3879,16 +4704,16 @@
               </a:lnSpc>
             </a:pPr>
             <a:r>
-              <a:rPr b="0" lang="en-US" sz="4000" spc="-92" strike="noStrike">
+              <a:rPr lang="en-US" sz="4000" b="0" strike="noStrike" spc="-92">
                 <a:solidFill>
-                  <a:srgbClr val="d2533c"/>
+                  <a:srgbClr val="D2533C"/>
                 </a:solidFill>
                 <a:latin typeface="Arial"/>
                 <a:ea typeface="DejaVu Sans"/>
               </a:rPr>
               <a:t>Diagramas de flujo – Ejemplo 2</a:t>
             </a:r>
-            <a:endParaRPr b="0" lang="en-US" sz="4000" spc="-1" strike="noStrike">
+            <a:endParaRPr lang="en-US" sz="4000" b="0" strike="noStrike" spc="-1">
               <a:latin typeface="Arial"/>
             </a:endParaRPr>
           </a:p>
@@ -3896,12 +4721,12 @@
       </p:sp>
       <p:pic>
         <p:nvPicPr>
-          <p:cNvPr id="107" name="Picture 3" descr=""/>
+          <p:cNvPr id="107" name="Picture 3"/>
           <p:cNvPicPr/>
           <p:nvPr/>
         </p:nvPicPr>
         <p:blipFill>
-          <a:blip r:embed="rId1"/>
+          <a:blip r:embed="rId2"/>
           <a:stretch/>
         </p:blipFill>
         <p:spPr>
@@ -3919,22 +4744,25 @@
       </p:pic>
     </p:spTree>
   </p:cSld>
+  <p:clrMapOvr>
+    <a:masterClrMapping/>
+  </p:clrMapOvr>
   <p:timing>
     <p:tnLst>
       <p:par>
-        <p:cTn id="69" dur="indefinite" restart="never" nodeType="tmRoot">
+        <p:cTn id="1" dur="indefinite" restart="never" nodeType="tmRoot">
           <p:childTnLst>
             <p:seq>
-              <p:cTn id="70" dur="indefinite" nodeType="mainSeq"/>
+              <p:cTn id="2" dur="indefinite" nodeType="mainSeq"/>
               <p:prevCondLst>
-                <p:cond delay="0" evt="onPrev">
+                <p:cond evt="onPrev" delay="0">
                   <p:tgtEl>
                     <p:sldTgt/>
                   </p:tgtEl>
                 </p:cond>
               </p:prevCondLst>
               <p:nextCondLst>
-                <p:cond delay="0" evt="onNext">
+                <p:cond evt="onNext" delay="0">
                   <p:tgtEl>
                     <p:sldTgt/>
                   </p:tgtEl>
@@ -3950,7 +4778,7 @@
 </file>
 
 <file path=ppt/slides/slide12.xml><?xml version="1.0" encoding="utf-8"?>
-<p:sld xmlns:a="http://schemas.openxmlformats.org/drawingml/2006/main" xmlns:p="http://schemas.openxmlformats.org/presentationml/2006/main" xmlns:r="http://schemas.openxmlformats.org/officeDocument/2006/relationships" xmlns:p14="http://schemas.microsoft.com/office/powerpoint/2010/main" xmlns:p15="http://schemas.microsoft.com/office/powerpoint/2012/main" xmlns:mc="http://schemas.openxmlformats.org/markup-compatibility/2006">
+<p:sld xmlns:a="http://schemas.openxmlformats.org/drawingml/2006/main" xmlns:r="http://schemas.openxmlformats.org/officeDocument/2006/relationships" xmlns:p="http://schemas.openxmlformats.org/presentationml/2006/main">
   <p:cSld>
     <p:spTree>
       <p:nvGrpSpPr>
@@ -3986,13 +4814,20 @@
           </a:ln>
         </p:spPr>
         <p:style>
-          <a:lnRef idx="0"/>
-          <a:fillRef idx="0"/>
-          <a:effectRef idx="0"/>
+          <a:lnRef idx="0">
+            <a:scrgbClr r="0" g="0" b="0"/>
+          </a:lnRef>
+          <a:fillRef idx="0">
+            <a:scrgbClr r="0" g="0" b="0"/>
+          </a:fillRef>
+          <a:effectRef idx="0">
+            <a:scrgbClr r="0" g="0" b="0"/>
+          </a:effectRef>
           <a:fontRef idx="minor"/>
         </p:style>
         <p:txBody>
-          <a:bodyPr lIns="90000" rIns="90000" tIns="45000" bIns="45000" anchor="ctr"/>
+          <a:bodyPr lIns="90000" tIns="45000" rIns="90000" bIns="45000" anchor="ctr"/>
+          <a:lstStyle/>
           <a:p>
             <a:pPr>
               <a:lnSpc>
@@ -4000,16 +4835,16 @@
               </a:lnSpc>
             </a:pPr>
             <a:r>
-              <a:rPr b="0" lang="en-US" sz="4000" spc="-92" strike="noStrike">
+              <a:rPr lang="en-US" sz="4000" b="0" strike="noStrike" spc="-92">
                 <a:solidFill>
-                  <a:srgbClr val="d2533c"/>
+                  <a:srgbClr val="D2533C"/>
                 </a:solidFill>
                 <a:latin typeface="Arial"/>
                 <a:ea typeface="DejaVu Sans"/>
               </a:rPr>
               <a:t>Diagramas de flujo – Ejemplo 3</a:t>
             </a:r>
-            <a:endParaRPr b="0" lang="en-US" sz="4000" spc="-1" strike="noStrike">
+            <a:endParaRPr lang="en-US" sz="4000" b="0" strike="noStrike" spc="-1">
               <a:latin typeface="Arial"/>
             </a:endParaRPr>
           </a:p>
@@ -4035,13 +4870,20 @@
           </a:ln>
         </p:spPr>
         <p:style>
-          <a:lnRef idx="0"/>
-          <a:fillRef idx="0"/>
-          <a:effectRef idx="0"/>
+          <a:lnRef idx="0">
+            <a:scrgbClr r="0" g="0" b="0"/>
+          </a:lnRef>
+          <a:fillRef idx="0">
+            <a:scrgbClr r="0" g="0" b="0"/>
+          </a:fillRef>
+          <a:effectRef idx="0">
+            <a:scrgbClr r="0" g="0" b="0"/>
+          </a:effectRef>
           <a:fontRef idx="minor"/>
         </p:style>
         <p:txBody>
-          <a:bodyPr lIns="90000" rIns="90000" tIns="45000" bIns="45000"/>
+          <a:bodyPr lIns="90000" tIns="45000" rIns="90000" bIns="45000"/>
+          <a:lstStyle/>
           <a:p>
             <a:pPr marL="182880" indent="-181800">
               <a:lnSpc>
@@ -4051,14 +4893,14 @@
                 <a:spcPts val="479"/>
               </a:spcBef>
               <a:buClr>
-                <a:srgbClr val="93a299"/>
+                <a:srgbClr val="93A299"/>
               </a:buClr>
               <a:buSzPct val="85000"/>
               <a:buFont typeface="Arial"/>
               <a:buChar char="•"/>
             </a:pPr>
             <a:r>
-              <a:rPr b="0" lang="en-US" sz="2400" spc="-1" strike="noStrike">
+              <a:rPr lang="en-US" sz="2400" b="0" strike="noStrike" spc="-1">
                 <a:solidFill>
                   <a:srgbClr val="292934"/>
                 </a:solidFill>
@@ -4067,12 +4909,12 @@
               </a:rPr>
               <a:t>Algoritmo</a:t>
             </a:r>
-            <a:endParaRPr b="0" lang="en-US" sz="2400" spc="-1" strike="noStrike">
-              <a:latin typeface="Arial"/>
-            </a:endParaRPr>
-          </a:p>
-          <a:p>
-            <a:pPr lvl="1" marL="457200" indent="-181800">
+            <a:endParaRPr lang="en-US" sz="2400" b="0" strike="noStrike" spc="-1">
+              <a:latin typeface="Arial"/>
+            </a:endParaRPr>
+          </a:p>
+          <a:p>
+            <a:pPr marL="457200" lvl="1" indent="-181800">
               <a:lnSpc>
                 <a:spcPct val="100000"/>
               </a:lnSpc>
@@ -4080,14 +4922,14 @@
                 <a:spcPts val="400"/>
               </a:spcBef>
               <a:buClr>
-                <a:srgbClr val="93a299"/>
+                <a:srgbClr val="93A299"/>
               </a:buClr>
               <a:buSzPct val="85000"/>
               <a:buFont typeface="Arial"/>
               <a:buChar char="•"/>
             </a:pPr>
             <a:r>
-              <a:rPr b="0" lang="en-US" sz="2000" spc="-1" strike="noStrike">
+              <a:rPr lang="en-US" sz="2000" b="0" strike="noStrike" spc="-1">
                 <a:solidFill>
                   <a:srgbClr val="292934"/>
                 </a:solidFill>
@@ -4096,12 +4938,12 @@
               </a:rPr>
               <a:t>1. Inicio </a:t>
             </a:r>
-            <a:endParaRPr b="0" lang="en-US" sz="2000" spc="-1" strike="noStrike">
-              <a:latin typeface="Arial"/>
-            </a:endParaRPr>
-          </a:p>
-          <a:p>
-            <a:pPr lvl="1" marL="457200" indent="-181800">
+            <a:endParaRPr lang="en-US" sz="2000" b="0" strike="noStrike" spc="-1">
+              <a:latin typeface="Arial"/>
+            </a:endParaRPr>
+          </a:p>
+          <a:p>
+            <a:pPr marL="457200" lvl="1" indent="-181800">
               <a:lnSpc>
                 <a:spcPct val="100000"/>
               </a:lnSpc>
@@ -4109,14 +4951,14 @@
                 <a:spcPts val="400"/>
               </a:spcBef>
               <a:buClr>
-                <a:srgbClr val="93a299"/>
+                <a:srgbClr val="93A299"/>
               </a:buClr>
               <a:buSzPct val="85000"/>
               <a:buFont typeface="Arial"/>
               <a:buChar char="•"/>
             </a:pPr>
             <a:r>
-              <a:rPr b="0" lang="en-US" sz="2000" spc="-1" strike="noStrike">
+              <a:rPr lang="en-US" sz="2000" b="0" strike="noStrike" spc="-1">
                 <a:solidFill>
                   <a:srgbClr val="292934"/>
                 </a:solidFill>
@@ -4125,12 +4967,12 @@
               </a:rPr>
               <a:t>2. Leer el valor de A</a:t>
             </a:r>
-            <a:endParaRPr b="0" lang="en-US" sz="2000" spc="-1" strike="noStrike">
-              <a:latin typeface="Arial"/>
-            </a:endParaRPr>
-          </a:p>
-          <a:p>
-            <a:pPr lvl="1" marL="457200" indent="-181800">
+            <a:endParaRPr lang="en-US" sz="2000" b="0" strike="noStrike" spc="-1">
+              <a:latin typeface="Arial"/>
+            </a:endParaRPr>
+          </a:p>
+          <a:p>
+            <a:pPr marL="457200" lvl="1" indent="-181800">
               <a:lnSpc>
                 <a:spcPct val="100000"/>
               </a:lnSpc>
@@ -4138,14 +4980,14 @@
                 <a:spcPts val="400"/>
               </a:spcBef>
               <a:buClr>
-                <a:srgbClr val="93a299"/>
+                <a:srgbClr val="93A299"/>
               </a:buClr>
               <a:buSzPct val="85000"/>
               <a:buFont typeface="Arial"/>
               <a:buChar char="•"/>
             </a:pPr>
             <a:r>
-              <a:rPr b="0" lang="en-US" sz="2000" spc="-1" strike="noStrike">
+              <a:rPr lang="en-US" sz="2000" b="0" strike="noStrike" spc="-1">
                 <a:solidFill>
                   <a:srgbClr val="292934"/>
                 </a:solidFill>
@@ -4154,12 +4996,12 @@
               </a:rPr>
               <a:t>2. Leer el valor de B</a:t>
             </a:r>
-            <a:endParaRPr b="0" lang="en-US" sz="2000" spc="-1" strike="noStrike">
-              <a:latin typeface="Arial"/>
-            </a:endParaRPr>
-          </a:p>
-          <a:p>
-            <a:pPr lvl="1" marL="457200" indent="-181800">
+            <a:endParaRPr lang="en-US" sz="2000" b="0" strike="noStrike" spc="-1">
+              <a:latin typeface="Arial"/>
+            </a:endParaRPr>
+          </a:p>
+          <a:p>
+            <a:pPr marL="457200" lvl="1" indent="-181800">
               <a:lnSpc>
                 <a:spcPct val="100000"/>
               </a:lnSpc>
@@ -4167,14 +5009,14 @@
                 <a:spcPts val="400"/>
               </a:spcBef>
               <a:buClr>
-                <a:srgbClr val="93a299"/>
+                <a:srgbClr val="93A299"/>
               </a:buClr>
               <a:buSzPct val="85000"/>
               <a:buFont typeface="Arial"/>
               <a:buChar char="•"/>
             </a:pPr>
             <a:r>
-              <a:rPr b="0" lang="en-US" sz="2000" spc="-1" strike="noStrike">
+              <a:rPr lang="en-US" sz="2000" b="0" strike="noStrike" spc="-1">
                 <a:solidFill>
                   <a:srgbClr val="292934"/>
                 </a:solidFill>
@@ -4183,12 +5025,12 @@
               </a:rPr>
               <a:t>3. Si A es mayor a B </a:t>
             </a:r>
-            <a:endParaRPr b="0" lang="en-US" sz="2000" spc="-1" strike="noStrike">
-              <a:latin typeface="Arial"/>
-            </a:endParaRPr>
-          </a:p>
-          <a:p>
-            <a:pPr lvl="2" marL="648000" indent="-215640">
+            <a:endParaRPr lang="en-US" sz="2000" b="0" strike="noStrike" spc="-1">
+              <a:latin typeface="Arial"/>
+            </a:endParaRPr>
+          </a:p>
+          <a:p>
+            <a:pPr marL="648000" lvl="2" indent="-215640">
               <a:lnSpc>
                 <a:spcPct val="100000"/>
               </a:lnSpc>
@@ -4203,7 +5045,7 @@
               <a:buChar char=""/>
             </a:pPr>
             <a:r>
-              <a:rPr b="0" lang="en-US" sz="2000" spc="-1" strike="noStrike">
+              <a:rPr lang="en-US" sz="2000" b="0" strike="noStrike" spc="-1">
                 <a:solidFill>
                   <a:srgbClr val="292934"/>
                 </a:solidFill>
@@ -4212,12 +5054,12 @@
               </a:rPr>
               <a:t>Imprima “A es mayor a B” </a:t>
             </a:r>
-            <a:endParaRPr b="0" lang="en-US" sz="2000" spc="-1" strike="noStrike">
-              <a:latin typeface="Arial"/>
-            </a:endParaRPr>
-          </a:p>
-          <a:p>
-            <a:pPr lvl="1" marL="457200" indent="-181800">
+            <a:endParaRPr lang="en-US" sz="2000" b="0" strike="noStrike" spc="-1">
+              <a:latin typeface="Arial"/>
+            </a:endParaRPr>
+          </a:p>
+          <a:p>
+            <a:pPr marL="457200" lvl="1" indent="-181800">
               <a:lnSpc>
                 <a:spcPct val="100000"/>
               </a:lnSpc>
@@ -4225,14 +5067,14 @@
                 <a:spcPts val="400"/>
               </a:spcBef>
               <a:buClr>
-                <a:srgbClr val="93a299"/>
+                <a:srgbClr val="93A299"/>
               </a:buClr>
               <a:buSzPct val="85000"/>
               <a:buFont typeface="Arial"/>
               <a:buChar char="•"/>
             </a:pPr>
             <a:r>
-              <a:rPr b="0" lang="en-US" sz="2000" spc="-1" strike="noStrike">
+              <a:rPr lang="en-US" sz="2000" b="0" strike="noStrike" spc="-1">
                 <a:solidFill>
                   <a:srgbClr val="292934"/>
                 </a:solidFill>
@@ -4241,12 +5083,12 @@
               </a:rPr>
               <a:t>4. Si B es mayor a a </a:t>
             </a:r>
-            <a:endParaRPr b="0" lang="en-US" sz="2000" spc="-1" strike="noStrike">
-              <a:latin typeface="Arial"/>
-            </a:endParaRPr>
-          </a:p>
-          <a:p>
-            <a:pPr lvl="2" marL="648000" indent="-215640">
+            <a:endParaRPr lang="en-US" sz="2000" b="0" strike="noStrike" spc="-1">
+              <a:latin typeface="Arial"/>
+            </a:endParaRPr>
+          </a:p>
+          <a:p>
+            <a:pPr marL="648000" lvl="2" indent="-215640">
               <a:lnSpc>
                 <a:spcPct val="100000"/>
               </a:lnSpc>
@@ -4261,7 +5103,7 @@
               <a:buChar char=""/>
             </a:pPr>
             <a:r>
-              <a:rPr b="0" lang="en-US" sz="2000" spc="-1" strike="noStrike">
+              <a:rPr lang="en-US" sz="2000" b="0" strike="noStrike" spc="-1">
                 <a:solidFill>
                   <a:srgbClr val="292934"/>
                 </a:solidFill>
@@ -4270,12 +5112,12 @@
               </a:rPr>
               <a:t>Imprima “B es mayor a A”</a:t>
             </a:r>
-            <a:endParaRPr b="0" lang="en-US" sz="2000" spc="-1" strike="noStrike">
-              <a:latin typeface="Arial"/>
-            </a:endParaRPr>
-          </a:p>
-          <a:p>
-            <a:pPr lvl="1" marL="457200" indent="-181800">
+            <a:endParaRPr lang="en-US" sz="2000" b="0" strike="noStrike" spc="-1">
+              <a:latin typeface="Arial"/>
+            </a:endParaRPr>
+          </a:p>
+          <a:p>
+            <a:pPr marL="457200" lvl="1" indent="-181800">
               <a:lnSpc>
                 <a:spcPct val="100000"/>
               </a:lnSpc>
@@ -4283,14 +5125,14 @@
                 <a:spcPts val="400"/>
               </a:spcBef>
               <a:buClr>
-                <a:srgbClr val="93a299"/>
+                <a:srgbClr val="93A299"/>
               </a:buClr>
               <a:buSzPct val="85000"/>
               <a:buFont typeface="Arial"/>
               <a:buChar char="•"/>
             </a:pPr>
             <a:r>
-              <a:rPr b="0" lang="en-US" sz="2000" spc="-1" strike="noStrike">
+              <a:rPr lang="en-US" sz="2000" b="0" strike="noStrike" spc="-1">
                 <a:solidFill>
                   <a:srgbClr val="292934"/>
                 </a:solidFill>
@@ -4299,12 +5141,12 @@
               </a:rPr>
               <a:t>5. Si A es igual a B</a:t>
             </a:r>
-            <a:endParaRPr b="0" lang="en-US" sz="2000" spc="-1" strike="noStrike">
-              <a:latin typeface="Arial"/>
-            </a:endParaRPr>
-          </a:p>
-          <a:p>
-            <a:pPr lvl="2" marL="648000" indent="-215640">
+            <a:endParaRPr lang="en-US" sz="2000" b="0" strike="noStrike" spc="-1">
+              <a:latin typeface="Arial"/>
+            </a:endParaRPr>
+          </a:p>
+          <a:p>
+            <a:pPr marL="648000" lvl="2" indent="-215640">
               <a:lnSpc>
                 <a:spcPct val="100000"/>
               </a:lnSpc>
@@ -4319,7 +5161,7 @@
               <a:buChar char=""/>
             </a:pPr>
             <a:r>
-              <a:rPr b="0" lang="en-US" sz="2000" spc="-1" strike="noStrike">
+              <a:rPr lang="en-US" sz="2000" b="0" strike="noStrike" spc="-1">
                 <a:solidFill>
                   <a:srgbClr val="292934"/>
                 </a:solidFill>
@@ -4328,12 +5170,12 @@
               </a:rPr>
               <a:t>Imprima “A es igual a B”</a:t>
             </a:r>
-            <a:endParaRPr b="0" lang="en-US" sz="2000" spc="-1" strike="noStrike">
-              <a:latin typeface="Arial"/>
-            </a:endParaRPr>
-          </a:p>
-          <a:p>
-            <a:pPr lvl="1" marL="457200" indent="-181800">
+            <a:endParaRPr lang="en-US" sz="2000" b="0" strike="noStrike" spc="-1">
+              <a:latin typeface="Arial"/>
+            </a:endParaRPr>
+          </a:p>
+          <a:p>
+            <a:pPr marL="457200" lvl="1" indent="-181800">
               <a:lnSpc>
                 <a:spcPct val="100000"/>
               </a:lnSpc>
@@ -4341,14 +5183,14 @@
                 <a:spcPts val="400"/>
               </a:spcBef>
               <a:buClr>
-                <a:srgbClr val="93a299"/>
+                <a:srgbClr val="93A299"/>
               </a:buClr>
               <a:buSzPct val="85000"/>
               <a:buFont typeface="Arial"/>
               <a:buChar char="•"/>
             </a:pPr>
             <a:r>
-              <a:rPr b="0" lang="en-US" sz="2000" spc="-1" strike="noStrike">
+              <a:rPr lang="en-US" sz="2000" b="0" strike="noStrike" spc="-1">
                 <a:solidFill>
                   <a:srgbClr val="292934"/>
                 </a:solidFill>
@@ -4357,7 +5199,7 @@
               </a:rPr>
               <a:t>9. Fin</a:t>
             </a:r>
-            <a:endParaRPr b="0" lang="en-US" sz="2000" spc="-1" strike="noStrike">
+            <a:endParaRPr lang="en-US" sz="2000" b="0" strike="noStrike" spc="-1">
               <a:latin typeface="Arial"/>
             </a:endParaRPr>
           </a:p>
@@ -4370,14 +5212,14 @@
                 <a:spcPts val="479"/>
               </a:spcBef>
               <a:buClr>
-                <a:srgbClr val="93a299"/>
+                <a:srgbClr val="93A299"/>
               </a:buClr>
               <a:buSzPct val="85000"/>
               <a:buFont typeface="Arial"/>
               <a:buChar char="•"/>
             </a:pPr>
             <a:r>
-              <a:rPr b="0" lang="en-US" sz="2400" spc="-1" strike="noStrike">
+              <a:rPr lang="en-US" sz="2400" b="0" strike="noStrike" spc="-1">
                 <a:solidFill>
                   <a:srgbClr val="292934"/>
                 </a:solidFill>
@@ -4386,7 +5228,7 @@
               </a:rPr>
               <a:t>Dibuje un diagrama de flujo que represte este algoritmo</a:t>
             </a:r>
-            <a:endParaRPr b="0" lang="en-US" sz="2400" spc="-1" strike="noStrike">
+            <a:endParaRPr lang="en-US" sz="2400" b="0" strike="noStrike" spc="-1">
               <a:latin typeface="Arial"/>
             </a:endParaRPr>
           </a:p>
@@ -4394,22 +5236,25 @@
       </p:sp>
     </p:spTree>
   </p:cSld>
+  <p:clrMapOvr>
+    <a:masterClrMapping/>
+  </p:clrMapOvr>
   <p:timing>
     <p:tnLst>
       <p:par>
-        <p:cTn id="71" dur="indefinite" restart="never" nodeType="tmRoot">
+        <p:cTn id="1" dur="indefinite" restart="never" nodeType="tmRoot">
           <p:childTnLst>
             <p:seq>
-              <p:cTn id="72" dur="indefinite" nodeType="mainSeq"/>
+              <p:cTn id="2" dur="indefinite" nodeType="mainSeq"/>
               <p:prevCondLst>
-                <p:cond delay="0" evt="onPrev">
+                <p:cond evt="onPrev" delay="0">
                   <p:tgtEl>
                     <p:sldTgt/>
                   </p:tgtEl>
                 </p:cond>
               </p:prevCondLst>
               <p:nextCondLst>
-                <p:cond delay="0" evt="onNext">
+                <p:cond evt="onNext" delay="0">
                   <p:tgtEl>
                     <p:sldTgt/>
                   </p:tgtEl>
@@ -4425,7 +5270,7 @@
 </file>
 
 <file path=ppt/slides/slide13.xml><?xml version="1.0" encoding="utf-8"?>
-<p:sld xmlns:a="http://schemas.openxmlformats.org/drawingml/2006/main" xmlns:p="http://schemas.openxmlformats.org/presentationml/2006/main" xmlns:r="http://schemas.openxmlformats.org/officeDocument/2006/relationships" xmlns:p14="http://schemas.microsoft.com/office/powerpoint/2010/main" xmlns:p15="http://schemas.microsoft.com/office/powerpoint/2012/main" xmlns:mc="http://schemas.openxmlformats.org/markup-compatibility/2006">
+<p:sld xmlns:a="http://schemas.openxmlformats.org/drawingml/2006/main" xmlns:r="http://schemas.openxmlformats.org/officeDocument/2006/relationships" xmlns:p="http://schemas.openxmlformats.org/presentationml/2006/main">
   <p:cSld>
     <p:spTree>
       <p:nvGrpSpPr>
@@ -4461,13 +5306,20 @@
           </a:ln>
         </p:spPr>
         <p:style>
-          <a:lnRef idx="0"/>
-          <a:fillRef idx="0"/>
-          <a:effectRef idx="0"/>
+          <a:lnRef idx="0">
+            <a:scrgbClr r="0" g="0" b="0"/>
+          </a:lnRef>
+          <a:fillRef idx="0">
+            <a:scrgbClr r="0" g="0" b="0"/>
+          </a:fillRef>
+          <a:effectRef idx="0">
+            <a:scrgbClr r="0" g="0" b="0"/>
+          </a:effectRef>
           <a:fontRef idx="minor"/>
         </p:style>
         <p:txBody>
-          <a:bodyPr lIns="90000" rIns="90000" tIns="45000" bIns="45000" anchor="ctr"/>
+          <a:bodyPr lIns="90000" tIns="45000" rIns="90000" bIns="45000" anchor="ctr"/>
+          <a:lstStyle/>
           <a:p>
             <a:pPr>
               <a:lnSpc>
@@ -4475,16 +5327,16 @@
               </a:lnSpc>
             </a:pPr>
             <a:r>
-              <a:rPr b="0" lang="en-US" sz="4000" spc="-92" strike="noStrike">
+              <a:rPr lang="en-US" sz="4000" b="0" strike="noStrike" spc="-92">
                 <a:solidFill>
-                  <a:srgbClr val="d2533c"/>
+                  <a:srgbClr val="D2533C"/>
                 </a:solidFill>
                 <a:latin typeface="Arial"/>
                 <a:ea typeface="DejaVu Sans"/>
               </a:rPr>
               <a:t>Diagramas de flujo – Ejemplo 4</a:t>
             </a:r>
-            <a:endParaRPr b="0" lang="en-US" sz="4000" spc="-1" strike="noStrike">
+            <a:endParaRPr lang="en-US" sz="4000" b="0" strike="noStrike" spc="-1">
               <a:latin typeface="Arial"/>
             </a:endParaRPr>
           </a:p>
@@ -4492,12 +5344,12 @@
       </p:sp>
       <p:pic>
         <p:nvPicPr>
-          <p:cNvPr id="111" name="Picture 4" descr=""/>
+          <p:cNvPr id="111" name="Picture 4"/>
           <p:cNvPicPr/>
           <p:nvPr/>
         </p:nvPicPr>
         <p:blipFill>
-          <a:blip r:embed="rId1"/>
+          <a:blip r:embed="rId2"/>
           <a:stretch/>
         </p:blipFill>
         <p:spPr>
@@ -4515,22 +5367,25 @@
       </p:pic>
     </p:spTree>
   </p:cSld>
+  <p:clrMapOvr>
+    <a:masterClrMapping/>
+  </p:clrMapOvr>
   <p:timing>
     <p:tnLst>
       <p:par>
-        <p:cTn id="73" dur="indefinite" restart="never" nodeType="tmRoot">
+        <p:cTn id="1" dur="indefinite" restart="never" nodeType="tmRoot">
           <p:childTnLst>
             <p:seq>
-              <p:cTn id="74" dur="indefinite" nodeType="mainSeq"/>
+              <p:cTn id="2" dur="indefinite" nodeType="mainSeq"/>
               <p:prevCondLst>
-                <p:cond delay="0" evt="onPrev">
+                <p:cond evt="onPrev" delay="0">
                   <p:tgtEl>
                     <p:sldTgt/>
                   </p:tgtEl>
                 </p:cond>
               </p:prevCondLst>
               <p:nextCondLst>
-                <p:cond delay="0" evt="onNext">
+                <p:cond evt="onNext" delay="0">
                   <p:tgtEl>
                     <p:sldTgt/>
                   </p:tgtEl>
@@ -4546,7 +5401,7 @@
 </file>
 
 <file path=ppt/slides/slide14.xml><?xml version="1.0" encoding="utf-8"?>
-<p:sld xmlns:a="http://schemas.openxmlformats.org/drawingml/2006/main" xmlns:p="http://schemas.openxmlformats.org/presentationml/2006/main" xmlns:r="http://schemas.openxmlformats.org/officeDocument/2006/relationships" xmlns:p14="http://schemas.microsoft.com/office/powerpoint/2010/main" xmlns:p15="http://schemas.microsoft.com/office/powerpoint/2012/main" xmlns:mc="http://schemas.openxmlformats.org/markup-compatibility/2006">
+<p:sld xmlns:a="http://schemas.openxmlformats.org/drawingml/2006/main" xmlns:r="http://schemas.openxmlformats.org/officeDocument/2006/relationships" xmlns:p="http://schemas.openxmlformats.org/presentationml/2006/main">
   <p:cSld>
     <p:spTree>
       <p:nvGrpSpPr>
@@ -4582,15 +5437,22 @@
           </a:ln>
         </p:spPr>
         <p:style>
-          <a:lnRef idx="0"/>
-          <a:fillRef idx="0"/>
-          <a:effectRef idx="0"/>
+          <a:lnRef idx="0">
+            <a:scrgbClr r="0" g="0" b="0"/>
+          </a:lnRef>
+          <a:fillRef idx="0">
+            <a:scrgbClr r="0" g="0" b="0"/>
+          </a:fillRef>
+          <a:effectRef idx="0">
+            <a:scrgbClr r="0" g="0" b="0"/>
+          </a:effectRef>
           <a:fontRef idx="minor"/>
         </p:style>
         <p:txBody>
-          <a:bodyPr lIns="90000" rIns="90000" tIns="45000" bIns="45000" anchor="ctr">
-            <a:normAutofit/>
+          <a:bodyPr lIns="90000" tIns="45000" rIns="90000" bIns="45000" anchor="ctr">
+            <a:normAutofit fontScale="92500"/>
           </a:bodyPr>
+          <a:lstStyle/>
           <a:p>
             <a:pPr>
               <a:lnSpc>
@@ -4598,16 +5460,16 @@
               </a:lnSpc>
             </a:pPr>
             <a:r>
-              <a:rPr b="0" lang="en-US" sz="4000" spc="-92" strike="noStrike">
+              <a:rPr lang="en-US" sz="4000" b="0" strike="noStrike" spc="-92">
                 <a:solidFill>
-                  <a:srgbClr val="d2533c"/>
+                  <a:srgbClr val="D2533C"/>
                 </a:solidFill>
                 <a:latin typeface="Arial"/>
                 <a:ea typeface="DejaVu Sans"/>
               </a:rPr>
               <a:t>Diagrama de flujo y pensamiento lógico</a:t>
             </a:r>
-            <a:endParaRPr b="0" lang="en-US" sz="4000" spc="-1" strike="noStrike">
+            <a:endParaRPr lang="en-US" sz="4000" b="0" strike="noStrike" spc="-1">
               <a:latin typeface="Arial"/>
             </a:endParaRPr>
           </a:p>
@@ -4633,13 +5495,20 @@
           </a:ln>
         </p:spPr>
         <p:style>
-          <a:lnRef idx="0"/>
-          <a:fillRef idx="0"/>
-          <a:effectRef idx="0"/>
+          <a:lnRef idx="0">
+            <a:scrgbClr r="0" g="0" b="0"/>
+          </a:lnRef>
+          <a:fillRef idx="0">
+            <a:scrgbClr r="0" g="0" b="0"/>
+          </a:fillRef>
+          <a:effectRef idx="0">
+            <a:scrgbClr r="0" g="0" b="0"/>
+          </a:effectRef>
           <a:fontRef idx="minor"/>
         </p:style>
         <p:txBody>
-          <a:bodyPr lIns="90000" rIns="90000" tIns="45000" bIns="45000"/>
+          <a:bodyPr lIns="90000" tIns="45000" rIns="90000" bIns="45000"/>
+          <a:lstStyle/>
           <a:p>
             <a:pPr marL="182880" indent="-181800">
               <a:lnSpc>
@@ -4649,14 +5518,14 @@
                 <a:spcPts val="479"/>
               </a:spcBef>
               <a:buClr>
-                <a:srgbClr val="93a299"/>
+                <a:srgbClr val="93A299"/>
               </a:buClr>
               <a:buSzPct val="85000"/>
               <a:buFont typeface="Arial"/>
               <a:buChar char="•"/>
             </a:pPr>
             <a:r>
-              <a:rPr b="0" lang="en-US" sz="2400" spc="-1" strike="noStrike">
+              <a:rPr lang="en-US" sz="2400" b="0" strike="noStrike" spc="-1">
                 <a:solidFill>
                   <a:srgbClr val="292934"/>
                 </a:solidFill>
@@ -4665,12 +5534,12 @@
               </a:rPr>
               <a:t>Ejercicio 1</a:t>
             </a:r>
-            <a:endParaRPr b="0" lang="en-US" sz="2400" spc="-1" strike="noStrike">
-              <a:latin typeface="Arial"/>
-            </a:endParaRPr>
-          </a:p>
-          <a:p>
-            <a:pPr lvl="1" marL="457200" indent="-181800">
+            <a:endParaRPr lang="en-US" sz="2400" b="0" strike="noStrike" spc="-1">
+              <a:latin typeface="Arial"/>
+            </a:endParaRPr>
+          </a:p>
+          <a:p>
+            <a:pPr marL="457200" lvl="1" indent="-181800">
               <a:lnSpc>
                 <a:spcPct val="100000"/>
               </a:lnSpc>
@@ -4678,14 +5547,14 @@
                 <a:spcPts val="400"/>
               </a:spcBef>
               <a:buClr>
-                <a:srgbClr val="93a299"/>
+                <a:srgbClr val="93A299"/>
               </a:buClr>
               <a:buSzPct val="85000"/>
               <a:buFont typeface="Arial"/>
               <a:buChar char="•"/>
             </a:pPr>
             <a:r>
-              <a:rPr b="0" lang="en-US" sz="2000" spc="-1" strike="noStrike">
+              <a:rPr lang="en-US" sz="2000" b="0" strike="noStrike" spc="-1">
                 <a:solidFill>
                   <a:srgbClr val="292934"/>
                 </a:solidFill>
@@ -4694,12 +5563,12 @@
               </a:rPr>
               <a:t>Cree un algoritmo para determinar si un número de tipo entero es par o impar.</a:t>
             </a:r>
-            <a:endParaRPr b="0" lang="en-US" sz="2000" spc="-1" strike="noStrike">
-              <a:latin typeface="Arial"/>
-            </a:endParaRPr>
-          </a:p>
-          <a:p>
-            <a:pPr lvl="1" marL="457200" indent="-181800">
+            <a:endParaRPr lang="en-US" sz="2000" b="0" strike="noStrike" spc="-1">
+              <a:latin typeface="Arial"/>
+            </a:endParaRPr>
+          </a:p>
+          <a:p>
+            <a:pPr marL="457200" lvl="1" indent="-181800">
               <a:lnSpc>
                 <a:spcPct val="100000"/>
               </a:lnSpc>
@@ -4707,14 +5576,14 @@
                 <a:spcPts val="400"/>
               </a:spcBef>
               <a:buClr>
-                <a:srgbClr val="93a299"/>
+                <a:srgbClr val="93A299"/>
               </a:buClr>
               <a:buSzPct val="85000"/>
               <a:buFont typeface="Arial"/>
               <a:buChar char="•"/>
             </a:pPr>
             <a:r>
-              <a:rPr b="0" lang="en-US" sz="2000" spc="-1" strike="noStrike">
+              <a:rPr lang="en-US" sz="2000" b="0" strike="noStrike" spc="-1">
                 <a:solidFill>
                   <a:srgbClr val="292934"/>
                 </a:solidFill>
@@ -4723,12 +5592,12 @@
               </a:rPr>
               <a:t>Una vez que se haya determinado si el número es par o impar, debe mostrar un mensaje que lo indique.</a:t>
             </a:r>
-            <a:endParaRPr b="0" lang="en-US" sz="2000" spc="-1" strike="noStrike">
-              <a:latin typeface="Arial"/>
-            </a:endParaRPr>
-          </a:p>
-          <a:p>
-            <a:pPr lvl="1" marL="457200" indent="-181800">
+            <a:endParaRPr lang="en-US" sz="2000" b="0" strike="noStrike" spc="-1">
+              <a:latin typeface="Arial"/>
+            </a:endParaRPr>
+          </a:p>
+          <a:p>
+            <a:pPr marL="457200" lvl="1" indent="-181800">
               <a:lnSpc>
                 <a:spcPct val="100000"/>
               </a:lnSpc>
@@ -4736,14 +5605,14 @@
                 <a:spcPts val="400"/>
               </a:spcBef>
               <a:buClr>
-                <a:srgbClr val="93a299"/>
+                <a:srgbClr val="93A299"/>
               </a:buClr>
               <a:buSzPct val="85000"/>
               <a:buFont typeface="Arial"/>
               <a:buChar char="•"/>
             </a:pPr>
             <a:r>
-              <a:rPr b="0" lang="en-US" sz="2000" spc="-1" strike="noStrike">
+              <a:rPr lang="en-US" sz="2000" b="0" strike="noStrike" spc="-1">
                 <a:solidFill>
                   <a:srgbClr val="292934"/>
                 </a:solidFill>
@@ -4752,7 +5621,7 @@
               </a:rPr>
               <a:t>Dibuje el diagrama de flujo que represente este algoritmo</a:t>
             </a:r>
-            <a:endParaRPr b="0" lang="en-US" sz="2000" spc="-1" strike="noStrike">
+            <a:endParaRPr lang="en-US" sz="2000" b="0" strike="noStrike" spc="-1">
               <a:latin typeface="Arial"/>
             </a:endParaRPr>
           </a:p>
@@ -4760,22 +5629,25 @@
       </p:sp>
     </p:spTree>
   </p:cSld>
+  <p:clrMapOvr>
+    <a:masterClrMapping/>
+  </p:clrMapOvr>
   <p:timing>
     <p:tnLst>
       <p:par>
-        <p:cTn id="75" dur="indefinite" restart="never" nodeType="tmRoot">
+        <p:cTn id="1" dur="indefinite" restart="never" nodeType="tmRoot">
           <p:childTnLst>
             <p:seq>
-              <p:cTn id="76" dur="indefinite" nodeType="mainSeq"/>
+              <p:cTn id="2" dur="indefinite" nodeType="mainSeq"/>
               <p:prevCondLst>
-                <p:cond delay="0" evt="onPrev">
+                <p:cond evt="onPrev" delay="0">
                   <p:tgtEl>
                     <p:sldTgt/>
                   </p:tgtEl>
                 </p:cond>
               </p:prevCondLst>
               <p:nextCondLst>
-                <p:cond delay="0" evt="onNext">
+                <p:cond evt="onNext" delay="0">
                   <p:tgtEl>
                     <p:sldTgt/>
                   </p:tgtEl>
@@ -4791,7 +5663,7 @@
 </file>
 
 <file path=ppt/slides/slide15.xml><?xml version="1.0" encoding="utf-8"?>
-<p:sld xmlns:a="http://schemas.openxmlformats.org/drawingml/2006/main" xmlns:p="http://schemas.openxmlformats.org/presentationml/2006/main" xmlns:r="http://schemas.openxmlformats.org/officeDocument/2006/relationships" xmlns:p14="http://schemas.microsoft.com/office/powerpoint/2010/main" xmlns:p15="http://schemas.microsoft.com/office/powerpoint/2012/main" xmlns:mc="http://schemas.openxmlformats.org/markup-compatibility/2006">
+<p:sld xmlns:a="http://schemas.openxmlformats.org/drawingml/2006/main" xmlns:r="http://schemas.openxmlformats.org/officeDocument/2006/relationships" xmlns:p="http://schemas.openxmlformats.org/presentationml/2006/main">
   <p:cSld>
     <p:spTree>
       <p:nvGrpSpPr>
@@ -4827,15 +5699,22 @@
           </a:ln>
         </p:spPr>
         <p:style>
-          <a:lnRef idx="0"/>
-          <a:fillRef idx="0"/>
-          <a:effectRef idx="0"/>
+          <a:lnRef idx="0">
+            <a:scrgbClr r="0" g="0" b="0"/>
+          </a:lnRef>
+          <a:fillRef idx="0">
+            <a:scrgbClr r="0" g="0" b="0"/>
+          </a:fillRef>
+          <a:effectRef idx="0">
+            <a:scrgbClr r="0" g="0" b="0"/>
+          </a:effectRef>
           <a:fontRef idx="minor"/>
         </p:style>
         <p:txBody>
-          <a:bodyPr lIns="90000" rIns="90000" tIns="45000" bIns="45000" anchor="ctr">
-            <a:normAutofit/>
+          <a:bodyPr lIns="90000" tIns="45000" rIns="90000" bIns="45000" anchor="ctr">
+            <a:normAutofit fontScale="92500"/>
           </a:bodyPr>
+          <a:lstStyle/>
           <a:p>
             <a:pPr>
               <a:lnSpc>
@@ -4843,16 +5722,16 @@
               </a:lnSpc>
             </a:pPr>
             <a:r>
-              <a:rPr b="0" lang="en-US" sz="4000" spc="-92" strike="noStrike">
+              <a:rPr lang="en-US" sz="4000" b="0" strike="noStrike" spc="-92">
                 <a:solidFill>
-                  <a:srgbClr val="d2533c"/>
+                  <a:srgbClr val="D2533C"/>
                 </a:solidFill>
                 <a:latin typeface="Arial"/>
                 <a:ea typeface="DejaVu Sans"/>
               </a:rPr>
               <a:t>Diagrama de flujo y pensamiento lógico</a:t>
             </a:r>
-            <a:endParaRPr b="0" lang="en-US" sz="4000" spc="-1" strike="noStrike">
+            <a:endParaRPr lang="en-US" sz="4000" b="0" strike="noStrike" spc="-1">
               <a:latin typeface="Arial"/>
             </a:endParaRPr>
           </a:p>
@@ -4878,13 +5757,20 @@
           </a:ln>
         </p:spPr>
         <p:style>
-          <a:lnRef idx="0"/>
-          <a:fillRef idx="0"/>
-          <a:effectRef idx="0"/>
+          <a:lnRef idx="0">
+            <a:scrgbClr r="0" g="0" b="0"/>
+          </a:lnRef>
+          <a:fillRef idx="0">
+            <a:scrgbClr r="0" g="0" b="0"/>
+          </a:fillRef>
+          <a:effectRef idx="0">
+            <a:scrgbClr r="0" g="0" b="0"/>
+          </a:effectRef>
           <a:fontRef idx="minor"/>
         </p:style>
         <p:txBody>
-          <a:bodyPr lIns="90000" rIns="90000" tIns="45000" bIns="45000"/>
+          <a:bodyPr lIns="90000" tIns="45000" rIns="90000" bIns="45000"/>
+          <a:lstStyle/>
           <a:p>
             <a:pPr marL="182880" indent="-181800">
               <a:lnSpc>
@@ -4894,14 +5780,14 @@
                 <a:spcPts val="479"/>
               </a:spcBef>
               <a:buClr>
-                <a:srgbClr val="93a299"/>
+                <a:srgbClr val="93A299"/>
               </a:buClr>
               <a:buSzPct val="85000"/>
               <a:buFont typeface="Arial"/>
               <a:buChar char="•"/>
             </a:pPr>
             <a:r>
-              <a:rPr b="0" lang="en-US" sz="2400" spc="-1" strike="noStrike">
+              <a:rPr lang="en-US" sz="2400" b="0" strike="noStrike" spc="-1">
                 <a:solidFill>
                   <a:srgbClr val="292934"/>
                 </a:solidFill>
@@ -4910,12 +5796,12 @@
               </a:rPr>
               <a:t>Ejercicio 2</a:t>
             </a:r>
-            <a:endParaRPr b="0" lang="en-US" sz="2400" spc="-1" strike="noStrike">
-              <a:latin typeface="Arial"/>
-            </a:endParaRPr>
-          </a:p>
-          <a:p>
-            <a:pPr lvl="1" marL="457200" indent="-181800">
+            <a:endParaRPr lang="en-US" sz="2400" b="0" strike="noStrike" spc="-1">
+              <a:latin typeface="Arial"/>
+            </a:endParaRPr>
+          </a:p>
+          <a:p>
+            <a:pPr marL="457200" lvl="1" indent="-181800">
               <a:lnSpc>
                 <a:spcPct val="100000"/>
               </a:lnSpc>
@@ -4923,14 +5809,14 @@
                 <a:spcPts val="400"/>
               </a:spcBef>
               <a:buClr>
-                <a:srgbClr val="93a299"/>
+                <a:srgbClr val="93A299"/>
               </a:buClr>
               <a:buSzPct val="85000"/>
               <a:buFont typeface="Arial"/>
               <a:buChar char="•"/>
             </a:pPr>
             <a:r>
-              <a:rPr b="0" lang="en-US" sz="2000" spc="-1" strike="noStrike">
+              <a:rPr lang="en-US" sz="2000" b="0" strike="noStrike" spc="-1">
                 <a:solidFill>
                   <a:srgbClr val="292934"/>
                 </a:solidFill>
@@ -4939,12 +5825,12 @@
               </a:rPr>
               <a:t>Cree un algoritmo que reciba un número entero cualquiera.</a:t>
             </a:r>
-            <a:endParaRPr b="0" lang="en-US" sz="2000" spc="-1" strike="noStrike">
-              <a:latin typeface="Arial"/>
-            </a:endParaRPr>
-          </a:p>
-          <a:p>
-            <a:pPr lvl="1" marL="457200" indent="-181800">
+            <a:endParaRPr lang="en-US" sz="2000" b="0" strike="noStrike" spc="-1">
+              <a:latin typeface="Arial"/>
+            </a:endParaRPr>
+          </a:p>
+          <a:p>
+            <a:pPr marL="457200" lvl="1" indent="-181800">
               <a:lnSpc>
                 <a:spcPct val="100000"/>
               </a:lnSpc>
@@ -4952,14 +5838,14 @@
                 <a:spcPts val="400"/>
               </a:spcBef>
               <a:buClr>
-                <a:srgbClr val="93a299"/>
+                <a:srgbClr val="93A299"/>
               </a:buClr>
               <a:buSzPct val="85000"/>
               <a:buFont typeface="Arial"/>
               <a:buChar char="•"/>
             </a:pPr>
             <a:r>
-              <a:rPr b="0" lang="en-US" sz="2000" spc="-1" strike="noStrike">
+              <a:rPr lang="en-US" sz="2000" b="0" strike="noStrike" spc="-1">
                 <a:solidFill>
                   <a:srgbClr val="292934"/>
                 </a:solidFill>
@@ -4968,12 +5854,12 @@
               </a:rPr>
               <a:t>Si el número está en el conjunto cerrado de números enteros      [1-10], muestra un mensaje de éxito.</a:t>
             </a:r>
-            <a:endParaRPr b="0" lang="en-US" sz="2000" spc="-1" strike="noStrike">
-              <a:latin typeface="Arial"/>
-            </a:endParaRPr>
-          </a:p>
-          <a:p>
-            <a:pPr lvl="1" marL="457200" indent="-181800">
+            <a:endParaRPr lang="en-US" sz="2000" b="0" strike="noStrike" spc="-1">
+              <a:latin typeface="Arial"/>
+            </a:endParaRPr>
+          </a:p>
+          <a:p>
+            <a:pPr marL="457200" lvl="1" indent="-181800">
               <a:lnSpc>
                 <a:spcPct val="100000"/>
               </a:lnSpc>
@@ -4981,14 +5867,14 @@
                 <a:spcPts val="400"/>
               </a:spcBef>
               <a:buClr>
-                <a:srgbClr val="93a299"/>
+                <a:srgbClr val="93A299"/>
               </a:buClr>
               <a:buSzPct val="85000"/>
               <a:buFont typeface="Arial"/>
               <a:buChar char="•"/>
             </a:pPr>
             <a:r>
-              <a:rPr b="0" lang="en-US" sz="2000" spc="-1" strike="noStrike">
+              <a:rPr lang="en-US" sz="2000" b="0" strike="noStrike" spc="-1">
                 <a:solidFill>
                   <a:srgbClr val="292934"/>
                 </a:solidFill>
@@ -4997,12 +5883,12 @@
               </a:rPr>
               <a:t>Si el número no se encuentra en el conjunto cerrado de números enteros [1-10] entonces  le pide al usuario ingresar otro número.</a:t>
             </a:r>
-            <a:endParaRPr b="0" lang="en-US" sz="2000" spc="-1" strike="noStrike">
-              <a:latin typeface="Arial"/>
-            </a:endParaRPr>
-          </a:p>
-          <a:p>
-            <a:pPr lvl="1" marL="457200" indent="-181800">
+            <a:endParaRPr lang="en-US" sz="2000" b="0" strike="noStrike" spc="-1">
+              <a:latin typeface="Arial"/>
+            </a:endParaRPr>
+          </a:p>
+          <a:p>
+            <a:pPr marL="457200" lvl="1" indent="-181800">
               <a:lnSpc>
                 <a:spcPct val="100000"/>
               </a:lnSpc>
@@ -5010,14 +5896,14 @@
                 <a:spcPts val="400"/>
               </a:spcBef>
               <a:buClr>
-                <a:srgbClr val="93a299"/>
+                <a:srgbClr val="93A299"/>
               </a:buClr>
               <a:buSzPct val="85000"/>
               <a:buFont typeface="Arial"/>
               <a:buChar char="•"/>
             </a:pPr>
             <a:r>
-              <a:rPr b="0" lang="en-US" sz="2000" spc="-1" strike="noStrike">
+              <a:rPr lang="en-US" sz="2000" b="0" strike="noStrike" spc="-1">
                 <a:solidFill>
                   <a:srgbClr val="292934"/>
                 </a:solidFill>
@@ -5026,7 +5912,7 @@
               </a:rPr>
               <a:t>Crear un diagrama de flujo que represente el algoritmo creado</a:t>
             </a:r>
-            <a:endParaRPr b="0" lang="en-US" sz="2000" spc="-1" strike="noStrike">
+            <a:endParaRPr lang="en-US" sz="2000" b="0" strike="noStrike" spc="-1">
               <a:latin typeface="Arial"/>
             </a:endParaRPr>
           </a:p>
@@ -5034,22 +5920,25 @@
       </p:sp>
     </p:spTree>
   </p:cSld>
+  <p:clrMapOvr>
+    <a:masterClrMapping/>
+  </p:clrMapOvr>
   <p:timing>
     <p:tnLst>
       <p:par>
-        <p:cTn id="77" dur="indefinite" restart="never" nodeType="tmRoot">
+        <p:cTn id="1" dur="indefinite" restart="never" nodeType="tmRoot">
           <p:childTnLst>
             <p:seq>
-              <p:cTn id="78" dur="indefinite" nodeType="mainSeq"/>
+              <p:cTn id="2" dur="indefinite" nodeType="mainSeq"/>
               <p:prevCondLst>
-                <p:cond delay="0" evt="onPrev">
+                <p:cond evt="onPrev" delay="0">
                   <p:tgtEl>
                     <p:sldTgt/>
                   </p:tgtEl>
                 </p:cond>
               </p:prevCondLst>
               <p:nextCondLst>
-                <p:cond delay="0" evt="onNext">
+                <p:cond evt="onNext" delay="0">
                   <p:tgtEl>
                     <p:sldTgt/>
                   </p:tgtEl>
@@ -5065,7 +5954,7 @@
 </file>
 
 <file path=ppt/slides/slide16.xml><?xml version="1.0" encoding="utf-8"?>
-<p:sld xmlns:a="http://schemas.openxmlformats.org/drawingml/2006/main" xmlns:p="http://schemas.openxmlformats.org/presentationml/2006/main" xmlns:r="http://schemas.openxmlformats.org/officeDocument/2006/relationships" xmlns:p14="http://schemas.microsoft.com/office/powerpoint/2010/main" xmlns:p15="http://schemas.microsoft.com/office/powerpoint/2012/main" xmlns:mc="http://schemas.openxmlformats.org/markup-compatibility/2006">
+<p:sld xmlns:a="http://schemas.openxmlformats.org/drawingml/2006/main" xmlns:r="http://schemas.openxmlformats.org/officeDocument/2006/relationships" xmlns:p="http://schemas.openxmlformats.org/presentationml/2006/main">
   <p:cSld>
     <p:spTree>
       <p:nvGrpSpPr>
@@ -5101,15 +5990,22 @@
           </a:ln>
         </p:spPr>
         <p:style>
-          <a:lnRef idx="0"/>
-          <a:fillRef idx="0"/>
-          <a:effectRef idx="0"/>
+          <a:lnRef idx="0">
+            <a:scrgbClr r="0" g="0" b="0"/>
+          </a:lnRef>
+          <a:fillRef idx="0">
+            <a:scrgbClr r="0" g="0" b="0"/>
+          </a:fillRef>
+          <a:effectRef idx="0">
+            <a:scrgbClr r="0" g="0" b="0"/>
+          </a:effectRef>
           <a:fontRef idx="minor"/>
         </p:style>
         <p:txBody>
-          <a:bodyPr lIns="90000" rIns="90000" tIns="45000" bIns="45000" anchor="ctr">
-            <a:normAutofit/>
+          <a:bodyPr lIns="90000" tIns="45000" rIns="90000" bIns="45000" anchor="ctr">
+            <a:normAutofit fontScale="92500"/>
           </a:bodyPr>
+          <a:lstStyle/>
           <a:p>
             <a:pPr>
               <a:lnSpc>
@@ -5117,16 +6013,16 @@
               </a:lnSpc>
             </a:pPr>
             <a:r>
-              <a:rPr b="0" lang="en-US" sz="4000" spc="-92" strike="noStrike">
+              <a:rPr lang="en-US" sz="4000" b="0" strike="noStrike" spc="-92">
                 <a:solidFill>
-                  <a:srgbClr val="d2533c"/>
+                  <a:srgbClr val="D2533C"/>
                 </a:solidFill>
                 <a:latin typeface="Arial"/>
                 <a:ea typeface="DejaVu Sans"/>
               </a:rPr>
               <a:t>Diagrama de flujo y pensamiento lógico</a:t>
             </a:r>
-            <a:endParaRPr b="0" lang="en-US" sz="4000" spc="-1" strike="noStrike">
+            <a:endParaRPr lang="en-US" sz="4000" b="0" strike="noStrike" spc="-1">
               <a:latin typeface="Arial"/>
             </a:endParaRPr>
           </a:p>
@@ -5152,13 +6048,20 @@
           </a:ln>
         </p:spPr>
         <p:style>
-          <a:lnRef idx="0"/>
-          <a:fillRef idx="0"/>
-          <a:effectRef idx="0"/>
+          <a:lnRef idx="0">
+            <a:scrgbClr r="0" g="0" b="0"/>
+          </a:lnRef>
+          <a:fillRef idx="0">
+            <a:scrgbClr r="0" g="0" b="0"/>
+          </a:fillRef>
+          <a:effectRef idx="0">
+            <a:scrgbClr r="0" g="0" b="0"/>
+          </a:effectRef>
           <a:fontRef idx="minor"/>
         </p:style>
         <p:txBody>
-          <a:bodyPr lIns="90000" rIns="90000" tIns="45000" bIns="45000"/>
+          <a:bodyPr lIns="90000" tIns="45000" rIns="90000" bIns="45000"/>
+          <a:lstStyle/>
           <a:p>
             <a:pPr marL="182880" indent="-181800">
               <a:lnSpc>
@@ -5168,14 +6071,14 @@
                 <a:spcPts val="479"/>
               </a:spcBef>
               <a:buClr>
-                <a:srgbClr val="93a299"/>
+                <a:srgbClr val="93A299"/>
               </a:buClr>
               <a:buSzPct val="85000"/>
               <a:buFont typeface="Arial"/>
               <a:buChar char="•"/>
             </a:pPr>
             <a:r>
-              <a:rPr b="0" lang="en-US" sz="2400" spc="-1" strike="noStrike">
+              <a:rPr lang="en-US" sz="2400" b="0" strike="noStrike" spc="-1">
                 <a:solidFill>
                   <a:srgbClr val="292934"/>
                 </a:solidFill>
@@ -5184,12 +6087,12 @@
               </a:rPr>
               <a:t>Ejercicio 3</a:t>
             </a:r>
-            <a:endParaRPr b="0" lang="en-US" sz="2400" spc="-1" strike="noStrike">
-              <a:latin typeface="Arial"/>
-            </a:endParaRPr>
-          </a:p>
-          <a:p>
-            <a:pPr lvl="1" marL="457200" indent="-181800">
+            <a:endParaRPr lang="en-US" sz="2400" b="0" strike="noStrike" spc="-1">
+              <a:latin typeface="Arial"/>
+            </a:endParaRPr>
+          </a:p>
+          <a:p>
+            <a:pPr marL="457200" lvl="1" indent="-181800">
               <a:lnSpc>
                 <a:spcPct val="100000"/>
               </a:lnSpc>
@@ -5197,14 +6100,14 @@
                 <a:spcPts val="400"/>
               </a:spcBef>
               <a:buClr>
-                <a:srgbClr val="93a299"/>
+                <a:srgbClr val="93A299"/>
               </a:buClr>
               <a:buSzPct val="85000"/>
               <a:buFont typeface="Arial"/>
               <a:buChar char="•"/>
             </a:pPr>
             <a:r>
-              <a:rPr b="0" lang="en-US" sz="2000" spc="-1" strike="noStrike">
+              <a:rPr lang="en-US" sz="2000" b="0" strike="noStrike" spc="-1">
                 <a:solidFill>
                   <a:srgbClr val="292934"/>
                 </a:solidFill>
@@ -5213,12 +6116,12 @@
               </a:rPr>
               <a:t>Cree un algoritmo que, lea un monto en colones y después convierta el monto a dólares o euros según seleccione el usuario.</a:t>
             </a:r>
-            <a:endParaRPr b="0" lang="en-US" sz="2000" spc="-1" strike="noStrike">
-              <a:latin typeface="Arial"/>
-            </a:endParaRPr>
-          </a:p>
-          <a:p>
-            <a:pPr lvl="1" marL="457200" indent="-181800">
+            <a:endParaRPr lang="en-US" sz="2000" b="0" strike="noStrike" spc="-1">
+              <a:latin typeface="Arial"/>
+            </a:endParaRPr>
+          </a:p>
+          <a:p>
+            <a:pPr marL="457200" lvl="1" indent="-181800">
               <a:lnSpc>
                 <a:spcPct val="100000"/>
               </a:lnSpc>
@@ -5226,14 +6129,14 @@
                 <a:spcPts val="400"/>
               </a:spcBef>
               <a:buClr>
-                <a:srgbClr val="93a299"/>
+                <a:srgbClr val="93A299"/>
               </a:buClr>
               <a:buSzPct val="85000"/>
               <a:buFont typeface="Arial"/>
               <a:buChar char="•"/>
             </a:pPr>
             <a:r>
-              <a:rPr b="0" lang="en-US" sz="2000" spc="-1" strike="noStrike">
+              <a:rPr lang="en-US" sz="2000" b="0" strike="noStrike" spc="-1">
                 <a:solidFill>
                   <a:srgbClr val="292934"/>
                 </a:solidFill>
@@ -5242,12 +6145,12 @@
               </a:rPr>
               <a:t>Tipo de cambio del dólar 1 USD = 548 colones</a:t>
             </a:r>
-            <a:endParaRPr b="0" lang="en-US" sz="2000" spc="-1" strike="noStrike">
-              <a:latin typeface="Arial"/>
-            </a:endParaRPr>
-          </a:p>
-          <a:p>
-            <a:pPr lvl="1" marL="457200" indent="-181800">
+            <a:endParaRPr lang="en-US" sz="2000" b="0" strike="noStrike" spc="-1">
+              <a:latin typeface="Arial"/>
+            </a:endParaRPr>
+          </a:p>
+          <a:p>
+            <a:pPr marL="457200" lvl="1" indent="-181800">
               <a:lnSpc>
                 <a:spcPct val="100000"/>
               </a:lnSpc>
@@ -5255,14 +6158,14 @@
                 <a:spcPts val="400"/>
               </a:spcBef>
               <a:buClr>
-                <a:srgbClr val="93a299"/>
+                <a:srgbClr val="93A299"/>
               </a:buClr>
               <a:buSzPct val="85000"/>
               <a:buFont typeface="Arial"/>
               <a:buChar char="•"/>
             </a:pPr>
             <a:r>
-              <a:rPr b="0" lang="en-US" sz="2000" spc="-1" strike="noStrike">
+              <a:rPr lang="en-US" sz="2000" b="0" strike="noStrike" spc="-1">
                 <a:solidFill>
                   <a:srgbClr val="292934"/>
                 </a:solidFill>
@@ -5271,12 +6174,12 @@
               </a:rPr>
               <a:t>Tipo de cambio del euro 1 EUR = 585 colones</a:t>
             </a:r>
-            <a:endParaRPr b="0" lang="en-US" sz="2000" spc="-1" strike="noStrike">
-              <a:latin typeface="Arial"/>
-            </a:endParaRPr>
-          </a:p>
-          <a:p>
-            <a:pPr lvl="1" marL="457200" indent="-181800">
+            <a:endParaRPr lang="en-US" sz="2000" b="0" strike="noStrike" spc="-1">
+              <a:latin typeface="Arial"/>
+            </a:endParaRPr>
+          </a:p>
+          <a:p>
+            <a:pPr marL="457200" lvl="1" indent="-181800">
               <a:lnSpc>
                 <a:spcPct val="100000"/>
               </a:lnSpc>
@@ -5284,14 +6187,14 @@
                 <a:spcPts val="400"/>
               </a:spcBef>
               <a:buClr>
-                <a:srgbClr val="93a299"/>
+                <a:srgbClr val="93A299"/>
               </a:buClr>
               <a:buSzPct val="85000"/>
               <a:buFont typeface="Arial"/>
               <a:buChar char="•"/>
             </a:pPr>
             <a:r>
-              <a:rPr b="0" lang="en-US" sz="2000" spc="-1" strike="noStrike">
+              <a:rPr lang="en-US" sz="2000" b="0" strike="noStrike" spc="-1">
                 <a:solidFill>
                   <a:srgbClr val="292934"/>
                 </a:solidFill>
@@ -5300,7 +6203,7 @@
               </a:rPr>
               <a:t>Dibuje el diagrama de flujo que represente este algoritmo</a:t>
             </a:r>
-            <a:endParaRPr b="0" lang="en-US" sz="2000" spc="-1" strike="noStrike">
+            <a:endParaRPr lang="en-US" sz="2000" b="0" strike="noStrike" spc="-1">
               <a:latin typeface="Arial"/>
             </a:endParaRPr>
           </a:p>
@@ -5310,7 +6213,7 @@
                 <a:spcPct val="100000"/>
               </a:lnSpc>
             </a:pPr>
-            <a:endParaRPr b="0" lang="en-US" sz="2000" spc="-1" strike="noStrike">
+            <a:endParaRPr lang="en-US" sz="2000" b="0" strike="noStrike" spc="-1">
               <a:latin typeface="Arial"/>
             </a:endParaRPr>
           </a:p>
@@ -5320,7 +6223,7 @@
                 <a:spcPct val="100000"/>
               </a:lnSpc>
             </a:pPr>
-            <a:endParaRPr b="0" lang="en-US" sz="2000" spc="-1" strike="noStrike">
+            <a:endParaRPr lang="en-US" sz="2000" b="0" strike="noStrike" spc="-1">
               <a:latin typeface="Arial"/>
             </a:endParaRPr>
           </a:p>
@@ -5328,22 +6231,25 @@
       </p:sp>
     </p:spTree>
   </p:cSld>
+  <p:clrMapOvr>
+    <a:masterClrMapping/>
+  </p:clrMapOvr>
   <p:timing>
     <p:tnLst>
       <p:par>
-        <p:cTn id="79" dur="indefinite" restart="never" nodeType="tmRoot">
+        <p:cTn id="1" dur="indefinite" restart="never" nodeType="tmRoot">
           <p:childTnLst>
             <p:seq>
-              <p:cTn id="80" dur="indefinite" nodeType="mainSeq"/>
+              <p:cTn id="2" dur="indefinite" nodeType="mainSeq"/>
               <p:prevCondLst>
-                <p:cond delay="0" evt="onPrev">
+                <p:cond evt="onPrev" delay="0">
                   <p:tgtEl>
                     <p:sldTgt/>
                   </p:tgtEl>
                 </p:cond>
               </p:prevCondLst>
               <p:nextCondLst>
-                <p:cond delay="0" evt="onNext">
+                <p:cond evt="onNext" delay="0">
                   <p:tgtEl>
                     <p:sldTgt/>
                   </p:tgtEl>
@@ -5359,7 +6265,7 @@
 </file>
 
 <file path=ppt/slides/slide17.xml><?xml version="1.0" encoding="utf-8"?>
-<p:sld xmlns:a="http://schemas.openxmlformats.org/drawingml/2006/main" xmlns:p="http://schemas.openxmlformats.org/presentationml/2006/main" xmlns:r="http://schemas.openxmlformats.org/officeDocument/2006/relationships" xmlns:p14="http://schemas.microsoft.com/office/powerpoint/2010/main" xmlns:p15="http://schemas.microsoft.com/office/powerpoint/2012/main" xmlns:mc="http://schemas.openxmlformats.org/markup-compatibility/2006">
+<p:sld xmlns:a="http://schemas.openxmlformats.org/drawingml/2006/main" xmlns:r="http://schemas.openxmlformats.org/officeDocument/2006/relationships" xmlns:p="http://schemas.openxmlformats.org/presentationml/2006/main">
   <p:cSld>
     <p:spTree>
       <p:nvGrpSpPr>
@@ -5395,15 +6301,22 @@
           </a:ln>
         </p:spPr>
         <p:style>
-          <a:lnRef idx="0"/>
-          <a:fillRef idx="0"/>
-          <a:effectRef idx="0"/>
+          <a:lnRef idx="0">
+            <a:scrgbClr r="0" g="0" b="0"/>
+          </a:lnRef>
+          <a:fillRef idx="0">
+            <a:scrgbClr r="0" g="0" b="0"/>
+          </a:fillRef>
+          <a:effectRef idx="0">
+            <a:scrgbClr r="0" g="0" b="0"/>
+          </a:effectRef>
           <a:fontRef idx="minor"/>
         </p:style>
         <p:txBody>
-          <a:bodyPr lIns="90000" rIns="90000" tIns="45000" bIns="45000" anchor="ctr">
-            <a:normAutofit/>
+          <a:bodyPr lIns="90000" tIns="45000" rIns="90000" bIns="45000" anchor="ctr">
+            <a:normAutofit fontScale="92500"/>
           </a:bodyPr>
+          <a:lstStyle/>
           <a:p>
             <a:pPr>
               <a:lnSpc>
@@ -5411,16 +6324,16 @@
               </a:lnSpc>
             </a:pPr>
             <a:r>
-              <a:rPr b="0" lang="en-US" sz="4000" spc="-92" strike="noStrike">
+              <a:rPr lang="en-US" sz="4000" b="0" strike="noStrike" spc="-92">
                 <a:solidFill>
-                  <a:srgbClr val="d2533c"/>
+                  <a:srgbClr val="D2533C"/>
                 </a:solidFill>
                 <a:latin typeface="Arial"/>
                 <a:ea typeface="DejaVu Sans"/>
               </a:rPr>
               <a:t>Diagrama de flujo y pensamiento lógico</a:t>
             </a:r>
-            <a:endParaRPr b="0" lang="en-US" sz="4000" spc="-1" strike="noStrike">
+            <a:endParaRPr lang="en-US" sz="4000" b="0" strike="noStrike" spc="-1">
               <a:latin typeface="Arial"/>
             </a:endParaRPr>
           </a:p>
@@ -5446,13 +6359,20 @@
           </a:ln>
         </p:spPr>
         <p:style>
-          <a:lnRef idx="0"/>
-          <a:fillRef idx="0"/>
-          <a:effectRef idx="0"/>
+          <a:lnRef idx="0">
+            <a:scrgbClr r="0" g="0" b="0"/>
+          </a:lnRef>
+          <a:fillRef idx="0">
+            <a:scrgbClr r="0" g="0" b="0"/>
+          </a:fillRef>
+          <a:effectRef idx="0">
+            <a:scrgbClr r="0" g="0" b="0"/>
+          </a:effectRef>
           <a:fontRef idx="minor"/>
         </p:style>
         <p:txBody>
-          <a:bodyPr lIns="90000" rIns="90000" tIns="45000" bIns="45000"/>
+          <a:bodyPr lIns="90000" tIns="45000" rIns="90000" bIns="45000"/>
+          <a:lstStyle/>
           <a:p>
             <a:pPr marL="182880" indent="-181800">
               <a:lnSpc>
@@ -5462,14 +6382,14 @@
                 <a:spcPts val="479"/>
               </a:spcBef>
               <a:buClr>
-                <a:srgbClr val="93a299"/>
+                <a:srgbClr val="93A299"/>
               </a:buClr>
               <a:buSzPct val="85000"/>
               <a:buFont typeface="Arial"/>
               <a:buChar char="•"/>
             </a:pPr>
             <a:r>
-              <a:rPr b="0" lang="en-US" sz="2400" spc="-1" strike="noStrike">
+              <a:rPr lang="en-US" sz="2400" b="0" strike="noStrike" spc="-1">
                 <a:solidFill>
                   <a:srgbClr val="292934"/>
                 </a:solidFill>
@@ -5478,12 +6398,12 @@
               </a:rPr>
               <a:t>Ejercicio 4</a:t>
             </a:r>
-            <a:endParaRPr b="0" lang="en-US" sz="2400" spc="-1" strike="noStrike">
-              <a:latin typeface="Arial"/>
-            </a:endParaRPr>
-          </a:p>
-          <a:p>
-            <a:pPr lvl="1" marL="457200" indent="-181800">
+            <a:endParaRPr lang="en-US" sz="2400" b="0" strike="noStrike" spc="-1">
+              <a:latin typeface="Arial"/>
+            </a:endParaRPr>
+          </a:p>
+          <a:p>
+            <a:pPr marL="457200" lvl="1" indent="-181800">
               <a:lnSpc>
                 <a:spcPct val="100000"/>
               </a:lnSpc>
@@ -5491,14 +6411,14 @@
                 <a:spcPts val="400"/>
               </a:spcBef>
               <a:buClr>
-                <a:srgbClr val="93a299"/>
+                <a:srgbClr val="93A299"/>
               </a:buClr>
               <a:buSzPct val="85000"/>
               <a:buFont typeface="Arial"/>
               <a:buChar char="•"/>
             </a:pPr>
             <a:r>
-              <a:rPr b="0" lang="en-US" sz="2000" spc="-1" strike="noStrike">
+              <a:rPr lang="en-US" sz="2000" b="0" strike="noStrike" spc="-1">
                 <a:solidFill>
                   <a:srgbClr val="292934"/>
                 </a:solidFill>
@@ -5507,12 +6427,12 @@
               </a:rPr>
               <a:t>Cree un algoritmo que calcule el área y el perímetro de un cuadrado. El valor de la longitud del lado es ingresado por el usuario. Debe mostrar un mensaje con los dos valores.</a:t>
             </a:r>
-            <a:endParaRPr b="0" lang="en-US" sz="2000" spc="-1" strike="noStrike">
-              <a:latin typeface="Arial"/>
-            </a:endParaRPr>
-          </a:p>
-          <a:p>
-            <a:pPr lvl="1" marL="457200" indent="-181800">
+            <a:endParaRPr lang="en-US" sz="2000" b="0" strike="noStrike" spc="-1">
+              <a:latin typeface="Arial"/>
+            </a:endParaRPr>
+          </a:p>
+          <a:p>
+            <a:pPr marL="457200" lvl="1" indent="-181800">
               <a:lnSpc>
                 <a:spcPct val="100000"/>
               </a:lnSpc>
@@ -5520,14 +6440,14 @@
                 <a:spcPts val="400"/>
               </a:spcBef>
               <a:buClr>
-                <a:srgbClr val="93a299"/>
+                <a:srgbClr val="93A299"/>
               </a:buClr>
               <a:buSzPct val="85000"/>
               <a:buFont typeface="Arial"/>
               <a:buChar char="•"/>
             </a:pPr>
             <a:r>
-              <a:rPr b="0" lang="en-US" sz="2000" spc="-1" strike="noStrike">
+              <a:rPr lang="en-US" sz="2000" b="0" strike="noStrike" spc="-1">
                 <a:solidFill>
                   <a:srgbClr val="292934"/>
                 </a:solidFill>
@@ -5536,7 +6456,7 @@
               </a:rPr>
               <a:t>Dibuje el diagrama de flujo que represente este algoritmo</a:t>
             </a:r>
-            <a:endParaRPr b="0" lang="en-US" sz="2000" spc="-1" strike="noStrike">
+            <a:endParaRPr lang="en-US" sz="2000" b="0" strike="noStrike" spc="-1">
               <a:latin typeface="Arial"/>
             </a:endParaRPr>
           </a:p>
@@ -5546,7 +6466,7 @@
                 <a:spcPct val="100000"/>
               </a:lnSpc>
             </a:pPr>
-            <a:endParaRPr b="0" lang="en-US" sz="2000" spc="-1" strike="noStrike">
+            <a:endParaRPr lang="en-US" sz="2000" b="0" strike="noStrike" spc="-1">
               <a:latin typeface="Arial"/>
             </a:endParaRPr>
           </a:p>
@@ -5554,22 +6474,25 @@
       </p:sp>
     </p:spTree>
   </p:cSld>
+  <p:clrMapOvr>
+    <a:masterClrMapping/>
+  </p:clrMapOvr>
   <p:timing>
     <p:tnLst>
       <p:par>
-        <p:cTn id="81" dur="indefinite" restart="never" nodeType="tmRoot">
+        <p:cTn id="1" dur="indefinite" restart="never" nodeType="tmRoot">
           <p:childTnLst>
             <p:seq>
-              <p:cTn id="82" dur="indefinite" nodeType="mainSeq"/>
+              <p:cTn id="2" dur="indefinite" nodeType="mainSeq"/>
               <p:prevCondLst>
-                <p:cond delay="0" evt="onPrev">
+                <p:cond evt="onPrev" delay="0">
                   <p:tgtEl>
                     <p:sldTgt/>
                   </p:tgtEl>
                 </p:cond>
               </p:prevCondLst>
               <p:nextCondLst>
-                <p:cond delay="0" evt="onNext">
+                <p:cond evt="onNext" delay="0">
                   <p:tgtEl>
                     <p:sldTgt/>
                   </p:tgtEl>
@@ -5585,7 +6508,7 @@
 </file>
 
 <file path=ppt/slides/slide2.xml><?xml version="1.0" encoding="utf-8"?>
-<p:sld xmlns:a="http://schemas.openxmlformats.org/drawingml/2006/main" xmlns:p="http://schemas.openxmlformats.org/presentationml/2006/main" xmlns:r="http://schemas.openxmlformats.org/officeDocument/2006/relationships" xmlns:p14="http://schemas.microsoft.com/office/powerpoint/2010/main" xmlns:p15="http://schemas.microsoft.com/office/powerpoint/2012/main" xmlns:mc="http://schemas.openxmlformats.org/markup-compatibility/2006">
+<p:sld xmlns:a="http://schemas.openxmlformats.org/drawingml/2006/main" xmlns:r="http://schemas.openxmlformats.org/officeDocument/2006/relationships" xmlns:p="http://schemas.openxmlformats.org/presentationml/2006/main">
   <p:cSld>
     <p:spTree>
       <p:nvGrpSpPr>
@@ -5621,13 +6544,20 @@
           </a:ln>
         </p:spPr>
         <p:style>
-          <a:lnRef idx="0"/>
-          <a:fillRef idx="0"/>
-          <a:effectRef idx="0"/>
+          <a:lnRef idx="0">
+            <a:scrgbClr r="0" g="0" b="0"/>
+          </a:lnRef>
+          <a:fillRef idx="0">
+            <a:scrgbClr r="0" g="0" b="0"/>
+          </a:fillRef>
+          <a:effectRef idx="0">
+            <a:scrgbClr r="0" g="0" b="0"/>
+          </a:effectRef>
           <a:fontRef idx="minor"/>
         </p:style>
         <p:txBody>
-          <a:bodyPr lIns="90000" rIns="90000" tIns="45000" bIns="45000" anchor="ctr"/>
+          <a:bodyPr lIns="90000" tIns="45000" rIns="90000" bIns="45000" anchor="ctr"/>
+          <a:lstStyle/>
           <a:p>
             <a:pPr>
               <a:lnSpc>
@@ -5635,16 +6565,16 @@
               </a:lnSpc>
             </a:pPr>
             <a:r>
-              <a:rPr b="0" lang="en-US" sz="4000" spc="-92" strike="noStrike">
+              <a:rPr lang="en-US" sz="4000" b="0" strike="noStrike" spc="-92">
                 <a:solidFill>
-                  <a:srgbClr val="d2533c"/>
+                  <a:srgbClr val="D2533C"/>
                 </a:solidFill>
                 <a:latin typeface="Arial"/>
                 <a:ea typeface="DejaVu Sans"/>
               </a:rPr>
               <a:t>Agenda</a:t>
             </a:r>
-            <a:endParaRPr b="0" lang="en-US" sz="4000" spc="-1" strike="noStrike">
+            <a:endParaRPr lang="en-US" sz="4000" b="0" strike="noStrike" spc="-1">
               <a:latin typeface="Arial"/>
             </a:endParaRPr>
           </a:p>
@@ -5670,13 +6600,20 @@
           </a:ln>
         </p:spPr>
         <p:style>
-          <a:lnRef idx="0"/>
-          <a:fillRef idx="0"/>
-          <a:effectRef idx="0"/>
+          <a:lnRef idx="0">
+            <a:scrgbClr r="0" g="0" b="0"/>
+          </a:lnRef>
+          <a:fillRef idx="0">
+            <a:scrgbClr r="0" g="0" b="0"/>
+          </a:fillRef>
+          <a:effectRef idx="0">
+            <a:scrgbClr r="0" g="0" b="0"/>
+          </a:effectRef>
           <a:fontRef idx="minor"/>
         </p:style>
         <p:txBody>
-          <a:bodyPr lIns="90000" rIns="90000" tIns="45000" bIns="45000"/>
+          <a:bodyPr lIns="90000" tIns="45000" rIns="90000" bIns="45000"/>
+          <a:lstStyle/>
           <a:p>
             <a:pPr marL="182880" indent="-181800">
               <a:lnSpc>
@@ -5686,14 +6623,14 @@
                 <a:spcPts val="479"/>
               </a:spcBef>
               <a:buClr>
-                <a:srgbClr val="93a299"/>
+                <a:srgbClr val="93A299"/>
               </a:buClr>
               <a:buSzPct val="85000"/>
               <a:buFont typeface="Arial"/>
               <a:buChar char="•"/>
             </a:pPr>
             <a:r>
-              <a:rPr b="0" lang="en-US" sz="2400" spc="-1" strike="noStrike">
+              <a:rPr lang="en-US" sz="2400" b="0" strike="noStrike" spc="-1">
                 <a:solidFill>
                   <a:srgbClr val="292934"/>
                 </a:solidFill>
@@ -5702,7 +6639,7 @@
               </a:rPr>
               <a:t>Estructuras If – if else – else if</a:t>
             </a:r>
-            <a:endParaRPr b="0" lang="en-US" sz="2400" spc="-1" strike="noStrike">
+            <a:endParaRPr lang="en-US" sz="2400" b="0" strike="noStrike" spc="-1">
               <a:latin typeface="Arial"/>
             </a:endParaRPr>
           </a:p>
@@ -5715,14 +6652,14 @@
                 <a:spcPts val="479"/>
               </a:spcBef>
               <a:buClr>
-                <a:srgbClr val="93a299"/>
+                <a:srgbClr val="93A299"/>
               </a:buClr>
               <a:buSzPct val="85000"/>
               <a:buFont typeface="Arial"/>
               <a:buChar char="•"/>
             </a:pPr>
             <a:r>
-              <a:rPr b="0" lang="en-US" sz="2400" spc="-1" strike="noStrike">
+              <a:rPr lang="en-US" sz="2400" b="0" strike="noStrike" spc="-1">
                 <a:solidFill>
                   <a:srgbClr val="292934"/>
                 </a:solidFill>
@@ -5731,7 +6668,7 @@
               </a:rPr>
               <a:t>Diagramas de flujo</a:t>
             </a:r>
-            <a:endParaRPr b="0" lang="en-US" sz="2400" spc="-1" strike="noStrike">
+            <a:endParaRPr lang="en-US" sz="2400" b="0" strike="noStrike" spc="-1">
               <a:latin typeface="Arial"/>
             </a:endParaRPr>
           </a:p>
@@ -5744,7 +6681,7 @@
                 <a:spcPts val="479"/>
               </a:spcBef>
             </a:pPr>
-            <a:endParaRPr b="0" lang="en-US" sz="2400" spc="-1" strike="noStrike">
+            <a:endParaRPr lang="en-US" sz="2400" b="0" strike="noStrike" spc="-1">
               <a:latin typeface="Arial"/>
             </a:endParaRPr>
           </a:p>
@@ -5757,7 +6694,7 @@
                 <a:spcPts val="479"/>
               </a:spcBef>
             </a:pPr>
-            <a:endParaRPr b="0" lang="en-US" sz="2400" spc="-1" strike="noStrike">
+            <a:endParaRPr lang="en-US" sz="2400" b="0" strike="noStrike" spc="-1">
               <a:latin typeface="Arial"/>
             </a:endParaRPr>
           </a:p>
@@ -5765,12 +6702,12 @@
       </p:sp>
       <p:pic>
         <p:nvPicPr>
-          <p:cNvPr id="86" name="Picture 4" descr=""/>
+          <p:cNvPr id="86" name="Picture 4"/>
           <p:cNvPicPr/>
           <p:nvPr/>
         </p:nvPicPr>
         <p:blipFill>
-          <a:blip r:embed="rId1"/>
+          <a:blip r:embed="rId2"/>
           <a:stretch/>
         </p:blipFill>
         <p:spPr>
@@ -5788,22 +6725,25 @@
       </p:pic>
     </p:spTree>
   </p:cSld>
+  <p:clrMapOvr>
+    <a:masterClrMapping/>
+  </p:clrMapOvr>
   <p:timing>
     <p:tnLst>
       <p:par>
-        <p:cTn id="3" dur="indefinite" restart="never" nodeType="tmRoot">
+        <p:cTn id="1" dur="indefinite" restart="never" nodeType="tmRoot">
           <p:childTnLst>
             <p:seq>
-              <p:cTn id="4" dur="indefinite" nodeType="mainSeq"/>
+              <p:cTn id="2" dur="indefinite" nodeType="mainSeq"/>
               <p:prevCondLst>
-                <p:cond delay="0" evt="onPrev">
+                <p:cond evt="onPrev" delay="0">
                   <p:tgtEl>
                     <p:sldTgt/>
                   </p:tgtEl>
                 </p:cond>
               </p:prevCondLst>
               <p:nextCondLst>
-                <p:cond delay="0" evt="onNext">
+                <p:cond evt="onNext" delay="0">
                   <p:tgtEl>
                     <p:sldTgt/>
                   </p:tgtEl>
@@ -5819,7 +6759,7 @@
 </file>
 
 <file path=ppt/slides/slide3.xml><?xml version="1.0" encoding="utf-8"?>
-<p:sld xmlns:a="http://schemas.openxmlformats.org/drawingml/2006/main" xmlns:p="http://schemas.openxmlformats.org/presentationml/2006/main" xmlns:r="http://schemas.openxmlformats.org/officeDocument/2006/relationships" xmlns:p14="http://schemas.microsoft.com/office/powerpoint/2010/main" xmlns:p15="http://schemas.microsoft.com/office/powerpoint/2012/main" xmlns:mc="http://schemas.openxmlformats.org/markup-compatibility/2006">
+<p:sld xmlns:a="http://schemas.openxmlformats.org/drawingml/2006/main" xmlns:r="http://schemas.openxmlformats.org/officeDocument/2006/relationships" xmlns:p="http://schemas.openxmlformats.org/presentationml/2006/main">
   <p:cSld>
     <p:spTree>
       <p:nvGrpSpPr>
@@ -5855,13 +6795,20 @@
           </a:ln>
         </p:spPr>
         <p:style>
-          <a:lnRef idx="0"/>
-          <a:fillRef idx="0"/>
-          <a:effectRef idx="0"/>
+          <a:lnRef idx="0">
+            <a:scrgbClr r="0" g="0" b="0"/>
+          </a:lnRef>
+          <a:fillRef idx="0">
+            <a:scrgbClr r="0" g="0" b="0"/>
+          </a:fillRef>
+          <a:effectRef idx="0">
+            <a:scrgbClr r="0" g="0" b="0"/>
+          </a:effectRef>
           <a:fontRef idx="minor"/>
         </p:style>
         <p:txBody>
-          <a:bodyPr lIns="90000" rIns="90000" tIns="45000" bIns="45000" anchor="ctr"/>
+          <a:bodyPr lIns="90000" tIns="45000" rIns="90000" bIns="45000" anchor="ctr"/>
+          <a:lstStyle/>
           <a:p>
             <a:pPr>
               <a:lnSpc>
@@ -5869,16 +6816,16 @@
               </a:lnSpc>
             </a:pPr>
             <a:r>
-              <a:rPr b="0" lang="en-US" sz="4000" spc="-92" strike="noStrike">
+              <a:rPr lang="en-US" sz="4000" b="0" strike="noStrike" spc="-92">
                 <a:solidFill>
-                  <a:srgbClr val="d2533c"/>
+                  <a:srgbClr val="D2533C"/>
                 </a:solidFill>
                 <a:latin typeface="Arial"/>
                 <a:ea typeface="DejaVu Sans"/>
               </a:rPr>
               <a:t>Estructuras if</a:t>
             </a:r>
-            <a:endParaRPr b="0" lang="en-US" sz="4000" spc="-1" strike="noStrike">
+            <a:endParaRPr lang="en-US" sz="4000" b="0" strike="noStrike" spc="-1">
               <a:latin typeface="Arial"/>
             </a:endParaRPr>
           </a:p>
@@ -5904,13 +6851,20 @@
           </a:ln>
         </p:spPr>
         <p:style>
-          <a:lnRef idx="0"/>
-          <a:fillRef idx="0"/>
-          <a:effectRef idx="0"/>
+          <a:lnRef idx="0">
+            <a:scrgbClr r="0" g="0" b="0"/>
+          </a:lnRef>
+          <a:fillRef idx="0">
+            <a:scrgbClr r="0" g="0" b="0"/>
+          </a:fillRef>
+          <a:effectRef idx="0">
+            <a:scrgbClr r="0" g="0" b="0"/>
+          </a:effectRef>
           <a:fontRef idx="minor"/>
         </p:style>
         <p:txBody>
-          <a:bodyPr lIns="90000" rIns="90000" tIns="45000" bIns="45000"/>
+          <a:bodyPr lIns="90000" tIns="45000" rIns="90000" bIns="45000"/>
+          <a:lstStyle/>
           <a:p>
             <a:pPr marL="182880" indent="-181800">
               <a:lnSpc>
@@ -5920,14 +6874,14 @@
                 <a:spcPts val="479"/>
               </a:spcBef>
               <a:buClr>
-                <a:srgbClr val="93a299"/>
+                <a:srgbClr val="93A299"/>
               </a:buClr>
               <a:buSzPct val="85000"/>
               <a:buFont typeface="Arial"/>
               <a:buChar char="•"/>
             </a:pPr>
             <a:r>
-              <a:rPr b="0" lang="en-US" sz="2400" spc="-1" strike="noStrike">
+              <a:rPr lang="en-US" sz="2400" b="0" strike="noStrike" spc="-1">
                 <a:solidFill>
                   <a:srgbClr val="292934"/>
                 </a:solidFill>
@@ -5936,7 +6890,7 @@
               </a:rPr>
               <a:t>Las estructuras if son muy usadas en programación. </a:t>
             </a:r>
-            <a:endParaRPr b="0" lang="en-US" sz="2400" spc="-1" strike="noStrike">
+            <a:endParaRPr lang="en-US" sz="2400" b="0" strike="noStrike" spc="-1">
               <a:latin typeface="Arial"/>
             </a:endParaRPr>
           </a:p>
@@ -5949,14 +6903,14 @@
                 <a:spcPts val="479"/>
               </a:spcBef>
               <a:buClr>
-                <a:srgbClr val="93a299"/>
+                <a:srgbClr val="93A299"/>
               </a:buClr>
               <a:buSzPct val="85000"/>
               <a:buFont typeface="Arial"/>
               <a:buChar char="•"/>
             </a:pPr>
             <a:r>
-              <a:rPr b="0" lang="en-US" sz="2400" spc="-1" strike="noStrike">
+              <a:rPr lang="en-US" sz="2400" b="0" strike="noStrike" spc="-1">
                 <a:solidFill>
                   <a:srgbClr val="292934"/>
                 </a:solidFill>
@@ -5965,7 +6919,7 @@
               </a:rPr>
               <a:t>La palabra if en inglés significa si</a:t>
             </a:r>
-            <a:endParaRPr b="0" lang="en-US" sz="2400" spc="-1" strike="noStrike">
+            <a:endParaRPr lang="en-US" sz="2400" b="0" strike="noStrike" spc="-1">
               <a:latin typeface="Arial"/>
             </a:endParaRPr>
           </a:p>
@@ -5978,14 +6932,14 @@
                 <a:spcPts val="479"/>
               </a:spcBef>
               <a:buClr>
-                <a:srgbClr val="93a299"/>
+                <a:srgbClr val="93A299"/>
               </a:buClr>
               <a:buSzPct val="85000"/>
               <a:buFont typeface="Arial"/>
               <a:buChar char="•"/>
             </a:pPr>
             <a:r>
-              <a:rPr b="0" lang="en-US" sz="2400" spc="-1" strike="noStrike">
+              <a:rPr lang="en-US" sz="2400" b="0" strike="noStrike" spc="-1">
                 <a:solidFill>
                   <a:srgbClr val="292934"/>
                 </a:solidFill>
@@ -5994,7 +6948,7 @@
               </a:rPr>
               <a:t>Es una condición, eso significa que una parte del código solo se ejecuta cuando la condición se hace verdadera</a:t>
             </a:r>
-            <a:endParaRPr b="0" lang="en-US" sz="2400" spc="-1" strike="noStrike">
+            <a:endParaRPr lang="en-US" sz="2400" b="0" strike="noStrike" spc="-1">
               <a:latin typeface="Arial"/>
             </a:endParaRPr>
           </a:p>
@@ -6007,14 +6961,14 @@
                 <a:spcPts val="479"/>
               </a:spcBef>
               <a:buClr>
-                <a:srgbClr val="93a299"/>
+                <a:srgbClr val="93A299"/>
               </a:buClr>
               <a:buSzPct val="85000"/>
               <a:buFont typeface="Arial"/>
               <a:buChar char="•"/>
             </a:pPr>
             <a:r>
-              <a:rPr b="0" lang="en-US" sz="2400" spc="-1" strike="noStrike">
+              <a:rPr lang="en-US" sz="2400" b="0" strike="noStrike" spc="-1">
                 <a:solidFill>
                   <a:srgbClr val="292934"/>
                 </a:solidFill>
@@ -6023,7 +6977,7 @@
               </a:rPr>
               <a:t>Ejemplo</a:t>
             </a:r>
-            <a:endParaRPr b="0" lang="en-US" sz="2400" spc="-1" strike="noStrike">
+            <a:endParaRPr lang="en-US" sz="2400" b="0" strike="noStrike" spc="-1">
               <a:latin typeface="Arial"/>
             </a:endParaRPr>
           </a:p>
@@ -6036,14 +6990,14 @@
                 <a:spcPts val="479"/>
               </a:spcBef>
               <a:buClr>
-                <a:srgbClr val="93a299"/>
+                <a:srgbClr val="93A299"/>
               </a:buClr>
               <a:buSzPct val="85000"/>
               <a:buFont typeface="Arial"/>
               <a:buChar char="•"/>
             </a:pPr>
             <a:r>
-              <a:rPr b="0" lang="en-US" sz="2400" spc="-1" strike="noStrike">
+              <a:rPr lang="en-US" sz="2400" b="0" strike="noStrike" spc="-1">
                 <a:solidFill>
                   <a:srgbClr val="292934"/>
                 </a:solidFill>
@@ -6052,7 +7006,7 @@
               </a:rPr>
               <a:t>imprimir(“Ingrese un número”)</a:t>
             </a:r>
-            <a:endParaRPr b="0" lang="en-US" sz="2400" spc="-1" strike="noStrike">
+            <a:endParaRPr lang="en-US" sz="2400" b="0" strike="noStrike" spc="-1">
               <a:latin typeface="Arial"/>
             </a:endParaRPr>
           </a:p>
@@ -6065,14 +7019,14 @@
                 <a:spcPts val="479"/>
               </a:spcBef>
               <a:buClr>
-                <a:srgbClr val="93a299"/>
+                <a:srgbClr val="93A299"/>
               </a:buClr>
               <a:buSzPct val="85000"/>
               <a:buFont typeface="Arial"/>
               <a:buChar char="•"/>
             </a:pPr>
             <a:r>
-              <a:rPr b="0" lang="en-US" sz="2400" spc="-1" strike="noStrike">
+              <a:rPr lang="en-US" sz="2400" b="0" strike="noStrike" spc="-1">
                 <a:solidFill>
                   <a:srgbClr val="292934"/>
                 </a:solidFill>
@@ -6081,7 +7035,7 @@
               </a:rPr>
               <a:t>leer(numero)</a:t>
             </a:r>
-            <a:endParaRPr b="0" lang="en-US" sz="2400" spc="-1" strike="noStrike">
+            <a:endParaRPr lang="en-US" sz="2400" b="0" strike="noStrike" spc="-1">
               <a:latin typeface="Arial"/>
             </a:endParaRPr>
           </a:p>
@@ -6094,14 +7048,14 @@
                 <a:spcPts val="479"/>
               </a:spcBef>
               <a:buClr>
-                <a:srgbClr val="93a299"/>
+                <a:srgbClr val="93A299"/>
               </a:buClr>
               <a:buSzPct val="85000"/>
               <a:buFont typeface="Arial"/>
               <a:buChar char="•"/>
             </a:pPr>
             <a:r>
-              <a:rPr b="0" lang="en-US" sz="2400" spc="-1" strike="noStrike">
+              <a:rPr lang="en-US" sz="2400" b="0" strike="noStrike" spc="-1">
                 <a:solidFill>
                   <a:srgbClr val="292934"/>
                 </a:solidFill>
@@ -6110,12 +7064,12 @@
               </a:rPr>
               <a:t>Si numero &gt; 10 entonces</a:t>
             </a:r>
-            <a:endParaRPr b="0" lang="en-US" sz="2400" spc="-1" strike="noStrike">
-              <a:latin typeface="Arial"/>
-            </a:endParaRPr>
-          </a:p>
-          <a:p>
-            <a:pPr lvl="1" marL="432000" indent="-216000">
+            <a:endParaRPr lang="en-US" sz="2400" b="0" strike="noStrike" spc="-1">
+              <a:latin typeface="Arial"/>
+            </a:endParaRPr>
+          </a:p>
+          <a:p>
+            <a:pPr marL="432000" lvl="1" indent="-216000">
               <a:lnSpc>
                 <a:spcPct val="100000"/>
               </a:lnSpc>
@@ -6130,7 +7084,7 @@
               <a:buChar char=""/>
             </a:pPr>
             <a:r>
-              <a:rPr b="0" lang="en-US" sz="2400" spc="-1" strike="noStrike">
+              <a:rPr lang="en-US" sz="2400" b="0" strike="noStrike" spc="-1">
                 <a:solidFill>
                   <a:srgbClr val="292934"/>
                 </a:solidFill>
@@ -6139,7 +7093,7 @@
               </a:rPr>
               <a:t>imprimir(“el número es mayor a 10”)</a:t>
             </a:r>
-            <a:endParaRPr b="0" lang="en-US" sz="2400" spc="-1" strike="noStrike">
+            <a:endParaRPr lang="en-US" sz="2400" b="0" strike="noStrike" spc="-1">
               <a:latin typeface="Arial"/>
             </a:endParaRPr>
           </a:p>
@@ -6147,22 +7101,25 @@
       </p:sp>
     </p:spTree>
   </p:cSld>
+  <p:clrMapOvr>
+    <a:masterClrMapping/>
+  </p:clrMapOvr>
   <p:timing>
     <p:tnLst>
       <p:par>
-        <p:cTn id="5" dur="indefinite" restart="never" nodeType="tmRoot">
+        <p:cTn id="1" dur="indefinite" restart="never" nodeType="tmRoot">
           <p:childTnLst>
             <p:seq>
-              <p:cTn id="6" dur="indefinite" nodeType="mainSeq"/>
+              <p:cTn id="2" dur="indefinite" nodeType="mainSeq"/>
               <p:prevCondLst>
-                <p:cond delay="0" evt="onPrev">
+                <p:cond evt="onPrev" delay="0">
                   <p:tgtEl>
                     <p:sldTgt/>
                   </p:tgtEl>
                 </p:cond>
               </p:prevCondLst>
               <p:nextCondLst>
-                <p:cond delay="0" evt="onNext">
+                <p:cond evt="onNext" delay="0">
                   <p:tgtEl>
                     <p:sldTgt/>
                   </p:tgtEl>
@@ -6178,7 +7135,7 @@
 </file>
 
 <file path=ppt/slides/slide4.xml><?xml version="1.0" encoding="utf-8"?>
-<p:sld xmlns:a="http://schemas.openxmlformats.org/drawingml/2006/main" xmlns:p="http://schemas.openxmlformats.org/presentationml/2006/main" xmlns:r="http://schemas.openxmlformats.org/officeDocument/2006/relationships" xmlns:p14="http://schemas.microsoft.com/office/powerpoint/2010/main" xmlns:p15="http://schemas.microsoft.com/office/powerpoint/2012/main" xmlns:mc="http://schemas.openxmlformats.org/markup-compatibility/2006">
+<p:sld xmlns:a="http://schemas.openxmlformats.org/drawingml/2006/main" xmlns:r="http://schemas.openxmlformats.org/officeDocument/2006/relationships" xmlns:p="http://schemas.openxmlformats.org/presentationml/2006/main">
   <p:cSld>
     <p:spTree>
       <p:nvGrpSpPr>
@@ -6214,13 +7171,20 @@
           </a:ln>
         </p:spPr>
         <p:style>
-          <a:lnRef idx="0"/>
-          <a:fillRef idx="0"/>
-          <a:effectRef idx="0"/>
+          <a:lnRef idx="0">
+            <a:scrgbClr r="0" g="0" b="0"/>
+          </a:lnRef>
+          <a:fillRef idx="0">
+            <a:scrgbClr r="0" g="0" b="0"/>
+          </a:fillRef>
+          <a:effectRef idx="0">
+            <a:scrgbClr r="0" g="0" b="0"/>
+          </a:effectRef>
           <a:fontRef idx="minor"/>
         </p:style>
         <p:txBody>
-          <a:bodyPr lIns="90000" rIns="90000" tIns="45000" bIns="45000" anchor="ctr"/>
+          <a:bodyPr lIns="90000" tIns="45000" rIns="90000" bIns="45000" anchor="ctr"/>
+          <a:lstStyle/>
           <a:p>
             <a:pPr>
               <a:lnSpc>
@@ -6228,16 +7192,16 @@
               </a:lnSpc>
             </a:pPr>
             <a:r>
-              <a:rPr b="0" lang="en-US" sz="4000" spc="-92" strike="noStrike">
+              <a:rPr lang="en-US" sz="4000" b="0" strike="noStrike" spc="-92">
                 <a:solidFill>
-                  <a:srgbClr val="d2533c"/>
+                  <a:srgbClr val="D2533C"/>
                 </a:solidFill>
                 <a:latin typeface="Arial"/>
                 <a:ea typeface="DejaVu Sans"/>
               </a:rPr>
               <a:t>Estructuras if -else</a:t>
             </a:r>
-            <a:endParaRPr b="0" lang="en-US" sz="4000" spc="-1" strike="noStrike">
+            <a:endParaRPr lang="en-US" sz="4000" b="0" strike="noStrike" spc="-1">
               <a:latin typeface="Arial"/>
             </a:endParaRPr>
           </a:p>
@@ -6263,13 +7227,20 @@
           </a:ln>
         </p:spPr>
         <p:style>
-          <a:lnRef idx="0"/>
-          <a:fillRef idx="0"/>
-          <a:effectRef idx="0"/>
+          <a:lnRef idx="0">
+            <a:scrgbClr r="0" g="0" b="0"/>
+          </a:lnRef>
+          <a:fillRef idx="0">
+            <a:scrgbClr r="0" g="0" b="0"/>
+          </a:fillRef>
+          <a:effectRef idx="0">
+            <a:scrgbClr r="0" g="0" b="0"/>
+          </a:effectRef>
           <a:fontRef idx="minor"/>
         </p:style>
         <p:txBody>
-          <a:bodyPr lIns="90000" rIns="90000" tIns="45000" bIns="45000"/>
+          <a:bodyPr lIns="90000" tIns="45000" rIns="90000" bIns="45000"/>
+          <a:lstStyle/>
           <a:p>
             <a:pPr marL="182880" indent="-181800">
               <a:lnSpc>
@@ -6279,14 +7250,14 @@
                 <a:spcPts val="479"/>
               </a:spcBef>
               <a:buClr>
-                <a:srgbClr val="93a299"/>
+                <a:srgbClr val="93A299"/>
               </a:buClr>
               <a:buSzPct val="85000"/>
               <a:buFont typeface="Arial"/>
               <a:buChar char="•"/>
             </a:pPr>
             <a:r>
-              <a:rPr b="0" lang="en-US" sz="2400" spc="-1" strike="noStrike">
+              <a:rPr lang="en-US" sz="2400" b="0" strike="noStrike" spc="-1">
                 <a:solidFill>
                   <a:srgbClr val="292934"/>
                 </a:solidFill>
@@ -6295,7 +7266,7 @@
               </a:rPr>
               <a:t>Es una condición de dos partes, eso significa que una parte del código se ejecuta cuando la condición se hace verdadera y de lo contrario, se ejecuta otra parte</a:t>
             </a:r>
-            <a:endParaRPr b="0" lang="en-US" sz="2400" spc="-1" strike="noStrike">
+            <a:endParaRPr lang="en-US" sz="2400" b="0" strike="noStrike" spc="-1">
               <a:latin typeface="Arial"/>
             </a:endParaRPr>
           </a:p>
@@ -6308,14 +7279,14 @@
                 <a:spcPts val="479"/>
               </a:spcBef>
               <a:buClr>
-                <a:srgbClr val="93a299"/>
+                <a:srgbClr val="93A299"/>
               </a:buClr>
               <a:buSzPct val="85000"/>
               <a:buFont typeface="Arial"/>
               <a:buChar char="•"/>
             </a:pPr>
             <a:r>
-              <a:rPr b="0" lang="en-US" sz="2400" spc="-1" strike="noStrike">
+              <a:rPr lang="en-US" sz="2400" b="0" strike="noStrike" spc="-1">
                 <a:solidFill>
                   <a:srgbClr val="292934"/>
                 </a:solidFill>
@@ -6324,7 +7295,7 @@
               </a:rPr>
               <a:t>Ejemplo</a:t>
             </a:r>
-            <a:endParaRPr b="0" lang="en-US" sz="2400" spc="-1" strike="noStrike">
+            <a:endParaRPr lang="en-US" sz="2400" b="0" strike="noStrike" spc="-1">
               <a:latin typeface="Arial"/>
             </a:endParaRPr>
           </a:p>
@@ -6337,14 +7308,14 @@
                 <a:spcPts val="479"/>
               </a:spcBef>
               <a:buClr>
-                <a:srgbClr val="93a299"/>
+                <a:srgbClr val="93A299"/>
               </a:buClr>
               <a:buSzPct val="85000"/>
               <a:buFont typeface="Arial"/>
               <a:buChar char="•"/>
             </a:pPr>
             <a:r>
-              <a:rPr b="0" lang="en-US" sz="2400" spc="-1" strike="noStrike">
+              <a:rPr lang="en-US" sz="2400" b="0" strike="noStrike" spc="-1">
                 <a:solidFill>
                   <a:srgbClr val="292934"/>
                 </a:solidFill>
@@ -6353,7 +7324,7 @@
               </a:rPr>
               <a:t>imprimir(“Ingrese un número”)</a:t>
             </a:r>
-            <a:endParaRPr b="0" lang="en-US" sz="2400" spc="-1" strike="noStrike">
+            <a:endParaRPr lang="en-US" sz="2400" b="0" strike="noStrike" spc="-1">
               <a:latin typeface="Arial"/>
             </a:endParaRPr>
           </a:p>
@@ -6366,14 +7337,14 @@
                 <a:spcPts val="479"/>
               </a:spcBef>
               <a:buClr>
-                <a:srgbClr val="93a299"/>
+                <a:srgbClr val="93A299"/>
               </a:buClr>
               <a:buSzPct val="85000"/>
               <a:buFont typeface="Arial"/>
               <a:buChar char="•"/>
             </a:pPr>
             <a:r>
-              <a:rPr b="0" lang="en-US" sz="2400" spc="-1" strike="noStrike">
+              <a:rPr lang="en-US" sz="2400" b="0" strike="noStrike" spc="-1">
                 <a:solidFill>
                   <a:srgbClr val="292934"/>
                 </a:solidFill>
@@ -6382,7 +7353,7 @@
               </a:rPr>
               <a:t>leer(numero)</a:t>
             </a:r>
-            <a:endParaRPr b="0" lang="en-US" sz="2400" spc="-1" strike="noStrike">
+            <a:endParaRPr lang="en-US" sz="2400" b="0" strike="noStrike" spc="-1">
               <a:latin typeface="Arial"/>
             </a:endParaRPr>
           </a:p>
@@ -6395,14 +7366,14 @@
                 <a:spcPts val="479"/>
               </a:spcBef>
               <a:buClr>
-                <a:srgbClr val="93a299"/>
+                <a:srgbClr val="93A299"/>
               </a:buClr>
               <a:buSzPct val="85000"/>
               <a:buFont typeface="Arial"/>
               <a:buChar char="•"/>
             </a:pPr>
             <a:r>
-              <a:rPr b="0" lang="en-US" sz="2400" spc="-1" strike="noStrike">
+              <a:rPr lang="en-US" sz="2400" b="0" strike="noStrike" spc="-1">
                 <a:solidFill>
                   <a:srgbClr val="292934"/>
                 </a:solidFill>
@@ -6411,12 +7382,12 @@
               </a:rPr>
               <a:t>Si numero &gt; 10 entonces</a:t>
             </a:r>
-            <a:endParaRPr b="0" lang="en-US" sz="2400" spc="-1" strike="noStrike">
-              <a:latin typeface="Arial"/>
-            </a:endParaRPr>
-          </a:p>
-          <a:p>
-            <a:pPr lvl="1" marL="432000" indent="-216000">
+            <a:endParaRPr lang="en-US" sz="2400" b="0" strike="noStrike" spc="-1">
+              <a:latin typeface="Arial"/>
+            </a:endParaRPr>
+          </a:p>
+          <a:p>
+            <a:pPr marL="432000" lvl="1" indent="-216000">
               <a:lnSpc>
                 <a:spcPct val="100000"/>
               </a:lnSpc>
@@ -6431,7 +7402,7 @@
               <a:buChar char=""/>
             </a:pPr>
             <a:r>
-              <a:rPr b="0" lang="en-US" sz="2400" spc="-1" strike="noStrike">
+              <a:rPr lang="en-US" sz="2400" b="0" strike="noStrike" spc="-1">
                 <a:solidFill>
                   <a:srgbClr val="292934"/>
                 </a:solidFill>
@@ -6440,7 +7411,7 @@
               </a:rPr>
               <a:t>imprimir(“el número es mayor a 10”)</a:t>
             </a:r>
-            <a:endParaRPr b="0" lang="en-US" sz="2400" spc="-1" strike="noStrike">
+            <a:endParaRPr lang="en-US" sz="2400" b="0" strike="noStrike" spc="-1">
               <a:latin typeface="Arial"/>
             </a:endParaRPr>
           </a:p>
@@ -6453,14 +7424,14 @@
                 <a:spcPts val="479"/>
               </a:spcBef>
               <a:buClr>
-                <a:srgbClr val="93a299"/>
+                <a:srgbClr val="93A299"/>
               </a:buClr>
               <a:buSzPct val="85000"/>
               <a:buFont typeface="Arial"/>
               <a:buChar char="•"/>
             </a:pPr>
             <a:r>
-              <a:rPr b="0" lang="en-US" sz="2400" spc="-1" strike="noStrike">
+              <a:rPr lang="en-US" sz="2400" b="0" strike="noStrike" spc="-1">
                 <a:solidFill>
                   <a:srgbClr val="292934"/>
                 </a:solidFill>
@@ -6469,12 +7440,12 @@
               </a:rPr>
               <a:t>De lo contrartio</a:t>
             </a:r>
-            <a:endParaRPr b="0" lang="en-US" sz="2400" spc="-1" strike="noStrike">
-              <a:latin typeface="Arial"/>
-            </a:endParaRPr>
-          </a:p>
-          <a:p>
-            <a:pPr lvl="1" marL="432000" indent="-216000">
+            <a:endParaRPr lang="en-US" sz="2400" b="0" strike="noStrike" spc="-1">
+              <a:latin typeface="Arial"/>
+            </a:endParaRPr>
+          </a:p>
+          <a:p>
+            <a:pPr marL="432000" lvl="1" indent="-216000">
               <a:lnSpc>
                 <a:spcPct val="100000"/>
               </a:lnSpc>
@@ -6489,7 +7460,7 @@
               <a:buChar char=""/>
             </a:pPr>
             <a:r>
-              <a:rPr b="0" lang="en-US" sz="2400" spc="-1" strike="noStrike">
+              <a:rPr lang="en-US" sz="2400" b="0" strike="noStrike" spc="-1">
                 <a:solidFill>
                   <a:srgbClr val="292934"/>
                 </a:solidFill>
@@ -6498,7 +7469,7 @@
               </a:rPr>
               <a:t>imprimir(“el numero es menor o igual a 10”)</a:t>
             </a:r>
-            <a:endParaRPr b="0" lang="en-US" sz="2400" spc="-1" strike="noStrike">
+            <a:endParaRPr lang="en-US" sz="2400" b="0" strike="noStrike" spc="-1">
               <a:latin typeface="Arial"/>
             </a:endParaRPr>
           </a:p>
@@ -6506,22 +7477,25 @@
       </p:sp>
     </p:spTree>
   </p:cSld>
+  <p:clrMapOvr>
+    <a:masterClrMapping/>
+  </p:clrMapOvr>
   <p:timing>
     <p:tnLst>
       <p:par>
-        <p:cTn id="7" dur="indefinite" restart="never" nodeType="tmRoot">
+        <p:cTn id="1" dur="indefinite" restart="never" nodeType="tmRoot">
           <p:childTnLst>
             <p:seq>
-              <p:cTn id="8" dur="indefinite" nodeType="mainSeq"/>
+              <p:cTn id="2" dur="indefinite" nodeType="mainSeq"/>
               <p:prevCondLst>
-                <p:cond delay="0" evt="onPrev">
+                <p:cond evt="onPrev" delay="0">
                   <p:tgtEl>
                     <p:sldTgt/>
                   </p:tgtEl>
                 </p:cond>
               </p:prevCondLst>
               <p:nextCondLst>
-                <p:cond delay="0" evt="onNext">
+                <p:cond evt="onNext" delay="0">
                   <p:tgtEl>
                     <p:sldTgt/>
                   </p:tgtEl>
@@ -6537,7 +7511,7 @@
 </file>
 
 <file path=ppt/slides/slide5.xml><?xml version="1.0" encoding="utf-8"?>
-<p:sld xmlns:a="http://schemas.openxmlformats.org/drawingml/2006/main" xmlns:p="http://schemas.openxmlformats.org/presentationml/2006/main" xmlns:r="http://schemas.openxmlformats.org/officeDocument/2006/relationships" xmlns:p14="http://schemas.microsoft.com/office/powerpoint/2010/main" xmlns:p15="http://schemas.microsoft.com/office/powerpoint/2012/main" xmlns:mc="http://schemas.openxmlformats.org/markup-compatibility/2006">
+<p:sld xmlns:a="http://schemas.openxmlformats.org/drawingml/2006/main" xmlns:r="http://schemas.openxmlformats.org/officeDocument/2006/relationships" xmlns:p="http://schemas.openxmlformats.org/presentationml/2006/main">
   <p:cSld>
     <p:spTree>
       <p:nvGrpSpPr>
@@ -6573,13 +7547,20 @@
           </a:ln>
         </p:spPr>
         <p:style>
-          <a:lnRef idx="0"/>
-          <a:fillRef idx="0"/>
-          <a:effectRef idx="0"/>
+          <a:lnRef idx="0">
+            <a:scrgbClr r="0" g="0" b="0"/>
+          </a:lnRef>
+          <a:fillRef idx="0">
+            <a:scrgbClr r="0" g="0" b="0"/>
+          </a:fillRef>
+          <a:effectRef idx="0">
+            <a:scrgbClr r="0" g="0" b="0"/>
+          </a:effectRef>
           <a:fontRef idx="minor"/>
         </p:style>
         <p:txBody>
-          <a:bodyPr lIns="90000" rIns="90000" tIns="45000" bIns="45000" anchor="ctr"/>
+          <a:bodyPr lIns="90000" tIns="45000" rIns="90000" bIns="45000" anchor="ctr"/>
+          <a:lstStyle/>
           <a:p>
             <a:pPr>
               <a:lnSpc>
@@ -6587,16 +7568,16 @@
               </a:lnSpc>
             </a:pPr>
             <a:r>
-              <a:rPr b="0" lang="en-US" sz="4000" spc="-92" strike="noStrike">
+              <a:rPr lang="en-US" sz="4000" b="0" strike="noStrike" spc="-92">
                 <a:solidFill>
-                  <a:srgbClr val="d2533c"/>
+                  <a:srgbClr val="D2533C"/>
                 </a:solidFill>
                 <a:latin typeface="Arial"/>
                 <a:ea typeface="DejaVu Sans"/>
               </a:rPr>
               <a:t>Estructuras else if</a:t>
             </a:r>
-            <a:endParaRPr b="0" lang="en-US" sz="4000" spc="-1" strike="noStrike">
+            <a:endParaRPr lang="en-US" sz="4000" b="0" strike="noStrike" spc="-1">
               <a:latin typeface="Arial"/>
             </a:endParaRPr>
           </a:p>
@@ -6622,13 +7603,20 @@
           </a:ln>
         </p:spPr>
         <p:style>
-          <a:lnRef idx="0"/>
-          <a:fillRef idx="0"/>
-          <a:effectRef idx="0"/>
+          <a:lnRef idx="0">
+            <a:scrgbClr r="0" g="0" b="0"/>
+          </a:lnRef>
+          <a:fillRef idx="0">
+            <a:scrgbClr r="0" g="0" b="0"/>
+          </a:fillRef>
+          <a:effectRef idx="0">
+            <a:scrgbClr r="0" g="0" b="0"/>
+          </a:effectRef>
           <a:fontRef idx="minor"/>
         </p:style>
         <p:txBody>
-          <a:bodyPr lIns="90000" rIns="90000" tIns="45000" bIns="45000"/>
+          <a:bodyPr lIns="90000" tIns="45000" rIns="90000" bIns="45000"/>
+          <a:lstStyle/>
           <a:p>
             <a:pPr marL="182880" indent="-181800">
               <a:lnSpc>
@@ -6638,14 +7626,14 @@
                 <a:spcPts val="479"/>
               </a:spcBef>
               <a:buClr>
-                <a:srgbClr val="93a299"/>
+                <a:srgbClr val="93A299"/>
               </a:buClr>
               <a:buSzPct val="85000"/>
               <a:buFont typeface="Arial"/>
               <a:buChar char="•"/>
             </a:pPr>
             <a:r>
-              <a:rPr b="0" lang="en-US" sz="2400" spc="-1" strike="noStrike">
+              <a:rPr lang="en-US" sz="2400" b="0" strike="noStrike" spc="-1">
                 <a:solidFill>
                   <a:srgbClr val="292934"/>
                 </a:solidFill>
@@ -6654,7 +7642,7 @@
               </a:rPr>
               <a:t>Es una condición de tres o más partes</a:t>
             </a:r>
-            <a:endParaRPr b="0" lang="en-US" sz="2400" spc="-1" strike="noStrike">
+            <a:endParaRPr lang="en-US" sz="2400" b="0" strike="noStrike" spc="-1">
               <a:latin typeface="Arial"/>
             </a:endParaRPr>
           </a:p>
@@ -6667,14 +7655,14 @@
                 <a:spcPts val="479"/>
               </a:spcBef>
               <a:buClr>
-                <a:srgbClr val="93a299"/>
+                <a:srgbClr val="93A299"/>
               </a:buClr>
               <a:buSzPct val="85000"/>
               <a:buFont typeface="Arial"/>
               <a:buChar char="•"/>
             </a:pPr>
             <a:r>
-              <a:rPr b="0" lang="en-US" sz="2400" spc="-1" strike="noStrike">
+              <a:rPr lang="en-US" sz="2400" b="0" strike="noStrike" spc="-1">
                 <a:solidFill>
                   <a:srgbClr val="292934"/>
                 </a:solidFill>
@@ -6683,7 +7671,7 @@
               </a:rPr>
               <a:t>Ejemplo</a:t>
             </a:r>
-            <a:endParaRPr b="0" lang="en-US" sz="2400" spc="-1" strike="noStrike">
+            <a:endParaRPr lang="en-US" sz="2400" b="0" strike="noStrike" spc="-1">
               <a:latin typeface="Arial"/>
             </a:endParaRPr>
           </a:p>
@@ -6696,14 +7684,14 @@
                 <a:spcPts val="479"/>
               </a:spcBef>
               <a:buClr>
-                <a:srgbClr val="93a299"/>
+                <a:srgbClr val="93A299"/>
               </a:buClr>
               <a:buSzPct val="85000"/>
               <a:buFont typeface="Arial"/>
               <a:buChar char="•"/>
             </a:pPr>
             <a:r>
-              <a:rPr b="0" lang="en-US" sz="2400" spc="-1" strike="noStrike">
+              <a:rPr lang="en-US" sz="2400" b="0" strike="noStrike" spc="-1">
                 <a:solidFill>
                   <a:srgbClr val="292934"/>
                 </a:solidFill>
@@ -6712,7 +7700,7 @@
               </a:rPr>
               <a:t>imprimir(“Ingrese su edad”)</a:t>
             </a:r>
-            <a:endParaRPr b="0" lang="en-US" sz="2400" spc="-1" strike="noStrike">
+            <a:endParaRPr lang="en-US" sz="2400" b="0" strike="noStrike" spc="-1">
               <a:latin typeface="Arial"/>
             </a:endParaRPr>
           </a:p>
@@ -6725,14 +7713,14 @@
                 <a:spcPts val="479"/>
               </a:spcBef>
               <a:buClr>
-                <a:srgbClr val="93a299"/>
+                <a:srgbClr val="93A299"/>
               </a:buClr>
               <a:buSzPct val="85000"/>
               <a:buFont typeface="Arial"/>
               <a:buChar char="•"/>
             </a:pPr>
             <a:r>
-              <a:rPr b="0" lang="en-US" sz="2400" spc="-1" strike="noStrike">
+              <a:rPr lang="en-US" sz="2400" b="0" strike="noStrike" spc="-1">
                 <a:solidFill>
                   <a:srgbClr val="292934"/>
                 </a:solidFill>
@@ -6741,7 +7729,7 @@
               </a:rPr>
               <a:t>leer(edad)</a:t>
             </a:r>
-            <a:endParaRPr b="0" lang="en-US" sz="2400" spc="-1" strike="noStrike">
+            <a:endParaRPr lang="en-US" sz="2400" b="0" strike="noStrike" spc="-1">
               <a:latin typeface="Arial"/>
             </a:endParaRPr>
           </a:p>
@@ -6754,14 +7742,14 @@
                 <a:spcPts val="479"/>
               </a:spcBef>
               <a:buClr>
-                <a:srgbClr val="93a299"/>
+                <a:srgbClr val="93A299"/>
               </a:buClr>
               <a:buSzPct val="85000"/>
               <a:buFont typeface="Arial"/>
               <a:buChar char="•"/>
             </a:pPr>
             <a:r>
-              <a:rPr b="0" lang="en-US" sz="2400" spc="-1" strike="noStrike">
+              <a:rPr lang="en-US" sz="2400" b="0" strike="noStrike" spc="-1">
                 <a:solidFill>
                   <a:srgbClr val="292934"/>
                 </a:solidFill>
@@ -6770,12 +7758,12 @@
               </a:rPr>
               <a:t>Si edad &lt; 13 entonces</a:t>
             </a:r>
-            <a:endParaRPr b="0" lang="en-US" sz="2400" spc="-1" strike="noStrike">
-              <a:latin typeface="Arial"/>
-            </a:endParaRPr>
-          </a:p>
-          <a:p>
-            <a:pPr lvl="1" marL="432000" indent="-216000">
+            <a:endParaRPr lang="en-US" sz="2400" b="0" strike="noStrike" spc="-1">
+              <a:latin typeface="Arial"/>
+            </a:endParaRPr>
+          </a:p>
+          <a:p>
+            <a:pPr marL="432000" lvl="1" indent="-216000">
               <a:lnSpc>
                 <a:spcPct val="100000"/>
               </a:lnSpc>
@@ -6790,7 +7778,7 @@
               <a:buChar char=""/>
             </a:pPr>
             <a:r>
-              <a:rPr b="0" lang="en-US" sz="2400" spc="-1" strike="noStrike">
+              <a:rPr lang="en-US" sz="2400" b="0" strike="noStrike" spc="-1">
                 <a:solidFill>
                   <a:srgbClr val="292934"/>
                 </a:solidFill>
@@ -6799,7 +7787,7 @@
               </a:rPr>
               <a:t>imprimir(“usted esta en la infancia”)</a:t>
             </a:r>
-            <a:endParaRPr b="0" lang="en-US" sz="2400" spc="-1" strike="noStrike">
+            <a:endParaRPr lang="en-US" sz="2400" b="0" strike="noStrike" spc="-1">
               <a:latin typeface="Arial"/>
             </a:endParaRPr>
           </a:p>
@@ -6812,14 +7800,14 @@
                 <a:spcPts val="479"/>
               </a:spcBef>
               <a:buClr>
-                <a:srgbClr val="93a299"/>
+                <a:srgbClr val="93A299"/>
               </a:buClr>
               <a:buSzPct val="85000"/>
               <a:buFont typeface="Arial"/>
               <a:buChar char="•"/>
             </a:pPr>
             <a:r>
-              <a:rPr b="0" lang="en-US" sz="2400" spc="-1" strike="noStrike">
+              <a:rPr lang="en-US" sz="2400" b="0" strike="noStrike" spc="-1">
                 <a:solidFill>
                   <a:srgbClr val="292934"/>
                 </a:solidFill>
@@ -6828,12 +7816,12 @@
               </a:rPr>
               <a:t>De lo contrartio si edad &gt; 13 y edad &lt; 21</a:t>
             </a:r>
-            <a:endParaRPr b="0" lang="en-US" sz="2400" spc="-1" strike="noStrike">
-              <a:latin typeface="Arial"/>
-            </a:endParaRPr>
-          </a:p>
-          <a:p>
-            <a:pPr lvl="1" marL="432000" indent="-216000">
+            <a:endParaRPr lang="en-US" sz="2400" b="0" strike="noStrike" spc="-1">
+              <a:latin typeface="Arial"/>
+            </a:endParaRPr>
+          </a:p>
+          <a:p>
+            <a:pPr marL="432000" lvl="1" indent="-216000">
               <a:lnSpc>
                 <a:spcPct val="100000"/>
               </a:lnSpc>
@@ -6848,7 +7836,7 @@
               <a:buChar char=""/>
             </a:pPr>
             <a:r>
-              <a:rPr b="0" lang="en-US" sz="2400" spc="-1" strike="noStrike">
+              <a:rPr lang="en-US" sz="2400" b="0" strike="noStrike" spc="-1">
                 <a:solidFill>
                   <a:srgbClr val="292934"/>
                 </a:solidFill>
@@ -6857,7 +7845,7 @@
               </a:rPr>
               <a:t>imprimir(“usted esta en la adolescencia”)</a:t>
             </a:r>
-            <a:endParaRPr b="0" lang="en-US" sz="2400" spc="-1" strike="noStrike">
+            <a:endParaRPr lang="en-US" sz="2400" b="0" strike="noStrike" spc="-1">
               <a:latin typeface="Arial"/>
             </a:endParaRPr>
           </a:p>
@@ -6870,14 +7858,14 @@
                 <a:spcPts val="479"/>
               </a:spcBef>
               <a:buClr>
-                <a:srgbClr val="93a299"/>
+                <a:srgbClr val="93A299"/>
               </a:buClr>
               <a:buSzPct val="85000"/>
               <a:buFont typeface="Arial"/>
               <a:buChar char="•"/>
             </a:pPr>
             <a:r>
-              <a:rPr b="0" lang="en-US" sz="2400" spc="-1" strike="noStrike">
+              <a:rPr lang="en-US" sz="2400" b="0" strike="noStrike" spc="-1">
                 <a:solidFill>
                   <a:srgbClr val="292934"/>
                 </a:solidFill>
@@ -6886,12 +7874,12 @@
               </a:rPr>
               <a:t>De lo contrartio si edad &gt; 21</a:t>
             </a:r>
-            <a:endParaRPr b="0" lang="en-US" sz="2400" spc="-1" strike="noStrike">
-              <a:latin typeface="Arial"/>
-            </a:endParaRPr>
-          </a:p>
-          <a:p>
-            <a:pPr lvl="1" marL="432000" indent="-216000">
+            <a:endParaRPr lang="en-US" sz="2400" b="0" strike="noStrike" spc="-1">
+              <a:latin typeface="Arial"/>
+            </a:endParaRPr>
+          </a:p>
+          <a:p>
+            <a:pPr marL="432000" lvl="1" indent="-216000">
               <a:lnSpc>
                 <a:spcPct val="100000"/>
               </a:lnSpc>
@@ -6906,7 +7894,7 @@
               <a:buChar char=""/>
             </a:pPr>
             <a:r>
-              <a:rPr b="0" lang="en-US" sz="2400" spc="-1" strike="noStrike">
+              <a:rPr lang="en-US" sz="2400" b="0" strike="noStrike" spc="-1">
                 <a:solidFill>
                   <a:srgbClr val="292934"/>
                 </a:solidFill>
@@ -6915,7 +7903,7 @@
               </a:rPr>
               <a:t>imprimir(“usted esta en la adultez”)</a:t>
             </a:r>
-            <a:endParaRPr b="0" lang="en-US" sz="2400" spc="-1" strike="noStrike">
+            <a:endParaRPr lang="en-US" sz="2400" b="0" strike="noStrike" spc="-1">
               <a:latin typeface="Arial"/>
             </a:endParaRPr>
           </a:p>
@@ -6923,22 +7911,25 @@
       </p:sp>
     </p:spTree>
   </p:cSld>
+  <p:clrMapOvr>
+    <a:masterClrMapping/>
+  </p:clrMapOvr>
   <p:timing>
     <p:tnLst>
       <p:par>
-        <p:cTn id="9" dur="indefinite" restart="never" nodeType="tmRoot">
+        <p:cTn id="1" dur="indefinite" restart="never" nodeType="tmRoot">
           <p:childTnLst>
             <p:seq>
-              <p:cTn id="10" dur="indefinite" nodeType="mainSeq"/>
+              <p:cTn id="2" dur="indefinite" nodeType="mainSeq"/>
               <p:prevCondLst>
-                <p:cond delay="0" evt="onPrev">
+                <p:cond evt="onPrev" delay="0">
                   <p:tgtEl>
                     <p:sldTgt/>
                   </p:tgtEl>
                 </p:cond>
               </p:prevCondLst>
               <p:nextCondLst>
-                <p:cond delay="0" evt="onNext">
+                <p:cond evt="onNext" delay="0">
                   <p:tgtEl>
                     <p:sldTgt/>
                   </p:tgtEl>
@@ -6954,7 +7945,7 @@
 </file>
 
 <file path=ppt/slides/slide6.xml><?xml version="1.0" encoding="utf-8"?>
-<p:sld xmlns:a="http://schemas.openxmlformats.org/drawingml/2006/main" xmlns:p="http://schemas.openxmlformats.org/presentationml/2006/main" xmlns:r="http://schemas.openxmlformats.org/officeDocument/2006/relationships" xmlns:p14="http://schemas.microsoft.com/office/powerpoint/2010/main" xmlns:p15="http://schemas.microsoft.com/office/powerpoint/2012/main" xmlns:mc="http://schemas.openxmlformats.org/markup-compatibility/2006">
+<p:sld xmlns:a="http://schemas.openxmlformats.org/drawingml/2006/main" xmlns:r="http://schemas.openxmlformats.org/officeDocument/2006/relationships" xmlns:p="http://schemas.openxmlformats.org/presentationml/2006/main">
   <p:cSld>
     <p:spTree>
       <p:nvGrpSpPr>
@@ -6990,13 +7981,20 @@
           </a:ln>
         </p:spPr>
         <p:style>
-          <a:lnRef idx="0"/>
-          <a:fillRef idx="0"/>
-          <a:effectRef idx="0"/>
+          <a:lnRef idx="0">
+            <a:scrgbClr r="0" g="0" b="0"/>
+          </a:lnRef>
+          <a:fillRef idx="0">
+            <a:scrgbClr r="0" g="0" b="0"/>
+          </a:fillRef>
+          <a:effectRef idx="0">
+            <a:scrgbClr r="0" g="0" b="0"/>
+          </a:effectRef>
           <a:fontRef idx="minor"/>
         </p:style>
         <p:txBody>
-          <a:bodyPr lIns="90000" rIns="90000" tIns="45000" bIns="45000" anchor="ctr"/>
+          <a:bodyPr lIns="90000" tIns="45000" rIns="90000" bIns="45000" anchor="ctr"/>
+          <a:lstStyle/>
           <a:p>
             <a:pPr>
               <a:lnSpc>
@@ -7004,16 +8002,16 @@
               </a:lnSpc>
             </a:pPr>
             <a:r>
-              <a:rPr b="0" lang="en-US" sz="4000" spc="-92" strike="noStrike">
+              <a:rPr lang="en-US" sz="4000" b="0" strike="noStrike" spc="-92">
                 <a:solidFill>
-                  <a:srgbClr val="d2533c"/>
+                  <a:srgbClr val="D2533C"/>
                 </a:solidFill>
                 <a:latin typeface="Arial"/>
                 <a:ea typeface="DejaVu Sans"/>
               </a:rPr>
               <a:t>Ejercicios</a:t>
             </a:r>
-            <a:endParaRPr b="0" lang="en-US" sz="4000" spc="-1" strike="noStrike">
+            <a:endParaRPr lang="en-US" sz="4000" b="0" strike="noStrike" spc="-1">
               <a:latin typeface="Arial"/>
             </a:endParaRPr>
           </a:p>
@@ -7039,13 +8037,20 @@
           </a:ln>
         </p:spPr>
         <p:style>
-          <a:lnRef idx="0"/>
-          <a:fillRef idx="0"/>
-          <a:effectRef idx="0"/>
+          <a:lnRef idx="0">
+            <a:scrgbClr r="0" g="0" b="0"/>
+          </a:lnRef>
+          <a:fillRef idx="0">
+            <a:scrgbClr r="0" g="0" b="0"/>
+          </a:fillRef>
+          <a:effectRef idx="0">
+            <a:scrgbClr r="0" g="0" b="0"/>
+          </a:effectRef>
           <a:fontRef idx="minor"/>
         </p:style>
         <p:txBody>
-          <a:bodyPr lIns="90000" rIns="90000" tIns="45000" bIns="45000"/>
+          <a:bodyPr lIns="90000" tIns="45000" rIns="90000" bIns="45000"/>
+          <a:lstStyle/>
           <a:p>
             <a:pPr marL="182880" indent="-181800">
               <a:lnSpc>
@@ -7055,14 +8060,14 @@
                 <a:spcPts val="479"/>
               </a:spcBef>
               <a:buClr>
-                <a:srgbClr val="93a299"/>
+                <a:srgbClr val="93A299"/>
               </a:buClr>
               <a:buSzPct val="85000"/>
               <a:buFont typeface="Arial"/>
               <a:buChar char="•"/>
             </a:pPr>
             <a:r>
-              <a:rPr b="0" lang="en-US" sz="2400" spc="-1" strike="noStrike">
+              <a:rPr lang="en-US" sz="2400" b="0" strike="noStrike" spc="-1">
                 <a:solidFill>
                   <a:srgbClr val="292934"/>
                 </a:solidFill>
@@ -7071,7 +8076,7 @@
               </a:rPr>
               <a:t>Escriba un algortimo que le permita comparar dos números e imprimir cual de los dos es mayor o si son iguales</a:t>
             </a:r>
-            <a:endParaRPr b="0" lang="en-US" sz="2400" spc="-1" strike="noStrike">
+            <a:endParaRPr lang="en-US" sz="2400" b="0" strike="noStrike" spc="-1">
               <a:latin typeface="Arial"/>
             </a:endParaRPr>
           </a:p>
@@ -7084,14 +8089,14 @@
                 <a:spcPts val="479"/>
               </a:spcBef>
               <a:buClr>
-                <a:srgbClr val="93a299"/>
+                <a:srgbClr val="93A299"/>
               </a:buClr>
               <a:buSzPct val="85000"/>
               <a:buFont typeface="Arial"/>
               <a:buChar char="•"/>
             </a:pPr>
             <a:r>
-              <a:rPr b="0" lang="en-US" sz="2400" spc="-1" strike="noStrike">
+              <a:rPr lang="en-US" sz="2400" b="0" strike="noStrike" spc="-1">
                 <a:solidFill>
                   <a:srgbClr val="292934"/>
                 </a:solidFill>
@@ -7100,7 +8105,7 @@
               </a:rPr>
               <a:t>Escriba un algoritmo que le permita saber si un número es par o impar</a:t>
             </a:r>
-            <a:endParaRPr b="0" lang="en-US" sz="2400" spc="-1" strike="noStrike">
+            <a:endParaRPr lang="en-US" sz="2400" b="0" strike="noStrike" spc="-1">
               <a:latin typeface="Arial"/>
             </a:endParaRPr>
           </a:p>
@@ -7113,14 +8118,14 @@
                 <a:spcPts val="479"/>
               </a:spcBef>
               <a:buClr>
-                <a:srgbClr val="93a299"/>
+                <a:srgbClr val="93A299"/>
               </a:buClr>
               <a:buSzPct val="85000"/>
               <a:buFont typeface="Arial"/>
               <a:buChar char="•"/>
             </a:pPr>
             <a:r>
-              <a:rPr b="0" lang="en-US" sz="2400" spc="-1" strike="noStrike">
+              <a:rPr lang="en-US" sz="2400" b="0" strike="noStrike" spc="-1">
                 <a:solidFill>
                   <a:srgbClr val="292934"/>
                 </a:solidFill>
@@ -7129,7 +8134,7 @@
               </a:rPr>
               <a:t>Escriba un algoritmo que compare un nombre de usuario y un password dados por el usuario son iguales a los guardados en variables. Si son iguales, imprime un mensaje de exito, de lo contrario imprime un mensaje de error</a:t>
             </a:r>
-            <a:endParaRPr b="0" lang="en-US" sz="2400" spc="-1" strike="noStrike">
+            <a:endParaRPr lang="en-US" sz="2400" b="0" strike="noStrike" spc="-1">
               <a:latin typeface="Arial"/>
             </a:endParaRPr>
           </a:p>
@@ -7137,22 +8142,25 @@
       </p:sp>
     </p:spTree>
   </p:cSld>
+  <p:clrMapOvr>
+    <a:masterClrMapping/>
+  </p:clrMapOvr>
   <p:timing>
     <p:tnLst>
       <p:par>
-        <p:cTn id="11" dur="indefinite" restart="never" nodeType="tmRoot">
+        <p:cTn id="1" dur="indefinite" restart="never" nodeType="tmRoot">
           <p:childTnLst>
             <p:seq>
-              <p:cTn id="12" dur="indefinite" nodeType="mainSeq"/>
+              <p:cTn id="2" dur="indefinite" nodeType="mainSeq"/>
               <p:prevCondLst>
-                <p:cond delay="0" evt="onPrev">
+                <p:cond evt="onPrev" delay="0">
                   <p:tgtEl>
                     <p:sldTgt/>
                   </p:tgtEl>
                 </p:cond>
               </p:prevCondLst>
               <p:nextCondLst>
-                <p:cond delay="0" evt="onNext">
+                <p:cond evt="onNext" delay="0">
                   <p:tgtEl>
                     <p:sldTgt/>
                   </p:tgtEl>
@@ -7168,7 +8176,7 @@
 </file>
 
 <file path=ppt/slides/slide7.xml><?xml version="1.0" encoding="utf-8"?>
-<p:sld xmlns:a="http://schemas.openxmlformats.org/drawingml/2006/main" xmlns:p="http://schemas.openxmlformats.org/presentationml/2006/main" xmlns:r="http://schemas.openxmlformats.org/officeDocument/2006/relationships" xmlns:p14="http://schemas.microsoft.com/office/powerpoint/2010/main" xmlns:p15="http://schemas.microsoft.com/office/powerpoint/2012/main" xmlns:mc="http://schemas.openxmlformats.org/markup-compatibility/2006">
+<p:sld xmlns:a="http://schemas.openxmlformats.org/drawingml/2006/main" xmlns:r="http://schemas.openxmlformats.org/officeDocument/2006/relationships" xmlns:p="http://schemas.openxmlformats.org/presentationml/2006/main">
   <p:cSld>
     <p:spTree>
       <p:nvGrpSpPr>
@@ -7204,13 +8212,20 @@
           </a:ln>
         </p:spPr>
         <p:style>
-          <a:lnRef idx="0"/>
-          <a:fillRef idx="0"/>
-          <a:effectRef idx="0"/>
+          <a:lnRef idx="0">
+            <a:scrgbClr r="0" g="0" b="0"/>
+          </a:lnRef>
+          <a:fillRef idx="0">
+            <a:scrgbClr r="0" g="0" b="0"/>
+          </a:fillRef>
+          <a:effectRef idx="0">
+            <a:scrgbClr r="0" g="0" b="0"/>
+          </a:effectRef>
           <a:fontRef idx="minor"/>
         </p:style>
         <p:txBody>
-          <a:bodyPr lIns="90000" rIns="90000" tIns="45000" bIns="45000" anchor="ctr"/>
+          <a:bodyPr lIns="90000" tIns="45000" rIns="90000" bIns="45000" anchor="ctr"/>
+          <a:lstStyle/>
           <a:p>
             <a:pPr>
               <a:lnSpc>
@@ -7218,16 +8233,16 @@
               </a:lnSpc>
             </a:pPr>
             <a:r>
-              <a:rPr b="0" lang="en-US" sz="4000" spc="-92" strike="noStrike">
+              <a:rPr lang="en-US" sz="4000" b="0" strike="noStrike" spc="-92">
                 <a:solidFill>
-                  <a:srgbClr val="d2533c"/>
+                  <a:srgbClr val="D2533C"/>
                 </a:solidFill>
                 <a:latin typeface="Arial"/>
                 <a:ea typeface="DejaVu Sans"/>
               </a:rPr>
               <a:t>Diagramas de flujo</a:t>
             </a:r>
-            <a:endParaRPr b="0" lang="en-US" sz="4000" spc="-1" strike="noStrike">
+            <a:endParaRPr lang="en-US" sz="4000" b="0" strike="noStrike" spc="-1">
               <a:latin typeface="Arial"/>
             </a:endParaRPr>
           </a:p>
@@ -7253,13 +8268,20 @@
           </a:ln>
         </p:spPr>
         <p:style>
-          <a:lnRef idx="0"/>
-          <a:fillRef idx="0"/>
-          <a:effectRef idx="0"/>
+          <a:lnRef idx="0">
+            <a:scrgbClr r="0" g="0" b="0"/>
+          </a:lnRef>
+          <a:fillRef idx="0">
+            <a:scrgbClr r="0" g="0" b="0"/>
+          </a:fillRef>
+          <a:effectRef idx="0">
+            <a:scrgbClr r="0" g="0" b="0"/>
+          </a:effectRef>
           <a:fontRef idx="minor"/>
         </p:style>
         <p:txBody>
-          <a:bodyPr lIns="90000" rIns="90000" tIns="45000" bIns="45000"/>
+          <a:bodyPr lIns="90000" tIns="45000" rIns="90000" bIns="45000"/>
+          <a:lstStyle/>
           <a:p>
             <a:pPr marL="182880" indent="-181800">
               <a:lnSpc>
@@ -7269,14 +8291,14 @@
                 <a:spcPts val="479"/>
               </a:spcBef>
               <a:buClr>
-                <a:srgbClr val="93a299"/>
+                <a:srgbClr val="93A299"/>
               </a:buClr>
               <a:buSzPct val="85000"/>
               <a:buFont typeface="Arial"/>
               <a:buChar char="•"/>
             </a:pPr>
             <a:r>
-              <a:rPr b="0" lang="en-US" sz="2400" spc="-1" strike="noStrike">
+              <a:rPr lang="en-US" sz="2400" b="0" strike="noStrike" spc="-1">
                 <a:solidFill>
                   <a:srgbClr val="292934"/>
                 </a:solidFill>
@@ -7285,7 +8307,7 @@
               </a:rPr>
               <a:t>Es la representación gráfica de un algoritmo</a:t>
             </a:r>
-            <a:endParaRPr b="0" lang="en-US" sz="2400" spc="-1" strike="noStrike">
+            <a:endParaRPr lang="en-US" sz="2400" b="0" strike="noStrike" spc="-1">
               <a:latin typeface="Arial"/>
             </a:endParaRPr>
           </a:p>
@@ -7298,14 +8320,14 @@
                 <a:spcPts val="479"/>
               </a:spcBef>
               <a:buClr>
-                <a:srgbClr val="93a299"/>
+                <a:srgbClr val="93A299"/>
               </a:buClr>
               <a:buSzPct val="85000"/>
               <a:buFont typeface="Arial"/>
               <a:buChar char="•"/>
             </a:pPr>
             <a:r>
-              <a:rPr b="0" lang="en-US" sz="2400" spc="-1" strike="noStrike">
+              <a:rPr lang="en-US" sz="2400" b="0" strike="noStrike" spc="-1">
                 <a:solidFill>
                   <a:srgbClr val="292934"/>
                 </a:solidFill>
@@ -7314,12 +8336,12 @@
               </a:rPr>
               <a:t>El lenguaje más usado es UML</a:t>
             </a:r>
-            <a:endParaRPr b="0" lang="en-US" sz="2400" spc="-1" strike="noStrike">
-              <a:latin typeface="Arial"/>
-            </a:endParaRPr>
-          </a:p>
-          <a:p>
-            <a:pPr lvl="1" marL="457200" indent="-181800">
+            <a:endParaRPr lang="en-US" sz="2400" b="0" strike="noStrike" spc="-1">
+              <a:latin typeface="Arial"/>
+            </a:endParaRPr>
+          </a:p>
+          <a:p>
+            <a:pPr marL="457200" lvl="1" indent="-181800">
               <a:lnSpc>
                 <a:spcPct val="100000"/>
               </a:lnSpc>
@@ -7327,14 +8349,14 @@
                 <a:spcPts val="400"/>
               </a:spcBef>
               <a:buClr>
-                <a:srgbClr val="93a299"/>
+                <a:srgbClr val="93A299"/>
               </a:buClr>
               <a:buSzPct val="85000"/>
               <a:buFont typeface="Arial"/>
               <a:buChar char="•"/>
             </a:pPr>
             <a:r>
-              <a:rPr b="0" lang="en-US" sz="2000" spc="-1" strike="noStrike">
+              <a:rPr lang="en-US" sz="2000" b="0" strike="noStrike" spc="-1">
                 <a:solidFill>
                   <a:srgbClr val="292934"/>
                 </a:solidFill>
@@ -7343,7 +8365,7 @@
               </a:rPr>
               <a:t>Universal Modeling Language</a:t>
             </a:r>
-            <a:endParaRPr b="0" lang="en-US" sz="2000" spc="-1" strike="noStrike">
+            <a:endParaRPr lang="en-US" sz="2000" b="0" strike="noStrike" spc="-1">
               <a:latin typeface="Arial"/>
             </a:endParaRPr>
           </a:p>
@@ -7356,14 +8378,14 @@
                 <a:spcPts val="479"/>
               </a:spcBef>
               <a:buClr>
-                <a:srgbClr val="93a299"/>
+                <a:srgbClr val="93A299"/>
               </a:buClr>
               <a:buSzPct val="85000"/>
               <a:buFont typeface="Arial"/>
               <a:buChar char="•"/>
             </a:pPr>
             <a:r>
-              <a:rPr b="0" lang="en-US" sz="2400" spc="-1" strike="noStrike">
+              <a:rPr lang="en-US" sz="2400" b="0" strike="noStrike" spc="-1">
                 <a:solidFill>
                   <a:srgbClr val="292934"/>
                 </a:solidFill>
@@ -7372,7 +8394,7 @@
               </a:rPr>
               <a:t>Se usa para que los algoritmos sean más fáciles de leer e interpretar</a:t>
             </a:r>
-            <a:endParaRPr b="0" lang="en-US" sz="2400" spc="-1" strike="noStrike">
+            <a:endParaRPr lang="en-US" sz="2400" b="0" strike="noStrike" spc="-1">
               <a:latin typeface="Arial"/>
             </a:endParaRPr>
           </a:p>
@@ -7385,14 +8407,14 @@
                 <a:spcPts val="479"/>
               </a:spcBef>
               <a:buClr>
-                <a:srgbClr val="93a299"/>
+                <a:srgbClr val="93A299"/>
               </a:buClr>
               <a:buSzPct val="85000"/>
               <a:buFont typeface="Arial"/>
               <a:buChar char="•"/>
             </a:pPr>
             <a:r>
-              <a:rPr b="0" lang="en-US" sz="2400" spc="-1" strike="noStrike">
+              <a:rPr lang="en-US" sz="2400" b="0" strike="noStrike" spc="-1">
                 <a:solidFill>
                   <a:srgbClr val="292934"/>
                 </a:solidFill>
@@ -7401,7 +8423,7 @@
               </a:rPr>
               <a:t>Los diagramas de flujo usan figuras geométricas para diferenciar los diferentes estados del </a:t>
             </a:r>
-            <a:endParaRPr b="0" lang="en-US" sz="2400" spc="-1" strike="noStrike">
+            <a:endParaRPr lang="en-US" sz="2400" b="0" strike="noStrike" spc="-1">
               <a:latin typeface="Arial"/>
             </a:endParaRPr>
           </a:p>
@@ -7409,14 +8431,164 @@
       </p:sp>
     </p:spTree>
   </p:cSld>
+  <p:clrMapOvr>
+    <a:masterClrMapping/>
+  </p:clrMapOvr>
   <p:timing>
     <p:tnLst>
       <p:par>
-        <p:cTn id="13" dur="indefinite" restart="never" nodeType="tmRoot">
+        <p:cTn id="1" dur="indefinite" restart="never" nodeType="tmRoot">
           <p:childTnLst>
             <p:seq>
-              <p:cTn id="14" dur="indefinite" nodeType="mainSeq">
+              <p:cTn id="2" dur="indefinite" nodeType="mainSeq">
                 <p:childTnLst>
+                  <p:par>
+                    <p:cTn id="3" fill="hold">
+                      <p:stCondLst>
+                        <p:cond delay="indefinite"/>
+                      </p:stCondLst>
+                      <p:childTnLst>
+                        <p:par>
+                          <p:cTn id="4" fill="hold">
+                            <p:stCondLst>
+                              <p:cond delay="0"/>
+                            </p:stCondLst>
+                            <p:childTnLst>
+                              <p:par>
+                                <p:cTn id="5" presetID="1" presetClass="entr" fill="hold" nodeType="clickEffect">
+                                  <p:stCondLst>
+                                    <p:cond delay="0"/>
+                                  </p:stCondLst>
+                                  <p:childTnLst>
+                                    <p:set>
+                                      <p:cBhvr>
+                                        <p:cTn id="6" dur="1" fill="hold">
+                                          <p:stCondLst>
+                                            <p:cond delay="0"/>
+                                          </p:stCondLst>
+                                        </p:cTn>
+                                        <p:tgtEl>
+                                          <p:spTgt spid="96">
+                                            <p:txEl>
+                                              <p:pRg st="0" end="0"/>
+                                            </p:txEl>
+                                          </p:spTgt>
+                                        </p:tgtEl>
+                                        <p:attrNameLst>
+                                          <p:attrName>style.visibility</p:attrName>
+                                        </p:attrNameLst>
+                                      </p:cBhvr>
+                                      <p:to>
+                                        <p:strVal val="visible"/>
+                                      </p:to>
+                                    </p:set>
+                                  </p:childTnLst>
+                                </p:cTn>
+                              </p:par>
+                            </p:childTnLst>
+                          </p:cTn>
+                        </p:par>
+                      </p:childTnLst>
+                    </p:cTn>
+                  </p:par>
+                  <p:par>
+                    <p:cTn id="7" fill="hold">
+                      <p:stCondLst>
+                        <p:cond delay="indefinite"/>
+                      </p:stCondLst>
+                      <p:childTnLst>
+                        <p:par>
+                          <p:cTn id="8" fill="hold">
+                            <p:stCondLst>
+                              <p:cond delay="0"/>
+                            </p:stCondLst>
+                            <p:childTnLst>
+                              <p:par>
+                                <p:cTn id="9" presetID="1" presetClass="entr" fill="hold" nodeType="clickEffect">
+                                  <p:stCondLst>
+                                    <p:cond delay="0"/>
+                                  </p:stCondLst>
+                                  <p:childTnLst>
+                                    <p:set>
+                                      <p:cBhvr>
+                                        <p:cTn id="10" dur="1" fill="hold">
+                                          <p:stCondLst>
+                                            <p:cond delay="0"/>
+                                          </p:stCondLst>
+                                        </p:cTn>
+                                        <p:tgtEl>
+                                          <p:spTgt spid="96">
+                                            <p:txEl>
+                                              <p:pRg st="1" end="1"/>
+                                            </p:txEl>
+                                          </p:spTgt>
+                                        </p:tgtEl>
+                                        <p:attrNameLst>
+                                          <p:attrName>style.visibility</p:attrName>
+                                        </p:attrNameLst>
+                                      </p:cBhvr>
+                                      <p:to>
+                                        <p:strVal val="visible"/>
+                                      </p:to>
+                                    </p:set>
+                                  </p:childTnLst>
+                                </p:cTn>
+                              </p:par>
+                            </p:childTnLst>
+                          </p:cTn>
+                        </p:par>
+                      </p:childTnLst>
+                    </p:cTn>
+                  </p:par>
+                  <p:par>
+                    <p:cTn id="11" fill="hold">
+                      <p:stCondLst>
+                        <p:cond delay="indefinite"/>
+                      </p:stCondLst>
+                      <p:childTnLst>
+                        <p:par>
+                          <p:cTn id="12" fill="hold">
+                            <p:stCondLst>
+                              <p:cond delay="0"/>
+                            </p:stCondLst>
+                            <p:childTnLst>
+                              <p:par>
+                                <p:cTn id="13" presetID="1" presetClass="entr" fill="hold" nodeType="clickEffect">
+                                  <p:stCondLst>
+                                    <p:cond delay="0"/>
+                                  </p:stCondLst>
+                                  <p:childTnLst>
+                                    <p:set>
+                                      <p:cBhvr>
+                                        <p:cTn id="14" dur="1" fill="hold">
+                                          <p:stCondLst>
+                                            <p:cond delay="0"/>
+                                          </p:stCondLst>
+                                        </p:cTn>
+                                        <p:tgtEl>
+                                          <p:spTgt spid="96">
+                                            <p:txEl>
+                                              <p:pRg st="2" end="2"/>
+                                            </p:txEl>
+                                          </p:spTgt>
+                                        </p:tgtEl>
+                                        <p:attrNameLst>
+                                          <p:attrName>style.visibility</p:attrName>
+                                        </p:attrNameLst>
+                                      </p:cBhvr>
+                                      <p:to>
+                                        <p:strVal val="visible"/>
+                                      </p:to>
+                                    </p:set>
+                                  </p:childTnLst>
+                                </p:cTn>
+                              </p:par>
+                            </p:childTnLst>
+                          </p:cTn>
+                        </p:par>
+                      </p:childTnLst>
+                    </p:cTn>
+                  </p:par>
                   <p:par>
                     <p:cTn id="15" fill="hold">
                       <p:stCondLst>
@@ -7430,7 +8602,7 @@
                             </p:stCondLst>
                             <p:childTnLst>
                               <p:par>
-                                <p:cTn id="17" nodeType="clickEffect" fill="hold" presetClass="entr" presetID="1">
+                                <p:cTn id="17" presetID="1" presetClass="entr" fill="hold" nodeType="clickEffect">
                                   <p:stCondLst>
                                     <p:cond delay="0"/>
                                   </p:stCondLst>
@@ -7445,7 +8617,7 @@
                                         <p:tgtEl>
                                           <p:spTgt spid="96">
                                             <p:txEl>
-                                              <p:pRg st="0" end="0"/>
+                                              <p:pRg st="3" end="3"/>
                                             </p:txEl>
                                           </p:spTgt>
                                         </p:tgtEl>
@@ -7479,7 +8651,7 @@
                             </p:stCondLst>
                             <p:childTnLst>
                               <p:par>
-                                <p:cTn id="21" nodeType="clickEffect" fill="hold" presetClass="entr" presetID="1">
+                                <p:cTn id="21" presetID="1" presetClass="entr" fill="hold" nodeType="clickEffect">
                                   <p:stCondLst>
                                     <p:cond delay="0"/>
                                   </p:stCondLst>
@@ -7494,7 +8666,602 @@
                                         <p:tgtEl>
                                           <p:spTgt spid="96">
                                             <p:txEl>
+                                              <p:pRg st="4" end="4"/>
+                                            </p:txEl>
+                                          </p:spTgt>
+                                        </p:tgtEl>
+                                        <p:attrNameLst>
+                                          <p:attrName>style.visibility</p:attrName>
+                                        </p:attrNameLst>
+                                      </p:cBhvr>
+                                      <p:to>
+                                        <p:strVal val="visible"/>
+                                      </p:to>
+                                    </p:set>
+                                  </p:childTnLst>
+                                </p:cTn>
+                              </p:par>
+                            </p:childTnLst>
+                          </p:cTn>
+                        </p:par>
+                      </p:childTnLst>
+                    </p:cTn>
+                  </p:par>
+                </p:childTnLst>
+              </p:cTn>
+              <p:prevCondLst>
+                <p:cond evt="onPrev" delay="0">
+                  <p:tgtEl>
+                    <p:sldTgt/>
+                  </p:tgtEl>
+                </p:cond>
+              </p:prevCondLst>
+              <p:nextCondLst>
+                <p:cond evt="onNext" delay="0">
+                  <p:tgtEl>
+                    <p:sldTgt/>
+                  </p:tgtEl>
+                </p:cond>
+              </p:nextCondLst>
+            </p:seq>
+          </p:childTnLst>
+        </p:cTn>
+      </p:par>
+    </p:tnLst>
+  </p:timing>
+</p:sld>
+</file>
+
+<file path=ppt/slides/slide8.xml><?xml version="1.0" encoding="utf-8"?>
+<p:sld xmlns:a="http://schemas.openxmlformats.org/drawingml/2006/main" xmlns:r="http://schemas.openxmlformats.org/officeDocument/2006/relationships" xmlns:p="http://schemas.openxmlformats.org/presentationml/2006/main">
+  <p:cSld>
+    <p:spTree>
+      <p:nvGrpSpPr>
+        <p:cNvPr id="1" name=""/>
+        <p:cNvGrpSpPr/>
+        <p:nvPr/>
+      </p:nvGrpSpPr>
+      <p:grpSpPr>
+        <a:xfrm>
+          <a:off x="0" y="0"/>
+          <a:ext cx="0" cy="0"/>
+          <a:chOff x="0" y="0"/>
+          <a:chExt cx="0" cy="0"/>
+        </a:xfrm>
+      </p:grpSpPr>
+      <p:sp>
+        <p:nvSpPr>
+          <p:cNvPr id="97" name="CustomShape 1"/>
+          <p:cNvSpPr/>
+          <p:nvPr/>
+        </p:nvSpPr>
+        <p:spPr>
+          <a:xfrm>
+            <a:off x="457200" y="533520"/>
+            <a:ext cx="8228520" cy="989640"/>
+          </a:xfrm>
+          <a:prstGeom prst="rect">
+            <a:avLst/>
+          </a:prstGeom>
+          <a:noFill/>
+          <a:ln>
+            <a:noFill/>
+          </a:ln>
+        </p:spPr>
+        <p:style>
+          <a:lnRef idx="0">
+            <a:scrgbClr r="0" g="0" b="0"/>
+          </a:lnRef>
+          <a:fillRef idx="0">
+            <a:scrgbClr r="0" g="0" b="0"/>
+          </a:fillRef>
+          <a:effectRef idx="0">
+            <a:scrgbClr r="0" g="0" b="0"/>
+          </a:effectRef>
+          <a:fontRef idx="minor"/>
+        </p:style>
+        <p:txBody>
+          <a:bodyPr lIns="90000" tIns="45000" rIns="90000" bIns="45000" anchor="ctr"/>
+          <a:lstStyle/>
+          <a:p>
+            <a:pPr>
+              <a:lnSpc>
+                <a:spcPct val="100000"/>
+              </a:lnSpc>
+            </a:pPr>
+            <a:r>
+              <a:rPr lang="en-US" sz="4000" b="0" strike="noStrike" spc="-92">
+                <a:solidFill>
+                  <a:srgbClr val="D2533C"/>
+                </a:solidFill>
+                <a:latin typeface="Arial"/>
+                <a:ea typeface="DejaVu Sans"/>
+              </a:rPr>
+              <a:t>Diagramas de flujo - Formas</a:t>
+            </a:r>
+            <a:endParaRPr lang="en-US" sz="4000" b="0" strike="noStrike" spc="-1">
+              <a:latin typeface="Arial"/>
+            </a:endParaRPr>
+          </a:p>
+        </p:txBody>
+      </p:sp>
+      <p:sp>
+        <p:nvSpPr>
+          <p:cNvPr id="98" name="CustomShape 2"/>
+          <p:cNvSpPr/>
+          <p:nvPr/>
+        </p:nvSpPr>
+        <p:spPr>
+          <a:xfrm>
+            <a:off x="457200" y="1600200"/>
+            <a:ext cx="8228520" cy="4875840"/>
+          </a:xfrm>
+          <a:prstGeom prst="rect">
+            <a:avLst/>
+          </a:prstGeom>
+          <a:noFill/>
+          <a:ln>
+            <a:noFill/>
+          </a:ln>
+        </p:spPr>
+        <p:style>
+          <a:lnRef idx="0">
+            <a:scrgbClr r="0" g="0" b="0"/>
+          </a:lnRef>
+          <a:fillRef idx="0">
+            <a:scrgbClr r="0" g="0" b="0"/>
+          </a:fillRef>
+          <a:effectRef idx="0">
+            <a:scrgbClr r="0" g="0" b="0"/>
+          </a:effectRef>
+          <a:fontRef idx="minor"/>
+        </p:style>
+        <p:txBody>
+          <a:bodyPr lIns="90000" tIns="45000" rIns="90000" bIns="45000"/>
+          <a:lstStyle/>
+          <a:p>
+            <a:pPr marL="182880" indent="-181800">
+              <a:lnSpc>
+                <a:spcPct val="100000"/>
+              </a:lnSpc>
+              <a:spcBef>
+                <a:spcPts val="479"/>
+              </a:spcBef>
+              <a:buClr>
+                <a:srgbClr val="93A299"/>
+              </a:buClr>
+              <a:buSzPct val="85000"/>
+              <a:buFont typeface="Arial"/>
+              <a:buChar char="•"/>
+            </a:pPr>
+            <a:r>
+              <a:rPr lang="en-US" sz="2400" b="0" strike="noStrike" spc="-1">
+                <a:solidFill>
+                  <a:srgbClr val="292934"/>
+                </a:solidFill>
+                <a:latin typeface="Arial"/>
+                <a:ea typeface="DejaVu Sans"/>
+              </a:rPr>
+              <a:t>Elipse - Inicio y Final</a:t>
+            </a:r>
+            <a:endParaRPr lang="en-US" sz="2400" b="0" strike="noStrike" spc="-1">
+              <a:latin typeface="Arial"/>
+            </a:endParaRPr>
+          </a:p>
+          <a:p>
+            <a:pPr marL="182880" indent="-181800">
+              <a:lnSpc>
+                <a:spcPct val="100000"/>
+              </a:lnSpc>
+              <a:spcBef>
+                <a:spcPts val="479"/>
+              </a:spcBef>
+              <a:buClr>
+                <a:srgbClr val="93A299"/>
+              </a:buClr>
+              <a:buSzPct val="85000"/>
+              <a:buFont typeface="Arial"/>
+              <a:buChar char="•"/>
+            </a:pPr>
+            <a:r>
+              <a:rPr lang="en-US" sz="2400" b="0" strike="noStrike" spc="-1">
+                <a:solidFill>
+                  <a:srgbClr val="292934"/>
+                </a:solidFill>
+                <a:latin typeface="Arial"/>
+                <a:ea typeface="DejaVu Sans"/>
+              </a:rPr>
+              <a:t>Rectángulo – Actividad o procedimiento</a:t>
+            </a:r>
+            <a:endParaRPr lang="en-US" sz="2400" b="0" strike="noStrike" spc="-1">
+              <a:latin typeface="Arial"/>
+            </a:endParaRPr>
+          </a:p>
+          <a:p>
+            <a:pPr marL="182880" indent="-181800">
+              <a:lnSpc>
+                <a:spcPct val="100000"/>
+              </a:lnSpc>
+              <a:spcBef>
+                <a:spcPts val="479"/>
+              </a:spcBef>
+              <a:buClr>
+                <a:srgbClr val="93A299"/>
+              </a:buClr>
+              <a:buSzPct val="85000"/>
+              <a:buFont typeface="Arial"/>
+              <a:buChar char="•"/>
+            </a:pPr>
+            <a:r>
+              <a:rPr lang="en-US" sz="2400" b="0" strike="noStrike" spc="-1">
+                <a:solidFill>
+                  <a:srgbClr val="292934"/>
+                </a:solidFill>
+                <a:latin typeface="Arial"/>
+                <a:ea typeface="DejaVu Sans"/>
+              </a:rPr>
+              <a:t>Rombo – Decisión</a:t>
+            </a:r>
+            <a:endParaRPr lang="en-US" sz="2400" b="0" strike="noStrike" spc="-1">
+              <a:latin typeface="Arial"/>
+            </a:endParaRPr>
+          </a:p>
+          <a:p>
+            <a:pPr marL="182880" indent="-181800">
+              <a:lnSpc>
+                <a:spcPct val="100000"/>
+              </a:lnSpc>
+              <a:spcBef>
+                <a:spcPts val="479"/>
+              </a:spcBef>
+              <a:buClr>
+                <a:srgbClr val="93A299"/>
+              </a:buClr>
+              <a:buSzPct val="85000"/>
+              <a:buFont typeface="Arial"/>
+              <a:buChar char="•"/>
+            </a:pPr>
+            <a:r>
+              <a:rPr lang="en-US" sz="2400" b="0" strike="noStrike" spc="-1">
+                <a:solidFill>
+                  <a:srgbClr val="292934"/>
+                </a:solidFill>
+                <a:latin typeface="Arial"/>
+                <a:ea typeface="DejaVu Sans"/>
+              </a:rPr>
+              <a:t>Círculo – Conector</a:t>
+            </a:r>
+            <a:endParaRPr lang="en-US" sz="2400" b="0" strike="noStrike" spc="-1">
+              <a:latin typeface="Arial"/>
+            </a:endParaRPr>
+          </a:p>
+          <a:p>
+            <a:pPr marL="182880" indent="-181800">
+              <a:lnSpc>
+                <a:spcPct val="100000"/>
+              </a:lnSpc>
+              <a:spcBef>
+                <a:spcPts val="479"/>
+              </a:spcBef>
+              <a:buClr>
+                <a:srgbClr val="93A299"/>
+              </a:buClr>
+              <a:buSzPct val="85000"/>
+              <a:buFont typeface="Arial"/>
+              <a:buChar char="•"/>
+            </a:pPr>
+            <a:r>
+              <a:rPr lang="en-US" sz="2400" b="0" strike="noStrike" spc="-1">
+                <a:solidFill>
+                  <a:srgbClr val="292934"/>
+                </a:solidFill>
+                <a:latin typeface="Arial"/>
+                <a:ea typeface="DejaVu Sans"/>
+              </a:rPr>
+              <a:t>Romboide – Lectura</a:t>
+            </a:r>
+            <a:endParaRPr lang="en-US" sz="2400" b="0" strike="noStrike" spc="-1">
+              <a:latin typeface="Arial"/>
+            </a:endParaRPr>
+          </a:p>
+          <a:p>
+            <a:pPr marL="182880" indent="-181800">
+              <a:lnSpc>
+                <a:spcPct val="100000"/>
+              </a:lnSpc>
+              <a:spcBef>
+                <a:spcPts val="479"/>
+              </a:spcBef>
+              <a:buClr>
+                <a:srgbClr val="93A299"/>
+              </a:buClr>
+              <a:buSzPct val="85000"/>
+              <a:buFont typeface="Arial"/>
+              <a:buChar char="•"/>
+            </a:pPr>
+            <a:r>
+              <a:rPr lang="en-US" sz="2400" b="0" strike="noStrike" spc="-1">
+                <a:solidFill>
+                  <a:srgbClr val="292934"/>
+                </a:solidFill>
+                <a:latin typeface="Arial"/>
+                <a:ea typeface="DejaVu Sans"/>
+              </a:rPr>
+              <a:t>Rectángulo con curva - mensaje </a:t>
+            </a:r>
+            <a:endParaRPr lang="en-US" sz="2400" b="0" strike="noStrike" spc="-1">
+              <a:latin typeface="Arial"/>
+            </a:endParaRPr>
+          </a:p>
+          <a:p>
+            <a:pPr marL="182880" indent="-181800">
+              <a:lnSpc>
+                <a:spcPct val="100000"/>
+              </a:lnSpc>
+              <a:spcBef>
+                <a:spcPts val="479"/>
+              </a:spcBef>
+              <a:buClr>
+                <a:srgbClr val="93A299"/>
+              </a:buClr>
+              <a:buSzPct val="85000"/>
+              <a:buFont typeface="Arial"/>
+              <a:buChar char="•"/>
+            </a:pPr>
+            <a:r>
+              <a:rPr lang="en-US" sz="2400" b="0" strike="noStrike" spc="-1">
+                <a:solidFill>
+                  <a:srgbClr val="292934"/>
+                </a:solidFill>
+                <a:latin typeface="Arial"/>
+                <a:ea typeface="DejaVu Sans"/>
+              </a:rPr>
+              <a:t>Siempre sigue el mismo flujo, de arriba hacia abajo, siempre por las líneas rectas</a:t>
+            </a:r>
+            <a:endParaRPr lang="en-US" sz="2400" b="0" strike="noStrike" spc="-1">
+              <a:latin typeface="Arial"/>
+            </a:endParaRPr>
+          </a:p>
+        </p:txBody>
+      </p:sp>
+    </p:spTree>
+  </p:cSld>
+  <p:clrMapOvr>
+    <a:masterClrMapping/>
+  </p:clrMapOvr>
+  <p:timing>
+    <p:tnLst>
+      <p:par>
+        <p:cTn id="1" dur="indefinite" restart="never" nodeType="tmRoot">
+          <p:childTnLst>
+            <p:seq>
+              <p:cTn id="2" dur="indefinite" nodeType="mainSeq">
+                <p:childTnLst>
+                  <p:par>
+                    <p:cTn id="3" fill="hold">
+                      <p:stCondLst>
+                        <p:cond delay="indefinite"/>
+                      </p:stCondLst>
+                      <p:childTnLst>
+                        <p:par>
+                          <p:cTn id="4" fill="hold">
+                            <p:stCondLst>
+                              <p:cond delay="0"/>
+                            </p:stCondLst>
+                            <p:childTnLst>
+                              <p:par>
+                                <p:cTn id="5" presetID="1" presetClass="entr" fill="hold" nodeType="clickEffect">
+                                  <p:stCondLst>
+                                    <p:cond delay="0"/>
+                                  </p:stCondLst>
+                                  <p:childTnLst>
+                                    <p:set>
+                                      <p:cBhvr>
+                                        <p:cTn id="6" dur="1" fill="hold">
+                                          <p:stCondLst>
+                                            <p:cond delay="0"/>
+                                          </p:stCondLst>
+                                        </p:cTn>
+                                        <p:tgtEl>
+                                          <p:spTgt spid="98">
+                                            <p:txEl>
+                                              <p:pRg st="0" end="0"/>
+                                            </p:txEl>
+                                          </p:spTgt>
+                                        </p:tgtEl>
+                                        <p:attrNameLst>
+                                          <p:attrName>style.visibility</p:attrName>
+                                        </p:attrNameLst>
+                                      </p:cBhvr>
+                                      <p:to>
+                                        <p:strVal val="visible"/>
+                                      </p:to>
+                                    </p:set>
+                                  </p:childTnLst>
+                                </p:cTn>
+                              </p:par>
+                            </p:childTnLst>
+                          </p:cTn>
+                        </p:par>
+                      </p:childTnLst>
+                    </p:cTn>
+                  </p:par>
+                  <p:par>
+                    <p:cTn id="7" fill="hold">
+                      <p:stCondLst>
+                        <p:cond delay="indefinite"/>
+                      </p:stCondLst>
+                      <p:childTnLst>
+                        <p:par>
+                          <p:cTn id="8" fill="hold">
+                            <p:stCondLst>
+                              <p:cond delay="0"/>
+                            </p:stCondLst>
+                            <p:childTnLst>
+                              <p:par>
+                                <p:cTn id="9" presetID="1" presetClass="entr" fill="hold" nodeType="clickEffect">
+                                  <p:stCondLst>
+                                    <p:cond delay="0"/>
+                                  </p:stCondLst>
+                                  <p:childTnLst>
+                                    <p:set>
+                                      <p:cBhvr>
+                                        <p:cTn id="10" dur="1" fill="hold">
+                                          <p:stCondLst>
+                                            <p:cond delay="0"/>
+                                          </p:stCondLst>
+                                        </p:cTn>
+                                        <p:tgtEl>
+                                          <p:spTgt spid="98">
+                                            <p:txEl>
                                               <p:pRg st="1" end="1"/>
+                                            </p:txEl>
+                                          </p:spTgt>
+                                        </p:tgtEl>
+                                        <p:attrNameLst>
+                                          <p:attrName>style.visibility</p:attrName>
+                                        </p:attrNameLst>
+                                      </p:cBhvr>
+                                      <p:to>
+                                        <p:strVal val="visible"/>
+                                      </p:to>
+                                    </p:set>
+                                  </p:childTnLst>
+                                </p:cTn>
+                              </p:par>
+                            </p:childTnLst>
+                          </p:cTn>
+                        </p:par>
+                      </p:childTnLst>
+                    </p:cTn>
+                  </p:par>
+                  <p:par>
+                    <p:cTn id="11" fill="hold">
+                      <p:stCondLst>
+                        <p:cond delay="indefinite"/>
+                      </p:stCondLst>
+                      <p:childTnLst>
+                        <p:par>
+                          <p:cTn id="12" fill="hold">
+                            <p:stCondLst>
+                              <p:cond delay="0"/>
+                            </p:stCondLst>
+                            <p:childTnLst>
+                              <p:par>
+                                <p:cTn id="13" presetID="1" presetClass="entr" fill="hold" nodeType="clickEffect">
+                                  <p:stCondLst>
+                                    <p:cond delay="0"/>
+                                  </p:stCondLst>
+                                  <p:childTnLst>
+                                    <p:set>
+                                      <p:cBhvr>
+                                        <p:cTn id="14" dur="1" fill="hold">
+                                          <p:stCondLst>
+                                            <p:cond delay="0"/>
+                                          </p:stCondLst>
+                                        </p:cTn>
+                                        <p:tgtEl>
+                                          <p:spTgt spid="98">
+                                            <p:txEl>
+                                              <p:pRg st="2" end="2"/>
+                                            </p:txEl>
+                                          </p:spTgt>
+                                        </p:tgtEl>
+                                        <p:attrNameLst>
+                                          <p:attrName>style.visibility</p:attrName>
+                                        </p:attrNameLst>
+                                      </p:cBhvr>
+                                      <p:to>
+                                        <p:strVal val="visible"/>
+                                      </p:to>
+                                    </p:set>
+                                  </p:childTnLst>
+                                </p:cTn>
+                              </p:par>
+                            </p:childTnLst>
+                          </p:cTn>
+                        </p:par>
+                      </p:childTnLst>
+                    </p:cTn>
+                  </p:par>
+                  <p:par>
+                    <p:cTn id="15" fill="hold">
+                      <p:stCondLst>
+                        <p:cond delay="indefinite"/>
+                      </p:stCondLst>
+                      <p:childTnLst>
+                        <p:par>
+                          <p:cTn id="16" fill="hold">
+                            <p:stCondLst>
+                              <p:cond delay="0"/>
+                            </p:stCondLst>
+                            <p:childTnLst>
+                              <p:par>
+                                <p:cTn id="17" presetID="1" presetClass="entr" fill="hold" nodeType="clickEffect">
+                                  <p:stCondLst>
+                                    <p:cond delay="0"/>
+                                  </p:stCondLst>
+                                  <p:childTnLst>
+                                    <p:set>
+                                      <p:cBhvr>
+                                        <p:cTn id="18" dur="1" fill="hold">
+                                          <p:stCondLst>
+                                            <p:cond delay="0"/>
+                                          </p:stCondLst>
+                                        </p:cTn>
+                                        <p:tgtEl>
+                                          <p:spTgt spid="98">
+                                            <p:txEl>
+                                              <p:pRg st="3" end="3"/>
+                                            </p:txEl>
+                                          </p:spTgt>
+                                        </p:tgtEl>
+                                        <p:attrNameLst>
+                                          <p:attrName>style.visibility</p:attrName>
+                                        </p:attrNameLst>
+                                      </p:cBhvr>
+                                      <p:to>
+                                        <p:strVal val="visible"/>
+                                      </p:to>
+                                    </p:set>
+                                  </p:childTnLst>
+                                </p:cTn>
+                              </p:par>
+                            </p:childTnLst>
+                          </p:cTn>
+                        </p:par>
+                      </p:childTnLst>
+                    </p:cTn>
+                  </p:par>
+                  <p:par>
+                    <p:cTn id="19" fill="hold">
+                      <p:stCondLst>
+                        <p:cond delay="indefinite"/>
+                      </p:stCondLst>
+                      <p:childTnLst>
+                        <p:par>
+                          <p:cTn id="20" fill="hold">
+                            <p:stCondLst>
+                              <p:cond delay="0"/>
+                            </p:stCondLst>
+                            <p:childTnLst>
+                              <p:par>
+                                <p:cTn id="21" presetID="1" presetClass="entr" fill="hold" nodeType="clickEffect">
+                                  <p:stCondLst>
+                                    <p:cond delay="0"/>
+                                  </p:stCondLst>
+                                  <p:childTnLst>
+                                    <p:set>
+                                      <p:cBhvr>
+                                        <p:cTn id="22" dur="1" fill="hold">
+                                          <p:stCondLst>
+                                            <p:cond delay="0"/>
+                                          </p:stCondLst>
+                                        </p:cTn>
+                                        <p:tgtEl>
+                                          <p:spTgt spid="98">
+                                            <p:txEl>
+                                              <p:pRg st="4" end="4"/>
                                             </p:txEl>
                                           </p:spTgt>
                                         </p:tgtEl>
@@ -7528,7 +9295,7 @@
                             </p:stCondLst>
                             <p:childTnLst>
                               <p:par>
-                                <p:cTn id="25" nodeType="clickEffect" fill="hold" presetClass="entr" presetID="1">
+                                <p:cTn id="25" presetID="1" presetClass="entr" fill="hold" nodeType="clickEffect">
                                   <p:stCondLst>
                                     <p:cond delay="0"/>
                                   </p:stCondLst>
@@ -7541,9 +9308,9 @@
                                           </p:stCondLst>
                                         </p:cTn>
                                         <p:tgtEl>
-                                          <p:spTgt spid="96">
+                                          <p:spTgt spid="98">
                                             <p:txEl>
-                                              <p:pRg st="2" end="2"/>
+                                              <p:pRg st="5" end="5"/>
                                             </p:txEl>
                                           </p:spTgt>
                                         </p:tgtEl>
@@ -7577,7 +9344,7 @@
                             </p:stCondLst>
                             <p:childTnLst>
                               <p:par>
-                                <p:cTn id="29" nodeType="clickEffect" fill="hold" presetClass="entr" presetID="1">
+                                <p:cTn id="29" presetID="1" presetClass="entr" fill="hold" nodeType="clickEffect">
                                   <p:stCondLst>
                                     <p:cond delay="0"/>
                                   </p:stCondLst>
@@ -7585,731 +9352,6 @@
                                     <p:set>
                                       <p:cBhvr>
                                         <p:cTn id="30" dur="1" fill="hold">
-                                          <p:stCondLst>
-                                            <p:cond delay="0"/>
-                                          </p:stCondLst>
-                                        </p:cTn>
-                                        <p:tgtEl>
-                                          <p:spTgt spid="96">
-                                            <p:txEl>
-                                              <p:pRg st="3" end="3"/>
-                                            </p:txEl>
-                                          </p:spTgt>
-                                        </p:tgtEl>
-                                        <p:attrNameLst>
-                                          <p:attrName>style.visibility</p:attrName>
-                                        </p:attrNameLst>
-                                      </p:cBhvr>
-                                      <p:to>
-                                        <p:strVal val="visible"/>
-                                      </p:to>
-                                    </p:set>
-                                  </p:childTnLst>
-                                </p:cTn>
-                              </p:par>
-                            </p:childTnLst>
-                          </p:cTn>
-                        </p:par>
-                      </p:childTnLst>
-                    </p:cTn>
-                  </p:par>
-                  <p:par>
-                    <p:cTn id="31" fill="hold">
-                      <p:stCondLst>
-                        <p:cond delay="indefinite"/>
-                      </p:stCondLst>
-                      <p:childTnLst>
-                        <p:par>
-                          <p:cTn id="32" fill="hold">
-                            <p:stCondLst>
-                              <p:cond delay="0"/>
-                            </p:stCondLst>
-                            <p:childTnLst>
-                              <p:par>
-                                <p:cTn id="33" nodeType="clickEffect" fill="hold" presetClass="entr" presetID="1">
-                                  <p:stCondLst>
-                                    <p:cond delay="0"/>
-                                  </p:stCondLst>
-                                  <p:childTnLst>
-                                    <p:set>
-                                      <p:cBhvr>
-                                        <p:cTn id="34" dur="1" fill="hold">
-                                          <p:stCondLst>
-                                            <p:cond delay="0"/>
-                                          </p:stCondLst>
-                                        </p:cTn>
-                                        <p:tgtEl>
-                                          <p:spTgt spid="96">
-                                            <p:txEl>
-                                              <p:pRg st="4" end="4"/>
-                                            </p:txEl>
-                                          </p:spTgt>
-                                        </p:tgtEl>
-                                        <p:attrNameLst>
-                                          <p:attrName>style.visibility</p:attrName>
-                                        </p:attrNameLst>
-                                      </p:cBhvr>
-                                      <p:to>
-                                        <p:strVal val="visible"/>
-                                      </p:to>
-                                    </p:set>
-                                  </p:childTnLst>
-                                </p:cTn>
-                              </p:par>
-                            </p:childTnLst>
-                          </p:cTn>
-                        </p:par>
-                      </p:childTnLst>
-                    </p:cTn>
-                  </p:par>
-                </p:childTnLst>
-              </p:cTn>
-              <p:prevCondLst>
-                <p:cond delay="0" evt="onPrev">
-                  <p:tgtEl>
-                    <p:sldTgt/>
-                  </p:tgtEl>
-                </p:cond>
-              </p:prevCondLst>
-              <p:nextCondLst>
-                <p:cond delay="0" evt="onNext">
-                  <p:tgtEl>
-                    <p:sldTgt/>
-                  </p:tgtEl>
-                </p:cond>
-              </p:nextCondLst>
-            </p:seq>
-          </p:childTnLst>
-        </p:cTn>
-      </p:par>
-    </p:tnLst>
-  </p:timing>
-</p:sld>
-</file>
-
-<file path=ppt/slides/slide8.xml><?xml version="1.0" encoding="utf-8"?>
-<p:sld xmlns:a="http://schemas.openxmlformats.org/drawingml/2006/main" xmlns:p="http://schemas.openxmlformats.org/presentationml/2006/main" xmlns:r="http://schemas.openxmlformats.org/officeDocument/2006/relationships" xmlns:p14="http://schemas.microsoft.com/office/powerpoint/2010/main" xmlns:p15="http://schemas.microsoft.com/office/powerpoint/2012/main" xmlns:mc="http://schemas.openxmlformats.org/markup-compatibility/2006">
-  <p:cSld>
-    <p:spTree>
-      <p:nvGrpSpPr>
-        <p:cNvPr id="1" name=""/>
-        <p:cNvGrpSpPr/>
-        <p:nvPr/>
-      </p:nvGrpSpPr>
-      <p:grpSpPr>
-        <a:xfrm>
-          <a:off x="0" y="0"/>
-          <a:ext cx="0" cy="0"/>
-          <a:chOff x="0" y="0"/>
-          <a:chExt cx="0" cy="0"/>
-        </a:xfrm>
-      </p:grpSpPr>
-      <p:sp>
-        <p:nvSpPr>
-          <p:cNvPr id="97" name="CustomShape 1"/>
-          <p:cNvSpPr/>
-          <p:nvPr/>
-        </p:nvSpPr>
-        <p:spPr>
-          <a:xfrm>
-            <a:off x="457200" y="533520"/>
-            <a:ext cx="8228520" cy="989640"/>
-          </a:xfrm>
-          <a:prstGeom prst="rect">
-            <a:avLst/>
-          </a:prstGeom>
-          <a:noFill/>
-          <a:ln>
-            <a:noFill/>
-          </a:ln>
-        </p:spPr>
-        <p:style>
-          <a:lnRef idx="0"/>
-          <a:fillRef idx="0"/>
-          <a:effectRef idx="0"/>
-          <a:fontRef idx="minor"/>
-        </p:style>
-        <p:txBody>
-          <a:bodyPr lIns="90000" rIns="90000" tIns="45000" bIns="45000" anchor="ctr"/>
-          <a:p>
-            <a:pPr>
-              <a:lnSpc>
-                <a:spcPct val="100000"/>
-              </a:lnSpc>
-            </a:pPr>
-            <a:r>
-              <a:rPr b="0" lang="en-US" sz="4000" spc="-92" strike="noStrike">
-                <a:solidFill>
-                  <a:srgbClr val="d2533c"/>
-                </a:solidFill>
-                <a:latin typeface="Arial"/>
-                <a:ea typeface="DejaVu Sans"/>
-              </a:rPr>
-              <a:t>Diagramas de flujo - Formas</a:t>
-            </a:r>
-            <a:endParaRPr b="0" lang="en-US" sz="4000" spc="-1" strike="noStrike">
-              <a:latin typeface="Arial"/>
-            </a:endParaRPr>
-          </a:p>
-        </p:txBody>
-      </p:sp>
-      <p:sp>
-        <p:nvSpPr>
-          <p:cNvPr id="98" name="CustomShape 2"/>
-          <p:cNvSpPr/>
-          <p:nvPr/>
-        </p:nvSpPr>
-        <p:spPr>
-          <a:xfrm>
-            <a:off x="457200" y="1600200"/>
-            <a:ext cx="8228520" cy="4875840"/>
-          </a:xfrm>
-          <a:prstGeom prst="rect">
-            <a:avLst/>
-          </a:prstGeom>
-          <a:noFill/>
-          <a:ln>
-            <a:noFill/>
-          </a:ln>
-        </p:spPr>
-        <p:style>
-          <a:lnRef idx="0"/>
-          <a:fillRef idx="0"/>
-          <a:effectRef idx="0"/>
-          <a:fontRef idx="minor"/>
-        </p:style>
-        <p:txBody>
-          <a:bodyPr lIns="90000" rIns="90000" tIns="45000" bIns="45000"/>
-          <a:p>
-            <a:pPr marL="182880" indent="-181800">
-              <a:lnSpc>
-                <a:spcPct val="100000"/>
-              </a:lnSpc>
-              <a:spcBef>
-                <a:spcPts val="479"/>
-              </a:spcBef>
-              <a:buClr>
-                <a:srgbClr val="93a299"/>
-              </a:buClr>
-              <a:buSzPct val="85000"/>
-              <a:buFont typeface="Arial"/>
-              <a:buChar char="•"/>
-            </a:pPr>
-            <a:r>
-              <a:rPr b="0" lang="en-US" sz="2400" spc="-1" strike="noStrike">
-                <a:solidFill>
-                  <a:srgbClr val="292934"/>
-                </a:solidFill>
-                <a:latin typeface="Arial"/>
-                <a:ea typeface="DejaVu Sans"/>
-              </a:rPr>
-              <a:t>Elipse - Inicio y Final</a:t>
-            </a:r>
-            <a:endParaRPr b="0" lang="en-US" sz="2400" spc="-1" strike="noStrike">
-              <a:latin typeface="Arial"/>
-            </a:endParaRPr>
-          </a:p>
-          <a:p>
-            <a:pPr marL="182880" indent="-181800">
-              <a:lnSpc>
-                <a:spcPct val="100000"/>
-              </a:lnSpc>
-              <a:spcBef>
-                <a:spcPts val="479"/>
-              </a:spcBef>
-              <a:buClr>
-                <a:srgbClr val="93a299"/>
-              </a:buClr>
-              <a:buSzPct val="85000"/>
-              <a:buFont typeface="Arial"/>
-              <a:buChar char="•"/>
-            </a:pPr>
-            <a:r>
-              <a:rPr b="0" lang="en-US" sz="2400" spc="-1" strike="noStrike">
-                <a:solidFill>
-                  <a:srgbClr val="292934"/>
-                </a:solidFill>
-                <a:latin typeface="Arial"/>
-                <a:ea typeface="DejaVu Sans"/>
-              </a:rPr>
-              <a:t>Rectángulo – Actividad o procedimiento</a:t>
-            </a:r>
-            <a:endParaRPr b="0" lang="en-US" sz="2400" spc="-1" strike="noStrike">
-              <a:latin typeface="Arial"/>
-            </a:endParaRPr>
-          </a:p>
-          <a:p>
-            <a:pPr marL="182880" indent="-181800">
-              <a:lnSpc>
-                <a:spcPct val="100000"/>
-              </a:lnSpc>
-              <a:spcBef>
-                <a:spcPts val="479"/>
-              </a:spcBef>
-              <a:buClr>
-                <a:srgbClr val="93a299"/>
-              </a:buClr>
-              <a:buSzPct val="85000"/>
-              <a:buFont typeface="Arial"/>
-              <a:buChar char="•"/>
-            </a:pPr>
-            <a:r>
-              <a:rPr b="0" lang="en-US" sz="2400" spc="-1" strike="noStrike">
-                <a:solidFill>
-                  <a:srgbClr val="292934"/>
-                </a:solidFill>
-                <a:latin typeface="Arial"/>
-                <a:ea typeface="DejaVu Sans"/>
-              </a:rPr>
-              <a:t>Rombo – Decisión</a:t>
-            </a:r>
-            <a:endParaRPr b="0" lang="en-US" sz="2400" spc="-1" strike="noStrike">
-              <a:latin typeface="Arial"/>
-            </a:endParaRPr>
-          </a:p>
-          <a:p>
-            <a:pPr marL="182880" indent="-181800">
-              <a:lnSpc>
-                <a:spcPct val="100000"/>
-              </a:lnSpc>
-              <a:spcBef>
-                <a:spcPts val="479"/>
-              </a:spcBef>
-              <a:buClr>
-                <a:srgbClr val="93a299"/>
-              </a:buClr>
-              <a:buSzPct val="85000"/>
-              <a:buFont typeface="Arial"/>
-              <a:buChar char="•"/>
-            </a:pPr>
-            <a:r>
-              <a:rPr b="0" lang="en-US" sz="2400" spc="-1" strike="noStrike">
-                <a:solidFill>
-                  <a:srgbClr val="292934"/>
-                </a:solidFill>
-                <a:latin typeface="Arial"/>
-                <a:ea typeface="DejaVu Sans"/>
-              </a:rPr>
-              <a:t>Círculo – Conector</a:t>
-            </a:r>
-            <a:endParaRPr b="0" lang="en-US" sz="2400" spc="-1" strike="noStrike">
-              <a:latin typeface="Arial"/>
-            </a:endParaRPr>
-          </a:p>
-          <a:p>
-            <a:pPr marL="182880" indent="-181800">
-              <a:lnSpc>
-                <a:spcPct val="100000"/>
-              </a:lnSpc>
-              <a:spcBef>
-                <a:spcPts val="479"/>
-              </a:spcBef>
-              <a:buClr>
-                <a:srgbClr val="93a299"/>
-              </a:buClr>
-              <a:buSzPct val="85000"/>
-              <a:buFont typeface="Arial"/>
-              <a:buChar char="•"/>
-            </a:pPr>
-            <a:r>
-              <a:rPr b="0" lang="en-US" sz="2400" spc="-1" strike="noStrike">
-                <a:solidFill>
-                  <a:srgbClr val="292934"/>
-                </a:solidFill>
-                <a:latin typeface="Arial"/>
-                <a:ea typeface="DejaVu Sans"/>
-              </a:rPr>
-              <a:t>Romboide – Lectura</a:t>
-            </a:r>
-            <a:endParaRPr b="0" lang="en-US" sz="2400" spc="-1" strike="noStrike">
-              <a:latin typeface="Arial"/>
-            </a:endParaRPr>
-          </a:p>
-          <a:p>
-            <a:pPr marL="182880" indent="-181800">
-              <a:lnSpc>
-                <a:spcPct val="100000"/>
-              </a:lnSpc>
-              <a:spcBef>
-                <a:spcPts val="479"/>
-              </a:spcBef>
-              <a:buClr>
-                <a:srgbClr val="93a299"/>
-              </a:buClr>
-              <a:buSzPct val="85000"/>
-              <a:buFont typeface="Arial"/>
-              <a:buChar char="•"/>
-            </a:pPr>
-            <a:r>
-              <a:rPr b="0" lang="en-US" sz="2400" spc="-1" strike="noStrike">
-                <a:solidFill>
-                  <a:srgbClr val="292934"/>
-                </a:solidFill>
-                <a:latin typeface="Arial"/>
-                <a:ea typeface="DejaVu Sans"/>
-              </a:rPr>
-              <a:t>Rectángulo con curva - mensaje </a:t>
-            </a:r>
-            <a:endParaRPr b="0" lang="en-US" sz="2400" spc="-1" strike="noStrike">
-              <a:latin typeface="Arial"/>
-            </a:endParaRPr>
-          </a:p>
-          <a:p>
-            <a:pPr marL="182880" indent="-181800">
-              <a:lnSpc>
-                <a:spcPct val="100000"/>
-              </a:lnSpc>
-              <a:spcBef>
-                <a:spcPts val="479"/>
-              </a:spcBef>
-              <a:buClr>
-                <a:srgbClr val="93a299"/>
-              </a:buClr>
-              <a:buSzPct val="85000"/>
-              <a:buFont typeface="Arial"/>
-              <a:buChar char="•"/>
-            </a:pPr>
-            <a:r>
-              <a:rPr b="0" lang="en-US" sz="2400" spc="-1" strike="noStrike">
-                <a:solidFill>
-                  <a:srgbClr val="292934"/>
-                </a:solidFill>
-                <a:latin typeface="Arial"/>
-                <a:ea typeface="DejaVu Sans"/>
-              </a:rPr>
-              <a:t>Siempre sigue el mismo flujo, de arriba hacia abajo, siempre por las líneas rectas</a:t>
-            </a:r>
-            <a:endParaRPr b="0" lang="en-US" sz="2400" spc="-1" strike="noStrike">
-              <a:latin typeface="Arial"/>
-            </a:endParaRPr>
-          </a:p>
-        </p:txBody>
-      </p:sp>
-    </p:spTree>
-  </p:cSld>
-  <p:timing>
-    <p:tnLst>
-      <p:par>
-        <p:cTn id="35" dur="indefinite" restart="never" nodeType="tmRoot">
-          <p:childTnLst>
-            <p:seq>
-              <p:cTn id="36" dur="indefinite" nodeType="mainSeq">
-                <p:childTnLst>
-                  <p:par>
-                    <p:cTn id="37" fill="hold">
-                      <p:stCondLst>
-                        <p:cond delay="indefinite"/>
-                      </p:stCondLst>
-                      <p:childTnLst>
-                        <p:par>
-                          <p:cTn id="38" fill="hold">
-                            <p:stCondLst>
-                              <p:cond delay="0"/>
-                            </p:stCondLst>
-                            <p:childTnLst>
-                              <p:par>
-                                <p:cTn id="39" nodeType="clickEffect" fill="hold" presetClass="entr" presetID="1">
-                                  <p:stCondLst>
-                                    <p:cond delay="0"/>
-                                  </p:stCondLst>
-                                  <p:childTnLst>
-                                    <p:set>
-                                      <p:cBhvr>
-                                        <p:cTn id="40" dur="1" fill="hold">
-                                          <p:stCondLst>
-                                            <p:cond delay="0"/>
-                                          </p:stCondLst>
-                                        </p:cTn>
-                                        <p:tgtEl>
-                                          <p:spTgt spid="98">
-                                            <p:txEl>
-                                              <p:pRg st="0" end="0"/>
-                                            </p:txEl>
-                                          </p:spTgt>
-                                        </p:tgtEl>
-                                        <p:attrNameLst>
-                                          <p:attrName>style.visibility</p:attrName>
-                                        </p:attrNameLst>
-                                      </p:cBhvr>
-                                      <p:to>
-                                        <p:strVal val="visible"/>
-                                      </p:to>
-                                    </p:set>
-                                  </p:childTnLst>
-                                </p:cTn>
-                              </p:par>
-                            </p:childTnLst>
-                          </p:cTn>
-                        </p:par>
-                      </p:childTnLst>
-                    </p:cTn>
-                  </p:par>
-                  <p:par>
-                    <p:cTn id="41" fill="hold">
-                      <p:stCondLst>
-                        <p:cond delay="indefinite"/>
-                      </p:stCondLst>
-                      <p:childTnLst>
-                        <p:par>
-                          <p:cTn id="42" fill="hold">
-                            <p:stCondLst>
-                              <p:cond delay="0"/>
-                            </p:stCondLst>
-                            <p:childTnLst>
-                              <p:par>
-                                <p:cTn id="43" nodeType="clickEffect" fill="hold" presetClass="entr" presetID="1">
-                                  <p:stCondLst>
-                                    <p:cond delay="0"/>
-                                  </p:stCondLst>
-                                  <p:childTnLst>
-                                    <p:set>
-                                      <p:cBhvr>
-                                        <p:cTn id="44" dur="1" fill="hold">
-                                          <p:stCondLst>
-                                            <p:cond delay="0"/>
-                                          </p:stCondLst>
-                                        </p:cTn>
-                                        <p:tgtEl>
-                                          <p:spTgt spid="98">
-                                            <p:txEl>
-                                              <p:pRg st="1" end="1"/>
-                                            </p:txEl>
-                                          </p:spTgt>
-                                        </p:tgtEl>
-                                        <p:attrNameLst>
-                                          <p:attrName>style.visibility</p:attrName>
-                                        </p:attrNameLst>
-                                      </p:cBhvr>
-                                      <p:to>
-                                        <p:strVal val="visible"/>
-                                      </p:to>
-                                    </p:set>
-                                  </p:childTnLst>
-                                </p:cTn>
-                              </p:par>
-                            </p:childTnLst>
-                          </p:cTn>
-                        </p:par>
-                      </p:childTnLst>
-                    </p:cTn>
-                  </p:par>
-                  <p:par>
-                    <p:cTn id="45" fill="hold">
-                      <p:stCondLst>
-                        <p:cond delay="indefinite"/>
-                      </p:stCondLst>
-                      <p:childTnLst>
-                        <p:par>
-                          <p:cTn id="46" fill="hold">
-                            <p:stCondLst>
-                              <p:cond delay="0"/>
-                            </p:stCondLst>
-                            <p:childTnLst>
-                              <p:par>
-                                <p:cTn id="47" nodeType="clickEffect" fill="hold" presetClass="entr" presetID="1">
-                                  <p:stCondLst>
-                                    <p:cond delay="0"/>
-                                  </p:stCondLst>
-                                  <p:childTnLst>
-                                    <p:set>
-                                      <p:cBhvr>
-                                        <p:cTn id="48" dur="1" fill="hold">
-                                          <p:stCondLst>
-                                            <p:cond delay="0"/>
-                                          </p:stCondLst>
-                                        </p:cTn>
-                                        <p:tgtEl>
-                                          <p:spTgt spid="98">
-                                            <p:txEl>
-                                              <p:pRg st="2" end="2"/>
-                                            </p:txEl>
-                                          </p:spTgt>
-                                        </p:tgtEl>
-                                        <p:attrNameLst>
-                                          <p:attrName>style.visibility</p:attrName>
-                                        </p:attrNameLst>
-                                      </p:cBhvr>
-                                      <p:to>
-                                        <p:strVal val="visible"/>
-                                      </p:to>
-                                    </p:set>
-                                  </p:childTnLst>
-                                </p:cTn>
-                              </p:par>
-                            </p:childTnLst>
-                          </p:cTn>
-                        </p:par>
-                      </p:childTnLst>
-                    </p:cTn>
-                  </p:par>
-                  <p:par>
-                    <p:cTn id="49" fill="hold">
-                      <p:stCondLst>
-                        <p:cond delay="indefinite"/>
-                      </p:stCondLst>
-                      <p:childTnLst>
-                        <p:par>
-                          <p:cTn id="50" fill="hold">
-                            <p:stCondLst>
-                              <p:cond delay="0"/>
-                            </p:stCondLst>
-                            <p:childTnLst>
-                              <p:par>
-                                <p:cTn id="51" nodeType="clickEffect" fill="hold" presetClass="entr" presetID="1">
-                                  <p:stCondLst>
-                                    <p:cond delay="0"/>
-                                  </p:stCondLst>
-                                  <p:childTnLst>
-                                    <p:set>
-                                      <p:cBhvr>
-                                        <p:cTn id="52" dur="1" fill="hold">
-                                          <p:stCondLst>
-                                            <p:cond delay="0"/>
-                                          </p:stCondLst>
-                                        </p:cTn>
-                                        <p:tgtEl>
-                                          <p:spTgt spid="98">
-                                            <p:txEl>
-                                              <p:pRg st="3" end="3"/>
-                                            </p:txEl>
-                                          </p:spTgt>
-                                        </p:tgtEl>
-                                        <p:attrNameLst>
-                                          <p:attrName>style.visibility</p:attrName>
-                                        </p:attrNameLst>
-                                      </p:cBhvr>
-                                      <p:to>
-                                        <p:strVal val="visible"/>
-                                      </p:to>
-                                    </p:set>
-                                  </p:childTnLst>
-                                </p:cTn>
-                              </p:par>
-                            </p:childTnLst>
-                          </p:cTn>
-                        </p:par>
-                      </p:childTnLst>
-                    </p:cTn>
-                  </p:par>
-                  <p:par>
-                    <p:cTn id="53" fill="hold">
-                      <p:stCondLst>
-                        <p:cond delay="indefinite"/>
-                      </p:stCondLst>
-                      <p:childTnLst>
-                        <p:par>
-                          <p:cTn id="54" fill="hold">
-                            <p:stCondLst>
-                              <p:cond delay="0"/>
-                            </p:stCondLst>
-                            <p:childTnLst>
-                              <p:par>
-                                <p:cTn id="55" nodeType="clickEffect" fill="hold" presetClass="entr" presetID="1">
-                                  <p:stCondLst>
-                                    <p:cond delay="0"/>
-                                  </p:stCondLst>
-                                  <p:childTnLst>
-                                    <p:set>
-                                      <p:cBhvr>
-                                        <p:cTn id="56" dur="1" fill="hold">
-                                          <p:stCondLst>
-                                            <p:cond delay="0"/>
-                                          </p:stCondLst>
-                                        </p:cTn>
-                                        <p:tgtEl>
-                                          <p:spTgt spid="98">
-                                            <p:txEl>
-                                              <p:pRg st="4" end="4"/>
-                                            </p:txEl>
-                                          </p:spTgt>
-                                        </p:tgtEl>
-                                        <p:attrNameLst>
-                                          <p:attrName>style.visibility</p:attrName>
-                                        </p:attrNameLst>
-                                      </p:cBhvr>
-                                      <p:to>
-                                        <p:strVal val="visible"/>
-                                      </p:to>
-                                    </p:set>
-                                  </p:childTnLst>
-                                </p:cTn>
-                              </p:par>
-                            </p:childTnLst>
-                          </p:cTn>
-                        </p:par>
-                      </p:childTnLst>
-                    </p:cTn>
-                  </p:par>
-                  <p:par>
-                    <p:cTn id="57" fill="hold">
-                      <p:stCondLst>
-                        <p:cond delay="indefinite"/>
-                      </p:stCondLst>
-                      <p:childTnLst>
-                        <p:par>
-                          <p:cTn id="58" fill="hold">
-                            <p:stCondLst>
-                              <p:cond delay="0"/>
-                            </p:stCondLst>
-                            <p:childTnLst>
-                              <p:par>
-                                <p:cTn id="59" nodeType="clickEffect" fill="hold" presetClass="entr" presetID="1">
-                                  <p:stCondLst>
-                                    <p:cond delay="0"/>
-                                  </p:stCondLst>
-                                  <p:childTnLst>
-                                    <p:set>
-                                      <p:cBhvr>
-                                        <p:cTn id="60" dur="1" fill="hold">
-                                          <p:stCondLst>
-                                            <p:cond delay="0"/>
-                                          </p:stCondLst>
-                                        </p:cTn>
-                                        <p:tgtEl>
-                                          <p:spTgt spid="98">
-                                            <p:txEl>
-                                              <p:pRg st="5" end="5"/>
-                                            </p:txEl>
-                                          </p:spTgt>
-                                        </p:tgtEl>
-                                        <p:attrNameLst>
-                                          <p:attrName>style.visibility</p:attrName>
-                                        </p:attrNameLst>
-                                      </p:cBhvr>
-                                      <p:to>
-                                        <p:strVal val="visible"/>
-                                      </p:to>
-                                    </p:set>
-                                  </p:childTnLst>
-                                </p:cTn>
-                              </p:par>
-                            </p:childTnLst>
-                          </p:cTn>
-                        </p:par>
-                      </p:childTnLst>
-                    </p:cTn>
-                  </p:par>
-                  <p:par>
-                    <p:cTn id="61" fill="hold">
-                      <p:stCondLst>
-                        <p:cond delay="indefinite"/>
-                      </p:stCondLst>
-                      <p:childTnLst>
-                        <p:par>
-                          <p:cTn id="62" fill="hold">
-                            <p:stCondLst>
-                              <p:cond delay="0"/>
-                            </p:stCondLst>
-                            <p:childTnLst>
-                              <p:par>
-                                <p:cTn id="63" nodeType="clickEffect" fill="hold" presetClass="entr" presetID="1">
-                                  <p:stCondLst>
-                                    <p:cond delay="0"/>
-                                  </p:stCondLst>
-                                  <p:childTnLst>
-                                    <p:set>
-                                      <p:cBhvr>
-                                        <p:cTn id="64" dur="1" fill="hold">
                                           <p:stCondLst>
                                             <p:cond delay="0"/>
                                           </p:stCondLst>
@@ -8341,14 +9383,14 @@
                 </p:childTnLst>
               </p:cTn>
               <p:prevCondLst>
-                <p:cond delay="0" evt="onPrev">
+                <p:cond evt="onPrev" delay="0">
                   <p:tgtEl>
                     <p:sldTgt/>
                   </p:tgtEl>
                 </p:cond>
               </p:prevCondLst>
               <p:nextCondLst>
-                <p:cond delay="0" evt="onNext">
+                <p:cond evt="onNext" delay="0">
                   <p:tgtEl>
                     <p:sldTgt/>
                   </p:tgtEl>
@@ -8364,7 +9406,7 @@
 </file>
 
 <file path=ppt/slides/slide9.xml><?xml version="1.0" encoding="utf-8"?>
-<p:sld xmlns:a="http://schemas.openxmlformats.org/drawingml/2006/main" xmlns:p="http://schemas.openxmlformats.org/presentationml/2006/main" xmlns:r="http://schemas.openxmlformats.org/officeDocument/2006/relationships" xmlns:p14="http://schemas.microsoft.com/office/powerpoint/2010/main" xmlns:p15="http://schemas.microsoft.com/office/powerpoint/2012/main" xmlns:mc="http://schemas.openxmlformats.org/markup-compatibility/2006">
+<p:sld xmlns:a="http://schemas.openxmlformats.org/drawingml/2006/main" xmlns:r="http://schemas.openxmlformats.org/officeDocument/2006/relationships" xmlns:p="http://schemas.openxmlformats.org/presentationml/2006/main">
   <p:cSld>
     <p:spTree>
       <p:nvGrpSpPr>
@@ -8400,13 +9442,20 @@
           </a:ln>
         </p:spPr>
         <p:style>
-          <a:lnRef idx="0"/>
-          <a:fillRef idx="0"/>
-          <a:effectRef idx="0"/>
+          <a:lnRef idx="0">
+            <a:scrgbClr r="0" g="0" b="0"/>
+          </a:lnRef>
+          <a:fillRef idx="0">
+            <a:scrgbClr r="0" g="0" b="0"/>
+          </a:fillRef>
+          <a:effectRef idx="0">
+            <a:scrgbClr r="0" g="0" b="0"/>
+          </a:effectRef>
           <a:fontRef idx="minor"/>
         </p:style>
         <p:txBody>
-          <a:bodyPr lIns="90000" rIns="90000" tIns="45000" bIns="45000" anchor="ctr"/>
+          <a:bodyPr lIns="90000" tIns="45000" rIns="90000" bIns="45000" anchor="ctr"/>
+          <a:lstStyle/>
           <a:p>
             <a:pPr>
               <a:lnSpc>
@@ -8414,16 +9463,16 @@
               </a:lnSpc>
             </a:pPr>
             <a:r>
-              <a:rPr b="0" lang="en-US" sz="4000" spc="-92" strike="noStrike">
+              <a:rPr lang="en-US" sz="4000" b="0" strike="noStrike" spc="-92">
                 <a:solidFill>
-                  <a:srgbClr val="d2533c"/>
+                  <a:srgbClr val="D2533C"/>
                 </a:solidFill>
                 <a:latin typeface="Arial"/>
                 <a:ea typeface="DejaVu Sans"/>
               </a:rPr>
               <a:t>Diagramas de flujo - Ejemplo</a:t>
             </a:r>
-            <a:endParaRPr b="0" lang="en-US" sz="4000" spc="-1" strike="noStrike">
+            <a:endParaRPr lang="en-US" sz="4000" b="0" strike="noStrike" spc="-1">
               <a:latin typeface="Arial"/>
             </a:endParaRPr>
           </a:p>
@@ -8449,9 +9498,15 @@
           </a:ln>
         </p:spPr>
         <p:style>
-          <a:lnRef idx="0"/>
-          <a:fillRef idx="0"/>
-          <a:effectRef idx="0"/>
+          <a:lnRef idx="0">
+            <a:scrgbClr r="0" g="0" b="0"/>
+          </a:lnRef>
+          <a:fillRef idx="0">
+            <a:scrgbClr r="0" g="0" b="0"/>
+          </a:fillRef>
+          <a:effectRef idx="0">
+            <a:scrgbClr r="0" g="0" b="0"/>
+          </a:effectRef>
           <a:fontRef idx="minor"/>
         </p:style>
       </p:sp>
@@ -8475,9 +9530,15 @@
           </a:ln>
         </p:spPr>
         <p:style>
-          <a:lnRef idx="0"/>
-          <a:fillRef idx="0"/>
-          <a:effectRef idx="0"/>
+          <a:lnRef idx="0">
+            <a:scrgbClr r="0" g="0" b="0"/>
+          </a:lnRef>
+          <a:fillRef idx="0">
+            <a:scrgbClr r="0" g="0" b="0"/>
+          </a:fillRef>
+          <a:effectRef idx="0">
+            <a:scrgbClr r="0" g="0" b="0"/>
+          </a:effectRef>
           <a:fontRef idx="minor"/>
         </p:style>
       </p:sp>
@@ -8501,20 +9562,26 @@
           </a:ln>
         </p:spPr>
         <p:style>
-          <a:lnRef idx="0"/>
-          <a:fillRef idx="0"/>
-          <a:effectRef idx="0"/>
+          <a:lnRef idx="0">
+            <a:scrgbClr r="0" g="0" b="0"/>
+          </a:lnRef>
+          <a:fillRef idx="0">
+            <a:scrgbClr r="0" g="0" b="0"/>
+          </a:fillRef>
+          <a:effectRef idx="0">
+            <a:scrgbClr r="0" g="0" b="0"/>
+          </a:effectRef>
           <a:fontRef idx="minor"/>
         </p:style>
       </p:sp>
       <p:pic>
         <p:nvPicPr>
-          <p:cNvPr id="103" name="Picture 9" descr=""/>
+          <p:cNvPr id="103" name="Picture 9"/>
           <p:cNvPicPr/>
           <p:nvPr/>
         </p:nvPicPr>
         <p:blipFill>
-          <a:blip r:embed="rId1"/>
+          <a:blip r:embed="rId2"/>
           <a:stretch/>
         </p:blipFill>
         <p:spPr>
@@ -8532,22 +9599,25 @@
       </p:pic>
     </p:spTree>
   </p:cSld>
+  <p:clrMapOvr>
+    <a:masterClrMapping/>
+  </p:clrMapOvr>
   <p:timing>
     <p:tnLst>
       <p:par>
-        <p:cTn id="65" dur="indefinite" restart="never" nodeType="tmRoot">
+        <p:cTn id="1" dur="indefinite" restart="never" nodeType="tmRoot">
           <p:childTnLst>
             <p:seq>
-              <p:cTn id="66" dur="indefinite" nodeType="mainSeq"/>
+              <p:cTn id="2" dur="indefinite" nodeType="mainSeq"/>
               <p:prevCondLst>
-                <p:cond delay="0" evt="onPrev">
+                <p:cond evt="onPrev" delay="0">
                   <p:tgtEl>
                     <p:sldTgt/>
                   </p:tgtEl>
                 </p:cond>
               </p:prevCondLst>
               <p:nextCondLst>
-                <p:cond delay="0" evt="onNext">
+                <p:cond evt="onNext" delay="0">
                   <p:tgtEl>
                     <p:sldTgt/>
                   </p:tgtEl>
@@ -8573,31 +9643,31 @@
         <a:sysClr val="window" lastClr="FFFFFF"/>
       </a:lt1>
       <a:dk2>
-        <a:srgbClr val="d2533c"/>
+        <a:srgbClr val="D2533C"/>
       </a:dk2>
       <a:lt2>
-        <a:srgbClr val="f3f2dc"/>
+        <a:srgbClr val="F3F2DC"/>
       </a:lt2>
       <a:accent1>
-        <a:srgbClr val="93a299"/>
+        <a:srgbClr val="93A299"/>
       </a:accent1>
       <a:accent2>
-        <a:srgbClr val="ad8f67"/>
+        <a:srgbClr val="AD8F67"/>
       </a:accent2>
       <a:accent3>
         <a:srgbClr val="726056"/>
       </a:accent3>
       <a:accent4>
-        <a:srgbClr val="4c5a6a"/>
+        <a:srgbClr val="4C5A6A"/>
       </a:accent4>
       <a:accent5>
-        <a:srgbClr val="808da0"/>
+        <a:srgbClr val="808DA0"/>
       </a:accent5>
       <a:accent6>
-        <a:srgbClr val="79463d"/>
+        <a:srgbClr val="79463D"/>
       </a:accent6>
       <a:hlink>
-        <a:srgbClr val="0000ff"/>
+        <a:srgbClr val="0000FF"/>
       </a:hlink>
       <a:folHlink>
         <a:srgbClr val="800080"/>
@@ -8782,6 +9852,8 @@
       </a:bgFillStyleLst>
     </a:fmtScheme>
   </a:themeElements>
+  <a:objectDefaults/>
+  <a:extraClrSchemeLst/>
 </a:theme>
 </file>
 
@@ -8796,31 +9868,31 @@
         <a:sysClr val="window" lastClr="FFFFFF"/>
       </a:lt1>
       <a:dk2>
-        <a:srgbClr val="d2533c"/>
+        <a:srgbClr val="D2533C"/>
       </a:dk2>
       <a:lt2>
-        <a:srgbClr val="f3f2dc"/>
+        <a:srgbClr val="F3F2DC"/>
       </a:lt2>
       <a:accent1>
-        <a:srgbClr val="93a299"/>
+        <a:srgbClr val="93A299"/>
       </a:accent1>
       <a:accent2>
-        <a:srgbClr val="ad8f67"/>
+        <a:srgbClr val="AD8F67"/>
       </a:accent2>
       <a:accent3>
         <a:srgbClr val="726056"/>
       </a:accent3>
       <a:accent4>
-        <a:srgbClr val="4c5a6a"/>
+        <a:srgbClr val="4C5A6A"/>
       </a:accent4>
       <a:accent5>
-        <a:srgbClr val="808da0"/>
+        <a:srgbClr val="808DA0"/>
       </a:accent5>
       <a:accent6>
-        <a:srgbClr val="79463d"/>
+        <a:srgbClr val="79463D"/>
       </a:accent6>
       <a:hlink>
-        <a:srgbClr val="0000ff"/>
+        <a:srgbClr val="0000FF"/>
       </a:hlink>
       <a:folHlink>
         <a:srgbClr val="800080"/>
@@ -9005,5 +10077,7 @@
       </a:bgFillStyleLst>
     </a:fmtScheme>
   </a:themeElements>
+  <a:objectDefaults/>
+  <a:extraClrSchemeLst/>
 </a:theme>
 </file>